--- a/papier/odsi_wp1wp3/figures/layers.pptx
+++ b/papier/odsi_wp1wp3/figures/layers.pptx
@@ -110,7 +110,7 @@
   </p:defaultTextStyle>
   <p:extLst>
     <p:ext uri="{EFAFB233-063F-42B5-8137-9DF3F51BA10A}">
-      <p15:sldGuideLst xmlns:p15="http://schemas.microsoft.com/office/powerpoint/2012/main" xmlns="">
+      <p15:sldGuideLst xmlns="" xmlns:p15="http://schemas.microsoft.com/office/powerpoint/2012/main">
         <p15:guide id="9" orient="horz" pos="169">
           <p15:clr>
             <a:srgbClr val="A4A3A4"/>
@@ -154,7 +154,7 @@
       </p15:sldGuideLst>
     </p:ext>
     <p:ext uri="{2D200454-40CA-4A62-9FC3-DE9A4176ACB9}">
-      <p15:notesGuideLst xmlns:p15="http://schemas.microsoft.com/office/powerpoint/2012/main" xmlns=""/>
+      <p15:notesGuideLst xmlns="" xmlns:p15="http://schemas.microsoft.com/office/powerpoint/2012/main"/>
     </p:ext>
   </p:extLst>
 </p:presentation>
@@ -247,7 +247,7 @@
             <a:fld id="{14F63557-65CD-470F-8999-4C3C411BE899}" type="datetimeFigureOut">
               <a:rPr lang="en-GB" smtClean="0"/>
               <a:pPr/>
-              <a:t>23/02/2018</a:t>
+              <a:t>16/03/2018</a:t>
             </a:fld>
             <a:endParaRPr lang="en-GB"/>
           </a:p>
@@ -4412,7 +4412,7 @@
   </p:txStyles>
   <p:extLst mod="1">
     <p:ext uri="{27BBF7A9-308A-43DC-89C8-2F10F3537804}">
-      <p15:sldGuideLst xmlns:p15="http://schemas.microsoft.com/office/powerpoint/2012/main" xmlns=""/>
+      <p15:sldGuideLst xmlns="" xmlns:p15="http://schemas.microsoft.com/office/powerpoint/2012/main"/>
     </p:ext>
   </p:extLst>
 </p:sldMaster>
@@ -4481,6 +4481,9 @@
                 <a:solidFill>
                   <a:schemeClr val="bg1"/>
                 </a:solidFill>
+                <a:latin typeface="CMU Sans Serif" panose="02000603000000000000" pitchFamily="2" charset="0"/>
+                <a:ea typeface="CMU Sans Serif" panose="02000603000000000000" pitchFamily="2" charset="0"/>
+                <a:cs typeface="CMU Sans Serif" panose="02000603000000000000" pitchFamily="2" charset="0"/>
               </a:rPr>
               <a:t>Hardware</a:t>
             </a:r>
@@ -4533,6 +4536,9 @@
                 <a:solidFill>
                   <a:schemeClr val="bg1"/>
                 </a:solidFill>
+                <a:latin typeface="CMU Sans Serif" panose="02000603000000000000" pitchFamily="2" charset="0"/>
+                <a:ea typeface="CMU Sans Serif" panose="02000603000000000000" pitchFamily="2" charset="0"/>
+                <a:cs typeface="CMU Sans Serif" panose="02000603000000000000" pitchFamily="2" charset="0"/>
               </a:rPr>
               <a:t>PIP</a:t>
             </a:r>
@@ -4588,6 +4594,9 @@
                 <a:solidFill>
                   <a:schemeClr val="tx1"/>
                 </a:solidFill>
+                <a:latin typeface="CMU Sans Serif" panose="02000603000000000000" pitchFamily="2" charset="0"/>
+                <a:ea typeface="CMU Sans Serif" panose="02000603000000000000" pitchFamily="2" charset="0"/>
+                <a:cs typeface="CMU Sans Serif" panose="02000603000000000000" pitchFamily="2" charset="0"/>
               </a:rPr>
               <a:t>FreeRTOS</a:t>
             </a:r>
@@ -4595,6 +4604,9 @@
               <a:solidFill>
                 <a:schemeClr val="tx1"/>
               </a:solidFill>
+              <a:latin typeface="CMU Sans Serif" panose="02000603000000000000" pitchFamily="2" charset="0"/>
+              <a:ea typeface="CMU Sans Serif" panose="02000603000000000000" pitchFamily="2" charset="0"/>
+              <a:cs typeface="CMU Sans Serif" panose="02000603000000000000" pitchFamily="2" charset="0"/>
             </a:endParaRPr>
           </a:p>
         </p:txBody>
@@ -4651,93 +4663,12 @@
                 <a:solidFill>
                   <a:srgbClr val="000000"/>
                 </a:solidFill>
-              </a:rPr>
-              <a:t>Dom0 </a:t>
-            </a:r>
-            <a:r>
-              <a:rPr lang="fr-FR" sz="1400" dirty="0" smtClean="0">
-                <a:solidFill>
-                  <a:srgbClr val="000000"/>
-                </a:solidFill>
-              </a:rPr>
-              <a:t>CM</a:t>
-            </a:r>
-            <a:endParaRPr lang="fr-FR" sz="1400" dirty="0" smtClean="0">
-              <a:solidFill>
-                <a:srgbClr val="000000"/>
-              </a:solidFill>
-            </a:endParaRPr>
-          </a:p>
-        </p:txBody>
-      </p:sp>
-      <p:sp>
-        <p:nvSpPr>
-          <p:cNvPr id="16" name="Rectangle 15"/>
-          <p:cNvSpPr/>
-          <p:nvPr/>
-        </p:nvSpPr>
-        <p:spPr>
-          <a:xfrm>
-            <a:off x="2868864" y="3371479"/>
-            <a:ext cx="1800000" cy="288000"/>
-          </a:xfrm>
-          <a:prstGeom prst="rect">
-            <a:avLst/>
-          </a:prstGeom>
-          <a:solidFill>
-            <a:schemeClr val="bg1">
-              <a:lumMod val="85000"/>
-            </a:schemeClr>
-          </a:solidFill>
-          <a:ln>
-            <a:solidFill>
-              <a:srgbClr val="000000"/>
-            </a:solidFill>
-            <a:prstDash val="sysDot"/>
-          </a:ln>
-        </p:spPr>
-        <p:style>
-          <a:lnRef idx="2">
-            <a:schemeClr val="accent2">
-              <a:shade val="50000"/>
-            </a:schemeClr>
-          </a:lnRef>
-          <a:fillRef idx="1">
-            <a:schemeClr val="accent2"/>
-          </a:fillRef>
-          <a:effectRef idx="0">
-            <a:schemeClr val="accent2"/>
-          </a:effectRef>
-          <a:fontRef idx="minor">
-            <a:schemeClr val="lt1"/>
-          </a:fontRef>
-        </p:style>
-        <p:txBody>
-          <a:bodyPr rtlCol="0" anchor="ctr"/>
-          <a:lstStyle/>
-          <a:p>
-            <a:pPr algn="ctr"/>
-            <a:r>
-              <a:rPr lang="fr-FR" sz="1400" dirty="0" smtClean="0">
-                <a:solidFill>
-                  <a:srgbClr val="000000"/>
-                </a:solidFill>
-              </a:rPr>
-              <a:t>Dom1 </a:t>
-            </a:r>
-            <a:r>
-              <a:rPr lang="fr-FR" sz="1400" dirty="0" smtClean="0">
-                <a:solidFill>
-                  <a:srgbClr val="000000"/>
-                </a:solidFill>
-              </a:rPr>
-              <a:t>CM</a:t>
-            </a:r>
-            <a:endParaRPr lang="fr-FR" sz="1400" dirty="0" smtClean="0">
-              <a:solidFill>
-                <a:srgbClr val="000000"/>
-              </a:solidFill>
-            </a:endParaRPr>
+                <a:latin typeface="CMU Sans Serif" panose="02000603000000000000" pitchFamily="2" charset="0"/>
+                <a:ea typeface="CMU Sans Serif" panose="02000603000000000000" pitchFamily="2" charset="0"/>
+                <a:cs typeface="CMU Sans Serif" panose="02000603000000000000" pitchFamily="2" charset="0"/>
+              </a:rPr>
+              <a:t>Dom0 CM</a:t>
+            </a:r>
           </a:p>
         </p:txBody>
       </p:sp>
@@ -4793,22 +4724,23 @@
                 <a:solidFill>
                   <a:srgbClr val="000000"/>
                 </a:solidFill>
-              </a:rPr>
-              <a:t>Dom2 </a:t>
+                <a:latin typeface="CMU Sans Serif" panose="02000603000000000000" pitchFamily="2" charset="0"/>
+                <a:ea typeface="CMU Sans Serif" panose="02000603000000000000" pitchFamily="2" charset="0"/>
+                <a:cs typeface="CMU Sans Serif" panose="02000603000000000000" pitchFamily="2" charset="0"/>
+              </a:rPr>
+              <a:t>Dom1 </a:t>
             </a:r>
             <a:r>
               <a:rPr lang="fr-FR" sz="1400" dirty="0" smtClean="0">
                 <a:solidFill>
                   <a:srgbClr val="000000"/>
                 </a:solidFill>
+                <a:latin typeface="CMU Sans Serif" panose="02000603000000000000" pitchFamily="2" charset="0"/>
+                <a:ea typeface="CMU Sans Serif" panose="02000603000000000000" pitchFamily="2" charset="0"/>
+                <a:cs typeface="CMU Sans Serif" panose="02000603000000000000" pitchFamily="2" charset="0"/>
               </a:rPr>
               <a:t>CM</a:t>
             </a:r>
-            <a:endParaRPr lang="fr-FR" sz="1400" dirty="0" smtClean="0">
-              <a:solidFill>
-                <a:srgbClr val="000000"/>
-              </a:solidFill>
-            </a:endParaRPr>
           </a:p>
         </p:txBody>
       </p:sp>
@@ -4864,22 +4796,23 @@
                 <a:solidFill>
                   <a:srgbClr val="000000"/>
                 </a:solidFill>
-              </a:rPr>
-              <a:t>Dom3 </a:t>
+                <a:latin typeface="CMU Sans Serif" panose="02000603000000000000" pitchFamily="2" charset="0"/>
+                <a:ea typeface="CMU Sans Serif" panose="02000603000000000000" pitchFamily="2" charset="0"/>
+                <a:cs typeface="CMU Sans Serif" panose="02000603000000000000" pitchFamily="2" charset="0"/>
+              </a:rPr>
+              <a:t>Dom2 </a:t>
             </a:r>
             <a:r>
               <a:rPr lang="fr-FR" sz="1400" dirty="0" smtClean="0">
                 <a:solidFill>
                   <a:srgbClr val="000000"/>
                 </a:solidFill>
+                <a:latin typeface="CMU Sans Serif" panose="02000603000000000000" pitchFamily="2" charset="0"/>
+                <a:ea typeface="CMU Sans Serif" panose="02000603000000000000" pitchFamily="2" charset="0"/>
+                <a:cs typeface="CMU Sans Serif" panose="02000603000000000000" pitchFamily="2" charset="0"/>
               </a:rPr>
               <a:t>CM</a:t>
             </a:r>
-            <a:endParaRPr lang="fr-FR" sz="1400" dirty="0" smtClean="0">
-              <a:solidFill>
-                <a:srgbClr val="000000"/>
-              </a:solidFill>
-            </a:endParaRPr>
           </a:p>
         </p:txBody>
       </p:sp>
@@ -4891,8 +4824,8 @@
         </p:nvSpPr>
         <p:spPr>
           <a:xfrm>
-            <a:off x="600512" y="339502"/>
-            <a:ext cx="2016224" cy="2520000"/>
+            <a:off x="600511" y="222756"/>
+            <a:ext cx="4068353" cy="2664000"/>
           </a:xfrm>
           <a:prstGeom prst="rect">
             <a:avLst/>
@@ -4932,6 +4865,9 @@
                 <a:solidFill>
                   <a:srgbClr val="000000"/>
                 </a:solidFill>
+                <a:latin typeface="CMU Sans Serif" panose="02000603000000000000" pitchFamily="2" charset="0"/>
+                <a:ea typeface="CMU Sans Serif" panose="02000603000000000000" pitchFamily="2" charset="0"/>
+                <a:cs typeface="CMU Sans Serif" panose="02000603000000000000" pitchFamily="2" charset="0"/>
               </a:rPr>
               <a:t>Dom0 – Manufacturer</a:t>
             </a:r>
@@ -4943,6 +4879,9 @@
                 <a:solidFill>
                   <a:srgbClr val="000000"/>
                 </a:solidFill>
+                <a:latin typeface="CMU Sans Serif" panose="02000603000000000000" pitchFamily="2" charset="0"/>
+                <a:ea typeface="CMU Sans Serif" panose="02000603000000000000" pitchFamily="2" charset="0"/>
+                <a:cs typeface="CMU Sans Serif" panose="02000603000000000000" pitchFamily="2" charset="0"/>
               </a:rPr>
               <a:t>Direct </a:t>
             </a:r>
@@ -4951,6 +4890,9 @@
                 <a:solidFill>
                   <a:srgbClr val="000000"/>
                 </a:solidFill>
+                <a:latin typeface="CMU Sans Serif" panose="02000603000000000000" pitchFamily="2" charset="0"/>
+                <a:ea typeface="CMU Sans Serif" panose="02000603000000000000" pitchFamily="2" charset="0"/>
+                <a:cs typeface="CMU Sans Serif" panose="02000603000000000000" pitchFamily="2" charset="0"/>
               </a:rPr>
               <a:t>link</a:t>
             </a:r>
@@ -4959,6 +4901,9 @@
                 <a:solidFill>
                   <a:srgbClr val="000000"/>
                 </a:solidFill>
+                <a:latin typeface="CMU Sans Serif" panose="02000603000000000000" pitchFamily="2" charset="0"/>
+                <a:ea typeface="CMU Sans Serif" panose="02000603000000000000" pitchFamily="2" charset="0"/>
+                <a:cs typeface="CMU Sans Serif" panose="02000603000000000000" pitchFamily="2" charset="0"/>
               </a:rPr>
               <a:t> </a:t>
             </a:r>
@@ -4967,6 +4912,9 @@
                 <a:solidFill>
                   <a:srgbClr val="000000"/>
                 </a:solidFill>
+                <a:latin typeface="CMU Sans Serif" panose="02000603000000000000" pitchFamily="2" charset="0"/>
+                <a:ea typeface="CMU Sans Serif" panose="02000603000000000000" pitchFamily="2" charset="0"/>
+                <a:cs typeface="CMU Sans Serif" panose="02000603000000000000" pitchFamily="2" charset="0"/>
               </a:rPr>
               <a:t>with</a:t>
             </a:r>
@@ -4975,79 +4923,12 @@
                 <a:solidFill>
                   <a:srgbClr val="000000"/>
                 </a:solidFill>
+                <a:latin typeface="CMU Sans Serif" panose="02000603000000000000" pitchFamily="2" charset="0"/>
+                <a:ea typeface="CMU Sans Serif" panose="02000603000000000000" pitchFamily="2" charset="0"/>
+                <a:cs typeface="CMU Sans Serif" panose="02000603000000000000" pitchFamily="2" charset="0"/>
               </a:rPr>
               <a:t> GPIO</a:t>
             </a:r>
-          </a:p>
-        </p:txBody>
-      </p:sp>
-      <p:sp>
-        <p:nvSpPr>
-          <p:cNvPr id="26" name="Rectangle 25"/>
-          <p:cNvSpPr/>
-          <p:nvPr/>
-        </p:nvSpPr>
-        <p:spPr>
-          <a:xfrm>
-            <a:off x="2760752" y="339502"/>
-            <a:ext cx="2016224" cy="2520000"/>
-          </a:xfrm>
-          <a:prstGeom prst="rect">
-            <a:avLst/>
-          </a:prstGeom>
-          <a:solidFill>
-            <a:schemeClr val="bg1">
-              <a:lumMod val="85000"/>
-            </a:schemeClr>
-          </a:solidFill>
-          <a:ln>
-            <a:solidFill>
-              <a:srgbClr val="000000"/>
-            </a:solidFill>
-          </a:ln>
-        </p:spPr>
-        <p:style>
-          <a:lnRef idx="2">
-            <a:schemeClr val="accent2">
-              <a:shade val="50000"/>
-            </a:schemeClr>
-          </a:lnRef>
-          <a:fillRef idx="1">
-            <a:schemeClr val="accent2"/>
-          </a:fillRef>
-          <a:effectRef idx="0">
-            <a:schemeClr val="accent2"/>
-          </a:effectRef>
-          <a:fontRef idx="minor">
-            <a:schemeClr val="lt1"/>
-          </a:fontRef>
-        </p:style>
-        <p:txBody>
-          <a:bodyPr rtlCol="0" anchor="t"/>
-          <a:lstStyle/>
-          <a:p>
-            <a:pPr algn="ctr"/>
-            <a:r>
-              <a:rPr lang="fr-FR" sz="1400" dirty="0" smtClean="0">
-                <a:solidFill>
-                  <a:srgbClr val="000000"/>
-                </a:solidFill>
-              </a:rPr>
-              <a:t>Dom1 - </a:t>
-            </a:r>
-            <a:r>
-              <a:rPr lang="fr-FR" sz="1400" dirty="0" err="1" smtClean="0">
-                <a:solidFill>
-                  <a:srgbClr val="000000"/>
-                </a:solidFill>
-              </a:rPr>
-              <a:t>Owner</a:t>
-            </a:r>
-            <a:endParaRPr lang="fr-FR" sz="1400" dirty="0" smtClean="0">
-              <a:solidFill>
-                <a:srgbClr val="000000"/>
-              </a:solidFill>
-            </a:endParaRPr>
           </a:p>
         </p:txBody>
       </p:sp>
@@ -5059,8 +4940,8 @@
         </p:nvSpPr>
         <p:spPr>
           <a:xfrm>
-            <a:off x="4913735" y="339502"/>
-            <a:ext cx="2016224" cy="2520000"/>
+            <a:off x="4730855" y="227742"/>
+            <a:ext cx="2160000" cy="2664000"/>
           </a:xfrm>
           <a:prstGeom prst="rect">
             <a:avLst/>
@@ -5102,9 +4983,42 @@
                 <a:solidFill>
                   <a:srgbClr val="000000"/>
                 </a:solidFill>
-              </a:rPr>
-              <a:t>Dom2 – SP1</a:t>
-            </a:r>
+                <a:latin typeface="CMU Sans Serif" panose="02000603000000000000" pitchFamily="2" charset="0"/>
+                <a:ea typeface="CMU Sans Serif" panose="02000603000000000000" pitchFamily="2" charset="0"/>
+                <a:cs typeface="CMU Sans Serif" panose="02000603000000000000" pitchFamily="2" charset="0"/>
+              </a:rPr>
+              <a:t>Dom1 </a:t>
+            </a:r>
+            <a:r>
+              <a:rPr lang="fr-FR" sz="1400" dirty="0" smtClean="0">
+                <a:solidFill>
+                  <a:srgbClr val="000000"/>
+                </a:solidFill>
+                <a:latin typeface="CMU Sans Serif" panose="02000603000000000000" pitchFamily="2" charset="0"/>
+                <a:ea typeface="CMU Sans Serif" panose="02000603000000000000" pitchFamily="2" charset="0"/>
+                <a:cs typeface="CMU Sans Serif" panose="02000603000000000000" pitchFamily="2" charset="0"/>
+              </a:rPr>
+              <a:t>– </a:t>
+            </a:r>
+            <a:r>
+              <a:rPr lang="fr-FR" sz="1400" dirty="0" err="1" smtClean="0">
+                <a:solidFill>
+                  <a:srgbClr val="000000"/>
+                </a:solidFill>
+                <a:latin typeface="CMU Sans Serif" panose="02000603000000000000" pitchFamily="2" charset="0"/>
+                <a:ea typeface="CMU Sans Serif" panose="02000603000000000000" pitchFamily="2" charset="0"/>
+                <a:cs typeface="CMU Sans Serif" panose="02000603000000000000" pitchFamily="2" charset="0"/>
+              </a:rPr>
+              <a:t>Maintainer</a:t>
+            </a:r>
+            <a:endParaRPr lang="fr-FR" sz="1400" dirty="0" smtClean="0">
+              <a:solidFill>
+                <a:srgbClr val="000000"/>
+              </a:solidFill>
+              <a:latin typeface="CMU Sans Serif" panose="02000603000000000000" pitchFamily="2" charset="0"/>
+              <a:ea typeface="CMU Sans Serif" panose="02000603000000000000" pitchFamily="2" charset="0"/>
+              <a:cs typeface="CMU Sans Serif" panose="02000603000000000000" pitchFamily="2" charset="0"/>
+            </a:endParaRPr>
           </a:p>
         </p:txBody>
       </p:sp>
@@ -5116,8 +5030,8 @@
         </p:nvSpPr>
         <p:spPr>
           <a:xfrm>
-            <a:off x="7068804" y="339502"/>
-            <a:ext cx="2016224" cy="2520000"/>
+            <a:off x="6936724" y="227742"/>
+            <a:ext cx="2160000" cy="2664000"/>
           </a:xfrm>
           <a:prstGeom prst="rect">
             <a:avLst/>
@@ -5159,119 +5073,80 @@
                 <a:solidFill>
                   <a:srgbClr val="000000"/>
                 </a:solidFill>
-              </a:rPr>
-              <a:t>Dom3 – SP2</a:t>
-            </a:r>
-          </a:p>
-        </p:txBody>
-      </p:sp>
-      <p:sp>
-        <p:nvSpPr>
-          <p:cNvPr id="31" name="Rectangle 30"/>
-          <p:cNvSpPr/>
-          <p:nvPr/>
-        </p:nvSpPr>
-        <p:spPr>
-          <a:xfrm>
-            <a:off x="672520" y="843622"/>
-            <a:ext cx="900000" cy="576000"/>
-          </a:xfrm>
-          <a:prstGeom prst="rect">
-            <a:avLst/>
-          </a:prstGeom>
-          <a:solidFill>
-            <a:schemeClr val="bg1">
-              <a:lumMod val="75000"/>
-            </a:schemeClr>
-          </a:solidFill>
-          <a:ln>
-            <a:solidFill>
-              <a:srgbClr val="000000"/>
-            </a:solidFill>
-          </a:ln>
-        </p:spPr>
-        <p:style>
-          <a:lnRef idx="2">
-            <a:schemeClr val="dk1"/>
-          </a:lnRef>
-          <a:fillRef idx="1">
-            <a:schemeClr val="lt1"/>
-          </a:fillRef>
-          <a:effectRef idx="0">
-            <a:schemeClr val="dk1"/>
-          </a:effectRef>
-          <a:fontRef idx="minor">
-            <a:schemeClr val="dk1"/>
-          </a:fontRef>
-        </p:style>
-        <p:txBody>
-          <a:bodyPr rtlCol="0" anchor="ctr"/>
-          <a:lstStyle/>
-          <a:p>
-            <a:pPr algn="ctr"/>
+                <a:latin typeface="CMU Sans Serif" panose="02000603000000000000" pitchFamily="2" charset="0"/>
+                <a:ea typeface="CMU Sans Serif" panose="02000603000000000000" pitchFamily="2" charset="0"/>
+                <a:cs typeface="CMU Sans Serif" panose="02000603000000000000" pitchFamily="2" charset="0"/>
+              </a:rPr>
+              <a:t>Dom2 </a:t>
+            </a:r>
             <a:r>
               <a:rPr lang="fr-FR" sz="1400" dirty="0" smtClean="0">
                 <a:solidFill>
                   <a:srgbClr val="000000"/>
                 </a:solidFill>
-              </a:rPr>
-              <a:t>SD</a:t>
+                <a:latin typeface="CMU Sans Serif" panose="02000603000000000000" pitchFamily="2" charset="0"/>
+                <a:ea typeface="CMU Sans Serif" panose="02000603000000000000" pitchFamily="2" charset="0"/>
+                <a:cs typeface="CMU Sans Serif" panose="02000603000000000000" pitchFamily="2" charset="0"/>
+              </a:rPr>
+              <a:t>– </a:t>
+            </a:r>
+            <a:r>
+              <a:rPr lang="fr-FR" sz="1400" dirty="0" smtClean="0">
+                <a:solidFill>
+                  <a:srgbClr val="000000"/>
+                </a:solidFill>
+                <a:latin typeface="CMU Sans Serif" panose="02000603000000000000" pitchFamily="2" charset="0"/>
+                <a:ea typeface="CMU Sans Serif" panose="02000603000000000000" pitchFamily="2" charset="0"/>
+                <a:cs typeface="CMU Sans Serif" panose="02000603000000000000" pitchFamily="2" charset="0"/>
+              </a:rPr>
+              <a:t>Service </a:t>
+            </a:r>
+            <a:r>
+              <a:rPr lang="fr-FR" sz="1400" dirty="0" err="1" smtClean="0">
+                <a:solidFill>
+                  <a:srgbClr val="000000"/>
+                </a:solidFill>
+                <a:latin typeface="CMU Sans Serif" panose="02000603000000000000" pitchFamily="2" charset="0"/>
+                <a:ea typeface="CMU Sans Serif" panose="02000603000000000000" pitchFamily="2" charset="0"/>
+                <a:cs typeface="CMU Sans Serif" panose="02000603000000000000" pitchFamily="2" charset="0"/>
+              </a:rPr>
+              <a:t>Prov</a:t>
+            </a:r>
+            <a:r>
+              <a:rPr lang="fr-FR" sz="1400" smtClean="0">
+                <a:solidFill>
+                  <a:srgbClr val="000000"/>
+                </a:solidFill>
+                <a:latin typeface="CMU Sans Serif" panose="02000603000000000000" pitchFamily="2" charset="0"/>
+                <a:ea typeface="CMU Sans Serif" panose="02000603000000000000" pitchFamily="2" charset="0"/>
+                <a:cs typeface="CMU Sans Serif" panose="02000603000000000000" pitchFamily="2" charset="0"/>
+              </a:rPr>
+              <a:t>.</a:t>
             </a:r>
             <a:endParaRPr lang="fr-FR" sz="1400" dirty="0" smtClean="0">
               <a:solidFill>
                 <a:srgbClr val="000000"/>
               </a:solidFill>
+              <a:latin typeface="CMU Sans Serif" panose="02000603000000000000" pitchFamily="2" charset="0"/>
+              <a:ea typeface="CMU Sans Serif" panose="02000603000000000000" pitchFamily="2" charset="0"/>
+              <a:cs typeface="CMU Sans Serif" panose="02000603000000000000" pitchFamily="2" charset="0"/>
             </a:endParaRPr>
           </a:p>
         </p:txBody>
       </p:sp>
-      <p:cxnSp>
-        <p:nvCxnSpPr>
-          <p:cNvPr id="33" name="Connecteur droit 32"/>
-          <p:cNvCxnSpPr>
-            <a:stCxn id="9" idx="3"/>
-            <a:endCxn id="16" idx="1"/>
-          </p:cNvCxnSpPr>
-          <p:nvPr/>
-        </p:nvCxnSpPr>
-        <p:spPr>
-          <a:xfrm>
-            <a:off x="2508624" y="3515479"/>
-            <a:ext cx="360240" cy="0"/>
-          </a:xfrm>
-          <a:prstGeom prst="line">
-            <a:avLst/>
-          </a:prstGeom>
-          <a:ln w="28575"/>
-        </p:spPr>
-        <p:style>
-          <a:lnRef idx="1">
-            <a:schemeClr val="dk1"/>
-          </a:lnRef>
-          <a:fillRef idx="0">
-            <a:schemeClr val="dk1"/>
-          </a:fillRef>
-          <a:effectRef idx="0">
-            <a:schemeClr val="dk1"/>
-          </a:effectRef>
-          <a:fontRef idx="minor">
-            <a:schemeClr val="tx1"/>
-          </a:fontRef>
-        </p:style>
-      </p:cxnSp>
       <p:cxnSp>
         <p:nvCxnSpPr>
           <p:cNvPr id="34" name="Connecteur droit 33"/>
           <p:cNvCxnSpPr>
             <a:stCxn id="18" idx="1"/>
-            <a:endCxn id="16" idx="3"/>
+            <a:endCxn id="9" idx="3"/>
           </p:cNvCxnSpPr>
           <p:nvPr/>
         </p:nvCxnSpPr>
         <p:spPr>
           <a:xfrm flipH="1">
-            <a:off x="4668864" y="3240656"/>
-            <a:ext cx="352983" cy="274823"/>
+            <a:off x="2508624" y="3240656"/>
+            <a:ext cx="2513223" cy="274823"/>
           </a:xfrm>
           <a:prstGeom prst="line">
             <a:avLst/>
@@ -5298,14 +5173,14 @@
           <p:cNvPr id="37" name="Connecteur droit 36"/>
           <p:cNvCxnSpPr>
             <a:stCxn id="19" idx="1"/>
-            <a:endCxn id="16" idx="3"/>
+            <a:endCxn id="9" idx="3"/>
           </p:cNvCxnSpPr>
           <p:nvPr/>
         </p:nvCxnSpPr>
         <p:spPr>
           <a:xfrm flipH="1">
-            <a:off x="4668864" y="3515479"/>
-            <a:ext cx="2508052" cy="0"/>
+            <a:off x="2508624" y="3515479"/>
+            <a:ext cx="4668292" cy="0"/>
           </a:xfrm>
           <a:prstGeom prst="line">
             <a:avLst/>
@@ -5329,808 +5204,6 @@
       </p:cxnSp>
       <p:sp>
         <p:nvSpPr>
-          <p:cNvPr id="42" name="Rectangle 41"/>
-          <p:cNvSpPr/>
-          <p:nvPr/>
-        </p:nvSpPr>
-        <p:spPr>
-          <a:xfrm>
-            <a:off x="2837944" y="2499774"/>
-            <a:ext cx="1861840" cy="288000"/>
-          </a:xfrm>
-          <a:prstGeom prst="rect">
-            <a:avLst/>
-          </a:prstGeom>
-          <a:solidFill>
-            <a:schemeClr val="bg1">
-              <a:lumMod val="85000"/>
-            </a:schemeClr>
-          </a:solidFill>
-          <a:ln>
-            <a:solidFill>
-              <a:srgbClr val="000000"/>
-            </a:solidFill>
-          </a:ln>
-        </p:spPr>
-        <p:style>
-          <a:lnRef idx="2">
-            <a:schemeClr val="accent2">
-              <a:shade val="50000"/>
-            </a:schemeClr>
-          </a:lnRef>
-          <a:fillRef idx="1">
-            <a:schemeClr val="accent2"/>
-          </a:fillRef>
-          <a:effectRef idx="0">
-            <a:schemeClr val="accent2"/>
-          </a:effectRef>
-          <a:fontRef idx="minor">
-            <a:schemeClr val="lt1"/>
-          </a:fontRef>
-        </p:style>
-        <p:txBody>
-          <a:bodyPr rtlCol="0" anchor="ctr"/>
-          <a:lstStyle/>
-          <a:p>
-            <a:pPr algn="ctr"/>
-            <a:r>
-              <a:rPr lang="fr-FR" sz="1400" dirty="0" smtClean="0">
-                <a:solidFill>
-                  <a:srgbClr val="000000"/>
-                </a:solidFill>
-              </a:rPr>
-              <a:t>IC</a:t>
-            </a:r>
-            <a:endParaRPr lang="fr-FR" sz="1400" dirty="0" smtClean="0">
-              <a:solidFill>
-                <a:srgbClr val="000000"/>
-              </a:solidFill>
-            </a:endParaRPr>
-          </a:p>
-        </p:txBody>
-      </p:sp>
-      <p:sp>
-        <p:nvSpPr>
-          <p:cNvPr id="43" name="Rectangle 42"/>
-          <p:cNvSpPr/>
-          <p:nvPr/>
-        </p:nvSpPr>
-        <p:spPr>
-          <a:xfrm>
-            <a:off x="3607976" y="2067734"/>
-            <a:ext cx="1091808" cy="360000"/>
-          </a:xfrm>
-          <a:prstGeom prst="rect">
-            <a:avLst/>
-          </a:prstGeom>
-          <a:solidFill>
-            <a:schemeClr val="bg1">
-              <a:lumMod val="85000"/>
-            </a:schemeClr>
-          </a:solidFill>
-          <a:ln>
-            <a:solidFill>
-              <a:srgbClr val="000000"/>
-            </a:solidFill>
-          </a:ln>
-        </p:spPr>
-        <p:style>
-          <a:lnRef idx="2">
-            <a:schemeClr val="accent2">
-              <a:shade val="50000"/>
-            </a:schemeClr>
-          </a:lnRef>
-          <a:fillRef idx="1">
-            <a:schemeClr val="accent2"/>
-          </a:fillRef>
-          <a:effectRef idx="0">
-            <a:schemeClr val="accent2"/>
-          </a:effectRef>
-          <a:fontRef idx="minor">
-            <a:schemeClr val="lt1"/>
-          </a:fontRef>
-        </p:style>
-        <p:txBody>
-          <a:bodyPr rtlCol="0" anchor="ctr"/>
-          <a:lstStyle/>
-          <a:p>
-            <a:pPr algn="ctr"/>
-            <a:r>
-              <a:rPr lang="fr-FR" sz="1400" dirty="0" smtClean="0">
-                <a:solidFill>
-                  <a:srgbClr val="000000"/>
-                </a:solidFill>
-              </a:rPr>
-              <a:t>TSV</a:t>
-            </a:r>
-            <a:endParaRPr lang="fr-FR" sz="1400" dirty="0" smtClean="0">
-              <a:solidFill>
-                <a:srgbClr val="000000"/>
-              </a:solidFill>
-            </a:endParaRPr>
-          </a:p>
-        </p:txBody>
-      </p:sp>
-      <p:sp>
-        <p:nvSpPr>
-          <p:cNvPr id="44" name="Rectangle 43"/>
-          <p:cNvSpPr/>
-          <p:nvPr/>
-        </p:nvSpPr>
-        <p:spPr>
-          <a:xfrm>
-            <a:off x="2837944" y="1707654"/>
-            <a:ext cx="1861840" cy="288000"/>
-          </a:xfrm>
-          <a:prstGeom prst="rect">
-            <a:avLst/>
-          </a:prstGeom>
-          <a:solidFill>
-            <a:schemeClr val="bg1">
-              <a:lumMod val="85000"/>
-            </a:schemeClr>
-          </a:solidFill>
-          <a:ln>
-            <a:solidFill>
-              <a:srgbClr val="000000"/>
-            </a:solidFill>
-          </a:ln>
-        </p:spPr>
-        <p:style>
-          <a:lnRef idx="2">
-            <a:schemeClr val="accent2">
-              <a:shade val="50000"/>
-            </a:schemeClr>
-          </a:lnRef>
-          <a:fillRef idx="1">
-            <a:schemeClr val="accent2"/>
-          </a:fillRef>
-          <a:effectRef idx="0">
-            <a:schemeClr val="accent2"/>
-          </a:effectRef>
-          <a:fontRef idx="minor">
-            <a:schemeClr val="lt1"/>
-          </a:fontRef>
-        </p:style>
-        <p:txBody>
-          <a:bodyPr rtlCol="0" anchor="ctr"/>
-          <a:lstStyle/>
-          <a:p>
-            <a:pPr algn="ctr"/>
-            <a:r>
-              <a:rPr lang="fr-FR" sz="1400" dirty="0" smtClean="0">
-                <a:solidFill>
-                  <a:srgbClr val="000000"/>
-                </a:solidFill>
-              </a:rPr>
-              <a:t>AM</a:t>
-            </a:r>
-            <a:endParaRPr lang="fr-FR" sz="1400" dirty="0" smtClean="0">
-              <a:solidFill>
-                <a:srgbClr val="000000"/>
-              </a:solidFill>
-            </a:endParaRPr>
-          </a:p>
-        </p:txBody>
-      </p:sp>
-      <p:sp>
-        <p:nvSpPr>
-          <p:cNvPr id="65" name="Rectangle 64"/>
-          <p:cNvSpPr/>
-          <p:nvPr/>
-        </p:nvSpPr>
-        <p:spPr>
-          <a:xfrm>
-            <a:off x="2832760" y="843558"/>
-            <a:ext cx="827992" cy="720080"/>
-          </a:xfrm>
-          <a:prstGeom prst="rect">
-            <a:avLst/>
-          </a:prstGeom>
-          <a:solidFill>
-            <a:schemeClr val="bg1">
-              <a:lumMod val="85000"/>
-            </a:schemeClr>
-          </a:solidFill>
-          <a:ln>
-            <a:solidFill>
-              <a:srgbClr val="000000"/>
-            </a:solidFill>
-          </a:ln>
-        </p:spPr>
-        <p:style>
-          <a:lnRef idx="2">
-            <a:schemeClr val="accent2">
-              <a:shade val="50000"/>
-            </a:schemeClr>
-          </a:lnRef>
-          <a:fillRef idx="1">
-            <a:schemeClr val="accent2"/>
-          </a:fillRef>
-          <a:effectRef idx="0">
-            <a:schemeClr val="accent2"/>
-          </a:effectRef>
-          <a:fontRef idx="minor">
-            <a:schemeClr val="lt1"/>
-          </a:fontRef>
-        </p:style>
-        <p:txBody>
-          <a:bodyPr rtlCol="0" anchor="ctr"/>
-          <a:lstStyle/>
-          <a:p>
-            <a:pPr algn="ctr"/>
-            <a:r>
-              <a:rPr lang="fr-FR" sz="1400" dirty="0" smtClean="0">
-                <a:solidFill>
-                  <a:srgbClr val="000000"/>
-                </a:solidFill>
-              </a:rPr>
-              <a:t>VSM</a:t>
-            </a:r>
-            <a:endParaRPr lang="fr-FR" sz="1400" dirty="0" smtClean="0">
-              <a:solidFill>
-                <a:srgbClr val="000000"/>
-              </a:solidFill>
-            </a:endParaRPr>
-          </a:p>
-        </p:txBody>
-      </p:sp>
-      <p:sp>
-        <p:nvSpPr>
-          <p:cNvPr id="66" name="Rectangle 65"/>
-          <p:cNvSpPr/>
-          <p:nvPr/>
-        </p:nvSpPr>
-        <p:spPr>
-          <a:xfrm>
-            <a:off x="3768864" y="843558"/>
-            <a:ext cx="936104" cy="720080"/>
-          </a:xfrm>
-          <a:prstGeom prst="rect">
-            <a:avLst/>
-          </a:prstGeom>
-          <a:solidFill>
-            <a:schemeClr val="bg1">
-              <a:lumMod val="85000"/>
-            </a:schemeClr>
-          </a:solidFill>
-          <a:ln>
-            <a:solidFill>
-              <a:srgbClr val="000000"/>
-            </a:solidFill>
-          </a:ln>
-        </p:spPr>
-        <p:style>
-          <a:lnRef idx="2">
-            <a:schemeClr val="accent2">
-              <a:shade val="50000"/>
-            </a:schemeClr>
-          </a:lnRef>
-          <a:fillRef idx="1">
-            <a:schemeClr val="accent2"/>
-          </a:fillRef>
-          <a:effectRef idx="0">
-            <a:schemeClr val="accent2"/>
-          </a:effectRef>
-          <a:fontRef idx="minor">
-            <a:schemeClr val="lt1"/>
-          </a:fontRef>
-        </p:style>
-        <p:txBody>
-          <a:bodyPr rtlCol="0" anchor="ctr"/>
-          <a:lstStyle/>
-          <a:p>
-            <a:pPr algn="ctr"/>
-            <a:r>
-              <a:rPr lang="fr-FR" sz="1400" dirty="0" smtClean="0">
-                <a:solidFill>
-                  <a:srgbClr val="000000"/>
-                </a:solidFill>
-              </a:rPr>
-              <a:t>VAM</a:t>
-            </a:r>
-            <a:endParaRPr lang="fr-FR" sz="1400" dirty="0" smtClean="0">
-              <a:solidFill>
-                <a:srgbClr val="000000"/>
-              </a:solidFill>
-            </a:endParaRPr>
-          </a:p>
-        </p:txBody>
-      </p:sp>
-      <p:sp>
-        <p:nvSpPr>
-          <p:cNvPr id="68" name="Rectangle 67"/>
-          <p:cNvSpPr/>
-          <p:nvPr/>
-        </p:nvSpPr>
-        <p:spPr>
-          <a:xfrm>
-            <a:off x="672520" y="1491694"/>
-            <a:ext cx="881948" cy="576000"/>
-          </a:xfrm>
-          <a:prstGeom prst="rect">
-            <a:avLst/>
-          </a:prstGeom>
-          <a:solidFill>
-            <a:schemeClr val="bg1">
-              <a:lumMod val="75000"/>
-            </a:schemeClr>
-          </a:solidFill>
-          <a:ln>
-            <a:solidFill>
-              <a:srgbClr val="000000"/>
-            </a:solidFill>
-          </a:ln>
-        </p:spPr>
-        <p:style>
-          <a:lnRef idx="2">
-            <a:schemeClr val="dk1"/>
-          </a:lnRef>
-          <a:fillRef idx="1">
-            <a:schemeClr val="lt1"/>
-          </a:fillRef>
-          <a:effectRef idx="0">
-            <a:schemeClr val="dk1"/>
-          </a:effectRef>
-          <a:fontRef idx="minor">
-            <a:schemeClr val="dk1"/>
-          </a:fontRef>
-        </p:style>
-        <p:txBody>
-          <a:bodyPr rtlCol="0" anchor="ctr"/>
-          <a:lstStyle/>
-          <a:p>
-            <a:pPr algn="ctr"/>
-            <a:r>
-              <a:rPr lang="fr-FR" sz="1400" dirty="0" smtClean="0">
-                <a:solidFill>
-                  <a:srgbClr val="000000"/>
-                </a:solidFill>
-              </a:rPr>
-              <a:t>AD</a:t>
-            </a:r>
-            <a:endParaRPr lang="fr-FR" sz="1400" dirty="0" smtClean="0">
-              <a:solidFill>
-                <a:srgbClr val="000000"/>
-              </a:solidFill>
-            </a:endParaRPr>
-          </a:p>
-        </p:txBody>
-      </p:sp>
-      <p:sp>
-        <p:nvSpPr>
-          <p:cNvPr id="69" name="Rectangle 68"/>
-          <p:cNvSpPr/>
-          <p:nvPr/>
-        </p:nvSpPr>
-        <p:spPr>
-          <a:xfrm>
-            <a:off x="669352" y="2139766"/>
-            <a:ext cx="882848" cy="576000"/>
-          </a:xfrm>
-          <a:prstGeom prst="rect">
-            <a:avLst/>
-          </a:prstGeom>
-          <a:solidFill>
-            <a:schemeClr val="bg1">
-              <a:lumMod val="75000"/>
-            </a:schemeClr>
-          </a:solidFill>
-          <a:ln>
-            <a:solidFill>
-              <a:srgbClr val="000000"/>
-            </a:solidFill>
-          </a:ln>
-        </p:spPr>
-        <p:style>
-          <a:lnRef idx="2">
-            <a:schemeClr val="dk1"/>
-          </a:lnRef>
-          <a:fillRef idx="1">
-            <a:schemeClr val="lt1"/>
-          </a:fillRef>
-          <a:effectRef idx="0">
-            <a:schemeClr val="dk1"/>
-          </a:effectRef>
-          <a:fontRef idx="minor">
-            <a:schemeClr val="dk1"/>
-          </a:fontRef>
-        </p:style>
-        <p:txBody>
-          <a:bodyPr rtlCol="0" anchor="ctr"/>
-          <a:lstStyle/>
-          <a:p>
-            <a:pPr algn="ctr"/>
-            <a:r>
-              <a:rPr lang="fr-FR" sz="1400" dirty="0" smtClean="0">
-                <a:solidFill>
-                  <a:srgbClr val="000000"/>
-                </a:solidFill>
-              </a:rPr>
-              <a:t>NWM</a:t>
-            </a:r>
-            <a:endParaRPr lang="fr-FR" sz="1400" dirty="0" smtClean="0">
-              <a:solidFill>
-                <a:srgbClr val="000000"/>
-              </a:solidFill>
-            </a:endParaRPr>
-          </a:p>
-        </p:txBody>
-      </p:sp>
-      <p:sp>
-        <p:nvSpPr>
-          <p:cNvPr id="72" name="Rectangle 71"/>
-          <p:cNvSpPr/>
-          <p:nvPr/>
-        </p:nvSpPr>
-        <p:spPr>
-          <a:xfrm>
-            <a:off x="5002750" y="2499774"/>
-            <a:ext cx="1861840" cy="288000"/>
-          </a:xfrm>
-          <a:prstGeom prst="rect">
-            <a:avLst/>
-          </a:prstGeom>
-          <a:solidFill>
-            <a:schemeClr val="bg1">
-              <a:lumMod val="95000"/>
-            </a:schemeClr>
-          </a:solidFill>
-          <a:ln>
-            <a:solidFill>
-              <a:srgbClr val="000000"/>
-            </a:solidFill>
-          </a:ln>
-        </p:spPr>
-        <p:style>
-          <a:lnRef idx="2">
-            <a:schemeClr val="accent4">
-              <a:shade val="50000"/>
-            </a:schemeClr>
-          </a:lnRef>
-          <a:fillRef idx="1">
-            <a:schemeClr val="accent4"/>
-          </a:fillRef>
-          <a:effectRef idx="0">
-            <a:schemeClr val="accent4"/>
-          </a:effectRef>
-          <a:fontRef idx="minor">
-            <a:schemeClr val="lt1"/>
-          </a:fontRef>
-        </p:style>
-        <p:txBody>
-          <a:bodyPr rtlCol="0" anchor="ctr"/>
-          <a:lstStyle/>
-          <a:p>
-            <a:pPr algn="ctr"/>
-            <a:r>
-              <a:rPr lang="fr-FR" sz="1400" dirty="0" smtClean="0">
-                <a:solidFill>
-                  <a:srgbClr val="000000"/>
-                </a:solidFill>
-              </a:rPr>
-              <a:t>IC</a:t>
-            </a:r>
-            <a:endParaRPr lang="fr-FR" sz="1400" dirty="0">
-              <a:solidFill>
-                <a:srgbClr val="000000"/>
-              </a:solidFill>
-            </a:endParaRPr>
-          </a:p>
-        </p:txBody>
-      </p:sp>
-      <p:sp>
-        <p:nvSpPr>
-          <p:cNvPr id="74" name="Rectangle 73"/>
-          <p:cNvSpPr/>
-          <p:nvPr/>
-        </p:nvSpPr>
-        <p:spPr>
-          <a:xfrm>
-            <a:off x="5002750" y="1707654"/>
-            <a:ext cx="1861840" cy="288000"/>
-          </a:xfrm>
-          <a:prstGeom prst="rect">
-            <a:avLst/>
-          </a:prstGeom>
-          <a:solidFill>
-            <a:schemeClr val="bg1">
-              <a:lumMod val="95000"/>
-            </a:schemeClr>
-          </a:solidFill>
-          <a:ln>
-            <a:solidFill>
-              <a:srgbClr val="000000"/>
-            </a:solidFill>
-          </a:ln>
-        </p:spPr>
-        <p:style>
-          <a:lnRef idx="2">
-            <a:schemeClr val="accent4">
-              <a:shade val="50000"/>
-            </a:schemeClr>
-          </a:lnRef>
-          <a:fillRef idx="1">
-            <a:schemeClr val="accent4"/>
-          </a:fillRef>
-          <a:effectRef idx="0">
-            <a:schemeClr val="accent4"/>
-          </a:effectRef>
-          <a:fontRef idx="minor">
-            <a:schemeClr val="lt1"/>
-          </a:fontRef>
-        </p:style>
-        <p:txBody>
-          <a:bodyPr rtlCol="0" anchor="ctr"/>
-          <a:lstStyle/>
-          <a:p>
-            <a:pPr algn="ctr"/>
-            <a:r>
-              <a:rPr lang="fr-FR" sz="1400" dirty="0" smtClean="0">
-                <a:solidFill>
-                  <a:srgbClr val="000000"/>
-                </a:solidFill>
-              </a:rPr>
-              <a:t>AM</a:t>
-            </a:r>
-            <a:endParaRPr lang="fr-FR" sz="1400" dirty="0" smtClean="0">
-              <a:solidFill>
-                <a:srgbClr val="000000"/>
-              </a:solidFill>
-            </a:endParaRPr>
-          </a:p>
-        </p:txBody>
-      </p:sp>
-      <p:sp>
-        <p:nvSpPr>
-          <p:cNvPr id="75" name="Rectangle 74"/>
-          <p:cNvSpPr/>
-          <p:nvPr/>
-        </p:nvSpPr>
-        <p:spPr>
-          <a:xfrm>
-            <a:off x="4993000" y="843558"/>
-            <a:ext cx="612000" cy="720080"/>
-          </a:xfrm>
-          <a:prstGeom prst="rect">
-            <a:avLst/>
-          </a:prstGeom>
-          <a:solidFill>
-            <a:schemeClr val="bg1">
-              <a:lumMod val="95000"/>
-            </a:schemeClr>
-          </a:solidFill>
-          <a:ln>
-            <a:solidFill>
-              <a:srgbClr val="000000"/>
-            </a:solidFill>
-          </a:ln>
-        </p:spPr>
-        <p:style>
-          <a:lnRef idx="2">
-            <a:schemeClr val="accent4">
-              <a:shade val="50000"/>
-            </a:schemeClr>
-          </a:lnRef>
-          <a:fillRef idx="1">
-            <a:schemeClr val="accent4"/>
-          </a:fillRef>
-          <a:effectRef idx="0">
-            <a:schemeClr val="accent4"/>
-          </a:effectRef>
-          <a:fontRef idx="minor">
-            <a:schemeClr val="lt1"/>
-          </a:fontRef>
-        </p:style>
-        <p:txBody>
-          <a:bodyPr rtlCol="0" anchor="ctr"/>
-          <a:lstStyle/>
-          <a:p>
-            <a:pPr algn="ctr"/>
-            <a:r>
-              <a:rPr lang="fr-FR" sz="1400" dirty="0" smtClean="0">
-                <a:solidFill>
-                  <a:srgbClr val="000000"/>
-                </a:solidFill>
-              </a:rPr>
-              <a:t>VS</a:t>
-            </a:r>
-            <a:endParaRPr lang="fr-FR" sz="1400" dirty="0" smtClean="0">
-              <a:solidFill>
-                <a:srgbClr val="000000"/>
-              </a:solidFill>
-            </a:endParaRPr>
-          </a:p>
-        </p:txBody>
-      </p:sp>
-      <p:sp>
-        <p:nvSpPr>
-          <p:cNvPr id="76" name="Rectangle 75"/>
-          <p:cNvSpPr/>
-          <p:nvPr/>
-        </p:nvSpPr>
-        <p:spPr>
-          <a:xfrm>
-            <a:off x="5676976" y="843558"/>
-            <a:ext cx="612000" cy="720080"/>
-          </a:xfrm>
-          <a:prstGeom prst="rect">
-            <a:avLst/>
-          </a:prstGeom>
-          <a:solidFill>
-            <a:schemeClr val="bg1">
-              <a:lumMod val="95000"/>
-            </a:schemeClr>
-          </a:solidFill>
-          <a:ln>
-            <a:solidFill>
-              <a:srgbClr val="000000"/>
-            </a:solidFill>
-          </a:ln>
-        </p:spPr>
-        <p:style>
-          <a:lnRef idx="2">
-            <a:schemeClr val="accent4">
-              <a:shade val="50000"/>
-            </a:schemeClr>
-          </a:lnRef>
-          <a:fillRef idx="1">
-            <a:schemeClr val="accent4"/>
-          </a:fillRef>
-          <a:effectRef idx="0">
-            <a:schemeClr val="accent4"/>
-          </a:effectRef>
-          <a:fontRef idx="minor">
-            <a:schemeClr val="lt1"/>
-          </a:fontRef>
-        </p:style>
-        <p:txBody>
-          <a:bodyPr rtlCol="0" anchor="ctr"/>
-          <a:lstStyle/>
-          <a:p>
-            <a:pPr algn="ctr"/>
-            <a:r>
-              <a:rPr lang="fr-FR" sz="1400" dirty="0" smtClean="0">
-                <a:solidFill>
-                  <a:srgbClr val="000000"/>
-                </a:solidFill>
-              </a:rPr>
-              <a:t>VA</a:t>
-            </a:r>
-            <a:endParaRPr lang="fr-FR" sz="1400" dirty="0" smtClean="0">
-              <a:solidFill>
-                <a:srgbClr val="000000"/>
-              </a:solidFill>
-            </a:endParaRPr>
-          </a:p>
-        </p:txBody>
-      </p:sp>
-      <p:sp>
-        <p:nvSpPr>
-          <p:cNvPr id="77" name="Rectangle 76"/>
-          <p:cNvSpPr/>
-          <p:nvPr/>
-        </p:nvSpPr>
-        <p:spPr>
-          <a:xfrm>
-            <a:off x="7153374" y="2499774"/>
-            <a:ext cx="1861840" cy="288000"/>
-          </a:xfrm>
-          <a:prstGeom prst="rect">
-            <a:avLst/>
-          </a:prstGeom>
-          <a:solidFill>
-            <a:schemeClr val="bg1">
-              <a:lumMod val="95000"/>
-            </a:schemeClr>
-          </a:solidFill>
-          <a:ln>
-            <a:solidFill>
-              <a:srgbClr val="000000"/>
-            </a:solidFill>
-          </a:ln>
-        </p:spPr>
-        <p:style>
-          <a:lnRef idx="2">
-            <a:schemeClr val="accent5">
-              <a:shade val="50000"/>
-            </a:schemeClr>
-          </a:lnRef>
-          <a:fillRef idx="1">
-            <a:schemeClr val="accent5"/>
-          </a:fillRef>
-          <a:effectRef idx="0">
-            <a:schemeClr val="accent5"/>
-          </a:effectRef>
-          <a:fontRef idx="minor">
-            <a:schemeClr val="lt1"/>
-          </a:fontRef>
-        </p:style>
-        <p:txBody>
-          <a:bodyPr rtlCol="0" anchor="ctr"/>
-          <a:lstStyle/>
-          <a:p>
-            <a:pPr algn="ctr"/>
-            <a:r>
-              <a:rPr lang="fr-FR" sz="1400" dirty="0" smtClean="0">
-                <a:solidFill>
-                  <a:srgbClr val="000000"/>
-                </a:solidFill>
-              </a:rPr>
-              <a:t>IC</a:t>
-            </a:r>
-            <a:endParaRPr lang="fr-FR" sz="1400" dirty="0">
-              <a:solidFill>
-                <a:srgbClr val="000000"/>
-              </a:solidFill>
-            </a:endParaRPr>
-          </a:p>
-        </p:txBody>
-      </p:sp>
-      <p:sp>
-        <p:nvSpPr>
-          <p:cNvPr id="79" name="Rectangle 78"/>
-          <p:cNvSpPr/>
-          <p:nvPr/>
-        </p:nvSpPr>
-        <p:spPr>
-          <a:xfrm>
-            <a:off x="7153374" y="1707654"/>
-            <a:ext cx="1861840" cy="288000"/>
-          </a:xfrm>
-          <a:prstGeom prst="rect">
-            <a:avLst/>
-          </a:prstGeom>
-          <a:solidFill>
-            <a:schemeClr val="bg1">
-              <a:lumMod val="95000"/>
-            </a:schemeClr>
-          </a:solidFill>
-          <a:ln>
-            <a:solidFill>
-              <a:srgbClr val="000000"/>
-            </a:solidFill>
-          </a:ln>
-        </p:spPr>
-        <p:style>
-          <a:lnRef idx="2">
-            <a:schemeClr val="accent5">
-              <a:shade val="50000"/>
-            </a:schemeClr>
-          </a:lnRef>
-          <a:fillRef idx="1">
-            <a:schemeClr val="accent5"/>
-          </a:fillRef>
-          <a:effectRef idx="0">
-            <a:schemeClr val="accent5"/>
-          </a:effectRef>
-          <a:fontRef idx="minor">
-            <a:schemeClr val="lt1"/>
-          </a:fontRef>
-        </p:style>
-        <p:txBody>
-          <a:bodyPr rtlCol="0" anchor="ctr"/>
-          <a:lstStyle/>
-          <a:p>
-            <a:pPr algn="ctr"/>
-            <a:r>
-              <a:rPr lang="fr-FR" sz="1400" dirty="0" smtClean="0">
-                <a:solidFill>
-                  <a:srgbClr val="000000"/>
-                </a:solidFill>
-              </a:rPr>
-              <a:t>AM</a:t>
-            </a:r>
-            <a:endParaRPr lang="fr-FR" sz="1400" dirty="0" smtClean="0">
-              <a:solidFill>
-                <a:srgbClr val="000000"/>
-              </a:solidFill>
-            </a:endParaRPr>
-          </a:p>
-        </p:txBody>
-      </p:sp>
-      <p:sp>
-        <p:nvSpPr>
           <p:cNvPr id="86" name="Rectangle 85"/>
           <p:cNvSpPr/>
           <p:nvPr/>
@@ -6181,6 +5254,9 @@
                 <a:solidFill>
                   <a:srgbClr val="000000"/>
                 </a:solidFill>
+                <a:latin typeface="CMU Sans Serif" panose="02000603000000000000" pitchFamily="2" charset="0"/>
+                <a:ea typeface="CMU Sans Serif" panose="02000603000000000000" pitchFamily="2" charset="0"/>
+                <a:cs typeface="CMU Sans Serif" panose="02000603000000000000" pitchFamily="2" charset="0"/>
               </a:rPr>
               <a:t>Scheduler</a:t>
             </a:r>
@@ -6188,564 +5264,9 @@
               <a:solidFill>
                 <a:srgbClr val="000000"/>
               </a:solidFill>
-            </a:endParaRPr>
-          </a:p>
-        </p:txBody>
-      </p:sp>
-      <p:sp>
-        <p:nvSpPr>
-          <p:cNvPr id="88" name="Rectangle 87"/>
-          <p:cNvSpPr/>
-          <p:nvPr/>
-        </p:nvSpPr>
-        <p:spPr>
-          <a:xfrm>
-            <a:off x="2837944" y="2067694"/>
-            <a:ext cx="714896" cy="360000"/>
-          </a:xfrm>
-          <a:prstGeom prst="rect">
-            <a:avLst/>
-          </a:prstGeom>
-          <a:solidFill>
-            <a:schemeClr val="bg1">
-              <a:lumMod val="85000"/>
-            </a:schemeClr>
-          </a:solidFill>
-          <a:ln>
-            <a:solidFill>
-              <a:srgbClr val="000000"/>
-            </a:solidFill>
-          </a:ln>
-        </p:spPr>
-        <p:style>
-          <a:lnRef idx="2">
-            <a:schemeClr val="accent2">
-              <a:shade val="50000"/>
-            </a:schemeClr>
-          </a:lnRef>
-          <a:fillRef idx="1">
-            <a:schemeClr val="accent2"/>
-          </a:fillRef>
-          <a:effectRef idx="0">
-            <a:schemeClr val="accent2"/>
-          </a:effectRef>
-          <a:fontRef idx="minor">
-            <a:schemeClr val="lt1"/>
-          </a:fontRef>
-        </p:style>
-        <p:txBody>
-          <a:bodyPr rtlCol="0" anchor="ctr"/>
-          <a:lstStyle/>
-          <a:p>
-            <a:pPr algn="ctr"/>
-            <a:r>
-              <a:rPr lang="fr-FR" sz="1400" dirty="0" smtClean="0">
-                <a:solidFill>
-                  <a:srgbClr val="000000"/>
-                </a:solidFill>
-              </a:rPr>
-              <a:t>KV</a:t>
-            </a:r>
-            <a:endParaRPr lang="fr-FR" sz="1400" dirty="0" smtClean="0">
-              <a:solidFill>
-                <a:srgbClr val="000000"/>
-              </a:solidFill>
-            </a:endParaRPr>
-          </a:p>
-        </p:txBody>
-      </p:sp>
-      <p:sp>
-        <p:nvSpPr>
-          <p:cNvPr id="89" name="Rectangle 88"/>
-          <p:cNvSpPr/>
-          <p:nvPr/>
-        </p:nvSpPr>
-        <p:spPr>
-          <a:xfrm>
-            <a:off x="5772782" y="2067694"/>
-            <a:ext cx="1091808" cy="360000"/>
-          </a:xfrm>
-          <a:prstGeom prst="rect">
-            <a:avLst/>
-          </a:prstGeom>
-          <a:solidFill>
-            <a:schemeClr val="bg1">
-              <a:lumMod val="95000"/>
-            </a:schemeClr>
-          </a:solidFill>
-          <a:ln>
-            <a:solidFill>
-              <a:srgbClr val="000000"/>
-            </a:solidFill>
-          </a:ln>
-        </p:spPr>
-        <p:style>
-          <a:lnRef idx="2">
-            <a:schemeClr val="accent2">
-              <a:shade val="50000"/>
-            </a:schemeClr>
-          </a:lnRef>
-          <a:fillRef idx="1">
-            <a:schemeClr val="accent2"/>
-          </a:fillRef>
-          <a:effectRef idx="0">
-            <a:schemeClr val="accent2"/>
-          </a:effectRef>
-          <a:fontRef idx="minor">
-            <a:schemeClr val="lt1"/>
-          </a:fontRef>
-        </p:style>
-        <p:txBody>
-          <a:bodyPr rtlCol="0" anchor="ctr"/>
-          <a:lstStyle/>
-          <a:p>
-            <a:pPr algn="ctr"/>
-            <a:r>
-              <a:rPr lang="fr-FR" sz="1400" dirty="0" smtClean="0">
-                <a:solidFill>
-                  <a:srgbClr val="000000"/>
-                </a:solidFill>
-              </a:rPr>
-              <a:t>TSV</a:t>
-            </a:r>
-            <a:endParaRPr lang="fr-FR" sz="1400" dirty="0" smtClean="0">
-              <a:solidFill>
-                <a:srgbClr val="000000"/>
-              </a:solidFill>
-            </a:endParaRPr>
-          </a:p>
-        </p:txBody>
-      </p:sp>
-      <p:sp>
-        <p:nvSpPr>
-          <p:cNvPr id="90" name="Rectangle 89"/>
-          <p:cNvSpPr/>
-          <p:nvPr/>
-        </p:nvSpPr>
-        <p:spPr>
-          <a:xfrm>
-            <a:off x="5002750" y="2067694"/>
-            <a:ext cx="714896" cy="360000"/>
-          </a:xfrm>
-          <a:prstGeom prst="rect">
-            <a:avLst/>
-          </a:prstGeom>
-          <a:solidFill>
-            <a:schemeClr val="bg1">
-              <a:lumMod val="95000"/>
-            </a:schemeClr>
-          </a:solidFill>
-          <a:ln>
-            <a:solidFill>
-              <a:srgbClr val="000000"/>
-            </a:solidFill>
-          </a:ln>
-        </p:spPr>
-        <p:style>
-          <a:lnRef idx="2">
-            <a:schemeClr val="accent2">
-              <a:shade val="50000"/>
-            </a:schemeClr>
-          </a:lnRef>
-          <a:fillRef idx="1">
-            <a:schemeClr val="accent2"/>
-          </a:fillRef>
-          <a:effectRef idx="0">
-            <a:schemeClr val="accent2"/>
-          </a:effectRef>
-          <a:fontRef idx="minor">
-            <a:schemeClr val="lt1"/>
-          </a:fontRef>
-        </p:style>
-        <p:txBody>
-          <a:bodyPr rtlCol="0" anchor="ctr"/>
-          <a:lstStyle/>
-          <a:p>
-            <a:pPr algn="ctr"/>
-            <a:r>
-              <a:rPr lang="fr-FR" sz="1400" dirty="0" smtClean="0">
-                <a:solidFill>
-                  <a:srgbClr val="000000"/>
-                </a:solidFill>
-              </a:rPr>
-              <a:t>KV</a:t>
-            </a:r>
-            <a:endParaRPr lang="fr-FR" sz="1400" dirty="0" smtClean="0">
-              <a:solidFill>
-                <a:srgbClr val="000000"/>
-              </a:solidFill>
-            </a:endParaRPr>
-          </a:p>
-        </p:txBody>
-      </p:sp>
-      <p:sp>
-        <p:nvSpPr>
-          <p:cNvPr id="91" name="Rectangle 90"/>
-          <p:cNvSpPr/>
-          <p:nvPr/>
-        </p:nvSpPr>
-        <p:spPr>
-          <a:xfrm>
-            <a:off x="7923406" y="2073433"/>
-            <a:ext cx="1091808" cy="360000"/>
-          </a:xfrm>
-          <a:prstGeom prst="rect">
-            <a:avLst/>
-          </a:prstGeom>
-          <a:solidFill>
-            <a:schemeClr val="bg1">
-              <a:lumMod val="95000"/>
-            </a:schemeClr>
-          </a:solidFill>
-          <a:ln>
-            <a:solidFill>
-              <a:srgbClr val="000000"/>
-            </a:solidFill>
-          </a:ln>
-        </p:spPr>
-        <p:style>
-          <a:lnRef idx="2">
-            <a:schemeClr val="accent5">
-              <a:shade val="50000"/>
-            </a:schemeClr>
-          </a:lnRef>
-          <a:fillRef idx="1">
-            <a:schemeClr val="accent5"/>
-          </a:fillRef>
-          <a:effectRef idx="0">
-            <a:schemeClr val="accent5"/>
-          </a:effectRef>
-          <a:fontRef idx="minor">
-            <a:schemeClr val="lt1"/>
-          </a:fontRef>
-        </p:style>
-        <p:txBody>
-          <a:bodyPr rtlCol="0" anchor="ctr"/>
-          <a:lstStyle/>
-          <a:p>
-            <a:pPr algn="ctr"/>
-            <a:r>
-              <a:rPr lang="fr-FR" sz="1400" dirty="0" smtClean="0">
-                <a:solidFill>
-                  <a:srgbClr val="000000"/>
-                </a:solidFill>
-              </a:rPr>
-              <a:t>TSV</a:t>
-            </a:r>
-            <a:endParaRPr lang="fr-FR" sz="1400" dirty="0" smtClean="0">
-              <a:solidFill>
-                <a:srgbClr val="000000"/>
-              </a:solidFill>
-            </a:endParaRPr>
-          </a:p>
-        </p:txBody>
-      </p:sp>
-      <p:sp>
-        <p:nvSpPr>
-          <p:cNvPr id="92" name="Rectangle 91"/>
-          <p:cNvSpPr/>
-          <p:nvPr/>
-        </p:nvSpPr>
-        <p:spPr>
-          <a:xfrm>
-            <a:off x="7153374" y="2073433"/>
-            <a:ext cx="714896" cy="360000"/>
-          </a:xfrm>
-          <a:prstGeom prst="rect">
-            <a:avLst/>
-          </a:prstGeom>
-          <a:solidFill>
-            <a:schemeClr val="bg1">
-              <a:lumMod val="95000"/>
-            </a:schemeClr>
-          </a:solidFill>
-          <a:ln>
-            <a:solidFill>
-              <a:srgbClr val="000000"/>
-            </a:solidFill>
-          </a:ln>
-        </p:spPr>
-        <p:style>
-          <a:lnRef idx="2">
-            <a:schemeClr val="accent5">
-              <a:shade val="50000"/>
-            </a:schemeClr>
-          </a:lnRef>
-          <a:fillRef idx="1">
-            <a:schemeClr val="accent5"/>
-          </a:fillRef>
-          <a:effectRef idx="0">
-            <a:schemeClr val="accent5"/>
-          </a:effectRef>
-          <a:fontRef idx="minor">
-            <a:schemeClr val="lt1"/>
-          </a:fontRef>
-        </p:style>
-        <p:txBody>
-          <a:bodyPr rtlCol="0" anchor="ctr"/>
-          <a:lstStyle/>
-          <a:p>
-            <a:pPr algn="ctr"/>
-            <a:r>
-              <a:rPr lang="fr-FR" sz="1400" dirty="0" smtClean="0">
-                <a:solidFill>
-                  <a:srgbClr val="000000"/>
-                </a:solidFill>
-              </a:rPr>
-              <a:t>KV</a:t>
-            </a:r>
-            <a:endParaRPr lang="fr-FR" sz="1400" dirty="0" smtClean="0">
-              <a:solidFill>
-                <a:srgbClr val="000000"/>
-              </a:solidFill>
-            </a:endParaRPr>
-          </a:p>
-        </p:txBody>
-      </p:sp>
-      <p:sp>
-        <p:nvSpPr>
-          <p:cNvPr id="93" name="Rectangle 92"/>
-          <p:cNvSpPr/>
-          <p:nvPr/>
-        </p:nvSpPr>
-        <p:spPr>
-          <a:xfrm>
-            <a:off x="6367527" y="843598"/>
-            <a:ext cx="517006" cy="720080"/>
-          </a:xfrm>
-          <a:prstGeom prst="rect">
-            <a:avLst/>
-          </a:prstGeom>
-          <a:solidFill>
-            <a:schemeClr val="bg1">
-              <a:lumMod val="95000"/>
-            </a:schemeClr>
-          </a:solidFill>
-          <a:ln>
-            <a:solidFill>
-              <a:srgbClr val="000000"/>
-            </a:solidFill>
-          </a:ln>
-        </p:spPr>
-        <p:style>
-          <a:lnRef idx="2">
-            <a:schemeClr val="accent4">
-              <a:shade val="50000"/>
-            </a:schemeClr>
-          </a:lnRef>
-          <a:fillRef idx="1">
-            <a:schemeClr val="accent4"/>
-          </a:fillRef>
-          <a:effectRef idx="0">
-            <a:schemeClr val="accent4"/>
-          </a:effectRef>
-          <a:fontRef idx="minor">
-            <a:schemeClr val="lt1"/>
-          </a:fontRef>
-        </p:style>
-        <p:txBody>
-          <a:bodyPr rtlCol="0" anchor="ctr"/>
-          <a:lstStyle/>
-          <a:p>
-            <a:pPr algn="ctr"/>
-            <a:r>
-              <a:rPr lang="fr-FR" sz="1400" dirty="0" smtClean="0">
-                <a:solidFill>
-                  <a:srgbClr val="000000"/>
-                </a:solidFill>
-              </a:rPr>
-              <a:t>A1</a:t>
-            </a:r>
-            <a:endParaRPr lang="fr-FR" sz="1400" dirty="0" smtClean="0">
-              <a:solidFill>
-                <a:srgbClr val="000000"/>
-              </a:solidFill>
-            </a:endParaRPr>
-          </a:p>
-        </p:txBody>
-      </p:sp>
-      <p:sp>
-        <p:nvSpPr>
-          <p:cNvPr id="94" name="Rectangle 93"/>
-          <p:cNvSpPr/>
-          <p:nvPr/>
-        </p:nvSpPr>
-        <p:spPr>
-          <a:xfrm>
-            <a:off x="7153263" y="873604"/>
-            <a:ext cx="612000" cy="720080"/>
-          </a:xfrm>
-          <a:prstGeom prst="rect">
-            <a:avLst/>
-          </a:prstGeom>
-          <a:solidFill>
-            <a:schemeClr val="bg1">
-              <a:lumMod val="95000"/>
-            </a:schemeClr>
-          </a:solidFill>
-          <a:ln>
-            <a:solidFill>
-              <a:srgbClr val="000000"/>
-            </a:solidFill>
-          </a:ln>
-        </p:spPr>
-        <p:style>
-          <a:lnRef idx="2">
-            <a:schemeClr val="accent5">
-              <a:shade val="50000"/>
-            </a:schemeClr>
-          </a:lnRef>
-          <a:fillRef idx="1">
-            <a:schemeClr val="accent5"/>
-          </a:fillRef>
-          <a:effectRef idx="0">
-            <a:schemeClr val="accent5"/>
-          </a:effectRef>
-          <a:fontRef idx="minor">
-            <a:schemeClr val="lt1"/>
-          </a:fontRef>
-        </p:style>
-        <p:txBody>
-          <a:bodyPr rtlCol="0" anchor="ctr"/>
-          <a:lstStyle/>
-          <a:p>
-            <a:pPr algn="ctr"/>
-            <a:r>
-              <a:rPr lang="fr-FR" sz="1400" dirty="0" smtClean="0">
-                <a:solidFill>
-                  <a:srgbClr val="000000"/>
-                </a:solidFill>
-              </a:rPr>
-              <a:t>VS</a:t>
-            </a:r>
-            <a:endParaRPr lang="fr-FR" sz="1400" dirty="0" smtClean="0">
-              <a:solidFill>
-                <a:srgbClr val="000000"/>
-              </a:solidFill>
-            </a:endParaRPr>
-          </a:p>
-        </p:txBody>
-      </p:sp>
-      <p:sp>
-        <p:nvSpPr>
-          <p:cNvPr id="95" name="Rectangle 94"/>
-          <p:cNvSpPr/>
-          <p:nvPr/>
-        </p:nvSpPr>
-        <p:spPr>
-          <a:xfrm>
-            <a:off x="7837239" y="873604"/>
-            <a:ext cx="612000" cy="720080"/>
-          </a:xfrm>
-          <a:prstGeom prst="rect">
-            <a:avLst/>
-          </a:prstGeom>
-          <a:solidFill>
-            <a:schemeClr val="bg1">
-              <a:lumMod val="95000"/>
-            </a:schemeClr>
-          </a:solidFill>
-          <a:ln>
-            <a:solidFill>
-              <a:srgbClr val="000000"/>
-            </a:solidFill>
-          </a:ln>
-        </p:spPr>
-        <p:style>
-          <a:lnRef idx="2">
-            <a:schemeClr val="accent5">
-              <a:shade val="50000"/>
-            </a:schemeClr>
-          </a:lnRef>
-          <a:fillRef idx="1">
-            <a:schemeClr val="accent5"/>
-          </a:fillRef>
-          <a:effectRef idx="0">
-            <a:schemeClr val="accent5"/>
-          </a:effectRef>
-          <a:fontRef idx="minor">
-            <a:schemeClr val="lt1"/>
-          </a:fontRef>
-        </p:style>
-        <p:txBody>
-          <a:bodyPr rtlCol="0" anchor="ctr"/>
-          <a:lstStyle/>
-          <a:p>
-            <a:pPr algn="ctr"/>
-            <a:r>
-              <a:rPr lang="fr-FR" sz="1400" dirty="0" smtClean="0">
-                <a:solidFill>
-                  <a:srgbClr val="000000"/>
-                </a:solidFill>
-              </a:rPr>
-              <a:t>VA</a:t>
-            </a:r>
-            <a:endParaRPr lang="fr-FR" sz="1400" dirty="0" smtClean="0">
-              <a:solidFill>
-                <a:srgbClr val="000000"/>
-              </a:solidFill>
-            </a:endParaRPr>
-          </a:p>
-        </p:txBody>
-      </p:sp>
-      <p:sp>
-        <p:nvSpPr>
-          <p:cNvPr id="96" name="Rectangle 95"/>
-          <p:cNvSpPr/>
-          <p:nvPr/>
-        </p:nvSpPr>
-        <p:spPr>
-          <a:xfrm>
-            <a:off x="8527790" y="873644"/>
-            <a:ext cx="517006" cy="720080"/>
-          </a:xfrm>
-          <a:prstGeom prst="rect">
-            <a:avLst/>
-          </a:prstGeom>
-          <a:solidFill>
-            <a:schemeClr val="bg1">
-              <a:lumMod val="95000"/>
-            </a:schemeClr>
-          </a:solidFill>
-          <a:ln>
-            <a:solidFill>
-              <a:srgbClr val="000000"/>
-            </a:solidFill>
-          </a:ln>
-        </p:spPr>
-        <p:style>
-          <a:lnRef idx="2">
-            <a:schemeClr val="accent5">
-              <a:shade val="50000"/>
-            </a:schemeClr>
-          </a:lnRef>
-          <a:fillRef idx="1">
-            <a:schemeClr val="accent5"/>
-          </a:fillRef>
-          <a:effectRef idx="0">
-            <a:schemeClr val="accent5"/>
-          </a:effectRef>
-          <a:fontRef idx="minor">
-            <a:schemeClr val="lt1"/>
-          </a:fontRef>
-        </p:style>
-        <p:txBody>
-          <a:bodyPr rtlCol="0" anchor="ctr"/>
-          <a:lstStyle/>
-          <a:p>
-            <a:pPr algn="ctr"/>
-            <a:r>
-              <a:rPr lang="fr-FR" sz="1400" dirty="0" smtClean="0">
-                <a:solidFill>
-                  <a:srgbClr val="000000"/>
-                </a:solidFill>
-              </a:rPr>
-              <a:t>A2</a:t>
-            </a:r>
-            <a:endParaRPr lang="fr-FR" sz="1400" dirty="0" smtClean="0">
-              <a:solidFill>
-                <a:srgbClr val="000000"/>
-              </a:solidFill>
+              <a:latin typeface="CMU Sans Serif" panose="02000603000000000000" pitchFamily="2" charset="0"/>
+              <a:ea typeface="CMU Sans Serif" panose="02000603000000000000" pitchFamily="2" charset="0"/>
+              <a:cs typeface="CMU Sans Serif" panose="02000603000000000000" pitchFamily="2" charset="0"/>
             </a:endParaRPr>
           </a:p>
         </p:txBody>
@@ -6758,8 +5279,8 @@
         </p:nvSpPr>
         <p:spPr>
           <a:xfrm rot="16200000">
-            <a:off x="-934757" y="1365769"/>
-            <a:ext cx="2555464" cy="432000"/>
+            <a:off x="-972905" y="1327622"/>
+            <a:ext cx="2631759" cy="432000"/>
           </a:xfrm>
           <a:prstGeom prst="roundRect">
             <a:avLst/>
@@ -6790,16 +5311,11 @@
                 <a:solidFill>
                   <a:srgbClr val="000000"/>
                 </a:solidFill>
-              </a:rPr>
-              <a:t>Application </a:t>
-            </a:r>
-            <a:r>
-              <a:rPr lang="fr-FR" sz="1400" dirty="0" smtClean="0">
-                <a:solidFill>
-                  <a:srgbClr val="000000"/>
-                </a:solidFill>
-              </a:rPr>
-              <a:t>layer</a:t>
+                <a:latin typeface="CMU Sans Serif" panose="02000603000000000000" pitchFamily="2" charset="0"/>
+                <a:ea typeface="CMU Sans Serif" panose="02000603000000000000" pitchFamily="2" charset="0"/>
+                <a:cs typeface="CMU Sans Serif" panose="02000603000000000000" pitchFamily="2" charset="0"/>
+              </a:rPr>
+              <a:t>Application layer</a:t>
             </a:r>
           </a:p>
         </p:txBody>
@@ -6844,6 +5360,9 @@
                 <a:solidFill>
                   <a:srgbClr val="000000"/>
                 </a:solidFill>
+                <a:latin typeface="CMU Sans Serif" panose="02000603000000000000" pitchFamily="2" charset="0"/>
+                <a:ea typeface="CMU Sans Serif" panose="02000603000000000000" pitchFamily="2" charset="0"/>
+                <a:cs typeface="CMU Sans Serif" panose="02000603000000000000" pitchFamily="2" charset="0"/>
               </a:rPr>
               <a:t>OS layer</a:t>
             </a:r>
@@ -6890,6 +5409,9 @@
                 <a:solidFill>
                   <a:srgbClr val="000000"/>
                 </a:solidFill>
+                <a:latin typeface="CMU Sans Serif" panose="02000603000000000000" pitchFamily="2" charset="0"/>
+                <a:ea typeface="CMU Sans Serif" panose="02000603000000000000" pitchFamily="2" charset="0"/>
+                <a:cs typeface="CMU Sans Serif" panose="02000603000000000000" pitchFamily="2" charset="0"/>
               </a:rPr>
               <a:t>HW &amp; </a:t>
             </a:r>
@@ -6898,6 +5420,9 @@
                 <a:solidFill>
                   <a:srgbClr val="000000"/>
                 </a:solidFill>
+                <a:latin typeface="CMU Sans Serif" panose="02000603000000000000" pitchFamily="2" charset="0"/>
+                <a:ea typeface="CMU Sans Serif" panose="02000603000000000000" pitchFamily="2" charset="0"/>
+                <a:cs typeface="CMU Sans Serif" panose="02000603000000000000" pitchFamily="2" charset="0"/>
               </a:rPr>
               <a:t>kernel</a:t>
             </a:r>
@@ -6905,20 +5430,23 @@
               <a:solidFill>
                 <a:srgbClr val="000000"/>
               </a:solidFill>
+              <a:latin typeface="CMU Sans Serif" panose="02000603000000000000" pitchFamily="2" charset="0"/>
+              <a:ea typeface="CMU Sans Serif" panose="02000603000000000000" pitchFamily="2" charset="0"/>
+              <a:cs typeface="CMU Sans Serif" panose="02000603000000000000" pitchFamily="2" charset="0"/>
             </a:endParaRPr>
           </a:p>
         </p:txBody>
       </p:sp>
       <p:sp>
         <p:nvSpPr>
-          <p:cNvPr id="46" name="Rectangle 45"/>
+          <p:cNvPr id="45" name="Rectangle 44"/>
           <p:cNvSpPr/>
           <p:nvPr/>
         </p:nvSpPr>
         <p:spPr>
           <a:xfrm>
-            <a:off x="1644728" y="2145505"/>
-            <a:ext cx="900000" cy="576000"/>
+            <a:off x="649536" y="834350"/>
+            <a:ext cx="720000" cy="576000"/>
           </a:xfrm>
           <a:prstGeom prst="rect">
             <a:avLst/>
@@ -6936,16 +5464,18 @@
         </p:spPr>
         <p:style>
           <a:lnRef idx="2">
-            <a:schemeClr val="dk1"/>
+            <a:schemeClr val="accent3">
+              <a:shade val="50000"/>
+            </a:schemeClr>
           </a:lnRef>
           <a:fillRef idx="1">
-            <a:schemeClr val="lt1"/>
+            <a:schemeClr val="accent3"/>
           </a:fillRef>
           <a:effectRef idx="0">
-            <a:schemeClr val="dk1"/>
+            <a:schemeClr val="accent3"/>
           </a:effectRef>
           <a:fontRef idx="minor">
-            <a:schemeClr val="dk1"/>
+            <a:schemeClr val="lt1"/>
           </a:fontRef>
         </p:style>
         <p:txBody>
@@ -6958,13 +5488,1986 @@
                 <a:solidFill>
                   <a:srgbClr val="000000"/>
                 </a:solidFill>
-              </a:rPr>
-              <a:t>DM</a:t>
+                <a:latin typeface="CMU Sans Serif" panose="02000603000000000000" pitchFamily="2" charset="0"/>
+                <a:ea typeface="CMU Sans Serif" panose="02000603000000000000" pitchFamily="2" charset="0"/>
+                <a:cs typeface="CMU Sans Serif" panose="02000603000000000000" pitchFamily="2" charset="0"/>
+              </a:rPr>
+              <a:t>Sens. Driver</a:t>
             </a:r>
             <a:endParaRPr lang="fr-FR" sz="1400" dirty="0" smtClean="0">
               <a:solidFill>
                 <a:srgbClr val="000000"/>
               </a:solidFill>
+              <a:latin typeface="CMU Sans Serif" panose="02000603000000000000" pitchFamily="2" charset="0"/>
+              <a:ea typeface="CMU Sans Serif" panose="02000603000000000000" pitchFamily="2" charset="0"/>
+              <a:cs typeface="CMU Sans Serif" panose="02000603000000000000" pitchFamily="2" charset="0"/>
+            </a:endParaRPr>
+          </a:p>
+        </p:txBody>
+      </p:sp>
+      <p:sp>
+        <p:nvSpPr>
+          <p:cNvPr id="50" name="Rectangle 49"/>
+          <p:cNvSpPr/>
+          <p:nvPr/>
+        </p:nvSpPr>
+        <p:spPr>
+          <a:xfrm>
+            <a:off x="1519456" y="834286"/>
+            <a:ext cx="900000" cy="576064"/>
+          </a:xfrm>
+          <a:prstGeom prst="rect">
+            <a:avLst/>
+          </a:prstGeom>
+          <a:solidFill>
+            <a:schemeClr val="bg1">
+              <a:lumMod val="75000"/>
+            </a:schemeClr>
+          </a:solidFill>
+          <a:ln>
+            <a:solidFill>
+              <a:srgbClr val="000000"/>
+            </a:solidFill>
+          </a:ln>
+        </p:spPr>
+        <p:style>
+          <a:lnRef idx="2">
+            <a:schemeClr val="accent2">
+              <a:shade val="50000"/>
+            </a:schemeClr>
+          </a:lnRef>
+          <a:fillRef idx="1">
+            <a:schemeClr val="accent2"/>
+          </a:fillRef>
+          <a:effectRef idx="0">
+            <a:schemeClr val="accent2"/>
+          </a:effectRef>
+          <a:fontRef idx="minor">
+            <a:schemeClr val="lt1"/>
+          </a:fontRef>
+        </p:style>
+        <p:txBody>
+          <a:bodyPr rtlCol="0" anchor="ctr"/>
+          <a:lstStyle/>
+          <a:p>
+            <a:pPr algn="ctr"/>
+            <a:r>
+              <a:rPr lang="fr-FR" sz="1400" dirty="0" err="1" smtClean="0">
+                <a:solidFill>
+                  <a:srgbClr val="000000"/>
+                </a:solidFill>
+                <a:latin typeface="CMU Sans Serif" panose="02000603000000000000" pitchFamily="2" charset="0"/>
+                <a:ea typeface="CMU Sans Serif" panose="02000603000000000000" pitchFamily="2" charset="0"/>
+                <a:cs typeface="CMU Sans Serif" panose="02000603000000000000" pitchFamily="2" charset="0"/>
+              </a:rPr>
+              <a:t>Virt</a:t>
+            </a:r>
+            <a:r>
+              <a:rPr lang="fr-FR" sz="1400" dirty="0" smtClean="0">
+                <a:solidFill>
+                  <a:srgbClr val="000000"/>
+                </a:solidFill>
+                <a:latin typeface="CMU Sans Serif" panose="02000603000000000000" pitchFamily="2" charset="0"/>
+                <a:ea typeface="CMU Sans Serif" panose="02000603000000000000" pitchFamily="2" charset="0"/>
+                <a:cs typeface="CMU Sans Serif" panose="02000603000000000000" pitchFamily="2" charset="0"/>
+              </a:rPr>
+              <a:t> Sens Mgr</a:t>
+            </a:r>
+            <a:endParaRPr lang="fr-FR" sz="1400" dirty="0" smtClean="0">
+              <a:solidFill>
+                <a:srgbClr val="000000"/>
+              </a:solidFill>
+              <a:latin typeface="CMU Sans Serif" panose="02000603000000000000" pitchFamily="2" charset="0"/>
+              <a:ea typeface="CMU Sans Serif" panose="02000603000000000000" pitchFamily="2" charset="0"/>
+              <a:cs typeface="CMU Sans Serif" panose="02000603000000000000" pitchFamily="2" charset="0"/>
+            </a:endParaRPr>
+          </a:p>
+        </p:txBody>
+      </p:sp>
+      <p:sp>
+        <p:nvSpPr>
+          <p:cNvPr id="51" name="Rectangle 50"/>
+          <p:cNvSpPr/>
+          <p:nvPr/>
+        </p:nvSpPr>
+        <p:spPr>
+          <a:xfrm>
+            <a:off x="1509984" y="1481306"/>
+            <a:ext cx="900000" cy="582855"/>
+          </a:xfrm>
+          <a:prstGeom prst="rect">
+            <a:avLst/>
+          </a:prstGeom>
+          <a:solidFill>
+            <a:schemeClr val="bg1">
+              <a:lumMod val="75000"/>
+            </a:schemeClr>
+          </a:solidFill>
+          <a:ln>
+            <a:solidFill>
+              <a:srgbClr val="000000"/>
+            </a:solidFill>
+          </a:ln>
+        </p:spPr>
+        <p:style>
+          <a:lnRef idx="2">
+            <a:schemeClr val="accent2">
+              <a:shade val="50000"/>
+            </a:schemeClr>
+          </a:lnRef>
+          <a:fillRef idx="1">
+            <a:schemeClr val="accent2"/>
+          </a:fillRef>
+          <a:effectRef idx="0">
+            <a:schemeClr val="accent2"/>
+          </a:effectRef>
+          <a:fontRef idx="minor">
+            <a:schemeClr val="lt1"/>
+          </a:fontRef>
+        </p:style>
+        <p:txBody>
+          <a:bodyPr rtlCol="0" anchor="ctr"/>
+          <a:lstStyle/>
+          <a:p>
+            <a:pPr algn="ctr"/>
+            <a:r>
+              <a:rPr lang="fr-FR" sz="1400" dirty="0" err="1" smtClean="0">
+                <a:solidFill>
+                  <a:srgbClr val="000000"/>
+                </a:solidFill>
+                <a:latin typeface="CMU Sans Serif" panose="02000603000000000000" pitchFamily="2" charset="0"/>
+                <a:ea typeface="CMU Sans Serif" panose="02000603000000000000" pitchFamily="2" charset="0"/>
+                <a:cs typeface="CMU Sans Serif" panose="02000603000000000000" pitchFamily="2" charset="0"/>
+              </a:rPr>
+              <a:t>Virt</a:t>
+            </a:r>
+            <a:r>
+              <a:rPr lang="fr-FR" sz="1400" dirty="0" smtClean="0">
+                <a:solidFill>
+                  <a:srgbClr val="000000"/>
+                </a:solidFill>
+                <a:latin typeface="CMU Sans Serif" panose="02000603000000000000" pitchFamily="2" charset="0"/>
+                <a:ea typeface="CMU Sans Serif" panose="02000603000000000000" pitchFamily="2" charset="0"/>
+                <a:cs typeface="CMU Sans Serif" panose="02000603000000000000" pitchFamily="2" charset="0"/>
+              </a:rPr>
+              <a:t> </a:t>
+            </a:r>
+            <a:r>
+              <a:rPr lang="fr-FR" sz="1400" dirty="0" err="1" smtClean="0">
+                <a:solidFill>
+                  <a:srgbClr val="000000"/>
+                </a:solidFill>
+                <a:latin typeface="CMU Sans Serif" panose="02000603000000000000" pitchFamily="2" charset="0"/>
+                <a:ea typeface="CMU Sans Serif" panose="02000603000000000000" pitchFamily="2" charset="0"/>
+                <a:cs typeface="CMU Sans Serif" panose="02000603000000000000" pitchFamily="2" charset="0"/>
+              </a:rPr>
+              <a:t>Act</a:t>
+            </a:r>
+            <a:r>
+              <a:rPr lang="fr-FR" sz="1400" dirty="0" smtClean="0">
+                <a:solidFill>
+                  <a:srgbClr val="000000"/>
+                </a:solidFill>
+                <a:latin typeface="CMU Sans Serif" panose="02000603000000000000" pitchFamily="2" charset="0"/>
+                <a:ea typeface="CMU Sans Serif" panose="02000603000000000000" pitchFamily="2" charset="0"/>
+                <a:cs typeface="CMU Sans Serif" panose="02000603000000000000" pitchFamily="2" charset="0"/>
+              </a:rPr>
+              <a:t> Mgr</a:t>
+            </a:r>
+            <a:endParaRPr lang="fr-FR" sz="1400" dirty="0" smtClean="0">
+              <a:solidFill>
+                <a:srgbClr val="000000"/>
+              </a:solidFill>
+              <a:latin typeface="CMU Sans Serif" panose="02000603000000000000" pitchFamily="2" charset="0"/>
+              <a:ea typeface="CMU Sans Serif" panose="02000603000000000000" pitchFamily="2" charset="0"/>
+              <a:cs typeface="CMU Sans Serif" panose="02000603000000000000" pitchFamily="2" charset="0"/>
+            </a:endParaRPr>
+          </a:p>
+        </p:txBody>
+      </p:sp>
+      <p:sp>
+        <p:nvSpPr>
+          <p:cNvPr id="52" name="Rectangle 51"/>
+          <p:cNvSpPr/>
+          <p:nvPr/>
+        </p:nvSpPr>
+        <p:spPr>
+          <a:xfrm>
+            <a:off x="649536" y="1482422"/>
+            <a:ext cx="720000" cy="576000"/>
+          </a:xfrm>
+          <a:prstGeom prst="rect">
+            <a:avLst/>
+          </a:prstGeom>
+          <a:solidFill>
+            <a:schemeClr val="bg1">
+              <a:lumMod val="75000"/>
+            </a:schemeClr>
+          </a:solidFill>
+          <a:ln>
+            <a:solidFill>
+              <a:srgbClr val="000000"/>
+            </a:solidFill>
+          </a:ln>
+        </p:spPr>
+        <p:style>
+          <a:lnRef idx="2">
+            <a:schemeClr val="accent3">
+              <a:shade val="50000"/>
+            </a:schemeClr>
+          </a:lnRef>
+          <a:fillRef idx="1">
+            <a:schemeClr val="accent3"/>
+          </a:fillRef>
+          <a:effectRef idx="0">
+            <a:schemeClr val="accent3"/>
+          </a:effectRef>
+          <a:fontRef idx="minor">
+            <a:schemeClr val="lt1"/>
+          </a:fontRef>
+        </p:style>
+        <p:txBody>
+          <a:bodyPr rtlCol="0" anchor="ctr"/>
+          <a:lstStyle/>
+          <a:p>
+            <a:pPr algn="ctr"/>
+            <a:r>
+              <a:rPr lang="fr-FR" sz="1400" dirty="0" err="1" smtClean="0">
+                <a:solidFill>
+                  <a:srgbClr val="000000"/>
+                </a:solidFill>
+                <a:latin typeface="CMU Sans Serif" panose="02000603000000000000" pitchFamily="2" charset="0"/>
+                <a:ea typeface="CMU Sans Serif" panose="02000603000000000000" pitchFamily="2" charset="0"/>
+                <a:cs typeface="CMU Sans Serif" panose="02000603000000000000" pitchFamily="2" charset="0"/>
+              </a:rPr>
+              <a:t>Act</a:t>
+            </a:r>
+            <a:r>
+              <a:rPr lang="fr-FR" sz="1400" dirty="0" smtClean="0">
+                <a:solidFill>
+                  <a:srgbClr val="000000"/>
+                </a:solidFill>
+                <a:latin typeface="CMU Sans Serif" panose="02000603000000000000" pitchFamily="2" charset="0"/>
+                <a:ea typeface="CMU Sans Serif" panose="02000603000000000000" pitchFamily="2" charset="0"/>
+                <a:cs typeface="CMU Sans Serif" panose="02000603000000000000" pitchFamily="2" charset="0"/>
+              </a:rPr>
+              <a:t>. Driver</a:t>
+            </a:r>
+            <a:endParaRPr lang="fr-FR" sz="1400" dirty="0" smtClean="0">
+              <a:solidFill>
+                <a:srgbClr val="000000"/>
+              </a:solidFill>
+              <a:latin typeface="CMU Sans Serif" panose="02000603000000000000" pitchFamily="2" charset="0"/>
+              <a:ea typeface="CMU Sans Serif" panose="02000603000000000000" pitchFamily="2" charset="0"/>
+              <a:cs typeface="CMU Sans Serif" panose="02000603000000000000" pitchFamily="2" charset="0"/>
+            </a:endParaRPr>
+          </a:p>
+        </p:txBody>
+      </p:sp>
+      <p:sp>
+        <p:nvSpPr>
+          <p:cNvPr id="53" name="Rectangle 52"/>
+          <p:cNvSpPr/>
+          <p:nvPr/>
+        </p:nvSpPr>
+        <p:spPr>
+          <a:xfrm>
+            <a:off x="666688" y="2130494"/>
+            <a:ext cx="720000" cy="576000"/>
+          </a:xfrm>
+          <a:prstGeom prst="rect">
+            <a:avLst/>
+          </a:prstGeom>
+          <a:solidFill>
+            <a:schemeClr val="bg1">
+              <a:lumMod val="75000"/>
+            </a:schemeClr>
+          </a:solidFill>
+          <a:ln>
+            <a:solidFill>
+              <a:srgbClr val="000000"/>
+            </a:solidFill>
+          </a:ln>
+        </p:spPr>
+        <p:style>
+          <a:lnRef idx="2">
+            <a:schemeClr val="accent3">
+              <a:shade val="50000"/>
+            </a:schemeClr>
+          </a:lnRef>
+          <a:fillRef idx="1">
+            <a:schemeClr val="accent3"/>
+          </a:fillRef>
+          <a:effectRef idx="0">
+            <a:schemeClr val="accent3"/>
+          </a:effectRef>
+          <a:fontRef idx="minor">
+            <a:schemeClr val="lt1"/>
+          </a:fontRef>
+        </p:style>
+        <p:txBody>
+          <a:bodyPr rtlCol="0" anchor="ctr"/>
+          <a:lstStyle/>
+          <a:p>
+            <a:pPr algn="ctr"/>
+            <a:r>
+              <a:rPr lang="fr-FR" sz="1400" dirty="0" smtClean="0">
+                <a:solidFill>
+                  <a:srgbClr val="000000"/>
+                </a:solidFill>
+                <a:latin typeface="CMU Sans Serif" panose="02000603000000000000" pitchFamily="2" charset="0"/>
+                <a:ea typeface="CMU Sans Serif" panose="02000603000000000000" pitchFamily="2" charset="0"/>
+                <a:cs typeface="CMU Sans Serif" panose="02000603000000000000" pitchFamily="2" charset="0"/>
+              </a:rPr>
+              <a:t>NW Driver</a:t>
+            </a:r>
+            <a:endParaRPr lang="fr-FR" sz="1400" dirty="0" smtClean="0">
+              <a:solidFill>
+                <a:srgbClr val="000000"/>
+              </a:solidFill>
+              <a:latin typeface="CMU Sans Serif" panose="02000603000000000000" pitchFamily="2" charset="0"/>
+              <a:ea typeface="CMU Sans Serif" panose="02000603000000000000" pitchFamily="2" charset="0"/>
+              <a:cs typeface="CMU Sans Serif" panose="02000603000000000000" pitchFamily="2" charset="0"/>
+            </a:endParaRPr>
+          </a:p>
+        </p:txBody>
+      </p:sp>
+      <p:sp>
+        <p:nvSpPr>
+          <p:cNvPr id="55" name="Rectangle 54"/>
+          <p:cNvSpPr/>
+          <p:nvPr/>
+        </p:nvSpPr>
+        <p:spPr>
+          <a:xfrm>
+            <a:off x="1509984" y="2130570"/>
+            <a:ext cx="900000" cy="582855"/>
+          </a:xfrm>
+          <a:prstGeom prst="rect">
+            <a:avLst/>
+          </a:prstGeom>
+          <a:solidFill>
+            <a:schemeClr val="bg1">
+              <a:lumMod val="75000"/>
+            </a:schemeClr>
+          </a:solidFill>
+          <a:ln>
+            <a:solidFill>
+              <a:srgbClr val="000000"/>
+            </a:solidFill>
+          </a:ln>
+        </p:spPr>
+        <p:style>
+          <a:lnRef idx="2">
+            <a:schemeClr val="accent2">
+              <a:shade val="50000"/>
+            </a:schemeClr>
+          </a:lnRef>
+          <a:fillRef idx="1">
+            <a:schemeClr val="accent2"/>
+          </a:fillRef>
+          <a:effectRef idx="0">
+            <a:schemeClr val="accent2"/>
+          </a:effectRef>
+          <a:fontRef idx="minor">
+            <a:schemeClr val="lt1"/>
+          </a:fontRef>
+        </p:style>
+        <p:txBody>
+          <a:bodyPr rtlCol="0" anchor="ctr"/>
+          <a:lstStyle/>
+          <a:p>
+            <a:pPr algn="ctr"/>
+            <a:r>
+              <a:rPr lang="fr-FR" sz="1400" dirty="0" err="1" smtClean="0">
+                <a:solidFill>
+                  <a:srgbClr val="000000"/>
+                </a:solidFill>
+                <a:latin typeface="CMU Sans Serif" panose="02000603000000000000" pitchFamily="2" charset="0"/>
+                <a:ea typeface="CMU Sans Serif" panose="02000603000000000000" pitchFamily="2" charset="0"/>
+                <a:cs typeface="CMU Sans Serif" panose="02000603000000000000" pitchFamily="2" charset="0"/>
+              </a:rPr>
+              <a:t>Virt</a:t>
+            </a:r>
+            <a:r>
+              <a:rPr lang="fr-FR" sz="1400" dirty="0" smtClean="0">
+                <a:solidFill>
+                  <a:srgbClr val="000000"/>
+                </a:solidFill>
+                <a:latin typeface="CMU Sans Serif" panose="02000603000000000000" pitchFamily="2" charset="0"/>
+                <a:ea typeface="CMU Sans Serif" panose="02000603000000000000" pitchFamily="2" charset="0"/>
+                <a:cs typeface="CMU Sans Serif" panose="02000603000000000000" pitchFamily="2" charset="0"/>
+              </a:rPr>
+              <a:t> NW</a:t>
+            </a:r>
+            <a:r>
+              <a:rPr lang="fr-FR" sz="1400" dirty="0" smtClean="0">
+                <a:solidFill>
+                  <a:srgbClr val="000000"/>
+                </a:solidFill>
+                <a:latin typeface="CMU Sans Serif" panose="02000603000000000000" pitchFamily="2" charset="0"/>
+                <a:ea typeface="CMU Sans Serif" panose="02000603000000000000" pitchFamily="2" charset="0"/>
+                <a:cs typeface="CMU Sans Serif" panose="02000603000000000000" pitchFamily="2" charset="0"/>
+              </a:rPr>
+              <a:t> Mgr</a:t>
+            </a:r>
+            <a:endParaRPr lang="fr-FR" sz="1400" dirty="0" smtClean="0">
+              <a:solidFill>
+                <a:srgbClr val="000000"/>
+              </a:solidFill>
+              <a:latin typeface="CMU Sans Serif" panose="02000603000000000000" pitchFamily="2" charset="0"/>
+              <a:ea typeface="CMU Sans Serif" panose="02000603000000000000" pitchFamily="2" charset="0"/>
+              <a:cs typeface="CMU Sans Serif" panose="02000603000000000000" pitchFamily="2" charset="0"/>
+            </a:endParaRPr>
+          </a:p>
+        </p:txBody>
+      </p:sp>
+      <p:sp>
+        <p:nvSpPr>
+          <p:cNvPr id="83" name="Rectangle 82"/>
+          <p:cNvSpPr/>
+          <p:nvPr/>
+        </p:nvSpPr>
+        <p:spPr>
+          <a:xfrm>
+            <a:off x="4901152" y="506030"/>
+            <a:ext cx="792000" cy="720080"/>
+          </a:xfrm>
+          <a:prstGeom prst="rect">
+            <a:avLst/>
+          </a:prstGeom>
+          <a:solidFill>
+            <a:schemeClr val="bg1">
+              <a:lumMod val="95000"/>
+            </a:schemeClr>
+          </a:solidFill>
+          <a:ln>
+            <a:solidFill>
+              <a:srgbClr val="000000"/>
+            </a:solidFill>
+          </a:ln>
+        </p:spPr>
+        <p:style>
+          <a:lnRef idx="2">
+            <a:schemeClr val="accent4">
+              <a:shade val="50000"/>
+            </a:schemeClr>
+          </a:lnRef>
+          <a:fillRef idx="1">
+            <a:schemeClr val="accent4"/>
+          </a:fillRef>
+          <a:effectRef idx="0">
+            <a:schemeClr val="accent4"/>
+          </a:effectRef>
+          <a:fontRef idx="minor">
+            <a:schemeClr val="lt1"/>
+          </a:fontRef>
+        </p:style>
+        <p:txBody>
+          <a:bodyPr rtlCol="0" anchor="ctr"/>
+          <a:lstStyle/>
+          <a:p>
+            <a:pPr algn="ctr"/>
+            <a:r>
+              <a:rPr lang="fr-FR" sz="1400" dirty="0" err="1" smtClean="0">
+                <a:solidFill>
+                  <a:srgbClr val="000000"/>
+                </a:solidFill>
+                <a:latin typeface="CMU Sans Serif" panose="02000603000000000000" pitchFamily="2" charset="0"/>
+                <a:ea typeface="CMU Sans Serif" panose="02000603000000000000" pitchFamily="2" charset="0"/>
+                <a:cs typeface="CMU Sans Serif" panose="02000603000000000000" pitchFamily="2" charset="0"/>
+              </a:rPr>
+              <a:t>Virt</a:t>
+            </a:r>
+            <a:r>
+              <a:rPr lang="fr-FR" sz="1400" dirty="0" smtClean="0">
+                <a:solidFill>
+                  <a:srgbClr val="000000"/>
+                </a:solidFill>
+                <a:latin typeface="CMU Sans Serif" panose="02000603000000000000" pitchFamily="2" charset="0"/>
+                <a:ea typeface="CMU Sans Serif" panose="02000603000000000000" pitchFamily="2" charset="0"/>
+                <a:cs typeface="CMU Sans Serif" panose="02000603000000000000" pitchFamily="2" charset="0"/>
+              </a:rPr>
+              <a:t> Sens</a:t>
+            </a:r>
+            <a:r>
+              <a:rPr lang="fr-FR" sz="1400" dirty="0">
+                <a:solidFill>
+                  <a:srgbClr val="000000"/>
+                </a:solidFill>
+                <a:latin typeface="CMU Sans Serif" panose="02000603000000000000" pitchFamily="2" charset="0"/>
+                <a:ea typeface="CMU Sans Serif" panose="02000603000000000000" pitchFamily="2" charset="0"/>
+                <a:cs typeface="CMU Sans Serif" panose="02000603000000000000" pitchFamily="2" charset="0"/>
+              </a:rPr>
+              <a:t> </a:t>
+            </a:r>
+            <a:r>
+              <a:rPr lang="fr-FR" sz="1400" dirty="0" smtClean="0">
+                <a:solidFill>
+                  <a:srgbClr val="000000"/>
+                </a:solidFill>
+                <a:latin typeface="CMU Sans Serif" panose="02000603000000000000" pitchFamily="2" charset="0"/>
+                <a:ea typeface="CMU Sans Serif" panose="02000603000000000000" pitchFamily="2" charset="0"/>
+                <a:cs typeface="CMU Sans Serif" panose="02000603000000000000" pitchFamily="2" charset="0"/>
+              </a:rPr>
+              <a:t>Updater</a:t>
+            </a:r>
+            <a:endParaRPr lang="fr-FR" sz="1400" dirty="0" smtClean="0">
+              <a:solidFill>
+                <a:srgbClr val="000000"/>
+              </a:solidFill>
+              <a:latin typeface="CMU Sans Serif" panose="02000603000000000000" pitchFamily="2" charset="0"/>
+              <a:ea typeface="CMU Sans Serif" panose="02000603000000000000" pitchFamily="2" charset="0"/>
+              <a:cs typeface="CMU Sans Serif" panose="02000603000000000000" pitchFamily="2" charset="0"/>
+            </a:endParaRPr>
+          </a:p>
+        </p:txBody>
+      </p:sp>
+      <p:sp>
+        <p:nvSpPr>
+          <p:cNvPr id="84" name="Rectangle 83"/>
+          <p:cNvSpPr/>
+          <p:nvPr/>
+        </p:nvSpPr>
+        <p:spPr>
+          <a:xfrm>
+            <a:off x="5950888" y="506030"/>
+            <a:ext cx="792000" cy="720080"/>
+          </a:xfrm>
+          <a:prstGeom prst="rect">
+            <a:avLst/>
+          </a:prstGeom>
+          <a:solidFill>
+            <a:schemeClr val="bg1">
+              <a:lumMod val="95000"/>
+            </a:schemeClr>
+          </a:solidFill>
+          <a:ln>
+            <a:solidFill>
+              <a:srgbClr val="000000"/>
+            </a:solidFill>
+          </a:ln>
+        </p:spPr>
+        <p:style>
+          <a:lnRef idx="2">
+            <a:schemeClr val="accent4">
+              <a:shade val="50000"/>
+            </a:schemeClr>
+          </a:lnRef>
+          <a:fillRef idx="1">
+            <a:schemeClr val="accent4"/>
+          </a:fillRef>
+          <a:effectRef idx="0">
+            <a:schemeClr val="accent4"/>
+          </a:effectRef>
+          <a:fontRef idx="minor">
+            <a:schemeClr val="lt1"/>
+          </a:fontRef>
+        </p:style>
+        <p:txBody>
+          <a:bodyPr rtlCol="0" anchor="ctr"/>
+          <a:lstStyle/>
+          <a:p>
+            <a:pPr algn="ctr"/>
+            <a:r>
+              <a:rPr lang="fr-FR" sz="1400" dirty="0" err="1" smtClean="0">
+                <a:solidFill>
+                  <a:srgbClr val="000000"/>
+                </a:solidFill>
+                <a:latin typeface="CMU Sans Serif" panose="02000603000000000000" pitchFamily="2" charset="0"/>
+                <a:ea typeface="CMU Sans Serif" panose="02000603000000000000" pitchFamily="2" charset="0"/>
+                <a:cs typeface="CMU Sans Serif" panose="02000603000000000000" pitchFamily="2" charset="0"/>
+              </a:rPr>
+              <a:t>Virt</a:t>
+            </a:r>
+            <a:r>
+              <a:rPr lang="fr-FR" sz="1400" dirty="0" smtClean="0">
+                <a:solidFill>
+                  <a:srgbClr val="000000"/>
+                </a:solidFill>
+                <a:latin typeface="CMU Sans Serif" panose="02000603000000000000" pitchFamily="2" charset="0"/>
+                <a:ea typeface="CMU Sans Serif" panose="02000603000000000000" pitchFamily="2" charset="0"/>
+                <a:cs typeface="CMU Sans Serif" panose="02000603000000000000" pitchFamily="2" charset="0"/>
+              </a:rPr>
+              <a:t> </a:t>
+            </a:r>
+            <a:r>
+              <a:rPr lang="fr-FR" sz="1400" dirty="0" err="1" smtClean="0">
+                <a:solidFill>
+                  <a:srgbClr val="000000"/>
+                </a:solidFill>
+                <a:latin typeface="CMU Sans Serif" panose="02000603000000000000" pitchFamily="2" charset="0"/>
+                <a:ea typeface="CMU Sans Serif" panose="02000603000000000000" pitchFamily="2" charset="0"/>
+                <a:cs typeface="CMU Sans Serif" panose="02000603000000000000" pitchFamily="2" charset="0"/>
+              </a:rPr>
+              <a:t>Act</a:t>
+            </a:r>
+            <a:r>
+              <a:rPr lang="fr-FR" sz="1400" dirty="0" smtClean="0">
+                <a:solidFill>
+                  <a:srgbClr val="000000"/>
+                </a:solidFill>
+                <a:latin typeface="CMU Sans Serif" panose="02000603000000000000" pitchFamily="2" charset="0"/>
+                <a:ea typeface="CMU Sans Serif" panose="02000603000000000000" pitchFamily="2" charset="0"/>
+                <a:cs typeface="CMU Sans Serif" panose="02000603000000000000" pitchFamily="2" charset="0"/>
+              </a:rPr>
+              <a:t> Updater</a:t>
+            </a:r>
+            <a:endParaRPr lang="fr-FR" sz="1400" dirty="0" smtClean="0">
+              <a:solidFill>
+                <a:srgbClr val="000000"/>
+              </a:solidFill>
+              <a:latin typeface="CMU Sans Serif" panose="02000603000000000000" pitchFamily="2" charset="0"/>
+              <a:ea typeface="CMU Sans Serif" panose="02000603000000000000" pitchFamily="2" charset="0"/>
+              <a:cs typeface="CMU Sans Serif" panose="02000603000000000000" pitchFamily="2" charset="0"/>
+            </a:endParaRPr>
+          </a:p>
+        </p:txBody>
+      </p:sp>
+      <p:sp>
+        <p:nvSpPr>
+          <p:cNvPr id="85" name="Rectangle 84"/>
+          <p:cNvSpPr/>
+          <p:nvPr/>
+        </p:nvSpPr>
+        <p:spPr>
+          <a:xfrm>
+            <a:off x="7081735" y="495436"/>
+            <a:ext cx="612000" cy="720080"/>
+          </a:xfrm>
+          <a:prstGeom prst="rect">
+            <a:avLst/>
+          </a:prstGeom>
+          <a:solidFill>
+            <a:schemeClr val="bg1">
+              <a:lumMod val="95000"/>
+            </a:schemeClr>
+          </a:solidFill>
+          <a:ln>
+            <a:solidFill>
+              <a:srgbClr val="000000"/>
+            </a:solidFill>
+          </a:ln>
+        </p:spPr>
+        <p:style>
+          <a:lnRef idx="2">
+            <a:schemeClr val="accent5">
+              <a:shade val="50000"/>
+            </a:schemeClr>
+          </a:lnRef>
+          <a:fillRef idx="1">
+            <a:schemeClr val="accent5"/>
+          </a:fillRef>
+          <a:effectRef idx="0">
+            <a:schemeClr val="accent5"/>
+          </a:effectRef>
+          <a:fontRef idx="minor">
+            <a:schemeClr val="lt1"/>
+          </a:fontRef>
+        </p:style>
+        <p:txBody>
+          <a:bodyPr rtlCol="0" anchor="ctr"/>
+          <a:lstStyle/>
+          <a:p>
+            <a:pPr algn="ctr"/>
+            <a:r>
+              <a:rPr lang="fr-FR" sz="1400" dirty="0" err="1" smtClean="0">
+                <a:solidFill>
+                  <a:srgbClr val="000000"/>
+                </a:solidFill>
+                <a:latin typeface="CMU Sans Serif" panose="02000603000000000000" pitchFamily="2" charset="0"/>
+                <a:ea typeface="CMU Sans Serif" panose="02000603000000000000" pitchFamily="2" charset="0"/>
+                <a:cs typeface="CMU Sans Serif" panose="02000603000000000000" pitchFamily="2" charset="0"/>
+              </a:rPr>
+              <a:t>Virt</a:t>
+            </a:r>
+            <a:r>
+              <a:rPr lang="fr-FR" sz="1400" dirty="0" smtClean="0">
+                <a:solidFill>
+                  <a:srgbClr val="000000"/>
+                </a:solidFill>
+                <a:latin typeface="CMU Sans Serif" panose="02000603000000000000" pitchFamily="2" charset="0"/>
+                <a:ea typeface="CMU Sans Serif" panose="02000603000000000000" pitchFamily="2" charset="0"/>
+                <a:cs typeface="CMU Sans Serif" panose="02000603000000000000" pitchFamily="2" charset="0"/>
+              </a:rPr>
+              <a:t> Sens</a:t>
+            </a:r>
+            <a:endParaRPr lang="fr-FR" sz="1400" dirty="0" smtClean="0">
+              <a:solidFill>
+                <a:srgbClr val="000000"/>
+              </a:solidFill>
+              <a:latin typeface="CMU Sans Serif" panose="02000603000000000000" pitchFamily="2" charset="0"/>
+              <a:ea typeface="CMU Sans Serif" panose="02000603000000000000" pitchFamily="2" charset="0"/>
+              <a:cs typeface="CMU Sans Serif" panose="02000603000000000000" pitchFamily="2" charset="0"/>
+            </a:endParaRPr>
+          </a:p>
+        </p:txBody>
+      </p:sp>
+      <p:sp>
+        <p:nvSpPr>
+          <p:cNvPr id="87" name="Rectangle 86"/>
+          <p:cNvSpPr/>
+          <p:nvPr/>
+        </p:nvSpPr>
+        <p:spPr>
+          <a:xfrm>
+            <a:off x="7765711" y="495436"/>
+            <a:ext cx="612000" cy="720080"/>
+          </a:xfrm>
+          <a:prstGeom prst="rect">
+            <a:avLst/>
+          </a:prstGeom>
+          <a:solidFill>
+            <a:schemeClr val="bg1">
+              <a:lumMod val="95000"/>
+            </a:schemeClr>
+          </a:solidFill>
+          <a:ln>
+            <a:solidFill>
+              <a:srgbClr val="000000"/>
+            </a:solidFill>
+          </a:ln>
+        </p:spPr>
+        <p:style>
+          <a:lnRef idx="2">
+            <a:schemeClr val="accent5">
+              <a:shade val="50000"/>
+            </a:schemeClr>
+          </a:lnRef>
+          <a:fillRef idx="1">
+            <a:schemeClr val="accent5"/>
+          </a:fillRef>
+          <a:effectRef idx="0">
+            <a:schemeClr val="accent5"/>
+          </a:effectRef>
+          <a:fontRef idx="minor">
+            <a:schemeClr val="lt1"/>
+          </a:fontRef>
+        </p:style>
+        <p:txBody>
+          <a:bodyPr rtlCol="0" anchor="ctr"/>
+          <a:lstStyle/>
+          <a:p>
+            <a:pPr algn="ctr"/>
+            <a:r>
+              <a:rPr lang="fr-FR" sz="1400" dirty="0" err="1" smtClean="0">
+                <a:solidFill>
+                  <a:srgbClr val="000000"/>
+                </a:solidFill>
+                <a:latin typeface="CMU Sans Serif" panose="02000603000000000000" pitchFamily="2" charset="0"/>
+                <a:ea typeface="CMU Sans Serif" panose="02000603000000000000" pitchFamily="2" charset="0"/>
+                <a:cs typeface="CMU Sans Serif" panose="02000603000000000000" pitchFamily="2" charset="0"/>
+              </a:rPr>
+              <a:t>Virt</a:t>
+            </a:r>
+            <a:r>
+              <a:rPr lang="fr-FR" sz="1400" dirty="0" smtClean="0">
+                <a:solidFill>
+                  <a:srgbClr val="000000"/>
+                </a:solidFill>
+                <a:latin typeface="CMU Sans Serif" panose="02000603000000000000" pitchFamily="2" charset="0"/>
+                <a:ea typeface="CMU Sans Serif" panose="02000603000000000000" pitchFamily="2" charset="0"/>
+                <a:cs typeface="CMU Sans Serif" panose="02000603000000000000" pitchFamily="2" charset="0"/>
+              </a:rPr>
+              <a:t> </a:t>
+            </a:r>
+            <a:r>
+              <a:rPr lang="fr-FR" sz="1400" dirty="0" err="1" smtClean="0">
+                <a:solidFill>
+                  <a:srgbClr val="000000"/>
+                </a:solidFill>
+                <a:latin typeface="CMU Sans Serif" panose="02000603000000000000" pitchFamily="2" charset="0"/>
+                <a:ea typeface="CMU Sans Serif" panose="02000603000000000000" pitchFamily="2" charset="0"/>
+                <a:cs typeface="CMU Sans Serif" panose="02000603000000000000" pitchFamily="2" charset="0"/>
+              </a:rPr>
+              <a:t>Act</a:t>
+            </a:r>
+            <a:endParaRPr lang="fr-FR" sz="1400" dirty="0" smtClean="0">
+              <a:solidFill>
+                <a:srgbClr val="000000"/>
+              </a:solidFill>
+              <a:latin typeface="CMU Sans Serif" panose="02000603000000000000" pitchFamily="2" charset="0"/>
+              <a:ea typeface="CMU Sans Serif" panose="02000603000000000000" pitchFamily="2" charset="0"/>
+              <a:cs typeface="CMU Sans Serif" panose="02000603000000000000" pitchFamily="2" charset="0"/>
+            </a:endParaRPr>
+          </a:p>
+        </p:txBody>
+      </p:sp>
+      <p:sp>
+        <p:nvSpPr>
+          <p:cNvPr id="97" name="Rectangle 96"/>
+          <p:cNvSpPr/>
+          <p:nvPr/>
+        </p:nvSpPr>
+        <p:spPr>
+          <a:xfrm>
+            <a:off x="8456262" y="495476"/>
+            <a:ext cx="517006" cy="720080"/>
+          </a:xfrm>
+          <a:prstGeom prst="rect">
+            <a:avLst/>
+          </a:prstGeom>
+          <a:solidFill>
+            <a:schemeClr val="bg1">
+              <a:lumMod val="95000"/>
+            </a:schemeClr>
+          </a:solidFill>
+          <a:ln>
+            <a:solidFill>
+              <a:srgbClr val="000000"/>
+            </a:solidFill>
+          </a:ln>
+        </p:spPr>
+        <p:style>
+          <a:lnRef idx="2">
+            <a:schemeClr val="accent5">
+              <a:shade val="50000"/>
+            </a:schemeClr>
+          </a:lnRef>
+          <a:fillRef idx="1">
+            <a:schemeClr val="accent5"/>
+          </a:fillRef>
+          <a:effectRef idx="0">
+            <a:schemeClr val="accent5"/>
+          </a:effectRef>
+          <a:fontRef idx="minor">
+            <a:schemeClr val="lt1"/>
+          </a:fontRef>
+        </p:style>
+        <p:txBody>
+          <a:bodyPr rtlCol="0" anchor="ctr"/>
+          <a:lstStyle/>
+          <a:p>
+            <a:pPr algn="ctr"/>
+            <a:r>
+              <a:rPr lang="fr-FR" sz="1400" dirty="0" smtClean="0">
+                <a:solidFill>
+                  <a:srgbClr val="000000"/>
+                </a:solidFill>
+                <a:latin typeface="CMU Sans Serif" panose="02000603000000000000" pitchFamily="2" charset="0"/>
+                <a:ea typeface="CMU Sans Serif" panose="02000603000000000000" pitchFamily="2" charset="0"/>
+                <a:cs typeface="CMU Sans Serif" panose="02000603000000000000" pitchFamily="2" charset="0"/>
+              </a:rPr>
+              <a:t>App2</a:t>
+            </a:r>
+            <a:endParaRPr lang="fr-FR" sz="1400" dirty="0" smtClean="0">
+              <a:solidFill>
+                <a:srgbClr val="000000"/>
+              </a:solidFill>
+              <a:latin typeface="CMU Sans Serif" panose="02000603000000000000" pitchFamily="2" charset="0"/>
+              <a:ea typeface="CMU Sans Serif" panose="02000603000000000000" pitchFamily="2" charset="0"/>
+              <a:cs typeface="CMU Sans Serif" panose="02000603000000000000" pitchFamily="2" charset="0"/>
+            </a:endParaRPr>
+          </a:p>
+        </p:txBody>
+      </p:sp>
+      <p:sp>
+        <p:nvSpPr>
+          <p:cNvPr id="2" name="Rectangle 1"/>
+          <p:cNvSpPr/>
+          <p:nvPr/>
+        </p:nvSpPr>
+        <p:spPr>
+          <a:xfrm>
+            <a:off x="2528944" y="957116"/>
+            <a:ext cx="2083696" cy="1705772"/>
+          </a:xfrm>
+          <a:prstGeom prst="rect">
+            <a:avLst/>
+          </a:prstGeom>
+          <a:noFill/>
+          <a:ln>
+            <a:solidFill>
+              <a:schemeClr val="tx1"/>
+            </a:solidFill>
+          </a:ln>
+        </p:spPr>
+        <p:style>
+          <a:lnRef idx="2">
+            <a:schemeClr val="accent1">
+              <a:shade val="50000"/>
+            </a:schemeClr>
+          </a:lnRef>
+          <a:fillRef idx="1">
+            <a:schemeClr val="accent1"/>
+          </a:fillRef>
+          <a:effectRef idx="0">
+            <a:schemeClr val="accent1"/>
+          </a:effectRef>
+          <a:fontRef idx="minor">
+            <a:schemeClr val="lt1"/>
+          </a:fontRef>
+        </p:style>
+        <p:txBody>
+          <a:bodyPr rtlCol="0" anchor="ctr"/>
+          <a:lstStyle/>
+          <a:p>
+            <a:pPr algn="ctr"/>
+            <a:endParaRPr lang="fr-FR" sz="1600" dirty="0" smtClean="0">
+              <a:solidFill>
+                <a:srgbClr val="000000"/>
+              </a:solidFill>
+            </a:endParaRPr>
+          </a:p>
+        </p:txBody>
+      </p:sp>
+      <p:sp>
+        <p:nvSpPr>
+          <p:cNvPr id="47" name="Rectangle 46"/>
+          <p:cNvSpPr/>
+          <p:nvPr/>
+        </p:nvSpPr>
+        <p:spPr>
+          <a:xfrm>
+            <a:off x="2632080" y="2226342"/>
+            <a:ext cx="1861840" cy="288000"/>
+          </a:xfrm>
+          <a:prstGeom prst="rect">
+            <a:avLst/>
+          </a:prstGeom>
+          <a:solidFill>
+            <a:schemeClr val="bg1">
+              <a:lumMod val="75000"/>
+            </a:schemeClr>
+          </a:solidFill>
+          <a:ln>
+            <a:solidFill>
+              <a:srgbClr val="000000"/>
+            </a:solidFill>
+            <a:prstDash val="sysDot"/>
+          </a:ln>
+        </p:spPr>
+        <p:style>
+          <a:lnRef idx="2">
+            <a:schemeClr val="accent2">
+              <a:shade val="50000"/>
+            </a:schemeClr>
+          </a:lnRef>
+          <a:fillRef idx="1">
+            <a:schemeClr val="accent2"/>
+          </a:fillRef>
+          <a:effectRef idx="0">
+            <a:schemeClr val="accent2"/>
+          </a:effectRef>
+          <a:fontRef idx="minor">
+            <a:schemeClr val="lt1"/>
+          </a:fontRef>
+        </p:style>
+        <p:txBody>
+          <a:bodyPr rtlCol="0" anchor="ctr"/>
+          <a:lstStyle/>
+          <a:p>
+            <a:pPr algn="ctr"/>
+            <a:r>
+              <a:rPr lang="fr-FR" sz="1400" dirty="0" smtClean="0">
+                <a:solidFill>
+                  <a:srgbClr val="000000"/>
+                </a:solidFill>
+                <a:latin typeface="CMU Sans Serif" panose="02000603000000000000" pitchFamily="2" charset="0"/>
+                <a:ea typeface="CMU Sans Serif" panose="02000603000000000000" pitchFamily="2" charset="0"/>
+                <a:cs typeface="CMU Sans Serif" panose="02000603000000000000" pitchFamily="2" charset="0"/>
+              </a:rPr>
+              <a:t>Int. </a:t>
+            </a:r>
+            <a:r>
+              <a:rPr lang="fr-FR" sz="1400" dirty="0" err="1" smtClean="0">
+                <a:solidFill>
+                  <a:srgbClr val="000000"/>
+                </a:solidFill>
+                <a:latin typeface="CMU Sans Serif" panose="02000603000000000000" pitchFamily="2" charset="0"/>
+                <a:ea typeface="CMU Sans Serif" panose="02000603000000000000" pitchFamily="2" charset="0"/>
+                <a:cs typeface="CMU Sans Serif" panose="02000603000000000000" pitchFamily="2" charset="0"/>
+              </a:rPr>
+              <a:t>Comm</a:t>
+            </a:r>
+            <a:r>
+              <a:rPr lang="fr-FR" sz="1400" dirty="0" smtClean="0">
+                <a:solidFill>
+                  <a:srgbClr val="000000"/>
+                </a:solidFill>
+                <a:latin typeface="CMU Sans Serif" panose="02000603000000000000" pitchFamily="2" charset="0"/>
+                <a:ea typeface="CMU Sans Serif" panose="02000603000000000000" pitchFamily="2" charset="0"/>
+                <a:cs typeface="CMU Sans Serif" panose="02000603000000000000" pitchFamily="2" charset="0"/>
+              </a:rPr>
+              <a:t>.</a:t>
+            </a:r>
+            <a:endParaRPr lang="fr-FR" sz="1400" dirty="0" smtClean="0">
+              <a:solidFill>
+                <a:srgbClr val="000000"/>
+              </a:solidFill>
+              <a:latin typeface="CMU Sans Serif" panose="02000603000000000000" pitchFamily="2" charset="0"/>
+              <a:ea typeface="CMU Sans Serif" panose="02000603000000000000" pitchFamily="2" charset="0"/>
+              <a:cs typeface="CMU Sans Serif" panose="02000603000000000000" pitchFamily="2" charset="0"/>
+            </a:endParaRPr>
+          </a:p>
+        </p:txBody>
+      </p:sp>
+      <p:sp>
+        <p:nvSpPr>
+          <p:cNvPr id="48" name="Rectangle 47"/>
+          <p:cNvSpPr/>
+          <p:nvPr/>
+        </p:nvSpPr>
+        <p:spPr>
+          <a:xfrm>
+            <a:off x="3402112" y="1448862"/>
+            <a:ext cx="1091808" cy="720000"/>
+          </a:xfrm>
+          <a:prstGeom prst="rect">
+            <a:avLst/>
+          </a:prstGeom>
+          <a:solidFill>
+            <a:schemeClr val="bg1">
+              <a:lumMod val="75000"/>
+            </a:schemeClr>
+          </a:solidFill>
+          <a:ln>
+            <a:solidFill>
+              <a:srgbClr val="000000"/>
+            </a:solidFill>
+            <a:prstDash val="sysDot"/>
+          </a:ln>
+        </p:spPr>
+        <p:style>
+          <a:lnRef idx="2">
+            <a:schemeClr val="accent2">
+              <a:shade val="50000"/>
+            </a:schemeClr>
+          </a:lnRef>
+          <a:fillRef idx="1">
+            <a:schemeClr val="accent2"/>
+          </a:fillRef>
+          <a:effectRef idx="0">
+            <a:schemeClr val="accent2"/>
+          </a:effectRef>
+          <a:fontRef idx="minor">
+            <a:schemeClr val="lt1"/>
+          </a:fontRef>
+        </p:style>
+        <p:txBody>
+          <a:bodyPr rtlCol="0" anchor="ctr"/>
+          <a:lstStyle/>
+          <a:p>
+            <a:pPr algn="ctr"/>
+            <a:r>
+              <a:rPr lang="fr-FR" sz="1400" dirty="0" err="1" smtClean="0">
+                <a:solidFill>
+                  <a:srgbClr val="000000"/>
+                </a:solidFill>
+                <a:latin typeface="CMU Sans Serif" panose="02000603000000000000" pitchFamily="2" charset="0"/>
+                <a:ea typeface="CMU Sans Serif" panose="02000603000000000000" pitchFamily="2" charset="0"/>
+                <a:cs typeface="CMU Sans Serif" panose="02000603000000000000" pitchFamily="2" charset="0"/>
+              </a:rPr>
+              <a:t>Token</a:t>
+            </a:r>
+            <a:r>
+              <a:rPr lang="fr-FR" sz="1400" dirty="0" smtClean="0">
+                <a:solidFill>
+                  <a:srgbClr val="000000"/>
+                </a:solidFill>
+                <a:latin typeface="CMU Sans Serif" panose="02000603000000000000" pitchFamily="2" charset="0"/>
+                <a:ea typeface="CMU Sans Serif" panose="02000603000000000000" pitchFamily="2" charset="0"/>
+                <a:cs typeface="CMU Sans Serif" panose="02000603000000000000" pitchFamily="2" charset="0"/>
+              </a:rPr>
+              <a:t> &amp; Security </a:t>
+            </a:r>
+            <a:r>
+              <a:rPr lang="fr-FR" sz="1400" dirty="0" err="1" smtClean="0">
+                <a:solidFill>
+                  <a:srgbClr val="000000"/>
+                </a:solidFill>
+                <a:latin typeface="CMU Sans Serif" panose="02000603000000000000" pitchFamily="2" charset="0"/>
+                <a:ea typeface="CMU Sans Serif" panose="02000603000000000000" pitchFamily="2" charset="0"/>
+                <a:cs typeface="CMU Sans Serif" panose="02000603000000000000" pitchFamily="2" charset="0"/>
+              </a:rPr>
+              <a:t>Validator</a:t>
+            </a:r>
+            <a:endParaRPr lang="fr-FR" sz="1400" dirty="0" smtClean="0">
+              <a:solidFill>
+                <a:srgbClr val="000000"/>
+              </a:solidFill>
+              <a:latin typeface="CMU Sans Serif" panose="02000603000000000000" pitchFamily="2" charset="0"/>
+              <a:ea typeface="CMU Sans Serif" panose="02000603000000000000" pitchFamily="2" charset="0"/>
+              <a:cs typeface="CMU Sans Serif" panose="02000603000000000000" pitchFamily="2" charset="0"/>
+            </a:endParaRPr>
+          </a:p>
+        </p:txBody>
+      </p:sp>
+      <p:sp>
+        <p:nvSpPr>
+          <p:cNvPr id="49" name="Rectangle 48"/>
+          <p:cNvSpPr/>
+          <p:nvPr/>
+        </p:nvSpPr>
+        <p:spPr>
+          <a:xfrm>
+            <a:off x="2632080" y="1098942"/>
+            <a:ext cx="1861840" cy="288000"/>
+          </a:xfrm>
+          <a:prstGeom prst="rect">
+            <a:avLst/>
+          </a:prstGeom>
+          <a:solidFill>
+            <a:schemeClr val="bg1">
+              <a:lumMod val="75000"/>
+            </a:schemeClr>
+          </a:solidFill>
+          <a:ln>
+            <a:solidFill>
+              <a:srgbClr val="000000"/>
+            </a:solidFill>
+            <a:prstDash val="sysDot"/>
+          </a:ln>
+        </p:spPr>
+        <p:style>
+          <a:lnRef idx="2">
+            <a:schemeClr val="accent2">
+              <a:shade val="50000"/>
+            </a:schemeClr>
+          </a:lnRef>
+          <a:fillRef idx="1">
+            <a:schemeClr val="accent2"/>
+          </a:fillRef>
+          <a:effectRef idx="0">
+            <a:schemeClr val="accent2"/>
+          </a:effectRef>
+          <a:fontRef idx="minor">
+            <a:schemeClr val="lt1"/>
+          </a:fontRef>
+        </p:style>
+        <p:txBody>
+          <a:bodyPr rtlCol="0" anchor="ctr"/>
+          <a:lstStyle/>
+          <a:p>
+            <a:pPr algn="ctr"/>
+            <a:r>
+              <a:rPr lang="fr-FR" sz="1400" dirty="0" smtClean="0">
+                <a:solidFill>
+                  <a:srgbClr val="000000"/>
+                </a:solidFill>
+                <a:latin typeface="CMU Sans Serif" panose="02000603000000000000" pitchFamily="2" charset="0"/>
+                <a:ea typeface="CMU Sans Serif" panose="02000603000000000000" pitchFamily="2" charset="0"/>
+                <a:cs typeface="CMU Sans Serif" panose="02000603000000000000" pitchFamily="2" charset="0"/>
+              </a:rPr>
+              <a:t>Admin Mgr</a:t>
+            </a:r>
+            <a:endParaRPr lang="fr-FR" sz="1400" dirty="0" smtClean="0">
+              <a:solidFill>
+                <a:srgbClr val="000000"/>
+              </a:solidFill>
+              <a:latin typeface="CMU Sans Serif" panose="02000603000000000000" pitchFamily="2" charset="0"/>
+              <a:ea typeface="CMU Sans Serif" panose="02000603000000000000" pitchFamily="2" charset="0"/>
+              <a:cs typeface="CMU Sans Serif" panose="02000603000000000000" pitchFamily="2" charset="0"/>
+            </a:endParaRPr>
+          </a:p>
+        </p:txBody>
+      </p:sp>
+      <p:sp>
+        <p:nvSpPr>
+          <p:cNvPr id="54" name="Rectangle 53"/>
+          <p:cNvSpPr/>
+          <p:nvPr/>
+        </p:nvSpPr>
+        <p:spPr>
+          <a:xfrm>
+            <a:off x="2632080" y="1438662"/>
+            <a:ext cx="714896" cy="720000"/>
+          </a:xfrm>
+          <a:prstGeom prst="rect">
+            <a:avLst/>
+          </a:prstGeom>
+          <a:solidFill>
+            <a:schemeClr val="bg1">
+              <a:lumMod val="75000"/>
+            </a:schemeClr>
+          </a:solidFill>
+          <a:ln>
+            <a:solidFill>
+              <a:srgbClr val="000000"/>
+            </a:solidFill>
+            <a:prstDash val="sysDot"/>
+          </a:ln>
+        </p:spPr>
+        <p:style>
+          <a:lnRef idx="2">
+            <a:schemeClr val="accent2">
+              <a:shade val="50000"/>
+            </a:schemeClr>
+          </a:lnRef>
+          <a:fillRef idx="1">
+            <a:schemeClr val="accent2"/>
+          </a:fillRef>
+          <a:effectRef idx="0">
+            <a:schemeClr val="accent2"/>
+          </a:effectRef>
+          <a:fontRef idx="minor">
+            <a:schemeClr val="lt1"/>
+          </a:fontRef>
+        </p:style>
+        <p:txBody>
+          <a:bodyPr rtlCol="0" anchor="ctr"/>
+          <a:lstStyle/>
+          <a:p>
+            <a:pPr algn="ctr"/>
+            <a:r>
+              <a:rPr lang="fr-FR" sz="1400" dirty="0" smtClean="0">
+                <a:solidFill>
+                  <a:srgbClr val="000000"/>
+                </a:solidFill>
+                <a:latin typeface="CMU Sans Serif" panose="02000603000000000000" pitchFamily="2" charset="0"/>
+                <a:ea typeface="CMU Sans Serif" panose="02000603000000000000" pitchFamily="2" charset="0"/>
+                <a:cs typeface="CMU Sans Serif" panose="02000603000000000000" pitchFamily="2" charset="0"/>
+              </a:rPr>
+              <a:t>Key </a:t>
+            </a:r>
+            <a:r>
+              <a:rPr lang="fr-FR" sz="1400" dirty="0" err="1" smtClean="0">
+                <a:solidFill>
+                  <a:srgbClr val="000000"/>
+                </a:solidFill>
+                <a:latin typeface="CMU Sans Serif" panose="02000603000000000000" pitchFamily="2" charset="0"/>
+                <a:ea typeface="CMU Sans Serif" panose="02000603000000000000" pitchFamily="2" charset="0"/>
+                <a:cs typeface="CMU Sans Serif" panose="02000603000000000000" pitchFamily="2" charset="0"/>
+              </a:rPr>
+              <a:t>Vault</a:t>
+            </a:r>
+            <a:endParaRPr lang="fr-FR" sz="1400" dirty="0" smtClean="0">
+              <a:solidFill>
+                <a:srgbClr val="000000"/>
+              </a:solidFill>
+              <a:latin typeface="CMU Sans Serif" panose="02000603000000000000" pitchFamily="2" charset="0"/>
+              <a:ea typeface="CMU Sans Serif" panose="02000603000000000000" pitchFamily="2" charset="0"/>
+              <a:cs typeface="CMU Sans Serif" panose="02000603000000000000" pitchFamily="2" charset="0"/>
+            </a:endParaRPr>
+          </a:p>
+        </p:txBody>
+      </p:sp>
+      <p:sp>
+        <p:nvSpPr>
+          <p:cNvPr id="107" name="Rectangle 106"/>
+          <p:cNvSpPr/>
+          <p:nvPr/>
+        </p:nvSpPr>
+        <p:spPr>
+          <a:xfrm>
+            <a:off x="4840192" y="1296836"/>
+            <a:ext cx="1962983" cy="1542345"/>
+          </a:xfrm>
+          <a:prstGeom prst="rect">
+            <a:avLst/>
+          </a:prstGeom>
+          <a:noFill/>
+          <a:ln>
+            <a:solidFill>
+              <a:schemeClr val="tx1"/>
+            </a:solidFill>
+          </a:ln>
+        </p:spPr>
+        <p:style>
+          <a:lnRef idx="2">
+            <a:schemeClr val="accent1">
+              <a:shade val="50000"/>
+            </a:schemeClr>
+          </a:lnRef>
+          <a:fillRef idx="1">
+            <a:schemeClr val="accent1"/>
+          </a:fillRef>
+          <a:effectRef idx="0">
+            <a:schemeClr val="accent1"/>
+          </a:effectRef>
+          <a:fontRef idx="minor">
+            <a:schemeClr val="lt1"/>
+          </a:fontRef>
+        </p:style>
+        <p:txBody>
+          <a:bodyPr rtlCol="0" anchor="ctr"/>
+          <a:lstStyle/>
+          <a:p>
+            <a:pPr algn="ctr"/>
+            <a:endParaRPr lang="fr-FR" sz="1600" dirty="0" smtClean="0">
+              <a:solidFill>
+                <a:srgbClr val="000000"/>
+              </a:solidFill>
+            </a:endParaRPr>
+          </a:p>
+        </p:txBody>
+      </p:sp>
+      <p:sp>
+        <p:nvSpPr>
+          <p:cNvPr id="108" name="Rectangle 107"/>
+          <p:cNvSpPr/>
+          <p:nvPr/>
+        </p:nvSpPr>
+        <p:spPr>
+          <a:xfrm>
+            <a:off x="4874884" y="2491848"/>
+            <a:ext cx="1861840" cy="288000"/>
+          </a:xfrm>
+          <a:prstGeom prst="rect">
+            <a:avLst/>
+          </a:prstGeom>
+          <a:noFill/>
+          <a:ln>
+            <a:solidFill>
+              <a:srgbClr val="000000"/>
+            </a:solidFill>
+            <a:prstDash val="sysDot"/>
+          </a:ln>
+        </p:spPr>
+        <p:style>
+          <a:lnRef idx="2">
+            <a:schemeClr val="accent2">
+              <a:shade val="50000"/>
+            </a:schemeClr>
+          </a:lnRef>
+          <a:fillRef idx="1">
+            <a:schemeClr val="accent2"/>
+          </a:fillRef>
+          <a:effectRef idx="0">
+            <a:schemeClr val="accent2"/>
+          </a:effectRef>
+          <a:fontRef idx="minor">
+            <a:schemeClr val="lt1"/>
+          </a:fontRef>
+        </p:style>
+        <p:txBody>
+          <a:bodyPr rtlCol="0" anchor="ctr"/>
+          <a:lstStyle/>
+          <a:p>
+            <a:pPr algn="ctr"/>
+            <a:r>
+              <a:rPr lang="fr-FR" sz="1400" dirty="0" smtClean="0">
+                <a:solidFill>
+                  <a:srgbClr val="000000"/>
+                </a:solidFill>
+                <a:latin typeface="CMU Sans Serif" panose="02000603000000000000" pitchFamily="2" charset="0"/>
+                <a:ea typeface="CMU Sans Serif" panose="02000603000000000000" pitchFamily="2" charset="0"/>
+                <a:cs typeface="CMU Sans Serif" panose="02000603000000000000" pitchFamily="2" charset="0"/>
+              </a:rPr>
+              <a:t>Int. </a:t>
+            </a:r>
+            <a:r>
+              <a:rPr lang="fr-FR" sz="1400" dirty="0" err="1" smtClean="0">
+                <a:solidFill>
+                  <a:srgbClr val="000000"/>
+                </a:solidFill>
+                <a:latin typeface="CMU Sans Serif" panose="02000603000000000000" pitchFamily="2" charset="0"/>
+                <a:ea typeface="CMU Sans Serif" panose="02000603000000000000" pitchFamily="2" charset="0"/>
+                <a:cs typeface="CMU Sans Serif" panose="02000603000000000000" pitchFamily="2" charset="0"/>
+              </a:rPr>
+              <a:t>Comm</a:t>
+            </a:r>
+            <a:r>
+              <a:rPr lang="fr-FR" sz="1400" dirty="0" smtClean="0">
+                <a:solidFill>
+                  <a:srgbClr val="000000"/>
+                </a:solidFill>
+                <a:latin typeface="CMU Sans Serif" panose="02000603000000000000" pitchFamily="2" charset="0"/>
+                <a:ea typeface="CMU Sans Serif" panose="02000603000000000000" pitchFamily="2" charset="0"/>
+                <a:cs typeface="CMU Sans Serif" panose="02000603000000000000" pitchFamily="2" charset="0"/>
+              </a:rPr>
+              <a:t>.</a:t>
+            </a:r>
+            <a:endParaRPr lang="fr-FR" sz="1400" dirty="0" smtClean="0">
+              <a:solidFill>
+                <a:srgbClr val="000000"/>
+              </a:solidFill>
+              <a:latin typeface="CMU Sans Serif" panose="02000603000000000000" pitchFamily="2" charset="0"/>
+              <a:ea typeface="CMU Sans Serif" panose="02000603000000000000" pitchFamily="2" charset="0"/>
+              <a:cs typeface="CMU Sans Serif" panose="02000603000000000000" pitchFamily="2" charset="0"/>
+            </a:endParaRPr>
+          </a:p>
+        </p:txBody>
+      </p:sp>
+      <p:sp>
+        <p:nvSpPr>
+          <p:cNvPr id="109" name="Rectangle 108"/>
+          <p:cNvSpPr/>
+          <p:nvPr/>
+        </p:nvSpPr>
+        <p:spPr>
+          <a:xfrm>
+            <a:off x="5644916" y="1714368"/>
+            <a:ext cx="1091808" cy="720000"/>
+          </a:xfrm>
+          <a:prstGeom prst="rect">
+            <a:avLst/>
+          </a:prstGeom>
+          <a:noFill/>
+          <a:ln>
+            <a:solidFill>
+              <a:srgbClr val="000000"/>
+            </a:solidFill>
+            <a:prstDash val="sysDot"/>
+          </a:ln>
+        </p:spPr>
+        <p:style>
+          <a:lnRef idx="2">
+            <a:schemeClr val="accent2">
+              <a:shade val="50000"/>
+            </a:schemeClr>
+          </a:lnRef>
+          <a:fillRef idx="1">
+            <a:schemeClr val="accent2"/>
+          </a:fillRef>
+          <a:effectRef idx="0">
+            <a:schemeClr val="accent2"/>
+          </a:effectRef>
+          <a:fontRef idx="minor">
+            <a:schemeClr val="lt1"/>
+          </a:fontRef>
+        </p:style>
+        <p:txBody>
+          <a:bodyPr rtlCol="0" anchor="ctr"/>
+          <a:lstStyle/>
+          <a:p>
+            <a:pPr algn="ctr"/>
+            <a:r>
+              <a:rPr lang="fr-FR" sz="1400" dirty="0" err="1" smtClean="0">
+                <a:solidFill>
+                  <a:srgbClr val="000000"/>
+                </a:solidFill>
+                <a:latin typeface="CMU Sans Serif" panose="02000603000000000000" pitchFamily="2" charset="0"/>
+                <a:ea typeface="CMU Sans Serif" panose="02000603000000000000" pitchFamily="2" charset="0"/>
+                <a:cs typeface="CMU Sans Serif" panose="02000603000000000000" pitchFamily="2" charset="0"/>
+              </a:rPr>
+              <a:t>Token</a:t>
+            </a:r>
+            <a:r>
+              <a:rPr lang="fr-FR" sz="1400" dirty="0" smtClean="0">
+                <a:solidFill>
+                  <a:srgbClr val="000000"/>
+                </a:solidFill>
+                <a:latin typeface="CMU Sans Serif" panose="02000603000000000000" pitchFamily="2" charset="0"/>
+                <a:ea typeface="CMU Sans Serif" panose="02000603000000000000" pitchFamily="2" charset="0"/>
+                <a:cs typeface="CMU Sans Serif" panose="02000603000000000000" pitchFamily="2" charset="0"/>
+              </a:rPr>
+              <a:t> &amp; Security </a:t>
+            </a:r>
+            <a:r>
+              <a:rPr lang="fr-FR" sz="1400" dirty="0" err="1" smtClean="0">
+                <a:solidFill>
+                  <a:srgbClr val="000000"/>
+                </a:solidFill>
+                <a:latin typeface="CMU Sans Serif" panose="02000603000000000000" pitchFamily="2" charset="0"/>
+                <a:ea typeface="CMU Sans Serif" panose="02000603000000000000" pitchFamily="2" charset="0"/>
+                <a:cs typeface="CMU Sans Serif" panose="02000603000000000000" pitchFamily="2" charset="0"/>
+              </a:rPr>
+              <a:t>Validator</a:t>
+            </a:r>
+            <a:endParaRPr lang="fr-FR" sz="1400" dirty="0" smtClean="0">
+              <a:solidFill>
+                <a:srgbClr val="000000"/>
+              </a:solidFill>
+              <a:latin typeface="CMU Sans Serif" panose="02000603000000000000" pitchFamily="2" charset="0"/>
+              <a:ea typeface="CMU Sans Serif" panose="02000603000000000000" pitchFamily="2" charset="0"/>
+              <a:cs typeface="CMU Sans Serif" panose="02000603000000000000" pitchFamily="2" charset="0"/>
+            </a:endParaRPr>
+          </a:p>
+        </p:txBody>
+      </p:sp>
+      <p:sp>
+        <p:nvSpPr>
+          <p:cNvPr id="110" name="Rectangle 109"/>
+          <p:cNvSpPr/>
+          <p:nvPr/>
+        </p:nvSpPr>
+        <p:spPr>
+          <a:xfrm>
+            <a:off x="4874884" y="1364448"/>
+            <a:ext cx="1861840" cy="288000"/>
+          </a:xfrm>
+          <a:prstGeom prst="rect">
+            <a:avLst/>
+          </a:prstGeom>
+          <a:noFill/>
+          <a:ln>
+            <a:solidFill>
+              <a:srgbClr val="000000"/>
+            </a:solidFill>
+            <a:prstDash val="sysDot"/>
+          </a:ln>
+        </p:spPr>
+        <p:style>
+          <a:lnRef idx="2">
+            <a:schemeClr val="accent2">
+              <a:shade val="50000"/>
+            </a:schemeClr>
+          </a:lnRef>
+          <a:fillRef idx="1">
+            <a:schemeClr val="accent2"/>
+          </a:fillRef>
+          <a:effectRef idx="0">
+            <a:schemeClr val="accent2"/>
+          </a:effectRef>
+          <a:fontRef idx="minor">
+            <a:schemeClr val="lt1"/>
+          </a:fontRef>
+        </p:style>
+        <p:txBody>
+          <a:bodyPr rtlCol="0" anchor="ctr"/>
+          <a:lstStyle/>
+          <a:p>
+            <a:pPr algn="ctr"/>
+            <a:r>
+              <a:rPr lang="fr-FR" sz="1400" dirty="0" smtClean="0">
+                <a:solidFill>
+                  <a:srgbClr val="000000"/>
+                </a:solidFill>
+                <a:latin typeface="CMU Sans Serif" panose="02000603000000000000" pitchFamily="2" charset="0"/>
+                <a:ea typeface="CMU Sans Serif" panose="02000603000000000000" pitchFamily="2" charset="0"/>
+                <a:cs typeface="CMU Sans Serif" panose="02000603000000000000" pitchFamily="2" charset="0"/>
+              </a:rPr>
+              <a:t>Admin Mgr</a:t>
+            </a:r>
+            <a:endParaRPr lang="fr-FR" sz="1400" dirty="0" smtClean="0">
+              <a:solidFill>
+                <a:srgbClr val="000000"/>
+              </a:solidFill>
+              <a:latin typeface="CMU Sans Serif" panose="02000603000000000000" pitchFamily="2" charset="0"/>
+              <a:ea typeface="CMU Sans Serif" panose="02000603000000000000" pitchFamily="2" charset="0"/>
+              <a:cs typeface="CMU Sans Serif" panose="02000603000000000000" pitchFamily="2" charset="0"/>
+            </a:endParaRPr>
+          </a:p>
+        </p:txBody>
+      </p:sp>
+      <p:sp>
+        <p:nvSpPr>
+          <p:cNvPr id="111" name="Rectangle 110"/>
+          <p:cNvSpPr/>
+          <p:nvPr/>
+        </p:nvSpPr>
+        <p:spPr>
+          <a:xfrm>
+            <a:off x="4874884" y="1704168"/>
+            <a:ext cx="714896" cy="720000"/>
+          </a:xfrm>
+          <a:prstGeom prst="rect">
+            <a:avLst/>
+          </a:prstGeom>
+          <a:noFill/>
+          <a:ln>
+            <a:solidFill>
+              <a:srgbClr val="000000"/>
+            </a:solidFill>
+            <a:prstDash val="sysDot"/>
+          </a:ln>
+        </p:spPr>
+        <p:style>
+          <a:lnRef idx="2">
+            <a:schemeClr val="accent2">
+              <a:shade val="50000"/>
+            </a:schemeClr>
+          </a:lnRef>
+          <a:fillRef idx="1">
+            <a:schemeClr val="accent2"/>
+          </a:fillRef>
+          <a:effectRef idx="0">
+            <a:schemeClr val="accent2"/>
+          </a:effectRef>
+          <a:fontRef idx="minor">
+            <a:schemeClr val="lt1"/>
+          </a:fontRef>
+        </p:style>
+        <p:txBody>
+          <a:bodyPr rtlCol="0" anchor="ctr"/>
+          <a:lstStyle/>
+          <a:p>
+            <a:pPr algn="ctr"/>
+            <a:r>
+              <a:rPr lang="fr-FR" sz="1400" dirty="0" smtClean="0">
+                <a:solidFill>
+                  <a:srgbClr val="000000"/>
+                </a:solidFill>
+                <a:latin typeface="CMU Sans Serif" panose="02000603000000000000" pitchFamily="2" charset="0"/>
+                <a:ea typeface="CMU Sans Serif" panose="02000603000000000000" pitchFamily="2" charset="0"/>
+                <a:cs typeface="CMU Sans Serif" panose="02000603000000000000" pitchFamily="2" charset="0"/>
+              </a:rPr>
+              <a:t>Key </a:t>
+            </a:r>
+            <a:r>
+              <a:rPr lang="fr-FR" sz="1400" dirty="0" err="1" smtClean="0">
+                <a:solidFill>
+                  <a:srgbClr val="000000"/>
+                </a:solidFill>
+                <a:latin typeface="CMU Sans Serif" panose="02000603000000000000" pitchFamily="2" charset="0"/>
+                <a:ea typeface="CMU Sans Serif" panose="02000603000000000000" pitchFamily="2" charset="0"/>
+                <a:cs typeface="CMU Sans Serif" panose="02000603000000000000" pitchFamily="2" charset="0"/>
+              </a:rPr>
+              <a:t>Vault</a:t>
+            </a:r>
+            <a:endParaRPr lang="fr-FR" sz="1400" dirty="0" smtClean="0">
+              <a:solidFill>
+                <a:srgbClr val="000000"/>
+              </a:solidFill>
+              <a:latin typeface="CMU Sans Serif" panose="02000603000000000000" pitchFamily="2" charset="0"/>
+              <a:ea typeface="CMU Sans Serif" panose="02000603000000000000" pitchFamily="2" charset="0"/>
+              <a:cs typeface="CMU Sans Serif" panose="02000603000000000000" pitchFamily="2" charset="0"/>
+            </a:endParaRPr>
+          </a:p>
+        </p:txBody>
+      </p:sp>
+      <p:sp>
+        <p:nvSpPr>
+          <p:cNvPr id="112" name="Rectangle 111"/>
+          <p:cNvSpPr/>
+          <p:nvPr/>
+        </p:nvSpPr>
+        <p:spPr>
+          <a:xfrm>
+            <a:off x="7044912" y="1296836"/>
+            <a:ext cx="1962983" cy="1542345"/>
+          </a:xfrm>
+          <a:prstGeom prst="rect">
+            <a:avLst/>
+          </a:prstGeom>
+          <a:noFill/>
+          <a:ln>
+            <a:solidFill>
+              <a:schemeClr val="tx1"/>
+            </a:solidFill>
+          </a:ln>
+        </p:spPr>
+        <p:style>
+          <a:lnRef idx="2">
+            <a:schemeClr val="accent1">
+              <a:shade val="50000"/>
+            </a:schemeClr>
+          </a:lnRef>
+          <a:fillRef idx="1">
+            <a:schemeClr val="accent1"/>
+          </a:fillRef>
+          <a:effectRef idx="0">
+            <a:schemeClr val="accent1"/>
+          </a:effectRef>
+          <a:fontRef idx="minor">
+            <a:schemeClr val="lt1"/>
+          </a:fontRef>
+        </p:style>
+        <p:txBody>
+          <a:bodyPr rtlCol="0" anchor="ctr"/>
+          <a:lstStyle/>
+          <a:p>
+            <a:pPr algn="ctr"/>
+            <a:endParaRPr lang="fr-FR" sz="1600" dirty="0" smtClean="0">
+              <a:solidFill>
+                <a:srgbClr val="000000"/>
+              </a:solidFill>
+            </a:endParaRPr>
+          </a:p>
+        </p:txBody>
+      </p:sp>
+      <p:sp>
+        <p:nvSpPr>
+          <p:cNvPr id="113" name="Rectangle 112"/>
+          <p:cNvSpPr/>
+          <p:nvPr/>
+        </p:nvSpPr>
+        <p:spPr>
+          <a:xfrm>
+            <a:off x="7079604" y="2491848"/>
+            <a:ext cx="1861840" cy="288000"/>
+          </a:xfrm>
+          <a:prstGeom prst="rect">
+            <a:avLst/>
+          </a:prstGeom>
+          <a:noFill/>
+          <a:ln>
+            <a:solidFill>
+              <a:srgbClr val="000000"/>
+            </a:solidFill>
+            <a:prstDash val="sysDot"/>
+          </a:ln>
+        </p:spPr>
+        <p:style>
+          <a:lnRef idx="2">
+            <a:schemeClr val="accent2">
+              <a:shade val="50000"/>
+            </a:schemeClr>
+          </a:lnRef>
+          <a:fillRef idx="1">
+            <a:schemeClr val="accent2"/>
+          </a:fillRef>
+          <a:effectRef idx="0">
+            <a:schemeClr val="accent2"/>
+          </a:effectRef>
+          <a:fontRef idx="minor">
+            <a:schemeClr val="lt1"/>
+          </a:fontRef>
+        </p:style>
+        <p:txBody>
+          <a:bodyPr rtlCol="0" anchor="ctr"/>
+          <a:lstStyle/>
+          <a:p>
+            <a:pPr algn="ctr"/>
+            <a:r>
+              <a:rPr lang="fr-FR" sz="1400" dirty="0" smtClean="0">
+                <a:solidFill>
+                  <a:srgbClr val="000000"/>
+                </a:solidFill>
+                <a:latin typeface="CMU Sans Serif" panose="02000603000000000000" pitchFamily="2" charset="0"/>
+                <a:ea typeface="CMU Sans Serif" panose="02000603000000000000" pitchFamily="2" charset="0"/>
+                <a:cs typeface="CMU Sans Serif" panose="02000603000000000000" pitchFamily="2" charset="0"/>
+              </a:rPr>
+              <a:t>Int. </a:t>
+            </a:r>
+            <a:r>
+              <a:rPr lang="fr-FR" sz="1400" dirty="0" err="1" smtClean="0">
+                <a:solidFill>
+                  <a:srgbClr val="000000"/>
+                </a:solidFill>
+                <a:latin typeface="CMU Sans Serif" panose="02000603000000000000" pitchFamily="2" charset="0"/>
+                <a:ea typeface="CMU Sans Serif" panose="02000603000000000000" pitchFamily="2" charset="0"/>
+                <a:cs typeface="CMU Sans Serif" panose="02000603000000000000" pitchFamily="2" charset="0"/>
+              </a:rPr>
+              <a:t>Comm</a:t>
+            </a:r>
+            <a:r>
+              <a:rPr lang="fr-FR" sz="1400" dirty="0" smtClean="0">
+                <a:solidFill>
+                  <a:srgbClr val="000000"/>
+                </a:solidFill>
+                <a:latin typeface="CMU Sans Serif" panose="02000603000000000000" pitchFamily="2" charset="0"/>
+                <a:ea typeface="CMU Sans Serif" panose="02000603000000000000" pitchFamily="2" charset="0"/>
+                <a:cs typeface="CMU Sans Serif" panose="02000603000000000000" pitchFamily="2" charset="0"/>
+              </a:rPr>
+              <a:t>.</a:t>
+            </a:r>
+            <a:endParaRPr lang="fr-FR" sz="1400" dirty="0" smtClean="0">
+              <a:solidFill>
+                <a:srgbClr val="000000"/>
+              </a:solidFill>
+              <a:latin typeface="CMU Sans Serif" panose="02000603000000000000" pitchFamily="2" charset="0"/>
+              <a:ea typeface="CMU Sans Serif" panose="02000603000000000000" pitchFamily="2" charset="0"/>
+              <a:cs typeface="CMU Sans Serif" panose="02000603000000000000" pitchFamily="2" charset="0"/>
+            </a:endParaRPr>
+          </a:p>
+        </p:txBody>
+      </p:sp>
+      <p:sp>
+        <p:nvSpPr>
+          <p:cNvPr id="114" name="Rectangle 113"/>
+          <p:cNvSpPr/>
+          <p:nvPr/>
+        </p:nvSpPr>
+        <p:spPr>
+          <a:xfrm>
+            <a:off x="7849636" y="1714368"/>
+            <a:ext cx="1091808" cy="720000"/>
+          </a:xfrm>
+          <a:prstGeom prst="rect">
+            <a:avLst/>
+          </a:prstGeom>
+          <a:noFill/>
+          <a:ln>
+            <a:solidFill>
+              <a:srgbClr val="000000"/>
+            </a:solidFill>
+            <a:prstDash val="sysDot"/>
+          </a:ln>
+        </p:spPr>
+        <p:style>
+          <a:lnRef idx="2">
+            <a:schemeClr val="accent2">
+              <a:shade val="50000"/>
+            </a:schemeClr>
+          </a:lnRef>
+          <a:fillRef idx="1">
+            <a:schemeClr val="accent2"/>
+          </a:fillRef>
+          <a:effectRef idx="0">
+            <a:schemeClr val="accent2"/>
+          </a:effectRef>
+          <a:fontRef idx="minor">
+            <a:schemeClr val="lt1"/>
+          </a:fontRef>
+        </p:style>
+        <p:txBody>
+          <a:bodyPr rtlCol="0" anchor="ctr"/>
+          <a:lstStyle/>
+          <a:p>
+            <a:pPr algn="ctr"/>
+            <a:r>
+              <a:rPr lang="fr-FR" sz="1400" dirty="0" err="1" smtClean="0">
+                <a:solidFill>
+                  <a:srgbClr val="000000"/>
+                </a:solidFill>
+                <a:latin typeface="CMU Sans Serif" panose="02000603000000000000" pitchFamily="2" charset="0"/>
+                <a:ea typeface="CMU Sans Serif" panose="02000603000000000000" pitchFamily="2" charset="0"/>
+                <a:cs typeface="CMU Sans Serif" panose="02000603000000000000" pitchFamily="2" charset="0"/>
+              </a:rPr>
+              <a:t>Token</a:t>
+            </a:r>
+            <a:r>
+              <a:rPr lang="fr-FR" sz="1400" dirty="0" smtClean="0">
+                <a:solidFill>
+                  <a:srgbClr val="000000"/>
+                </a:solidFill>
+                <a:latin typeface="CMU Sans Serif" panose="02000603000000000000" pitchFamily="2" charset="0"/>
+                <a:ea typeface="CMU Sans Serif" panose="02000603000000000000" pitchFamily="2" charset="0"/>
+                <a:cs typeface="CMU Sans Serif" panose="02000603000000000000" pitchFamily="2" charset="0"/>
+              </a:rPr>
+              <a:t> &amp; Security </a:t>
+            </a:r>
+            <a:r>
+              <a:rPr lang="fr-FR" sz="1400" dirty="0" err="1" smtClean="0">
+                <a:solidFill>
+                  <a:srgbClr val="000000"/>
+                </a:solidFill>
+                <a:latin typeface="CMU Sans Serif" panose="02000603000000000000" pitchFamily="2" charset="0"/>
+                <a:ea typeface="CMU Sans Serif" panose="02000603000000000000" pitchFamily="2" charset="0"/>
+                <a:cs typeface="CMU Sans Serif" panose="02000603000000000000" pitchFamily="2" charset="0"/>
+              </a:rPr>
+              <a:t>Validator</a:t>
+            </a:r>
+            <a:endParaRPr lang="fr-FR" sz="1400" dirty="0" smtClean="0">
+              <a:solidFill>
+                <a:srgbClr val="000000"/>
+              </a:solidFill>
+              <a:latin typeface="CMU Sans Serif" panose="02000603000000000000" pitchFamily="2" charset="0"/>
+              <a:ea typeface="CMU Sans Serif" panose="02000603000000000000" pitchFamily="2" charset="0"/>
+              <a:cs typeface="CMU Sans Serif" panose="02000603000000000000" pitchFamily="2" charset="0"/>
+            </a:endParaRPr>
+          </a:p>
+        </p:txBody>
+      </p:sp>
+      <p:sp>
+        <p:nvSpPr>
+          <p:cNvPr id="115" name="Rectangle 114"/>
+          <p:cNvSpPr/>
+          <p:nvPr/>
+        </p:nvSpPr>
+        <p:spPr>
+          <a:xfrm>
+            <a:off x="7079604" y="1364448"/>
+            <a:ext cx="1861840" cy="288000"/>
+          </a:xfrm>
+          <a:prstGeom prst="rect">
+            <a:avLst/>
+          </a:prstGeom>
+          <a:noFill/>
+          <a:ln>
+            <a:solidFill>
+              <a:srgbClr val="000000"/>
+            </a:solidFill>
+            <a:prstDash val="sysDot"/>
+          </a:ln>
+        </p:spPr>
+        <p:style>
+          <a:lnRef idx="2">
+            <a:schemeClr val="accent2">
+              <a:shade val="50000"/>
+            </a:schemeClr>
+          </a:lnRef>
+          <a:fillRef idx="1">
+            <a:schemeClr val="accent2"/>
+          </a:fillRef>
+          <a:effectRef idx="0">
+            <a:schemeClr val="accent2"/>
+          </a:effectRef>
+          <a:fontRef idx="minor">
+            <a:schemeClr val="lt1"/>
+          </a:fontRef>
+        </p:style>
+        <p:txBody>
+          <a:bodyPr rtlCol="0" anchor="ctr"/>
+          <a:lstStyle/>
+          <a:p>
+            <a:pPr algn="ctr"/>
+            <a:r>
+              <a:rPr lang="fr-FR" sz="1400" dirty="0" smtClean="0">
+                <a:solidFill>
+                  <a:srgbClr val="000000"/>
+                </a:solidFill>
+                <a:latin typeface="CMU Sans Serif" panose="02000603000000000000" pitchFamily="2" charset="0"/>
+                <a:ea typeface="CMU Sans Serif" panose="02000603000000000000" pitchFamily="2" charset="0"/>
+                <a:cs typeface="CMU Sans Serif" panose="02000603000000000000" pitchFamily="2" charset="0"/>
+              </a:rPr>
+              <a:t>Admin Mgr</a:t>
+            </a:r>
+            <a:endParaRPr lang="fr-FR" sz="1400" dirty="0" smtClean="0">
+              <a:solidFill>
+                <a:srgbClr val="000000"/>
+              </a:solidFill>
+              <a:latin typeface="CMU Sans Serif" panose="02000603000000000000" pitchFamily="2" charset="0"/>
+              <a:ea typeface="CMU Sans Serif" panose="02000603000000000000" pitchFamily="2" charset="0"/>
+              <a:cs typeface="CMU Sans Serif" panose="02000603000000000000" pitchFamily="2" charset="0"/>
+            </a:endParaRPr>
+          </a:p>
+        </p:txBody>
+      </p:sp>
+      <p:sp>
+        <p:nvSpPr>
+          <p:cNvPr id="116" name="Rectangle 115"/>
+          <p:cNvSpPr/>
+          <p:nvPr/>
+        </p:nvSpPr>
+        <p:spPr>
+          <a:xfrm>
+            <a:off x="7079604" y="1704168"/>
+            <a:ext cx="714896" cy="720000"/>
+          </a:xfrm>
+          <a:prstGeom prst="rect">
+            <a:avLst/>
+          </a:prstGeom>
+          <a:noFill/>
+          <a:ln>
+            <a:solidFill>
+              <a:srgbClr val="000000"/>
+            </a:solidFill>
+            <a:prstDash val="sysDot"/>
+          </a:ln>
+        </p:spPr>
+        <p:style>
+          <a:lnRef idx="2">
+            <a:schemeClr val="accent2">
+              <a:shade val="50000"/>
+            </a:schemeClr>
+          </a:lnRef>
+          <a:fillRef idx="1">
+            <a:schemeClr val="accent2"/>
+          </a:fillRef>
+          <a:effectRef idx="0">
+            <a:schemeClr val="accent2"/>
+          </a:effectRef>
+          <a:fontRef idx="minor">
+            <a:schemeClr val="lt1"/>
+          </a:fontRef>
+        </p:style>
+        <p:txBody>
+          <a:bodyPr rtlCol="0" anchor="ctr"/>
+          <a:lstStyle/>
+          <a:p>
+            <a:pPr algn="ctr"/>
+            <a:r>
+              <a:rPr lang="fr-FR" sz="1400" dirty="0" smtClean="0">
+                <a:solidFill>
+                  <a:srgbClr val="000000"/>
+                </a:solidFill>
+                <a:latin typeface="CMU Sans Serif" panose="02000603000000000000" pitchFamily="2" charset="0"/>
+                <a:ea typeface="CMU Sans Serif" panose="02000603000000000000" pitchFamily="2" charset="0"/>
+                <a:cs typeface="CMU Sans Serif" panose="02000603000000000000" pitchFamily="2" charset="0"/>
+              </a:rPr>
+              <a:t>Key </a:t>
+            </a:r>
+            <a:r>
+              <a:rPr lang="fr-FR" sz="1400" dirty="0" err="1" smtClean="0">
+                <a:solidFill>
+                  <a:srgbClr val="000000"/>
+                </a:solidFill>
+                <a:latin typeface="CMU Sans Serif" panose="02000603000000000000" pitchFamily="2" charset="0"/>
+                <a:ea typeface="CMU Sans Serif" panose="02000603000000000000" pitchFamily="2" charset="0"/>
+                <a:cs typeface="CMU Sans Serif" panose="02000603000000000000" pitchFamily="2" charset="0"/>
+              </a:rPr>
+              <a:t>Vault</a:t>
+            </a:r>
+            <a:endParaRPr lang="fr-FR" sz="1400" dirty="0" smtClean="0">
+              <a:solidFill>
+                <a:srgbClr val="000000"/>
+              </a:solidFill>
+              <a:latin typeface="CMU Sans Serif" panose="02000603000000000000" pitchFamily="2" charset="0"/>
+              <a:ea typeface="CMU Sans Serif" panose="02000603000000000000" pitchFamily="2" charset="0"/>
+              <a:cs typeface="CMU Sans Serif" panose="02000603000000000000" pitchFamily="2" charset="0"/>
             </a:endParaRPr>
           </a:p>
         </p:txBody>
@@ -7061,28 +7564,32 @@
                 <a:solidFill>
                   <a:srgbClr val="000000"/>
                 </a:solidFill>
+                <a:latin typeface="CMU Sans Serif" panose="02000603000000000000" pitchFamily="2" charset="0"/>
+                <a:ea typeface="CMU Sans Serif" panose="02000603000000000000" pitchFamily="2" charset="0"/>
+                <a:cs typeface="CMU Sans Serif" panose="02000603000000000000" pitchFamily="2" charset="0"/>
               </a:rPr>
               <a:t>Dom0 - </a:t>
+            </a:r>
+          </a:p>
+          <a:p>
+            <a:r>
+              <a:rPr lang="fr-FR" sz="1600" dirty="0" err="1" smtClean="0">
+                <a:solidFill>
+                  <a:srgbClr val="000000"/>
+                </a:solidFill>
+                <a:latin typeface="CMU Sans Serif" panose="02000603000000000000" pitchFamily="2" charset="0"/>
+                <a:ea typeface="CMU Sans Serif" panose="02000603000000000000" pitchFamily="2" charset="0"/>
+                <a:cs typeface="CMU Sans Serif" panose="02000603000000000000" pitchFamily="2" charset="0"/>
+              </a:rPr>
+              <a:t>Owner</a:t>
             </a:r>
             <a:endParaRPr lang="fr-FR" sz="1600" dirty="0" smtClean="0">
               <a:solidFill>
                 <a:srgbClr val="000000"/>
               </a:solidFill>
-            </a:endParaRPr>
-          </a:p>
-          <a:p>
-            <a:r>
-              <a:rPr lang="fr-FR" sz="1600" dirty="0" smtClean="0">
-                <a:solidFill>
-                  <a:srgbClr val="000000"/>
-                </a:solidFill>
-              </a:rPr>
-              <a:t>Manufacturer</a:t>
-            </a:r>
-            <a:endParaRPr lang="fr-FR" sz="1600" dirty="0" smtClean="0">
-              <a:solidFill>
-                <a:srgbClr val="000000"/>
-              </a:solidFill>
+              <a:latin typeface="CMU Sans Serif" panose="02000603000000000000" pitchFamily="2" charset="0"/>
+              <a:ea typeface="CMU Sans Serif" panose="02000603000000000000" pitchFamily="2" charset="0"/>
+              <a:cs typeface="CMU Sans Serif" panose="02000603000000000000" pitchFamily="2" charset="0"/>
             </a:endParaRPr>
           </a:p>
         </p:txBody>
@@ -7133,6 +7640,9 @@
                 <a:solidFill>
                   <a:schemeClr val="bg1"/>
                 </a:solidFill>
+                <a:latin typeface="CMU Sans Serif" panose="02000603000000000000" pitchFamily="2" charset="0"/>
+                <a:ea typeface="CMU Sans Serif" panose="02000603000000000000" pitchFamily="2" charset="0"/>
+                <a:cs typeface="CMU Sans Serif" panose="02000603000000000000" pitchFamily="2" charset="0"/>
               </a:rPr>
               <a:t>Kernel</a:t>
             </a:r>
@@ -7141,78 +7651,23 @@
                 <a:solidFill>
                   <a:schemeClr val="bg1"/>
                 </a:solidFill>
-              </a:rPr>
-              <a:t> (PIP)</a:t>
-            </a:r>
-          </a:p>
-        </p:txBody>
-      </p:sp>
-      <p:sp>
-        <p:nvSpPr>
-          <p:cNvPr id="26" name="Rectangle 25"/>
-          <p:cNvSpPr/>
-          <p:nvPr/>
-        </p:nvSpPr>
-        <p:spPr>
-          <a:xfrm>
-            <a:off x="2591880" y="411510"/>
-            <a:ext cx="6300600" cy="3632170"/>
-          </a:xfrm>
-          <a:prstGeom prst="rect">
-            <a:avLst/>
-          </a:prstGeom>
-          <a:solidFill>
-            <a:schemeClr val="bg1">
-              <a:lumMod val="85000"/>
-            </a:schemeClr>
-          </a:solidFill>
-          <a:ln>
-            <a:solidFill>
-              <a:srgbClr val="000000"/>
-            </a:solidFill>
-          </a:ln>
-        </p:spPr>
-        <p:style>
-          <a:lnRef idx="2">
-            <a:schemeClr val="accent2">
-              <a:shade val="50000"/>
-            </a:schemeClr>
-          </a:lnRef>
-          <a:fillRef idx="1">
-            <a:schemeClr val="accent2"/>
-          </a:fillRef>
-          <a:effectRef idx="0">
-            <a:schemeClr val="accent2"/>
-          </a:effectRef>
-          <a:fontRef idx="minor">
-            <a:schemeClr val="lt1"/>
-          </a:fontRef>
-        </p:style>
-        <p:txBody>
-          <a:bodyPr rtlCol="0" anchor="t"/>
-          <a:lstStyle/>
-          <a:p>
+                <a:latin typeface="CMU Sans Serif" panose="02000603000000000000" pitchFamily="2" charset="0"/>
+                <a:ea typeface="CMU Sans Serif" panose="02000603000000000000" pitchFamily="2" charset="0"/>
+                <a:cs typeface="CMU Sans Serif" panose="02000603000000000000" pitchFamily="2" charset="0"/>
+              </a:rPr>
+              <a:t> &amp; OS </a:t>
+            </a:r>
             <a:r>
               <a:rPr lang="fr-FR" sz="1600" dirty="0" smtClean="0">
                 <a:solidFill>
-                  <a:srgbClr val="000000"/>
-                </a:solidFill>
-              </a:rPr>
-              <a:t>Dom1 - </a:t>
-            </a:r>
-            <a:r>
-              <a:rPr lang="fr-FR" sz="1600" dirty="0" err="1" smtClean="0">
-                <a:solidFill>
-                  <a:srgbClr val="000000"/>
-                </a:solidFill>
-              </a:rPr>
-              <a:t>Owner</a:t>
-            </a:r>
-            <a:endParaRPr lang="fr-FR" sz="1600" dirty="0" smtClean="0">
-              <a:solidFill>
-                <a:srgbClr val="000000"/>
-              </a:solidFill>
-            </a:endParaRPr>
+                  <a:schemeClr val="bg1"/>
+                </a:solidFill>
+                <a:latin typeface="CMU Sans Serif" panose="02000603000000000000" pitchFamily="2" charset="0"/>
+                <a:ea typeface="CMU Sans Serif" panose="02000603000000000000" pitchFamily="2" charset="0"/>
+                <a:cs typeface="CMU Sans Serif" panose="02000603000000000000" pitchFamily="2" charset="0"/>
+              </a:rPr>
+              <a:t>(PIP)</a:t>
+            </a:r>
           </a:p>
         </p:txBody>
       </p:sp>
@@ -7225,7 +7680,7 @@
         <p:spPr>
           <a:xfrm>
             <a:off x="4644008" y="483798"/>
-            <a:ext cx="2016224" cy="3044842"/>
+            <a:ext cx="2088000" cy="3244922"/>
           </a:xfrm>
           <a:prstGeom prst="rect">
             <a:avLst/>
@@ -7266,9 +7721,42 @@
                 <a:solidFill>
                   <a:srgbClr val="000000"/>
                 </a:solidFill>
-              </a:rPr>
-              <a:t>Dom2 – SP1</a:t>
-            </a:r>
+                <a:latin typeface="CMU Sans Serif" panose="02000603000000000000" pitchFamily="2" charset="0"/>
+                <a:ea typeface="CMU Sans Serif" panose="02000603000000000000" pitchFamily="2" charset="0"/>
+                <a:cs typeface="CMU Sans Serif" panose="02000603000000000000" pitchFamily="2" charset="0"/>
+              </a:rPr>
+              <a:t>Dom1 </a:t>
+            </a:r>
+            <a:r>
+              <a:rPr lang="fr-FR" sz="1600" dirty="0" smtClean="0">
+                <a:solidFill>
+                  <a:srgbClr val="000000"/>
+                </a:solidFill>
+                <a:latin typeface="CMU Sans Serif" panose="02000603000000000000" pitchFamily="2" charset="0"/>
+                <a:ea typeface="CMU Sans Serif" panose="02000603000000000000" pitchFamily="2" charset="0"/>
+                <a:cs typeface="CMU Sans Serif" panose="02000603000000000000" pitchFamily="2" charset="0"/>
+              </a:rPr>
+              <a:t>– </a:t>
+            </a:r>
+            <a:r>
+              <a:rPr lang="fr-FR" sz="1600" dirty="0" err="1" smtClean="0">
+                <a:solidFill>
+                  <a:srgbClr val="000000"/>
+                </a:solidFill>
+                <a:latin typeface="CMU Sans Serif" panose="02000603000000000000" pitchFamily="2" charset="0"/>
+                <a:ea typeface="CMU Sans Serif" panose="02000603000000000000" pitchFamily="2" charset="0"/>
+                <a:cs typeface="CMU Sans Serif" panose="02000603000000000000" pitchFamily="2" charset="0"/>
+              </a:rPr>
+              <a:t>Maintainer</a:t>
+            </a:r>
+            <a:endParaRPr lang="fr-FR" sz="1600" dirty="0" smtClean="0">
+              <a:solidFill>
+                <a:srgbClr val="000000"/>
+              </a:solidFill>
+              <a:latin typeface="CMU Sans Serif" panose="02000603000000000000" pitchFamily="2" charset="0"/>
+              <a:ea typeface="CMU Sans Serif" panose="02000603000000000000" pitchFamily="2" charset="0"/>
+              <a:cs typeface="CMU Sans Serif" panose="02000603000000000000" pitchFamily="2" charset="0"/>
+            </a:endParaRPr>
           </a:p>
         </p:txBody>
       </p:sp>
@@ -7281,7 +7769,7 @@
         <p:spPr>
           <a:xfrm>
             <a:off x="6804248" y="483798"/>
-            <a:ext cx="2016224" cy="3456104"/>
+            <a:ext cx="2088000" cy="3570042"/>
           </a:xfrm>
           <a:prstGeom prst="rect">
             <a:avLst/>
@@ -7322,9 +7810,53 @@
                 <a:solidFill>
                   <a:srgbClr val="000000"/>
                 </a:solidFill>
-              </a:rPr>
-              <a:t>Dom3 – SP2</a:t>
-            </a:r>
+                <a:latin typeface="CMU Sans Serif" panose="02000603000000000000" pitchFamily="2" charset="0"/>
+                <a:ea typeface="CMU Sans Serif" panose="02000603000000000000" pitchFamily="2" charset="0"/>
+                <a:cs typeface="CMU Sans Serif" panose="02000603000000000000" pitchFamily="2" charset="0"/>
+              </a:rPr>
+              <a:t>Dom2 </a:t>
+            </a:r>
+            <a:r>
+              <a:rPr lang="fr-FR" sz="1600" dirty="0" smtClean="0">
+                <a:solidFill>
+                  <a:srgbClr val="000000"/>
+                </a:solidFill>
+                <a:latin typeface="CMU Sans Serif" panose="02000603000000000000" pitchFamily="2" charset="0"/>
+                <a:ea typeface="CMU Sans Serif" panose="02000603000000000000" pitchFamily="2" charset="0"/>
+                <a:cs typeface="CMU Sans Serif" panose="02000603000000000000" pitchFamily="2" charset="0"/>
+              </a:rPr>
+              <a:t>– </a:t>
+            </a:r>
+            <a:r>
+              <a:rPr lang="fr-FR" sz="1600" dirty="0" smtClean="0">
+                <a:solidFill>
+                  <a:srgbClr val="000000"/>
+                </a:solidFill>
+                <a:latin typeface="CMU Sans Serif" panose="02000603000000000000" pitchFamily="2" charset="0"/>
+                <a:ea typeface="CMU Sans Serif" panose="02000603000000000000" pitchFamily="2" charset="0"/>
+                <a:cs typeface="CMU Sans Serif" panose="02000603000000000000" pitchFamily="2" charset="0"/>
+              </a:rPr>
+              <a:t>Service </a:t>
+            </a:r>
+            <a:r>
+              <a:rPr lang="fr-FR" sz="1600" dirty="0" err="1" smtClean="0">
+                <a:solidFill>
+                  <a:srgbClr val="000000"/>
+                </a:solidFill>
+                <a:latin typeface="CMU Sans Serif" panose="02000603000000000000" pitchFamily="2" charset="0"/>
+                <a:ea typeface="CMU Sans Serif" panose="02000603000000000000" pitchFamily="2" charset="0"/>
+                <a:cs typeface="CMU Sans Serif" panose="02000603000000000000" pitchFamily="2" charset="0"/>
+              </a:rPr>
+              <a:t>Prov</a:t>
+            </a:r>
+            <a:endParaRPr lang="fr-FR" sz="1600" dirty="0" smtClean="0">
+              <a:solidFill>
+                <a:srgbClr val="000000"/>
+              </a:solidFill>
+              <a:latin typeface="CMU Sans Serif" panose="02000603000000000000" pitchFamily="2" charset="0"/>
+              <a:ea typeface="CMU Sans Serif" panose="02000603000000000000" pitchFamily="2" charset="0"/>
+              <a:cs typeface="CMU Sans Serif" panose="02000603000000000000" pitchFamily="2" charset="0"/>
+            </a:endParaRPr>
           </a:p>
         </p:txBody>
       </p:sp>
@@ -7336,7 +7868,7 @@
         </p:nvSpPr>
         <p:spPr>
           <a:xfrm>
-            <a:off x="683372" y="3534927"/>
+            <a:off x="683372" y="3717807"/>
             <a:ext cx="1800000" cy="288000"/>
           </a:xfrm>
           <a:prstGeom prst="rect">
@@ -7380,93 +7912,12 @@
                 <a:solidFill>
                   <a:srgbClr val="000000"/>
                 </a:solidFill>
-              </a:rPr>
-              <a:t>Dom0 </a:t>
-            </a:r>
-            <a:r>
-              <a:rPr lang="fr-FR" sz="1400" dirty="0" smtClean="0">
-                <a:solidFill>
-                  <a:srgbClr val="000000"/>
-                </a:solidFill>
-              </a:rPr>
-              <a:t>CM</a:t>
-            </a:r>
-            <a:endParaRPr lang="fr-FR" sz="1400" dirty="0" smtClean="0">
-              <a:solidFill>
-                <a:srgbClr val="000000"/>
-              </a:solidFill>
-            </a:endParaRPr>
-          </a:p>
-        </p:txBody>
-      </p:sp>
-      <p:sp>
-        <p:nvSpPr>
-          <p:cNvPr id="41" name="Rectangle 40"/>
-          <p:cNvSpPr/>
-          <p:nvPr/>
-        </p:nvSpPr>
-        <p:spPr>
-          <a:xfrm>
-            <a:off x="2723960" y="3534927"/>
-            <a:ext cx="1800000" cy="288000"/>
-          </a:xfrm>
-          <a:prstGeom prst="rect">
-            <a:avLst/>
-          </a:prstGeom>
-          <a:solidFill>
-            <a:schemeClr val="bg1">
-              <a:lumMod val="85000"/>
-            </a:schemeClr>
-          </a:solidFill>
-          <a:ln>
-            <a:solidFill>
-              <a:srgbClr val="000000"/>
-            </a:solidFill>
-            <a:prstDash val="sysDot"/>
-          </a:ln>
-        </p:spPr>
-        <p:style>
-          <a:lnRef idx="2">
-            <a:schemeClr val="accent2">
-              <a:shade val="50000"/>
-            </a:schemeClr>
-          </a:lnRef>
-          <a:fillRef idx="1">
-            <a:schemeClr val="accent2"/>
-          </a:fillRef>
-          <a:effectRef idx="0">
-            <a:schemeClr val="accent2"/>
-          </a:effectRef>
-          <a:fontRef idx="minor">
-            <a:schemeClr val="lt1"/>
-          </a:fontRef>
-        </p:style>
-        <p:txBody>
-          <a:bodyPr rtlCol="0" anchor="ctr"/>
-          <a:lstStyle/>
-          <a:p>
-            <a:pPr algn="ctr"/>
-            <a:r>
-              <a:rPr lang="fr-FR" sz="1400" dirty="0" smtClean="0">
-                <a:solidFill>
-                  <a:srgbClr val="000000"/>
-                </a:solidFill>
-              </a:rPr>
-              <a:t>Dom1 </a:t>
-            </a:r>
-            <a:r>
-              <a:rPr lang="fr-FR" sz="1400" dirty="0" smtClean="0">
-                <a:solidFill>
-                  <a:srgbClr val="000000"/>
-                </a:solidFill>
-              </a:rPr>
-              <a:t>CM</a:t>
-            </a:r>
-            <a:endParaRPr lang="fr-FR" sz="1400" dirty="0" smtClean="0">
-              <a:solidFill>
-                <a:srgbClr val="000000"/>
-              </a:solidFill>
-            </a:endParaRPr>
+                <a:latin typeface="CMU Sans Serif" panose="02000603000000000000" pitchFamily="2" charset="0"/>
+                <a:ea typeface="CMU Sans Serif" panose="02000603000000000000" pitchFamily="2" charset="0"/>
+                <a:cs typeface="CMU Sans Serif" panose="02000603000000000000" pitchFamily="2" charset="0"/>
+              </a:rPr>
+              <a:t>Dom0 CM</a:t>
+            </a:r>
           </a:p>
         </p:txBody>
       </p:sp>
@@ -7478,7 +7929,7 @@
         </p:nvSpPr>
         <p:spPr>
           <a:xfrm>
-            <a:off x="4762462" y="3168664"/>
+            <a:off x="4762462" y="3351544"/>
             <a:ext cx="1800000" cy="288000"/>
           </a:xfrm>
           <a:prstGeom prst="rect">
@@ -7522,22 +7973,12 @@
                 <a:solidFill>
                   <a:srgbClr val="000000"/>
                 </a:solidFill>
-              </a:rPr>
-              <a:t>Dom2 </a:t>
-            </a:r>
-            <a:r>
-              <a:rPr lang="fr-FR" sz="1400" dirty="0" smtClean="0">
-                <a:solidFill>
-                  <a:srgbClr val="000000"/>
-                </a:solidFill>
-              </a:rPr>
-              <a:t>CM</a:t>
-            </a:r>
-            <a:endParaRPr lang="fr-FR" sz="1400" dirty="0" smtClean="0">
-              <a:solidFill>
-                <a:srgbClr val="000000"/>
-              </a:solidFill>
-            </a:endParaRPr>
+                <a:latin typeface="CMU Sans Serif" panose="02000603000000000000" pitchFamily="2" charset="0"/>
+                <a:ea typeface="CMU Sans Serif" panose="02000603000000000000" pitchFamily="2" charset="0"/>
+                <a:cs typeface="CMU Sans Serif" panose="02000603000000000000" pitchFamily="2" charset="0"/>
+              </a:rPr>
+              <a:t>Dom2 CM</a:t>
+            </a:r>
           </a:p>
         </p:txBody>
       </p:sp>
@@ -7549,7 +7990,7 @@
         </p:nvSpPr>
         <p:spPr>
           <a:xfrm>
-            <a:off x="6912360" y="3534927"/>
+            <a:off x="6912360" y="3717807"/>
             <a:ext cx="1800000" cy="288000"/>
           </a:xfrm>
           <a:prstGeom prst="rect">
@@ -7593,22 +8034,12 @@
                 <a:solidFill>
                   <a:srgbClr val="000000"/>
                 </a:solidFill>
-              </a:rPr>
-              <a:t>Dom3 </a:t>
-            </a:r>
-            <a:r>
-              <a:rPr lang="fr-FR" sz="1400" dirty="0" smtClean="0">
-                <a:solidFill>
-                  <a:srgbClr val="000000"/>
-                </a:solidFill>
-              </a:rPr>
-              <a:t>CM</a:t>
-            </a:r>
-            <a:endParaRPr lang="fr-FR" sz="1400" dirty="0" smtClean="0">
-              <a:solidFill>
-                <a:srgbClr val="000000"/>
-              </a:solidFill>
-            </a:endParaRPr>
+                <a:latin typeface="CMU Sans Serif" panose="02000603000000000000" pitchFamily="2" charset="0"/>
+                <a:ea typeface="CMU Sans Serif" panose="02000603000000000000" pitchFamily="2" charset="0"/>
+                <a:cs typeface="CMU Sans Serif" panose="02000603000000000000" pitchFamily="2" charset="0"/>
+              </a:rPr>
+              <a:t>Dom3 CM</a:t>
+            </a:r>
           </a:p>
         </p:txBody>
       </p:sp>
@@ -7620,8 +8051,8 @@
         </p:nvSpPr>
         <p:spPr>
           <a:xfrm>
-            <a:off x="629216" y="915630"/>
-            <a:ext cx="900000" cy="576000"/>
+            <a:off x="629216" y="1057870"/>
+            <a:ext cx="720000" cy="576000"/>
           </a:xfrm>
           <a:prstGeom prst="rect">
             <a:avLst/>
@@ -7663,64 +8094,36 @@
                 <a:solidFill>
                   <a:srgbClr val="000000"/>
                 </a:solidFill>
-              </a:rPr>
-              <a:t>SD</a:t>
+                <a:latin typeface="CMU Sans Serif" panose="02000603000000000000" pitchFamily="2" charset="0"/>
+                <a:ea typeface="CMU Sans Serif" panose="02000603000000000000" pitchFamily="2" charset="0"/>
+                <a:cs typeface="CMU Sans Serif" panose="02000603000000000000" pitchFamily="2" charset="0"/>
+              </a:rPr>
+              <a:t>Sens. Driver</a:t>
             </a:r>
             <a:endParaRPr lang="fr-FR" sz="1400" dirty="0" smtClean="0">
               <a:solidFill>
                 <a:srgbClr val="000000"/>
               </a:solidFill>
+              <a:latin typeface="CMU Sans Serif" panose="02000603000000000000" pitchFamily="2" charset="0"/>
+              <a:ea typeface="CMU Sans Serif" panose="02000603000000000000" pitchFamily="2" charset="0"/>
+              <a:cs typeface="CMU Sans Serif" panose="02000603000000000000" pitchFamily="2" charset="0"/>
             </a:endParaRPr>
           </a:p>
         </p:txBody>
       </p:sp>
-      <p:cxnSp>
-        <p:nvCxnSpPr>
-          <p:cNvPr id="48" name="Connecteur droit 47"/>
-          <p:cNvCxnSpPr>
-            <a:stCxn id="40" idx="3"/>
-            <a:endCxn id="41" idx="1"/>
-          </p:cNvCxnSpPr>
-          <p:nvPr/>
-        </p:nvCxnSpPr>
-        <p:spPr>
-          <a:xfrm>
-            <a:off x="2483372" y="3678927"/>
-            <a:ext cx="240588" cy="0"/>
-          </a:xfrm>
-          <a:prstGeom prst="line">
-            <a:avLst/>
-          </a:prstGeom>
-          <a:ln w="28575"/>
-        </p:spPr>
-        <p:style>
-          <a:lnRef idx="1">
-            <a:schemeClr val="dk1"/>
-          </a:lnRef>
-          <a:fillRef idx="0">
-            <a:schemeClr val="dk1"/>
-          </a:fillRef>
-          <a:effectRef idx="0">
-            <a:schemeClr val="dk1"/>
-          </a:effectRef>
-          <a:fontRef idx="minor">
-            <a:schemeClr val="tx1"/>
-          </a:fontRef>
-        </p:style>
-      </p:cxnSp>
       <p:cxnSp>
         <p:nvCxnSpPr>
           <p:cNvPr id="49" name="Connecteur droit 48"/>
           <p:cNvCxnSpPr>
             <a:stCxn id="45" idx="1"/>
-            <a:endCxn id="41" idx="3"/>
+            <a:endCxn id="40" idx="3"/>
           </p:cNvCxnSpPr>
           <p:nvPr/>
         </p:nvCxnSpPr>
         <p:spPr>
           <a:xfrm flipH="1">
-            <a:off x="4523960" y="3312664"/>
-            <a:ext cx="238502" cy="366263"/>
+            <a:off x="2483372" y="3495544"/>
+            <a:ext cx="2279090" cy="366263"/>
           </a:xfrm>
           <a:prstGeom prst="line">
             <a:avLst/>
@@ -7746,15 +8149,14 @@
         <p:nvCxnSpPr>
           <p:cNvPr id="50" name="Connecteur droit 49"/>
           <p:cNvCxnSpPr>
-            <a:stCxn id="46" idx="1"/>
-            <a:endCxn id="41" idx="3"/>
+            <a:endCxn id="40" idx="3"/>
           </p:cNvCxnSpPr>
           <p:nvPr/>
         </p:nvCxnSpPr>
         <p:spPr>
           <a:xfrm flipH="1">
-            <a:off x="4523960" y="3678927"/>
-            <a:ext cx="2388400" cy="0"/>
+            <a:off x="2483372" y="3861807"/>
+            <a:ext cx="4394371" cy="0"/>
           </a:xfrm>
           <a:prstGeom prst="line">
             <a:avLst/>
@@ -7778,21 +8180,21 @@
       </p:cxnSp>
       <p:sp>
         <p:nvSpPr>
-          <p:cNvPr id="51" name="Rectangle 50"/>
+          <p:cNvPr id="54" name="Rectangle 53"/>
           <p:cNvSpPr/>
           <p:nvPr/>
         </p:nvSpPr>
         <p:spPr>
           <a:xfrm>
-            <a:off x="2693040" y="2571782"/>
-            <a:ext cx="1861840" cy="288000"/>
+            <a:off x="1499136" y="1057806"/>
+            <a:ext cx="900000" cy="576064"/>
           </a:xfrm>
           <a:prstGeom prst="rect">
             <a:avLst/>
           </a:prstGeom>
           <a:solidFill>
             <a:schemeClr val="bg1">
-              <a:lumMod val="85000"/>
+              <a:lumMod val="75000"/>
             </a:schemeClr>
           </a:solidFill>
           <a:ln>
@@ -7823,38 +8225,55 @@
           <a:p>
             <a:pPr algn="ctr"/>
             <a:r>
+              <a:rPr lang="fr-FR" sz="1400" dirty="0" err="1" smtClean="0">
+                <a:solidFill>
+                  <a:srgbClr val="000000"/>
+                </a:solidFill>
+                <a:latin typeface="CMU Sans Serif" panose="02000603000000000000" pitchFamily="2" charset="0"/>
+                <a:ea typeface="CMU Sans Serif" panose="02000603000000000000" pitchFamily="2" charset="0"/>
+                <a:cs typeface="CMU Sans Serif" panose="02000603000000000000" pitchFamily="2" charset="0"/>
+              </a:rPr>
+              <a:t>Virt</a:t>
+            </a:r>
+            <a:r>
               <a:rPr lang="fr-FR" sz="1400" dirty="0" smtClean="0">
                 <a:solidFill>
                   <a:srgbClr val="000000"/>
                 </a:solidFill>
-              </a:rPr>
-              <a:t>IC</a:t>
+                <a:latin typeface="CMU Sans Serif" panose="02000603000000000000" pitchFamily="2" charset="0"/>
+                <a:ea typeface="CMU Sans Serif" panose="02000603000000000000" pitchFamily="2" charset="0"/>
+                <a:cs typeface="CMU Sans Serif" panose="02000603000000000000" pitchFamily="2" charset="0"/>
+              </a:rPr>
+              <a:t> Sens Mgr</a:t>
             </a:r>
             <a:endParaRPr lang="fr-FR" sz="1400" dirty="0" smtClean="0">
               <a:solidFill>
                 <a:srgbClr val="000000"/>
               </a:solidFill>
+              <a:latin typeface="CMU Sans Serif" panose="02000603000000000000" pitchFamily="2" charset="0"/>
+              <a:ea typeface="CMU Sans Serif" panose="02000603000000000000" pitchFamily="2" charset="0"/>
+              <a:cs typeface="CMU Sans Serif" panose="02000603000000000000" pitchFamily="2" charset="0"/>
             </a:endParaRPr>
           </a:p>
         </p:txBody>
       </p:sp>
       <p:sp>
         <p:nvSpPr>
-          <p:cNvPr id="52" name="Rectangle 51"/>
+          <p:cNvPr id="55" name="Rectangle 54"/>
           <p:cNvSpPr/>
           <p:nvPr/>
         </p:nvSpPr>
         <p:spPr>
           <a:xfrm>
-            <a:off x="3463072" y="2139742"/>
-            <a:ext cx="1091808" cy="360000"/>
+            <a:off x="1489664" y="1704826"/>
+            <a:ext cx="900000" cy="582855"/>
           </a:xfrm>
           <a:prstGeom prst="rect">
             <a:avLst/>
           </a:prstGeom>
           <a:solidFill>
             <a:schemeClr val="bg1">
-              <a:lumMod val="85000"/>
+              <a:lumMod val="75000"/>
             </a:schemeClr>
           </a:solidFill>
           <a:ln>
@@ -7885,38 +8304,732 @@
           <a:p>
             <a:pPr algn="ctr"/>
             <a:r>
+              <a:rPr lang="fr-FR" sz="1400" dirty="0" err="1" smtClean="0">
+                <a:solidFill>
+                  <a:srgbClr val="000000"/>
+                </a:solidFill>
+                <a:latin typeface="CMU Sans Serif" panose="02000603000000000000" pitchFamily="2" charset="0"/>
+                <a:ea typeface="CMU Sans Serif" panose="02000603000000000000" pitchFamily="2" charset="0"/>
+                <a:cs typeface="CMU Sans Serif" panose="02000603000000000000" pitchFamily="2" charset="0"/>
+              </a:rPr>
+              <a:t>Virt</a:t>
+            </a:r>
+            <a:r>
               <a:rPr lang="fr-FR" sz="1400" dirty="0" smtClean="0">
                 <a:solidFill>
                   <a:srgbClr val="000000"/>
                 </a:solidFill>
-              </a:rPr>
-              <a:t>TSV</a:t>
+                <a:latin typeface="CMU Sans Serif" panose="02000603000000000000" pitchFamily="2" charset="0"/>
+                <a:ea typeface="CMU Sans Serif" panose="02000603000000000000" pitchFamily="2" charset="0"/>
+                <a:cs typeface="CMU Sans Serif" panose="02000603000000000000" pitchFamily="2" charset="0"/>
+              </a:rPr>
+              <a:t> </a:t>
+            </a:r>
+            <a:r>
+              <a:rPr lang="fr-FR" sz="1400" dirty="0" err="1" smtClean="0">
+                <a:solidFill>
+                  <a:srgbClr val="000000"/>
+                </a:solidFill>
+                <a:latin typeface="CMU Sans Serif" panose="02000603000000000000" pitchFamily="2" charset="0"/>
+                <a:ea typeface="CMU Sans Serif" panose="02000603000000000000" pitchFamily="2" charset="0"/>
+                <a:cs typeface="CMU Sans Serif" panose="02000603000000000000" pitchFamily="2" charset="0"/>
+              </a:rPr>
+              <a:t>Act</a:t>
+            </a:r>
+            <a:r>
+              <a:rPr lang="fr-FR" sz="1400" dirty="0" smtClean="0">
+                <a:solidFill>
+                  <a:srgbClr val="000000"/>
+                </a:solidFill>
+                <a:latin typeface="CMU Sans Serif" panose="02000603000000000000" pitchFamily="2" charset="0"/>
+                <a:ea typeface="CMU Sans Serif" panose="02000603000000000000" pitchFamily="2" charset="0"/>
+                <a:cs typeface="CMU Sans Serif" panose="02000603000000000000" pitchFamily="2" charset="0"/>
+              </a:rPr>
+              <a:t> Mgr</a:t>
             </a:r>
             <a:endParaRPr lang="fr-FR" sz="1400" dirty="0" smtClean="0">
               <a:solidFill>
                 <a:srgbClr val="000000"/>
               </a:solidFill>
+              <a:latin typeface="CMU Sans Serif" panose="02000603000000000000" pitchFamily="2" charset="0"/>
+              <a:ea typeface="CMU Sans Serif" panose="02000603000000000000" pitchFamily="2" charset="0"/>
+              <a:cs typeface="CMU Sans Serif" panose="02000603000000000000" pitchFamily="2" charset="0"/>
             </a:endParaRPr>
           </a:p>
         </p:txBody>
       </p:sp>
       <p:sp>
         <p:nvSpPr>
-          <p:cNvPr id="53" name="Rectangle 52"/>
+          <p:cNvPr id="56" name="Rectangle 55"/>
           <p:cNvSpPr/>
           <p:nvPr/>
         </p:nvSpPr>
         <p:spPr>
           <a:xfrm>
-            <a:off x="2693040" y="1779662"/>
-            <a:ext cx="1861840" cy="288000"/>
+            <a:off x="629216" y="1705942"/>
+            <a:ext cx="720000" cy="576000"/>
           </a:xfrm>
           <a:prstGeom prst="rect">
             <a:avLst/>
           </a:prstGeom>
           <a:solidFill>
             <a:schemeClr val="bg1">
-              <a:lumMod val="85000"/>
+              <a:lumMod val="75000"/>
+            </a:schemeClr>
+          </a:solidFill>
+          <a:ln>
+            <a:solidFill>
+              <a:srgbClr val="000000"/>
+            </a:solidFill>
+          </a:ln>
+        </p:spPr>
+        <p:style>
+          <a:lnRef idx="2">
+            <a:schemeClr val="accent3">
+              <a:shade val="50000"/>
+            </a:schemeClr>
+          </a:lnRef>
+          <a:fillRef idx="1">
+            <a:schemeClr val="accent3"/>
+          </a:fillRef>
+          <a:effectRef idx="0">
+            <a:schemeClr val="accent3"/>
+          </a:effectRef>
+          <a:fontRef idx="minor">
+            <a:schemeClr val="lt1"/>
+          </a:fontRef>
+        </p:style>
+        <p:txBody>
+          <a:bodyPr rtlCol="0" anchor="ctr"/>
+          <a:lstStyle/>
+          <a:p>
+            <a:pPr algn="ctr"/>
+            <a:r>
+              <a:rPr lang="fr-FR" sz="1400" dirty="0" err="1" smtClean="0">
+                <a:solidFill>
+                  <a:srgbClr val="000000"/>
+                </a:solidFill>
+                <a:latin typeface="CMU Sans Serif" panose="02000603000000000000" pitchFamily="2" charset="0"/>
+                <a:ea typeface="CMU Sans Serif" panose="02000603000000000000" pitchFamily="2" charset="0"/>
+                <a:cs typeface="CMU Sans Serif" panose="02000603000000000000" pitchFamily="2" charset="0"/>
+              </a:rPr>
+              <a:t>Act</a:t>
+            </a:r>
+            <a:r>
+              <a:rPr lang="fr-FR" sz="1400" dirty="0" smtClean="0">
+                <a:solidFill>
+                  <a:srgbClr val="000000"/>
+                </a:solidFill>
+                <a:latin typeface="CMU Sans Serif" panose="02000603000000000000" pitchFamily="2" charset="0"/>
+                <a:ea typeface="CMU Sans Serif" panose="02000603000000000000" pitchFamily="2" charset="0"/>
+                <a:cs typeface="CMU Sans Serif" panose="02000603000000000000" pitchFamily="2" charset="0"/>
+              </a:rPr>
+              <a:t>. Driver</a:t>
+            </a:r>
+            <a:endParaRPr lang="fr-FR" sz="1400" dirty="0" smtClean="0">
+              <a:solidFill>
+                <a:srgbClr val="000000"/>
+              </a:solidFill>
+              <a:latin typeface="CMU Sans Serif" panose="02000603000000000000" pitchFamily="2" charset="0"/>
+              <a:ea typeface="CMU Sans Serif" panose="02000603000000000000" pitchFamily="2" charset="0"/>
+              <a:cs typeface="CMU Sans Serif" panose="02000603000000000000" pitchFamily="2" charset="0"/>
+            </a:endParaRPr>
+          </a:p>
+        </p:txBody>
+      </p:sp>
+      <p:sp>
+        <p:nvSpPr>
+          <p:cNvPr id="57" name="Rectangle 56"/>
+          <p:cNvSpPr/>
+          <p:nvPr/>
+        </p:nvSpPr>
+        <p:spPr>
+          <a:xfrm>
+            <a:off x="646368" y="2354014"/>
+            <a:ext cx="720000" cy="576000"/>
+          </a:xfrm>
+          <a:prstGeom prst="rect">
+            <a:avLst/>
+          </a:prstGeom>
+          <a:solidFill>
+            <a:schemeClr val="bg1">
+              <a:lumMod val="75000"/>
+            </a:schemeClr>
+          </a:solidFill>
+          <a:ln>
+            <a:solidFill>
+              <a:srgbClr val="000000"/>
+            </a:solidFill>
+          </a:ln>
+        </p:spPr>
+        <p:style>
+          <a:lnRef idx="2">
+            <a:schemeClr val="accent3">
+              <a:shade val="50000"/>
+            </a:schemeClr>
+          </a:lnRef>
+          <a:fillRef idx="1">
+            <a:schemeClr val="accent3"/>
+          </a:fillRef>
+          <a:effectRef idx="0">
+            <a:schemeClr val="accent3"/>
+          </a:effectRef>
+          <a:fontRef idx="minor">
+            <a:schemeClr val="lt1"/>
+          </a:fontRef>
+        </p:style>
+        <p:txBody>
+          <a:bodyPr rtlCol="0" anchor="ctr"/>
+          <a:lstStyle/>
+          <a:p>
+            <a:pPr algn="ctr"/>
+            <a:r>
+              <a:rPr lang="fr-FR" sz="1400" dirty="0" smtClean="0">
+                <a:solidFill>
+                  <a:srgbClr val="000000"/>
+                </a:solidFill>
+                <a:latin typeface="CMU Sans Serif" panose="02000603000000000000" pitchFamily="2" charset="0"/>
+                <a:ea typeface="CMU Sans Serif" panose="02000603000000000000" pitchFamily="2" charset="0"/>
+                <a:cs typeface="CMU Sans Serif" panose="02000603000000000000" pitchFamily="2" charset="0"/>
+              </a:rPr>
+              <a:t>NW Driver</a:t>
+            </a:r>
+            <a:endParaRPr lang="fr-FR" sz="1400" dirty="0" smtClean="0">
+              <a:solidFill>
+                <a:srgbClr val="000000"/>
+              </a:solidFill>
+              <a:latin typeface="CMU Sans Serif" panose="02000603000000000000" pitchFamily="2" charset="0"/>
+              <a:ea typeface="CMU Sans Serif" panose="02000603000000000000" pitchFamily="2" charset="0"/>
+              <a:cs typeface="CMU Sans Serif" panose="02000603000000000000" pitchFamily="2" charset="0"/>
+            </a:endParaRPr>
+          </a:p>
+        </p:txBody>
+      </p:sp>
+      <p:sp>
+        <p:nvSpPr>
+          <p:cNvPr id="62" name="Rectangle 61"/>
+          <p:cNvSpPr/>
+          <p:nvPr/>
+        </p:nvSpPr>
+        <p:spPr>
+          <a:xfrm>
+            <a:off x="691264" y="3309144"/>
+            <a:ext cx="1800000" cy="288000"/>
+          </a:xfrm>
+          <a:prstGeom prst="rect">
+            <a:avLst/>
+          </a:prstGeom>
+          <a:solidFill>
+            <a:schemeClr val="bg1">
+              <a:lumMod val="75000"/>
+            </a:schemeClr>
+          </a:solidFill>
+          <a:ln>
+            <a:solidFill>
+              <a:srgbClr val="000000"/>
+            </a:solidFill>
+            <a:prstDash val="sysDot"/>
+          </a:ln>
+        </p:spPr>
+        <p:style>
+          <a:lnRef idx="2">
+            <a:schemeClr val="accent3">
+              <a:shade val="50000"/>
+            </a:schemeClr>
+          </a:lnRef>
+          <a:fillRef idx="1">
+            <a:schemeClr val="accent3"/>
+          </a:fillRef>
+          <a:effectRef idx="0">
+            <a:schemeClr val="accent3"/>
+          </a:effectRef>
+          <a:fontRef idx="minor">
+            <a:schemeClr val="lt1"/>
+          </a:fontRef>
+        </p:style>
+        <p:txBody>
+          <a:bodyPr rtlCol="0" anchor="ctr"/>
+          <a:lstStyle/>
+          <a:p>
+            <a:pPr algn="ctr"/>
+            <a:r>
+              <a:rPr lang="fr-FR" sz="1400" dirty="0" err="1" smtClean="0">
+                <a:solidFill>
+                  <a:srgbClr val="000000"/>
+                </a:solidFill>
+                <a:latin typeface="CMU Sans Serif" panose="02000603000000000000" pitchFamily="2" charset="0"/>
+                <a:ea typeface="CMU Sans Serif" panose="02000603000000000000" pitchFamily="2" charset="0"/>
+                <a:cs typeface="CMU Sans Serif" panose="02000603000000000000" pitchFamily="2" charset="0"/>
+              </a:rPr>
+              <a:t>Scheduler</a:t>
+            </a:r>
+            <a:endParaRPr lang="fr-FR" sz="1400" dirty="0" smtClean="0">
+              <a:solidFill>
+                <a:srgbClr val="000000"/>
+              </a:solidFill>
+              <a:latin typeface="CMU Sans Serif" panose="02000603000000000000" pitchFamily="2" charset="0"/>
+              <a:ea typeface="CMU Sans Serif" panose="02000603000000000000" pitchFamily="2" charset="0"/>
+              <a:cs typeface="CMU Sans Serif" panose="02000603000000000000" pitchFamily="2" charset="0"/>
+            </a:endParaRPr>
+          </a:p>
+        </p:txBody>
+      </p:sp>
+      <p:sp>
+        <p:nvSpPr>
+          <p:cNvPr id="37" name="Rectangle 36"/>
+          <p:cNvSpPr/>
+          <p:nvPr/>
+        </p:nvSpPr>
+        <p:spPr>
+          <a:xfrm>
+            <a:off x="4717480" y="843404"/>
+            <a:ext cx="792000" cy="720080"/>
+          </a:xfrm>
+          <a:prstGeom prst="rect">
+            <a:avLst/>
+          </a:prstGeom>
+          <a:solidFill>
+            <a:schemeClr val="bg1">
+              <a:lumMod val="95000"/>
+            </a:schemeClr>
+          </a:solidFill>
+          <a:ln>
+            <a:solidFill>
+              <a:srgbClr val="000000"/>
+            </a:solidFill>
+          </a:ln>
+        </p:spPr>
+        <p:style>
+          <a:lnRef idx="2">
+            <a:schemeClr val="accent4">
+              <a:shade val="50000"/>
+            </a:schemeClr>
+          </a:lnRef>
+          <a:fillRef idx="1">
+            <a:schemeClr val="accent4"/>
+          </a:fillRef>
+          <a:effectRef idx="0">
+            <a:schemeClr val="accent4"/>
+          </a:effectRef>
+          <a:fontRef idx="minor">
+            <a:schemeClr val="lt1"/>
+          </a:fontRef>
+        </p:style>
+        <p:txBody>
+          <a:bodyPr rtlCol="0" anchor="ctr"/>
+          <a:lstStyle/>
+          <a:p>
+            <a:pPr algn="ctr"/>
+            <a:r>
+              <a:rPr lang="fr-FR" sz="1400" dirty="0" err="1" smtClean="0">
+                <a:solidFill>
+                  <a:srgbClr val="000000"/>
+                </a:solidFill>
+                <a:latin typeface="CMU Sans Serif" panose="02000603000000000000" pitchFamily="2" charset="0"/>
+                <a:ea typeface="CMU Sans Serif" panose="02000603000000000000" pitchFamily="2" charset="0"/>
+                <a:cs typeface="CMU Sans Serif" panose="02000603000000000000" pitchFamily="2" charset="0"/>
+              </a:rPr>
+              <a:t>Virt</a:t>
+            </a:r>
+            <a:r>
+              <a:rPr lang="fr-FR" sz="1400" dirty="0" smtClean="0">
+                <a:solidFill>
+                  <a:srgbClr val="000000"/>
+                </a:solidFill>
+                <a:latin typeface="CMU Sans Serif" panose="02000603000000000000" pitchFamily="2" charset="0"/>
+                <a:ea typeface="CMU Sans Serif" panose="02000603000000000000" pitchFamily="2" charset="0"/>
+                <a:cs typeface="CMU Sans Serif" panose="02000603000000000000" pitchFamily="2" charset="0"/>
+              </a:rPr>
+              <a:t> Sens</a:t>
+            </a:r>
+            <a:r>
+              <a:rPr lang="fr-FR" sz="1400" dirty="0">
+                <a:solidFill>
+                  <a:srgbClr val="000000"/>
+                </a:solidFill>
+                <a:latin typeface="CMU Sans Serif" panose="02000603000000000000" pitchFamily="2" charset="0"/>
+                <a:ea typeface="CMU Sans Serif" panose="02000603000000000000" pitchFamily="2" charset="0"/>
+                <a:cs typeface="CMU Sans Serif" panose="02000603000000000000" pitchFamily="2" charset="0"/>
+              </a:rPr>
+              <a:t> </a:t>
+            </a:r>
+            <a:r>
+              <a:rPr lang="fr-FR" sz="1400" dirty="0" smtClean="0">
+                <a:solidFill>
+                  <a:srgbClr val="000000"/>
+                </a:solidFill>
+                <a:latin typeface="CMU Sans Serif" panose="02000603000000000000" pitchFamily="2" charset="0"/>
+                <a:ea typeface="CMU Sans Serif" panose="02000603000000000000" pitchFamily="2" charset="0"/>
+                <a:cs typeface="CMU Sans Serif" panose="02000603000000000000" pitchFamily="2" charset="0"/>
+              </a:rPr>
+              <a:t>Updater</a:t>
+            </a:r>
+            <a:endParaRPr lang="fr-FR" sz="1400" dirty="0" smtClean="0">
+              <a:solidFill>
+                <a:srgbClr val="000000"/>
+              </a:solidFill>
+              <a:latin typeface="CMU Sans Serif" panose="02000603000000000000" pitchFamily="2" charset="0"/>
+              <a:ea typeface="CMU Sans Serif" panose="02000603000000000000" pitchFamily="2" charset="0"/>
+              <a:cs typeface="CMU Sans Serif" panose="02000603000000000000" pitchFamily="2" charset="0"/>
+            </a:endParaRPr>
+          </a:p>
+        </p:txBody>
+      </p:sp>
+      <p:sp>
+        <p:nvSpPr>
+          <p:cNvPr id="38" name="Rectangle 37"/>
+          <p:cNvSpPr/>
+          <p:nvPr/>
+        </p:nvSpPr>
+        <p:spPr>
+          <a:xfrm>
+            <a:off x="5767216" y="843404"/>
+            <a:ext cx="792000" cy="720080"/>
+          </a:xfrm>
+          <a:prstGeom prst="rect">
+            <a:avLst/>
+          </a:prstGeom>
+          <a:solidFill>
+            <a:schemeClr val="bg1">
+              <a:lumMod val="95000"/>
+            </a:schemeClr>
+          </a:solidFill>
+          <a:ln>
+            <a:solidFill>
+              <a:srgbClr val="000000"/>
+            </a:solidFill>
+          </a:ln>
+        </p:spPr>
+        <p:style>
+          <a:lnRef idx="2">
+            <a:schemeClr val="accent4">
+              <a:shade val="50000"/>
+            </a:schemeClr>
+          </a:lnRef>
+          <a:fillRef idx="1">
+            <a:schemeClr val="accent4"/>
+          </a:fillRef>
+          <a:effectRef idx="0">
+            <a:schemeClr val="accent4"/>
+          </a:effectRef>
+          <a:fontRef idx="minor">
+            <a:schemeClr val="lt1"/>
+          </a:fontRef>
+        </p:style>
+        <p:txBody>
+          <a:bodyPr rtlCol="0" anchor="ctr"/>
+          <a:lstStyle/>
+          <a:p>
+            <a:pPr algn="ctr"/>
+            <a:r>
+              <a:rPr lang="fr-FR" sz="1400" dirty="0" err="1" smtClean="0">
+                <a:solidFill>
+                  <a:srgbClr val="000000"/>
+                </a:solidFill>
+                <a:latin typeface="CMU Sans Serif" panose="02000603000000000000" pitchFamily="2" charset="0"/>
+                <a:ea typeface="CMU Sans Serif" panose="02000603000000000000" pitchFamily="2" charset="0"/>
+                <a:cs typeface="CMU Sans Serif" panose="02000603000000000000" pitchFamily="2" charset="0"/>
+              </a:rPr>
+              <a:t>Virt</a:t>
+            </a:r>
+            <a:r>
+              <a:rPr lang="fr-FR" sz="1400" dirty="0" smtClean="0">
+                <a:solidFill>
+                  <a:srgbClr val="000000"/>
+                </a:solidFill>
+                <a:latin typeface="CMU Sans Serif" panose="02000603000000000000" pitchFamily="2" charset="0"/>
+                <a:ea typeface="CMU Sans Serif" panose="02000603000000000000" pitchFamily="2" charset="0"/>
+                <a:cs typeface="CMU Sans Serif" panose="02000603000000000000" pitchFamily="2" charset="0"/>
+              </a:rPr>
+              <a:t> </a:t>
+            </a:r>
+            <a:r>
+              <a:rPr lang="fr-FR" sz="1400" dirty="0" err="1" smtClean="0">
+                <a:solidFill>
+                  <a:srgbClr val="000000"/>
+                </a:solidFill>
+                <a:latin typeface="CMU Sans Serif" panose="02000603000000000000" pitchFamily="2" charset="0"/>
+                <a:ea typeface="CMU Sans Serif" panose="02000603000000000000" pitchFamily="2" charset="0"/>
+                <a:cs typeface="CMU Sans Serif" panose="02000603000000000000" pitchFamily="2" charset="0"/>
+              </a:rPr>
+              <a:t>Act</a:t>
+            </a:r>
+            <a:r>
+              <a:rPr lang="fr-FR" sz="1400" dirty="0" smtClean="0">
+                <a:solidFill>
+                  <a:srgbClr val="000000"/>
+                </a:solidFill>
+                <a:latin typeface="CMU Sans Serif" panose="02000603000000000000" pitchFamily="2" charset="0"/>
+                <a:ea typeface="CMU Sans Serif" panose="02000603000000000000" pitchFamily="2" charset="0"/>
+                <a:cs typeface="CMU Sans Serif" panose="02000603000000000000" pitchFamily="2" charset="0"/>
+              </a:rPr>
+              <a:t> Updater</a:t>
+            </a:r>
+            <a:endParaRPr lang="fr-FR" sz="1400" dirty="0" smtClean="0">
+              <a:solidFill>
+                <a:srgbClr val="000000"/>
+              </a:solidFill>
+              <a:latin typeface="CMU Sans Serif" panose="02000603000000000000" pitchFamily="2" charset="0"/>
+              <a:ea typeface="CMU Sans Serif" panose="02000603000000000000" pitchFamily="2" charset="0"/>
+              <a:cs typeface="CMU Sans Serif" panose="02000603000000000000" pitchFamily="2" charset="0"/>
+            </a:endParaRPr>
+          </a:p>
+        </p:txBody>
+      </p:sp>
+      <p:sp>
+        <p:nvSpPr>
+          <p:cNvPr id="42" name="Rectangle 41"/>
+          <p:cNvSpPr/>
+          <p:nvPr/>
+        </p:nvSpPr>
+        <p:spPr>
+          <a:xfrm>
+            <a:off x="6877743" y="873450"/>
+            <a:ext cx="612000" cy="720080"/>
+          </a:xfrm>
+          <a:prstGeom prst="rect">
+            <a:avLst/>
+          </a:prstGeom>
+          <a:solidFill>
+            <a:schemeClr val="bg1">
+              <a:lumMod val="95000"/>
+            </a:schemeClr>
+          </a:solidFill>
+          <a:ln>
+            <a:solidFill>
+              <a:srgbClr val="000000"/>
+            </a:solidFill>
+          </a:ln>
+        </p:spPr>
+        <p:style>
+          <a:lnRef idx="2">
+            <a:schemeClr val="accent5">
+              <a:shade val="50000"/>
+            </a:schemeClr>
+          </a:lnRef>
+          <a:fillRef idx="1">
+            <a:schemeClr val="accent5"/>
+          </a:fillRef>
+          <a:effectRef idx="0">
+            <a:schemeClr val="accent5"/>
+          </a:effectRef>
+          <a:fontRef idx="minor">
+            <a:schemeClr val="lt1"/>
+          </a:fontRef>
+        </p:style>
+        <p:txBody>
+          <a:bodyPr rtlCol="0" anchor="ctr"/>
+          <a:lstStyle/>
+          <a:p>
+            <a:pPr algn="ctr"/>
+            <a:r>
+              <a:rPr lang="fr-FR" sz="1400" dirty="0" err="1" smtClean="0">
+                <a:solidFill>
+                  <a:srgbClr val="000000"/>
+                </a:solidFill>
+                <a:latin typeface="CMU Sans Serif" panose="02000603000000000000" pitchFamily="2" charset="0"/>
+                <a:ea typeface="CMU Sans Serif" panose="02000603000000000000" pitchFamily="2" charset="0"/>
+                <a:cs typeface="CMU Sans Serif" panose="02000603000000000000" pitchFamily="2" charset="0"/>
+              </a:rPr>
+              <a:t>Virt</a:t>
+            </a:r>
+            <a:r>
+              <a:rPr lang="fr-FR" sz="1400" dirty="0" smtClean="0">
+                <a:solidFill>
+                  <a:srgbClr val="000000"/>
+                </a:solidFill>
+                <a:latin typeface="CMU Sans Serif" panose="02000603000000000000" pitchFamily="2" charset="0"/>
+                <a:ea typeface="CMU Sans Serif" panose="02000603000000000000" pitchFamily="2" charset="0"/>
+                <a:cs typeface="CMU Sans Serif" panose="02000603000000000000" pitchFamily="2" charset="0"/>
+              </a:rPr>
+              <a:t> Sens</a:t>
+            </a:r>
+            <a:endParaRPr lang="fr-FR" sz="1400" dirty="0" smtClean="0">
+              <a:solidFill>
+                <a:srgbClr val="000000"/>
+              </a:solidFill>
+              <a:latin typeface="CMU Sans Serif" panose="02000603000000000000" pitchFamily="2" charset="0"/>
+              <a:ea typeface="CMU Sans Serif" panose="02000603000000000000" pitchFamily="2" charset="0"/>
+              <a:cs typeface="CMU Sans Serif" panose="02000603000000000000" pitchFamily="2" charset="0"/>
+            </a:endParaRPr>
+          </a:p>
+        </p:txBody>
+      </p:sp>
+      <p:sp>
+        <p:nvSpPr>
+          <p:cNvPr id="43" name="Rectangle 42"/>
+          <p:cNvSpPr/>
+          <p:nvPr/>
+        </p:nvSpPr>
+        <p:spPr>
+          <a:xfrm>
+            <a:off x="7561719" y="873450"/>
+            <a:ext cx="612000" cy="720080"/>
+          </a:xfrm>
+          <a:prstGeom prst="rect">
+            <a:avLst/>
+          </a:prstGeom>
+          <a:solidFill>
+            <a:schemeClr val="bg1">
+              <a:lumMod val="95000"/>
+            </a:schemeClr>
+          </a:solidFill>
+          <a:ln>
+            <a:solidFill>
+              <a:srgbClr val="000000"/>
+            </a:solidFill>
+          </a:ln>
+        </p:spPr>
+        <p:style>
+          <a:lnRef idx="2">
+            <a:schemeClr val="accent5">
+              <a:shade val="50000"/>
+            </a:schemeClr>
+          </a:lnRef>
+          <a:fillRef idx="1">
+            <a:schemeClr val="accent5"/>
+          </a:fillRef>
+          <a:effectRef idx="0">
+            <a:schemeClr val="accent5"/>
+          </a:effectRef>
+          <a:fontRef idx="minor">
+            <a:schemeClr val="lt1"/>
+          </a:fontRef>
+        </p:style>
+        <p:txBody>
+          <a:bodyPr rtlCol="0" anchor="ctr"/>
+          <a:lstStyle/>
+          <a:p>
+            <a:pPr algn="ctr"/>
+            <a:r>
+              <a:rPr lang="fr-FR" sz="1400" dirty="0" err="1" smtClean="0">
+                <a:solidFill>
+                  <a:srgbClr val="000000"/>
+                </a:solidFill>
+                <a:latin typeface="CMU Sans Serif" panose="02000603000000000000" pitchFamily="2" charset="0"/>
+                <a:ea typeface="CMU Sans Serif" panose="02000603000000000000" pitchFamily="2" charset="0"/>
+                <a:cs typeface="CMU Sans Serif" panose="02000603000000000000" pitchFamily="2" charset="0"/>
+              </a:rPr>
+              <a:t>Virt</a:t>
+            </a:r>
+            <a:r>
+              <a:rPr lang="fr-FR" sz="1400" dirty="0" smtClean="0">
+                <a:solidFill>
+                  <a:srgbClr val="000000"/>
+                </a:solidFill>
+                <a:latin typeface="CMU Sans Serif" panose="02000603000000000000" pitchFamily="2" charset="0"/>
+                <a:ea typeface="CMU Sans Serif" panose="02000603000000000000" pitchFamily="2" charset="0"/>
+                <a:cs typeface="CMU Sans Serif" panose="02000603000000000000" pitchFamily="2" charset="0"/>
+              </a:rPr>
+              <a:t> </a:t>
+            </a:r>
+            <a:r>
+              <a:rPr lang="fr-FR" sz="1400" dirty="0" err="1" smtClean="0">
+                <a:solidFill>
+                  <a:srgbClr val="000000"/>
+                </a:solidFill>
+                <a:latin typeface="CMU Sans Serif" panose="02000603000000000000" pitchFamily="2" charset="0"/>
+                <a:ea typeface="CMU Sans Serif" panose="02000603000000000000" pitchFamily="2" charset="0"/>
+                <a:cs typeface="CMU Sans Serif" panose="02000603000000000000" pitchFamily="2" charset="0"/>
+              </a:rPr>
+              <a:t>Act</a:t>
+            </a:r>
+            <a:endParaRPr lang="fr-FR" sz="1400" dirty="0" smtClean="0">
+              <a:solidFill>
+                <a:srgbClr val="000000"/>
+              </a:solidFill>
+              <a:latin typeface="CMU Sans Serif" panose="02000603000000000000" pitchFamily="2" charset="0"/>
+              <a:ea typeface="CMU Sans Serif" panose="02000603000000000000" pitchFamily="2" charset="0"/>
+              <a:cs typeface="CMU Sans Serif" panose="02000603000000000000" pitchFamily="2" charset="0"/>
+            </a:endParaRPr>
+          </a:p>
+        </p:txBody>
+      </p:sp>
+      <p:sp>
+        <p:nvSpPr>
+          <p:cNvPr id="44" name="Rectangle 43"/>
+          <p:cNvSpPr/>
+          <p:nvPr/>
+        </p:nvSpPr>
+        <p:spPr>
+          <a:xfrm>
+            <a:off x="8252270" y="873490"/>
+            <a:ext cx="517006" cy="720080"/>
+          </a:xfrm>
+          <a:prstGeom prst="rect">
+            <a:avLst/>
+          </a:prstGeom>
+          <a:solidFill>
+            <a:schemeClr val="bg1">
+              <a:lumMod val="95000"/>
+            </a:schemeClr>
+          </a:solidFill>
+          <a:ln>
+            <a:solidFill>
+              <a:srgbClr val="000000"/>
+            </a:solidFill>
+          </a:ln>
+        </p:spPr>
+        <p:style>
+          <a:lnRef idx="2">
+            <a:schemeClr val="accent5">
+              <a:shade val="50000"/>
+            </a:schemeClr>
+          </a:lnRef>
+          <a:fillRef idx="1">
+            <a:schemeClr val="accent5"/>
+          </a:fillRef>
+          <a:effectRef idx="0">
+            <a:schemeClr val="accent5"/>
+          </a:effectRef>
+          <a:fontRef idx="minor">
+            <a:schemeClr val="lt1"/>
+          </a:fontRef>
+        </p:style>
+        <p:txBody>
+          <a:bodyPr rtlCol="0" anchor="ctr"/>
+          <a:lstStyle/>
+          <a:p>
+            <a:pPr algn="ctr"/>
+            <a:r>
+              <a:rPr lang="fr-FR" sz="1400" dirty="0" smtClean="0">
+                <a:solidFill>
+                  <a:srgbClr val="000000"/>
+                </a:solidFill>
+                <a:latin typeface="CMU Sans Serif" panose="02000603000000000000" pitchFamily="2" charset="0"/>
+                <a:ea typeface="CMU Sans Serif" panose="02000603000000000000" pitchFamily="2" charset="0"/>
+                <a:cs typeface="CMU Sans Serif" panose="02000603000000000000" pitchFamily="2" charset="0"/>
+              </a:rPr>
+              <a:t>App2</a:t>
+            </a:r>
+            <a:endParaRPr lang="fr-FR" sz="1400" dirty="0" smtClean="0">
+              <a:solidFill>
+                <a:srgbClr val="000000"/>
+              </a:solidFill>
+              <a:latin typeface="CMU Sans Serif" panose="02000603000000000000" pitchFamily="2" charset="0"/>
+              <a:ea typeface="CMU Sans Serif" panose="02000603000000000000" pitchFamily="2" charset="0"/>
+              <a:cs typeface="CMU Sans Serif" panose="02000603000000000000" pitchFamily="2" charset="0"/>
+            </a:endParaRPr>
+          </a:p>
+        </p:txBody>
+      </p:sp>
+      <p:sp>
+        <p:nvSpPr>
+          <p:cNvPr id="59" name="Rectangle 58"/>
+          <p:cNvSpPr/>
+          <p:nvPr/>
+        </p:nvSpPr>
+        <p:spPr>
+          <a:xfrm>
+            <a:off x="1489664" y="2354090"/>
+            <a:ext cx="900000" cy="582855"/>
+          </a:xfrm>
+          <a:prstGeom prst="rect">
+            <a:avLst/>
+          </a:prstGeom>
+          <a:solidFill>
+            <a:schemeClr val="bg1">
+              <a:lumMod val="75000"/>
             </a:schemeClr>
           </a:solidFill>
           <a:ln>
@@ -7947,44 +9060,119 @@
           <a:p>
             <a:pPr algn="ctr"/>
             <a:r>
+              <a:rPr lang="fr-FR" sz="1400" dirty="0" err="1" smtClean="0">
+                <a:solidFill>
+                  <a:srgbClr val="000000"/>
+                </a:solidFill>
+                <a:latin typeface="CMU Sans Serif" panose="02000603000000000000" pitchFamily="2" charset="0"/>
+                <a:ea typeface="CMU Sans Serif" panose="02000603000000000000" pitchFamily="2" charset="0"/>
+                <a:cs typeface="CMU Sans Serif" panose="02000603000000000000" pitchFamily="2" charset="0"/>
+              </a:rPr>
+              <a:t>Virt</a:t>
+            </a:r>
+            <a:r>
               <a:rPr lang="fr-FR" sz="1400" dirty="0" smtClean="0">
                 <a:solidFill>
                   <a:srgbClr val="000000"/>
                 </a:solidFill>
-              </a:rPr>
-              <a:t>AM</a:t>
+                <a:latin typeface="CMU Sans Serif" panose="02000603000000000000" pitchFamily="2" charset="0"/>
+                <a:ea typeface="CMU Sans Serif" panose="02000603000000000000" pitchFamily="2" charset="0"/>
+                <a:cs typeface="CMU Sans Serif" panose="02000603000000000000" pitchFamily="2" charset="0"/>
+              </a:rPr>
+              <a:t> NW</a:t>
+            </a:r>
+            <a:r>
+              <a:rPr lang="fr-FR" sz="1400" dirty="0" smtClean="0">
+                <a:solidFill>
+                  <a:srgbClr val="000000"/>
+                </a:solidFill>
+                <a:latin typeface="CMU Sans Serif" panose="02000603000000000000" pitchFamily="2" charset="0"/>
+                <a:ea typeface="CMU Sans Serif" panose="02000603000000000000" pitchFamily="2" charset="0"/>
+                <a:cs typeface="CMU Sans Serif" panose="02000603000000000000" pitchFamily="2" charset="0"/>
+              </a:rPr>
+              <a:t> Mgr</a:t>
             </a:r>
             <a:endParaRPr lang="fr-FR" sz="1400" dirty="0" smtClean="0">
               <a:solidFill>
                 <a:srgbClr val="000000"/>
               </a:solidFill>
+              <a:latin typeface="CMU Sans Serif" panose="02000603000000000000" pitchFamily="2" charset="0"/>
+              <a:ea typeface="CMU Sans Serif" panose="02000603000000000000" pitchFamily="2" charset="0"/>
+              <a:cs typeface="CMU Sans Serif" panose="02000603000000000000" pitchFamily="2" charset="0"/>
             </a:endParaRPr>
           </a:p>
         </p:txBody>
       </p:sp>
       <p:sp>
         <p:nvSpPr>
-          <p:cNvPr id="54" name="Rectangle 53"/>
+          <p:cNvPr id="73" name="Rectangle 72"/>
           <p:cNvSpPr/>
           <p:nvPr/>
         </p:nvSpPr>
         <p:spPr>
           <a:xfrm>
-            <a:off x="2687856" y="915566"/>
-            <a:ext cx="827992" cy="720080"/>
+            <a:off x="6861560" y="1684363"/>
+            <a:ext cx="1962983" cy="1542345"/>
           </a:xfrm>
           <a:prstGeom prst="rect">
             <a:avLst/>
           </a:prstGeom>
-          <a:solidFill>
-            <a:schemeClr val="bg1">
-              <a:lumMod val="85000"/>
-            </a:schemeClr>
-          </a:solidFill>
+          <a:noFill/>
+          <a:ln>
+            <a:solidFill>
+              <a:schemeClr val="tx1"/>
+            </a:solidFill>
+          </a:ln>
+        </p:spPr>
+        <p:style>
+          <a:lnRef idx="2">
+            <a:schemeClr val="accent1">
+              <a:shade val="50000"/>
+            </a:schemeClr>
+          </a:lnRef>
+          <a:fillRef idx="1">
+            <a:schemeClr val="accent1"/>
+          </a:fillRef>
+          <a:effectRef idx="0">
+            <a:schemeClr val="accent1"/>
+          </a:effectRef>
+          <a:fontRef idx="minor">
+            <a:schemeClr val="lt1"/>
+          </a:fontRef>
+        </p:style>
+        <p:txBody>
+          <a:bodyPr rtlCol="0" anchor="ctr"/>
+          <a:lstStyle/>
+          <a:p>
+            <a:pPr algn="ctr"/>
+            <a:endParaRPr lang="fr-FR" sz="1600" dirty="0" smtClean="0">
+              <a:solidFill>
+                <a:srgbClr val="000000"/>
+              </a:solidFill>
+            </a:endParaRPr>
+          </a:p>
+        </p:txBody>
+      </p:sp>
+      <p:sp>
+        <p:nvSpPr>
+          <p:cNvPr id="74" name="Rectangle 73"/>
+          <p:cNvSpPr/>
+          <p:nvPr/>
+        </p:nvSpPr>
+        <p:spPr>
+          <a:xfrm>
+            <a:off x="6896252" y="2879375"/>
+            <a:ext cx="1861840" cy="288000"/>
+          </a:xfrm>
+          <a:prstGeom prst="rect">
+            <a:avLst/>
+          </a:prstGeom>
+          <a:noFill/>
           <a:ln>
             <a:solidFill>
               <a:srgbClr val="000000"/>
             </a:solidFill>
+            <a:prstDash val="sysDot"/>
           </a:ln>
         </p:spPr>
         <p:style>
@@ -8013,40 +9201,65 @@
                 <a:solidFill>
                   <a:srgbClr val="000000"/>
                 </a:solidFill>
-              </a:rPr>
-              <a:t>VSM</a:t>
+                <a:latin typeface="CMU Sans Serif" panose="02000603000000000000" pitchFamily="2" charset="0"/>
+                <a:ea typeface="CMU Sans Serif" panose="02000603000000000000" pitchFamily="2" charset="0"/>
+                <a:cs typeface="CMU Sans Serif" panose="02000603000000000000" pitchFamily="2" charset="0"/>
+              </a:rPr>
+              <a:t>Int. </a:t>
+            </a:r>
+            <a:r>
+              <a:rPr lang="fr-FR" sz="1400" dirty="0" err="1" smtClean="0">
+                <a:solidFill>
+                  <a:srgbClr val="000000"/>
+                </a:solidFill>
+                <a:latin typeface="CMU Sans Serif" panose="02000603000000000000" pitchFamily="2" charset="0"/>
+                <a:ea typeface="CMU Sans Serif" panose="02000603000000000000" pitchFamily="2" charset="0"/>
+                <a:cs typeface="CMU Sans Serif" panose="02000603000000000000" pitchFamily="2" charset="0"/>
+              </a:rPr>
+              <a:t>Comm</a:t>
+            </a:r>
+            <a:r>
+              <a:rPr lang="fr-FR" sz="1400" dirty="0" smtClean="0">
+                <a:solidFill>
+                  <a:srgbClr val="000000"/>
+                </a:solidFill>
+                <a:latin typeface="CMU Sans Serif" panose="02000603000000000000" pitchFamily="2" charset="0"/>
+                <a:ea typeface="CMU Sans Serif" panose="02000603000000000000" pitchFamily="2" charset="0"/>
+                <a:cs typeface="CMU Sans Serif" panose="02000603000000000000" pitchFamily="2" charset="0"/>
+              </a:rPr>
+              <a:t>.</a:t>
             </a:r>
             <a:endParaRPr lang="fr-FR" sz="1400" dirty="0" smtClean="0">
               <a:solidFill>
                 <a:srgbClr val="000000"/>
               </a:solidFill>
+              <a:latin typeface="CMU Sans Serif" panose="02000603000000000000" pitchFamily="2" charset="0"/>
+              <a:ea typeface="CMU Sans Serif" panose="02000603000000000000" pitchFamily="2" charset="0"/>
+              <a:cs typeface="CMU Sans Serif" panose="02000603000000000000" pitchFamily="2" charset="0"/>
             </a:endParaRPr>
           </a:p>
         </p:txBody>
       </p:sp>
       <p:sp>
         <p:nvSpPr>
-          <p:cNvPr id="55" name="Rectangle 54"/>
+          <p:cNvPr id="75" name="Rectangle 74"/>
           <p:cNvSpPr/>
           <p:nvPr/>
         </p:nvSpPr>
         <p:spPr>
           <a:xfrm>
-            <a:off x="3623960" y="915566"/>
-            <a:ext cx="936104" cy="720080"/>
+            <a:off x="7666284" y="2101895"/>
+            <a:ext cx="1091808" cy="720000"/>
           </a:xfrm>
           <a:prstGeom prst="rect">
             <a:avLst/>
           </a:prstGeom>
-          <a:solidFill>
-            <a:schemeClr val="bg1">
-              <a:lumMod val="85000"/>
-            </a:schemeClr>
-          </a:solidFill>
+          <a:noFill/>
           <a:ln>
             <a:solidFill>
               <a:srgbClr val="000000"/>
             </a:solidFill>
+            <a:prstDash val="sysDot"/>
           </a:ln>
         </p:spPr>
         <p:style>
@@ -8071,355 +9284,69 @@
           <a:p>
             <a:pPr algn="ctr"/>
             <a:r>
+              <a:rPr lang="fr-FR" sz="1400" dirty="0" err="1" smtClean="0">
+                <a:solidFill>
+                  <a:srgbClr val="000000"/>
+                </a:solidFill>
+                <a:latin typeface="CMU Sans Serif" panose="02000603000000000000" pitchFamily="2" charset="0"/>
+                <a:ea typeface="CMU Sans Serif" panose="02000603000000000000" pitchFamily="2" charset="0"/>
+                <a:cs typeface="CMU Sans Serif" panose="02000603000000000000" pitchFamily="2" charset="0"/>
+              </a:rPr>
+              <a:t>Token</a:t>
+            </a:r>
+            <a:r>
               <a:rPr lang="fr-FR" sz="1400" dirty="0" smtClean="0">
                 <a:solidFill>
                   <a:srgbClr val="000000"/>
                 </a:solidFill>
-              </a:rPr>
-              <a:t>VAM</a:t>
+                <a:latin typeface="CMU Sans Serif" panose="02000603000000000000" pitchFamily="2" charset="0"/>
+                <a:ea typeface="CMU Sans Serif" panose="02000603000000000000" pitchFamily="2" charset="0"/>
+                <a:cs typeface="CMU Sans Serif" panose="02000603000000000000" pitchFamily="2" charset="0"/>
+              </a:rPr>
+              <a:t> &amp; Security </a:t>
+            </a:r>
+            <a:r>
+              <a:rPr lang="fr-FR" sz="1400" dirty="0" err="1" smtClean="0">
+                <a:solidFill>
+                  <a:srgbClr val="000000"/>
+                </a:solidFill>
+                <a:latin typeface="CMU Sans Serif" panose="02000603000000000000" pitchFamily="2" charset="0"/>
+                <a:ea typeface="CMU Sans Serif" panose="02000603000000000000" pitchFamily="2" charset="0"/>
+                <a:cs typeface="CMU Sans Serif" panose="02000603000000000000" pitchFamily="2" charset="0"/>
+              </a:rPr>
+              <a:t>Validator</a:t>
             </a:r>
             <a:endParaRPr lang="fr-FR" sz="1400" dirty="0" smtClean="0">
               <a:solidFill>
                 <a:srgbClr val="000000"/>
               </a:solidFill>
+              <a:latin typeface="CMU Sans Serif" panose="02000603000000000000" pitchFamily="2" charset="0"/>
+              <a:ea typeface="CMU Sans Serif" panose="02000603000000000000" pitchFamily="2" charset="0"/>
+              <a:cs typeface="CMU Sans Serif" panose="02000603000000000000" pitchFamily="2" charset="0"/>
             </a:endParaRPr>
           </a:p>
         </p:txBody>
       </p:sp>
       <p:sp>
         <p:nvSpPr>
-          <p:cNvPr id="56" name="Rectangle 55"/>
+          <p:cNvPr id="76" name="Rectangle 75"/>
           <p:cNvSpPr/>
           <p:nvPr/>
         </p:nvSpPr>
         <p:spPr>
           <a:xfrm>
-            <a:off x="629216" y="1563702"/>
-            <a:ext cx="881948" cy="576000"/>
-          </a:xfrm>
-          <a:prstGeom prst="rect">
-            <a:avLst/>
-          </a:prstGeom>
-          <a:solidFill>
-            <a:schemeClr val="bg1">
-              <a:lumMod val="75000"/>
-            </a:schemeClr>
-          </a:solidFill>
-          <a:ln>
-            <a:solidFill>
-              <a:srgbClr val="000000"/>
-            </a:solidFill>
-          </a:ln>
-        </p:spPr>
-        <p:style>
-          <a:lnRef idx="2">
-            <a:schemeClr val="accent3">
-              <a:shade val="50000"/>
-            </a:schemeClr>
-          </a:lnRef>
-          <a:fillRef idx="1">
-            <a:schemeClr val="accent3"/>
-          </a:fillRef>
-          <a:effectRef idx="0">
-            <a:schemeClr val="accent3"/>
-          </a:effectRef>
-          <a:fontRef idx="minor">
-            <a:schemeClr val="lt1"/>
-          </a:fontRef>
-        </p:style>
-        <p:txBody>
-          <a:bodyPr rtlCol="0" anchor="ctr"/>
-          <a:lstStyle/>
-          <a:p>
-            <a:pPr algn="ctr"/>
-            <a:r>
-              <a:rPr lang="fr-FR" sz="1400" dirty="0" smtClean="0">
-                <a:solidFill>
-                  <a:srgbClr val="000000"/>
-                </a:solidFill>
-              </a:rPr>
-              <a:t>AD</a:t>
-            </a:r>
-            <a:endParaRPr lang="fr-FR" sz="1400" dirty="0" smtClean="0">
-              <a:solidFill>
-                <a:srgbClr val="000000"/>
-              </a:solidFill>
-            </a:endParaRPr>
-          </a:p>
-        </p:txBody>
-      </p:sp>
-      <p:sp>
-        <p:nvSpPr>
-          <p:cNvPr id="57" name="Rectangle 56"/>
-          <p:cNvSpPr/>
-          <p:nvPr/>
-        </p:nvSpPr>
-        <p:spPr>
-          <a:xfrm>
-            <a:off x="646368" y="2211774"/>
-            <a:ext cx="882848" cy="576000"/>
-          </a:xfrm>
-          <a:prstGeom prst="rect">
-            <a:avLst/>
-          </a:prstGeom>
-          <a:solidFill>
-            <a:schemeClr val="bg1">
-              <a:lumMod val="75000"/>
-            </a:schemeClr>
-          </a:solidFill>
-          <a:ln>
-            <a:solidFill>
-              <a:srgbClr val="000000"/>
-            </a:solidFill>
-          </a:ln>
-        </p:spPr>
-        <p:style>
-          <a:lnRef idx="2">
-            <a:schemeClr val="accent3">
-              <a:shade val="50000"/>
-            </a:schemeClr>
-          </a:lnRef>
-          <a:fillRef idx="1">
-            <a:schemeClr val="accent3"/>
-          </a:fillRef>
-          <a:effectRef idx="0">
-            <a:schemeClr val="accent3"/>
-          </a:effectRef>
-          <a:fontRef idx="minor">
-            <a:schemeClr val="lt1"/>
-          </a:fontRef>
-        </p:style>
-        <p:txBody>
-          <a:bodyPr rtlCol="0" anchor="ctr"/>
-          <a:lstStyle/>
-          <a:p>
-            <a:pPr algn="ctr"/>
-            <a:r>
-              <a:rPr lang="fr-FR" sz="1400" dirty="0" smtClean="0">
-                <a:solidFill>
-                  <a:srgbClr val="000000"/>
-                </a:solidFill>
-              </a:rPr>
-              <a:t>NWM</a:t>
-            </a:r>
-            <a:endParaRPr lang="fr-FR" sz="1400" dirty="0" smtClean="0">
-              <a:solidFill>
-                <a:srgbClr val="000000"/>
-              </a:solidFill>
-            </a:endParaRPr>
-          </a:p>
-        </p:txBody>
-      </p:sp>
-      <p:sp>
-        <p:nvSpPr>
-          <p:cNvPr id="58" name="Rectangle 57"/>
-          <p:cNvSpPr/>
-          <p:nvPr/>
-        </p:nvSpPr>
-        <p:spPr>
-          <a:xfrm>
-            <a:off x="4725766" y="2571782"/>
+            <a:off x="6896252" y="1751975"/>
             <a:ext cx="1861840" cy="288000"/>
           </a:xfrm>
           <a:prstGeom prst="rect">
             <a:avLst/>
           </a:prstGeom>
-          <a:solidFill>
-            <a:schemeClr val="bg1">
-              <a:lumMod val="95000"/>
-            </a:schemeClr>
-          </a:solidFill>
-          <a:ln>
-            <a:solidFill>
-              <a:srgbClr val="000000"/>
-            </a:solidFill>
-          </a:ln>
-        </p:spPr>
-        <p:style>
-          <a:lnRef idx="2">
-            <a:schemeClr val="accent4">
-              <a:shade val="50000"/>
-            </a:schemeClr>
-          </a:lnRef>
-          <a:fillRef idx="1">
-            <a:schemeClr val="accent4"/>
-          </a:fillRef>
-          <a:effectRef idx="0">
-            <a:schemeClr val="accent4"/>
-          </a:effectRef>
-          <a:fontRef idx="minor">
-            <a:schemeClr val="lt1"/>
-          </a:fontRef>
-        </p:style>
-        <p:txBody>
-          <a:bodyPr rtlCol="0" anchor="ctr"/>
-          <a:lstStyle/>
-          <a:p>
-            <a:pPr algn="ctr"/>
-            <a:r>
-              <a:rPr lang="fr-FR" sz="1400" dirty="0" smtClean="0">
-                <a:solidFill>
-                  <a:srgbClr val="000000"/>
-                </a:solidFill>
-              </a:rPr>
-              <a:t>IC</a:t>
-            </a:r>
-            <a:endParaRPr lang="fr-FR" sz="1400" dirty="0">
-              <a:solidFill>
-                <a:srgbClr val="000000"/>
-              </a:solidFill>
-            </a:endParaRPr>
-          </a:p>
-        </p:txBody>
-      </p:sp>
-      <p:sp>
-        <p:nvSpPr>
-          <p:cNvPr id="61" name="Rectangle 60"/>
-          <p:cNvSpPr/>
-          <p:nvPr/>
-        </p:nvSpPr>
-        <p:spPr>
-          <a:xfrm>
-            <a:off x="6876390" y="2571782"/>
-            <a:ext cx="1861840" cy="288000"/>
-          </a:xfrm>
-          <a:prstGeom prst="rect">
-            <a:avLst/>
-          </a:prstGeom>
-          <a:solidFill>
-            <a:schemeClr val="bg1">
-              <a:lumMod val="95000"/>
-            </a:schemeClr>
-          </a:solidFill>
-          <a:ln>
-            <a:solidFill>
-              <a:srgbClr val="000000"/>
-            </a:solidFill>
-          </a:ln>
-        </p:spPr>
-        <p:style>
-          <a:lnRef idx="2">
-            <a:schemeClr val="accent5">
-              <a:shade val="50000"/>
-            </a:schemeClr>
-          </a:lnRef>
-          <a:fillRef idx="1">
-            <a:schemeClr val="accent5"/>
-          </a:fillRef>
-          <a:effectRef idx="0">
-            <a:schemeClr val="accent5"/>
-          </a:effectRef>
-          <a:fontRef idx="minor">
-            <a:schemeClr val="lt1"/>
-          </a:fontRef>
-        </p:style>
-        <p:txBody>
-          <a:bodyPr rtlCol="0" anchor="ctr"/>
-          <a:lstStyle/>
-          <a:p>
-            <a:pPr algn="ctr"/>
-            <a:r>
-              <a:rPr lang="fr-FR" sz="1400" dirty="0" smtClean="0">
-                <a:solidFill>
-                  <a:srgbClr val="000000"/>
-                </a:solidFill>
-              </a:rPr>
-              <a:t>IC</a:t>
-            </a:r>
-            <a:endParaRPr lang="fr-FR" sz="1400" dirty="0">
-              <a:solidFill>
-                <a:srgbClr val="000000"/>
-              </a:solidFill>
-            </a:endParaRPr>
-          </a:p>
-        </p:txBody>
-      </p:sp>
-      <p:sp>
-        <p:nvSpPr>
-          <p:cNvPr id="62" name="Rectangle 61"/>
-          <p:cNvSpPr/>
-          <p:nvPr/>
-        </p:nvSpPr>
-        <p:spPr>
-          <a:xfrm>
-            <a:off x="691264" y="3024664"/>
-            <a:ext cx="1800000" cy="288000"/>
-          </a:xfrm>
-          <a:prstGeom prst="rect">
-            <a:avLst/>
-          </a:prstGeom>
-          <a:solidFill>
-            <a:schemeClr val="bg1">
-              <a:lumMod val="75000"/>
-            </a:schemeClr>
-          </a:solidFill>
+          <a:noFill/>
           <a:ln>
             <a:solidFill>
               <a:srgbClr val="000000"/>
             </a:solidFill>
             <a:prstDash val="sysDot"/>
-          </a:ln>
-        </p:spPr>
-        <p:style>
-          <a:lnRef idx="2">
-            <a:schemeClr val="accent3">
-              <a:shade val="50000"/>
-            </a:schemeClr>
-          </a:lnRef>
-          <a:fillRef idx="1">
-            <a:schemeClr val="accent3"/>
-          </a:fillRef>
-          <a:effectRef idx="0">
-            <a:schemeClr val="accent3"/>
-          </a:effectRef>
-          <a:fontRef idx="minor">
-            <a:schemeClr val="lt1"/>
-          </a:fontRef>
-        </p:style>
-        <p:txBody>
-          <a:bodyPr rtlCol="0" anchor="ctr"/>
-          <a:lstStyle/>
-          <a:p>
-            <a:pPr algn="ctr"/>
-            <a:r>
-              <a:rPr lang="fr-FR" sz="1400" dirty="0" err="1" smtClean="0">
-                <a:solidFill>
-                  <a:srgbClr val="000000"/>
-                </a:solidFill>
-              </a:rPr>
-              <a:t>Scheduler</a:t>
-            </a:r>
-            <a:endParaRPr lang="fr-FR" sz="1400" dirty="0" smtClean="0">
-              <a:solidFill>
-                <a:srgbClr val="000000"/>
-              </a:solidFill>
-            </a:endParaRPr>
-          </a:p>
-        </p:txBody>
-      </p:sp>
-      <p:sp>
-        <p:nvSpPr>
-          <p:cNvPr id="63" name="Rectangle 62"/>
-          <p:cNvSpPr/>
-          <p:nvPr/>
-        </p:nvSpPr>
-        <p:spPr>
-          <a:xfrm>
-            <a:off x="2693040" y="2139702"/>
-            <a:ext cx="714896" cy="360000"/>
-          </a:xfrm>
-          <a:prstGeom prst="rect">
-            <a:avLst/>
-          </a:prstGeom>
-          <a:solidFill>
-            <a:schemeClr val="bg1">
-              <a:lumMod val="85000"/>
-            </a:schemeClr>
-          </a:solidFill>
-          <a:ln>
-            <a:solidFill>
-              <a:srgbClr val="000000"/>
-            </a:solidFill>
           </a:ln>
         </p:spPr>
         <p:style>
@@ -8448,40 +9375,43 @@
                 <a:solidFill>
                   <a:srgbClr val="000000"/>
                 </a:solidFill>
-              </a:rPr>
-              <a:t>KV</a:t>
+                <a:latin typeface="CMU Sans Serif" panose="02000603000000000000" pitchFamily="2" charset="0"/>
+                <a:ea typeface="CMU Sans Serif" panose="02000603000000000000" pitchFamily="2" charset="0"/>
+                <a:cs typeface="CMU Sans Serif" panose="02000603000000000000" pitchFamily="2" charset="0"/>
+              </a:rPr>
+              <a:t>Admin Mgr</a:t>
             </a:r>
             <a:endParaRPr lang="fr-FR" sz="1400" dirty="0" smtClean="0">
               <a:solidFill>
                 <a:srgbClr val="000000"/>
               </a:solidFill>
+              <a:latin typeface="CMU Sans Serif" panose="02000603000000000000" pitchFamily="2" charset="0"/>
+              <a:ea typeface="CMU Sans Serif" panose="02000603000000000000" pitchFamily="2" charset="0"/>
+              <a:cs typeface="CMU Sans Serif" panose="02000603000000000000" pitchFamily="2" charset="0"/>
             </a:endParaRPr>
           </a:p>
         </p:txBody>
       </p:sp>
       <p:sp>
         <p:nvSpPr>
-          <p:cNvPr id="64" name="Rectangle 63"/>
+          <p:cNvPr id="77" name="Rectangle 76"/>
           <p:cNvSpPr/>
           <p:nvPr/>
         </p:nvSpPr>
         <p:spPr>
           <a:xfrm>
-            <a:off x="5495798" y="2139702"/>
-            <a:ext cx="1091808" cy="360000"/>
+            <a:off x="6896252" y="2091695"/>
+            <a:ext cx="714896" cy="720000"/>
           </a:xfrm>
           <a:prstGeom prst="rect">
             <a:avLst/>
           </a:prstGeom>
-          <a:solidFill>
-            <a:schemeClr val="bg1">
-              <a:lumMod val="95000"/>
-            </a:schemeClr>
-          </a:solidFill>
+          <a:noFill/>
           <a:ln>
             <a:solidFill>
               <a:srgbClr val="000000"/>
             </a:solidFill>
+            <a:prstDash val="sysDot"/>
           </a:ln>
         </p:spPr>
         <p:style>
@@ -8510,40 +9440,104 @@
                 <a:solidFill>
                   <a:srgbClr val="000000"/>
                 </a:solidFill>
-              </a:rPr>
-              <a:t>TSV</a:t>
+                <a:latin typeface="CMU Sans Serif" panose="02000603000000000000" pitchFamily="2" charset="0"/>
+                <a:ea typeface="CMU Sans Serif" panose="02000603000000000000" pitchFamily="2" charset="0"/>
+                <a:cs typeface="CMU Sans Serif" panose="02000603000000000000" pitchFamily="2" charset="0"/>
+              </a:rPr>
+              <a:t>Key </a:t>
+            </a:r>
+            <a:r>
+              <a:rPr lang="fr-FR" sz="1400" dirty="0" err="1" smtClean="0">
+                <a:solidFill>
+                  <a:srgbClr val="000000"/>
+                </a:solidFill>
+                <a:latin typeface="CMU Sans Serif" panose="02000603000000000000" pitchFamily="2" charset="0"/>
+                <a:ea typeface="CMU Sans Serif" panose="02000603000000000000" pitchFamily="2" charset="0"/>
+                <a:cs typeface="CMU Sans Serif" panose="02000603000000000000" pitchFamily="2" charset="0"/>
+              </a:rPr>
+              <a:t>Vault</a:t>
             </a:r>
             <a:endParaRPr lang="fr-FR" sz="1400" dirty="0" smtClean="0">
               <a:solidFill>
                 <a:srgbClr val="000000"/>
               </a:solidFill>
+              <a:latin typeface="CMU Sans Serif" panose="02000603000000000000" pitchFamily="2" charset="0"/>
+              <a:ea typeface="CMU Sans Serif" panose="02000603000000000000" pitchFamily="2" charset="0"/>
+              <a:cs typeface="CMU Sans Serif" panose="02000603000000000000" pitchFamily="2" charset="0"/>
             </a:endParaRPr>
           </a:p>
         </p:txBody>
       </p:sp>
       <p:sp>
         <p:nvSpPr>
-          <p:cNvPr id="67" name="Rectangle 66"/>
+          <p:cNvPr id="78" name="Rectangle 77"/>
           <p:cNvSpPr/>
           <p:nvPr/>
         </p:nvSpPr>
         <p:spPr>
           <a:xfrm>
-            <a:off x="4725766" y="2139702"/>
-            <a:ext cx="714896" cy="360000"/>
+            <a:off x="4706516" y="1670031"/>
+            <a:ext cx="1962983" cy="1542345"/>
           </a:xfrm>
           <a:prstGeom prst="rect">
             <a:avLst/>
           </a:prstGeom>
-          <a:solidFill>
-            <a:schemeClr val="bg1">
-              <a:lumMod val="95000"/>
-            </a:schemeClr>
-          </a:solidFill>
+          <a:noFill/>
+          <a:ln>
+            <a:solidFill>
+              <a:schemeClr val="tx1"/>
+            </a:solidFill>
+          </a:ln>
+        </p:spPr>
+        <p:style>
+          <a:lnRef idx="2">
+            <a:schemeClr val="accent1">
+              <a:shade val="50000"/>
+            </a:schemeClr>
+          </a:lnRef>
+          <a:fillRef idx="1">
+            <a:schemeClr val="accent1"/>
+          </a:fillRef>
+          <a:effectRef idx="0">
+            <a:schemeClr val="accent1"/>
+          </a:effectRef>
+          <a:fontRef idx="minor">
+            <a:schemeClr val="lt1"/>
+          </a:fontRef>
+        </p:style>
+        <p:txBody>
+          <a:bodyPr rtlCol="0" anchor="ctr"/>
+          <a:lstStyle/>
+          <a:p>
+            <a:pPr algn="ctr"/>
+            <a:endParaRPr lang="fr-FR" sz="1600" dirty="0" smtClean="0">
+              <a:solidFill>
+                <a:srgbClr val="000000"/>
+              </a:solidFill>
+            </a:endParaRPr>
+          </a:p>
+        </p:txBody>
+      </p:sp>
+      <p:sp>
+        <p:nvSpPr>
+          <p:cNvPr id="79" name="Rectangle 78"/>
+          <p:cNvSpPr/>
+          <p:nvPr/>
+        </p:nvSpPr>
+        <p:spPr>
+          <a:xfrm>
+            <a:off x="4741208" y="2865043"/>
+            <a:ext cx="1861840" cy="288000"/>
+          </a:xfrm>
+          <a:prstGeom prst="rect">
+            <a:avLst/>
+          </a:prstGeom>
+          <a:noFill/>
           <a:ln>
             <a:solidFill>
               <a:srgbClr val="000000"/>
             </a:solidFill>
+            <a:prstDash val="sysDot"/>
           </a:ln>
         </p:spPr>
         <p:style>
@@ -8572,53 +9566,78 @@
                 <a:solidFill>
                   <a:srgbClr val="000000"/>
                 </a:solidFill>
-              </a:rPr>
-              <a:t>KV</a:t>
+                <a:latin typeface="CMU Sans Serif" panose="02000603000000000000" pitchFamily="2" charset="0"/>
+                <a:ea typeface="CMU Sans Serif" panose="02000603000000000000" pitchFamily="2" charset="0"/>
+                <a:cs typeface="CMU Sans Serif" panose="02000603000000000000" pitchFamily="2" charset="0"/>
+              </a:rPr>
+              <a:t>Int. </a:t>
+            </a:r>
+            <a:r>
+              <a:rPr lang="fr-FR" sz="1400" dirty="0" err="1" smtClean="0">
+                <a:solidFill>
+                  <a:srgbClr val="000000"/>
+                </a:solidFill>
+                <a:latin typeface="CMU Sans Serif" panose="02000603000000000000" pitchFamily="2" charset="0"/>
+                <a:ea typeface="CMU Sans Serif" panose="02000603000000000000" pitchFamily="2" charset="0"/>
+                <a:cs typeface="CMU Sans Serif" panose="02000603000000000000" pitchFamily="2" charset="0"/>
+              </a:rPr>
+              <a:t>Comm</a:t>
+            </a:r>
+            <a:r>
+              <a:rPr lang="fr-FR" sz="1400" dirty="0" smtClean="0">
+                <a:solidFill>
+                  <a:srgbClr val="000000"/>
+                </a:solidFill>
+                <a:latin typeface="CMU Sans Serif" panose="02000603000000000000" pitchFamily="2" charset="0"/>
+                <a:ea typeface="CMU Sans Serif" panose="02000603000000000000" pitchFamily="2" charset="0"/>
+                <a:cs typeface="CMU Sans Serif" panose="02000603000000000000" pitchFamily="2" charset="0"/>
+              </a:rPr>
+              <a:t>.</a:t>
             </a:r>
             <a:endParaRPr lang="fr-FR" sz="1400" dirty="0" smtClean="0">
               <a:solidFill>
                 <a:srgbClr val="000000"/>
               </a:solidFill>
+              <a:latin typeface="CMU Sans Serif" panose="02000603000000000000" pitchFamily="2" charset="0"/>
+              <a:ea typeface="CMU Sans Serif" panose="02000603000000000000" pitchFamily="2" charset="0"/>
+              <a:cs typeface="CMU Sans Serif" panose="02000603000000000000" pitchFamily="2" charset="0"/>
             </a:endParaRPr>
           </a:p>
         </p:txBody>
       </p:sp>
       <p:sp>
         <p:nvSpPr>
-          <p:cNvPr id="70" name="Rectangle 69"/>
+          <p:cNvPr id="80" name="Rectangle 79"/>
           <p:cNvSpPr/>
           <p:nvPr/>
         </p:nvSpPr>
         <p:spPr>
           <a:xfrm>
-            <a:off x="7646422" y="2145441"/>
-            <a:ext cx="1091808" cy="360000"/>
+            <a:off x="5511240" y="2087563"/>
+            <a:ext cx="1091808" cy="720000"/>
           </a:xfrm>
           <a:prstGeom prst="rect">
             <a:avLst/>
           </a:prstGeom>
-          <a:solidFill>
-            <a:schemeClr val="bg1">
-              <a:lumMod val="95000"/>
-            </a:schemeClr>
-          </a:solidFill>
+          <a:noFill/>
           <a:ln>
             <a:solidFill>
               <a:srgbClr val="000000"/>
             </a:solidFill>
+            <a:prstDash val="sysDot"/>
           </a:ln>
         </p:spPr>
         <p:style>
           <a:lnRef idx="2">
-            <a:schemeClr val="accent5">
+            <a:schemeClr val="accent2">
               <a:shade val="50000"/>
             </a:schemeClr>
           </a:lnRef>
           <a:fillRef idx="1">
-            <a:schemeClr val="accent5"/>
+            <a:schemeClr val="accent2"/>
           </a:fillRef>
           <a:effectRef idx="0">
-            <a:schemeClr val="accent5"/>
+            <a:schemeClr val="accent2"/>
           </a:effectRef>
           <a:fontRef idx="minor">
             <a:schemeClr val="lt1"/>
@@ -8630,57 +9649,82 @@
           <a:p>
             <a:pPr algn="ctr"/>
             <a:r>
+              <a:rPr lang="fr-FR" sz="1400" dirty="0" err="1" smtClean="0">
+                <a:solidFill>
+                  <a:srgbClr val="000000"/>
+                </a:solidFill>
+                <a:latin typeface="CMU Sans Serif" panose="02000603000000000000" pitchFamily="2" charset="0"/>
+                <a:ea typeface="CMU Sans Serif" panose="02000603000000000000" pitchFamily="2" charset="0"/>
+                <a:cs typeface="CMU Sans Serif" panose="02000603000000000000" pitchFamily="2" charset="0"/>
+              </a:rPr>
+              <a:t>Token</a:t>
+            </a:r>
+            <a:r>
               <a:rPr lang="fr-FR" sz="1400" dirty="0" smtClean="0">
                 <a:solidFill>
                   <a:srgbClr val="000000"/>
                 </a:solidFill>
-              </a:rPr>
-              <a:t>TSV</a:t>
+                <a:latin typeface="CMU Sans Serif" panose="02000603000000000000" pitchFamily="2" charset="0"/>
+                <a:ea typeface="CMU Sans Serif" panose="02000603000000000000" pitchFamily="2" charset="0"/>
+                <a:cs typeface="CMU Sans Serif" panose="02000603000000000000" pitchFamily="2" charset="0"/>
+              </a:rPr>
+              <a:t> &amp; Security </a:t>
+            </a:r>
+            <a:r>
+              <a:rPr lang="fr-FR" sz="1400" dirty="0" err="1" smtClean="0">
+                <a:solidFill>
+                  <a:srgbClr val="000000"/>
+                </a:solidFill>
+                <a:latin typeface="CMU Sans Serif" panose="02000603000000000000" pitchFamily="2" charset="0"/>
+                <a:ea typeface="CMU Sans Serif" panose="02000603000000000000" pitchFamily="2" charset="0"/>
+                <a:cs typeface="CMU Sans Serif" panose="02000603000000000000" pitchFamily="2" charset="0"/>
+              </a:rPr>
+              <a:t>Validator</a:t>
             </a:r>
             <a:endParaRPr lang="fr-FR" sz="1400" dirty="0" smtClean="0">
               <a:solidFill>
                 <a:srgbClr val="000000"/>
               </a:solidFill>
+              <a:latin typeface="CMU Sans Serif" panose="02000603000000000000" pitchFamily="2" charset="0"/>
+              <a:ea typeface="CMU Sans Serif" panose="02000603000000000000" pitchFamily="2" charset="0"/>
+              <a:cs typeface="CMU Sans Serif" panose="02000603000000000000" pitchFamily="2" charset="0"/>
             </a:endParaRPr>
           </a:p>
         </p:txBody>
       </p:sp>
       <p:sp>
         <p:nvSpPr>
-          <p:cNvPr id="71" name="Rectangle 70"/>
+          <p:cNvPr id="81" name="Rectangle 80"/>
           <p:cNvSpPr/>
           <p:nvPr/>
         </p:nvSpPr>
         <p:spPr>
           <a:xfrm>
-            <a:off x="6876390" y="2145441"/>
-            <a:ext cx="714896" cy="360000"/>
+            <a:off x="4741208" y="1737643"/>
+            <a:ext cx="1861840" cy="288000"/>
           </a:xfrm>
           <a:prstGeom prst="rect">
             <a:avLst/>
           </a:prstGeom>
-          <a:solidFill>
-            <a:schemeClr val="bg1">
-              <a:lumMod val="95000"/>
-            </a:schemeClr>
-          </a:solidFill>
+          <a:noFill/>
           <a:ln>
             <a:solidFill>
               <a:srgbClr val="000000"/>
             </a:solidFill>
+            <a:prstDash val="sysDot"/>
           </a:ln>
         </p:spPr>
         <p:style>
           <a:lnRef idx="2">
-            <a:schemeClr val="accent5">
+            <a:schemeClr val="accent2">
               <a:shade val="50000"/>
             </a:schemeClr>
           </a:lnRef>
           <a:fillRef idx="1">
-            <a:schemeClr val="accent5"/>
+            <a:schemeClr val="accent2"/>
           </a:fillRef>
           <a:effectRef idx="0">
-            <a:schemeClr val="accent5"/>
+            <a:schemeClr val="accent2"/>
           </a:effectRef>
           <a:fontRef idx="minor">
             <a:schemeClr val="lt1"/>
@@ -8696,53 +9740,56 @@
                 <a:solidFill>
                   <a:srgbClr val="000000"/>
                 </a:solidFill>
-              </a:rPr>
-              <a:t>KV</a:t>
+                <a:latin typeface="CMU Sans Serif" panose="02000603000000000000" pitchFamily="2" charset="0"/>
+                <a:ea typeface="CMU Sans Serif" panose="02000603000000000000" pitchFamily="2" charset="0"/>
+                <a:cs typeface="CMU Sans Serif" panose="02000603000000000000" pitchFamily="2" charset="0"/>
+              </a:rPr>
+              <a:t>Admin Mgr</a:t>
             </a:r>
             <a:endParaRPr lang="fr-FR" sz="1400" dirty="0" smtClean="0">
               <a:solidFill>
                 <a:srgbClr val="000000"/>
               </a:solidFill>
+              <a:latin typeface="CMU Sans Serif" panose="02000603000000000000" pitchFamily="2" charset="0"/>
+              <a:ea typeface="CMU Sans Serif" panose="02000603000000000000" pitchFamily="2" charset="0"/>
+              <a:cs typeface="CMU Sans Serif" panose="02000603000000000000" pitchFamily="2" charset="0"/>
             </a:endParaRPr>
           </a:p>
         </p:txBody>
       </p:sp>
       <p:sp>
         <p:nvSpPr>
-          <p:cNvPr id="82" name="Rectangle 81"/>
+          <p:cNvPr id="83" name="Rectangle 82"/>
           <p:cNvSpPr/>
           <p:nvPr/>
         </p:nvSpPr>
         <p:spPr>
           <a:xfrm>
-            <a:off x="1601424" y="2217513"/>
-            <a:ext cx="900000" cy="576000"/>
+            <a:off x="4741208" y="2077363"/>
+            <a:ext cx="714896" cy="720000"/>
           </a:xfrm>
           <a:prstGeom prst="rect">
             <a:avLst/>
           </a:prstGeom>
-          <a:solidFill>
-            <a:schemeClr val="bg1">
-              <a:lumMod val="75000"/>
-            </a:schemeClr>
-          </a:solidFill>
+          <a:noFill/>
           <a:ln>
             <a:solidFill>
               <a:srgbClr val="000000"/>
             </a:solidFill>
+            <a:prstDash val="sysDot"/>
           </a:ln>
         </p:spPr>
         <p:style>
           <a:lnRef idx="2">
-            <a:schemeClr val="accent3">
+            <a:schemeClr val="accent2">
               <a:shade val="50000"/>
             </a:schemeClr>
           </a:lnRef>
           <a:fillRef idx="1">
-            <a:schemeClr val="accent3"/>
+            <a:schemeClr val="accent2"/>
           </a:fillRef>
           <a:effectRef idx="0">
-            <a:schemeClr val="accent3"/>
+            <a:schemeClr val="accent2"/>
           </a:effectRef>
           <a:fontRef idx="minor">
             <a:schemeClr val="lt1"/>
@@ -8758,53 +9805,66 @@
                 <a:solidFill>
                   <a:srgbClr val="000000"/>
                 </a:solidFill>
-              </a:rPr>
-              <a:t>DM</a:t>
+                <a:latin typeface="CMU Sans Serif" panose="02000603000000000000" pitchFamily="2" charset="0"/>
+                <a:ea typeface="CMU Sans Serif" panose="02000603000000000000" pitchFamily="2" charset="0"/>
+                <a:cs typeface="CMU Sans Serif" panose="02000603000000000000" pitchFamily="2" charset="0"/>
+              </a:rPr>
+              <a:t>Key </a:t>
+            </a:r>
+            <a:r>
+              <a:rPr lang="fr-FR" sz="1400" dirty="0" err="1" smtClean="0">
+                <a:solidFill>
+                  <a:srgbClr val="000000"/>
+                </a:solidFill>
+                <a:latin typeface="CMU Sans Serif" panose="02000603000000000000" pitchFamily="2" charset="0"/>
+                <a:ea typeface="CMU Sans Serif" panose="02000603000000000000" pitchFamily="2" charset="0"/>
+                <a:cs typeface="CMU Sans Serif" panose="02000603000000000000" pitchFamily="2" charset="0"/>
+              </a:rPr>
+              <a:t>Vault</a:t>
             </a:r>
             <a:endParaRPr lang="fr-FR" sz="1400" dirty="0" smtClean="0">
               <a:solidFill>
                 <a:srgbClr val="000000"/>
               </a:solidFill>
+              <a:latin typeface="CMU Sans Serif" panose="02000603000000000000" pitchFamily="2" charset="0"/>
+              <a:ea typeface="CMU Sans Serif" panose="02000603000000000000" pitchFamily="2" charset="0"/>
+              <a:cs typeface="CMU Sans Serif" panose="02000603000000000000" pitchFamily="2" charset="0"/>
             </a:endParaRPr>
           </a:p>
         </p:txBody>
       </p:sp>
       <p:sp>
         <p:nvSpPr>
-          <p:cNvPr id="37" name="Rectangle 36"/>
+          <p:cNvPr id="84" name="Rectangle 83"/>
           <p:cNvSpPr/>
           <p:nvPr/>
         </p:nvSpPr>
         <p:spPr>
           <a:xfrm>
-            <a:off x="4717480" y="894204"/>
-            <a:ext cx="612000" cy="720080"/>
+            <a:off x="2563880" y="1277202"/>
+            <a:ext cx="1962983" cy="1542345"/>
           </a:xfrm>
           <a:prstGeom prst="rect">
             <a:avLst/>
           </a:prstGeom>
-          <a:solidFill>
-            <a:schemeClr val="bg1">
-              <a:lumMod val="95000"/>
-            </a:schemeClr>
-          </a:solidFill>
+          <a:noFill/>
           <a:ln>
             <a:solidFill>
-              <a:srgbClr val="000000"/>
+              <a:schemeClr val="tx1"/>
             </a:solidFill>
           </a:ln>
         </p:spPr>
         <p:style>
           <a:lnRef idx="2">
-            <a:schemeClr val="accent4">
+            <a:schemeClr val="accent1">
               <a:shade val="50000"/>
             </a:schemeClr>
           </a:lnRef>
           <a:fillRef idx="1">
-            <a:schemeClr val="accent4"/>
+            <a:schemeClr val="accent1"/>
           </a:fillRef>
           <a:effectRef idx="0">
-            <a:schemeClr val="accent4"/>
+            <a:schemeClr val="accent1"/>
           </a:effectRef>
           <a:fontRef idx="minor">
             <a:schemeClr val="lt1"/>
@@ -8815,15 +9875,7 @@
           <a:lstStyle/>
           <a:p>
             <a:pPr algn="ctr"/>
-            <a:r>
-              <a:rPr lang="fr-FR" sz="1400" dirty="0" smtClean="0">
-                <a:solidFill>
-                  <a:srgbClr val="000000"/>
-                </a:solidFill>
-              </a:rPr>
-              <a:t>VS</a:t>
-            </a:r>
-            <a:endParaRPr lang="fr-FR" sz="1400" dirty="0" smtClean="0">
+            <a:endParaRPr lang="fr-FR" sz="1600" dirty="0" smtClean="0">
               <a:solidFill>
                 <a:srgbClr val="000000"/>
               </a:solidFill>
@@ -8833,40 +9885,41 @@
       </p:sp>
       <p:sp>
         <p:nvSpPr>
-          <p:cNvPr id="38" name="Rectangle 37"/>
+          <p:cNvPr id="85" name="Rectangle 84"/>
           <p:cNvSpPr/>
           <p:nvPr/>
         </p:nvSpPr>
         <p:spPr>
           <a:xfrm>
-            <a:off x="5401456" y="894204"/>
-            <a:ext cx="612000" cy="720080"/>
+            <a:off x="2598572" y="2472214"/>
+            <a:ext cx="1861840" cy="288000"/>
           </a:xfrm>
           <a:prstGeom prst="rect">
             <a:avLst/>
           </a:prstGeom>
           <a:solidFill>
             <a:schemeClr val="bg1">
-              <a:lumMod val="95000"/>
+              <a:lumMod val="75000"/>
             </a:schemeClr>
           </a:solidFill>
           <a:ln>
             <a:solidFill>
               <a:srgbClr val="000000"/>
             </a:solidFill>
+            <a:prstDash val="sysDot"/>
           </a:ln>
         </p:spPr>
         <p:style>
           <a:lnRef idx="2">
-            <a:schemeClr val="accent4">
+            <a:schemeClr val="accent2">
               <a:shade val="50000"/>
             </a:schemeClr>
           </a:lnRef>
           <a:fillRef idx="1">
-            <a:schemeClr val="accent4"/>
+            <a:schemeClr val="accent2"/>
           </a:fillRef>
           <a:effectRef idx="0">
-            <a:schemeClr val="accent4"/>
+            <a:schemeClr val="accent2"/>
           </a:effectRef>
           <a:fontRef idx="minor">
             <a:schemeClr val="lt1"/>
@@ -8882,53 +9935,82 @@
                 <a:solidFill>
                   <a:srgbClr val="000000"/>
                 </a:solidFill>
-              </a:rPr>
-              <a:t>VA</a:t>
+                <a:latin typeface="CMU Sans Serif" panose="02000603000000000000" pitchFamily="2" charset="0"/>
+                <a:ea typeface="CMU Sans Serif" panose="02000603000000000000" pitchFamily="2" charset="0"/>
+                <a:cs typeface="CMU Sans Serif" panose="02000603000000000000" pitchFamily="2" charset="0"/>
+              </a:rPr>
+              <a:t>Int. </a:t>
+            </a:r>
+            <a:r>
+              <a:rPr lang="fr-FR" sz="1400" dirty="0" err="1" smtClean="0">
+                <a:solidFill>
+                  <a:srgbClr val="000000"/>
+                </a:solidFill>
+                <a:latin typeface="CMU Sans Serif" panose="02000603000000000000" pitchFamily="2" charset="0"/>
+                <a:ea typeface="CMU Sans Serif" panose="02000603000000000000" pitchFamily="2" charset="0"/>
+                <a:cs typeface="CMU Sans Serif" panose="02000603000000000000" pitchFamily="2" charset="0"/>
+              </a:rPr>
+              <a:t>Comm</a:t>
+            </a:r>
+            <a:r>
+              <a:rPr lang="fr-FR" sz="1400" dirty="0" smtClean="0">
+                <a:solidFill>
+                  <a:srgbClr val="000000"/>
+                </a:solidFill>
+                <a:latin typeface="CMU Sans Serif" panose="02000603000000000000" pitchFamily="2" charset="0"/>
+                <a:ea typeface="CMU Sans Serif" panose="02000603000000000000" pitchFamily="2" charset="0"/>
+                <a:cs typeface="CMU Sans Serif" panose="02000603000000000000" pitchFamily="2" charset="0"/>
+              </a:rPr>
+              <a:t>.</a:t>
             </a:r>
             <a:endParaRPr lang="fr-FR" sz="1400" dirty="0" smtClean="0">
               <a:solidFill>
                 <a:srgbClr val="000000"/>
               </a:solidFill>
+              <a:latin typeface="CMU Sans Serif" panose="02000603000000000000" pitchFamily="2" charset="0"/>
+              <a:ea typeface="CMU Sans Serif" panose="02000603000000000000" pitchFamily="2" charset="0"/>
+              <a:cs typeface="CMU Sans Serif" panose="02000603000000000000" pitchFamily="2" charset="0"/>
             </a:endParaRPr>
           </a:p>
         </p:txBody>
       </p:sp>
       <p:sp>
         <p:nvSpPr>
-          <p:cNvPr id="39" name="Rectangle 38"/>
+          <p:cNvPr id="86" name="Rectangle 85"/>
           <p:cNvSpPr/>
           <p:nvPr/>
         </p:nvSpPr>
         <p:spPr>
           <a:xfrm>
-            <a:off x="6092007" y="894244"/>
-            <a:ext cx="517006" cy="720080"/>
+            <a:off x="3368604" y="1694734"/>
+            <a:ext cx="1091808" cy="720000"/>
           </a:xfrm>
           <a:prstGeom prst="rect">
             <a:avLst/>
           </a:prstGeom>
           <a:solidFill>
             <a:schemeClr val="bg1">
-              <a:lumMod val="95000"/>
+              <a:lumMod val="75000"/>
             </a:schemeClr>
           </a:solidFill>
           <a:ln>
             <a:solidFill>
               <a:srgbClr val="000000"/>
             </a:solidFill>
+            <a:prstDash val="sysDot"/>
           </a:ln>
         </p:spPr>
         <p:style>
           <a:lnRef idx="2">
-            <a:schemeClr val="accent4">
+            <a:schemeClr val="accent2">
               <a:shade val="50000"/>
             </a:schemeClr>
           </a:lnRef>
           <a:fillRef idx="1">
-            <a:schemeClr val="accent4"/>
+            <a:schemeClr val="accent2"/>
           </a:fillRef>
           <a:effectRef idx="0">
-            <a:schemeClr val="accent4"/>
+            <a:schemeClr val="accent2"/>
           </a:effectRef>
           <a:fontRef idx="minor">
             <a:schemeClr val="lt1"/>
@@ -8940,57 +10022,86 @@
           <a:p>
             <a:pPr algn="ctr"/>
             <a:r>
+              <a:rPr lang="fr-FR" sz="1400" dirty="0" err="1" smtClean="0">
+                <a:solidFill>
+                  <a:srgbClr val="000000"/>
+                </a:solidFill>
+                <a:latin typeface="CMU Sans Serif" panose="02000603000000000000" pitchFamily="2" charset="0"/>
+                <a:ea typeface="CMU Sans Serif" panose="02000603000000000000" pitchFamily="2" charset="0"/>
+                <a:cs typeface="CMU Sans Serif" panose="02000603000000000000" pitchFamily="2" charset="0"/>
+              </a:rPr>
+              <a:t>Token</a:t>
+            </a:r>
+            <a:r>
               <a:rPr lang="fr-FR" sz="1400" dirty="0" smtClean="0">
                 <a:solidFill>
                   <a:srgbClr val="000000"/>
                 </a:solidFill>
-              </a:rPr>
-              <a:t>A1</a:t>
+                <a:latin typeface="CMU Sans Serif" panose="02000603000000000000" pitchFamily="2" charset="0"/>
+                <a:ea typeface="CMU Sans Serif" panose="02000603000000000000" pitchFamily="2" charset="0"/>
+                <a:cs typeface="CMU Sans Serif" panose="02000603000000000000" pitchFamily="2" charset="0"/>
+              </a:rPr>
+              <a:t> &amp; Security </a:t>
+            </a:r>
+            <a:r>
+              <a:rPr lang="fr-FR" sz="1400" dirty="0" err="1" smtClean="0">
+                <a:solidFill>
+                  <a:srgbClr val="000000"/>
+                </a:solidFill>
+                <a:latin typeface="CMU Sans Serif" panose="02000603000000000000" pitchFamily="2" charset="0"/>
+                <a:ea typeface="CMU Sans Serif" panose="02000603000000000000" pitchFamily="2" charset="0"/>
+                <a:cs typeface="CMU Sans Serif" panose="02000603000000000000" pitchFamily="2" charset="0"/>
+              </a:rPr>
+              <a:t>Validator</a:t>
             </a:r>
             <a:endParaRPr lang="fr-FR" sz="1400" dirty="0" smtClean="0">
               <a:solidFill>
                 <a:srgbClr val="000000"/>
               </a:solidFill>
+              <a:latin typeface="CMU Sans Serif" panose="02000603000000000000" pitchFamily="2" charset="0"/>
+              <a:ea typeface="CMU Sans Serif" panose="02000603000000000000" pitchFamily="2" charset="0"/>
+              <a:cs typeface="CMU Sans Serif" panose="02000603000000000000" pitchFamily="2" charset="0"/>
             </a:endParaRPr>
           </a:p>
         </p:txBody>
       </p:sp>
       <p:sp>
         <p:nvSpPr>
-          <p:cNvPr id="42" name="Rectangle 41"/>
+          <p:cNvPr id="87" name="Rectangle 86"/>
           <p:cNvSpPr/>
           <p:nvPr/>
         </p:nvSpPr>
         <p:spPr>
           <a:xfrm>
-            <a:off x="6877743" y="924250"/>
-            <a:ext cx="612000" cy="720080"/>
+            <a:off x="2598572" y="1344814"/>
+            <a:ext cx="1861840" cy="288000"/>
           </a:xfrm>
           <a:prstGeom prst="rect">
             <a:avLst/>
           </a:prstGeom>
           <a:solidFill>
             <a:schemeClr val="bg1">
-              <a:lumMod val="95000"/>
+              <a:lumMod val="75000"/>
             </a:schemeClr>
           </a:solidFill>
           <a:ln>
             <a:solidFill>
               <a:srgbClr val="000000"/>
             </a:solidFill>
+            <a:prstDash val="sysDot"/>
           </a:ln>
         </p:spPr>
         <p:style>
           <a:lnRef idx="2">
-            <a:schemeClr val="accent5">
+            <a:schemeClr val="accent2">
               <a:shade val="50000"/>
             </a:schemeClr>
           </a:lnRef>
           <a:fillRef idx="1">
-            <a:schemeClr val="accent5"/>
+            <a:schemeClr val="accent2"/>
           </a:fillRef>
           <a:effectRef idx="0">
-            <a:schemeClr val="accent5"/>
+            <a:schemeClr val="accent2"/>
           </a:effectRef>
           <a:fontRef idx="minor">
             <a:schemeClr val="lt1"/>
@@ -9006,53 +10117,60 @@
                 <a:solidFill>
                   <a:srgbClr val="000000"/>
                 </a:solidFill>
-              </a:rPr>
-              <a:t>VS</a:t>
+                <a:latin typeface="CMU Sans Serif" panose="02000603000000000000" pitchFamily="2" charset="0"/>
+                <a:ea typeface="CMU Sans Serif" panose="02000603000000000000" pitchFamily="2" charset="0"/>
+                <a:cs typeface="CMU Sans Serif" panose="02000603000000000000" pitchFamily="2" charset="0"/>
+              </a:rPr>
+              <a:t>Admin Mgr</a:t>
             </a:r>
             <a:endParaRPr lang="fr-FR" sz="1400" dirty="0" smtClean="0">
               <a:solidFill>
                 <a:srgbClr val="000000"/>
               </a:solidFill>
+              <a:latin typeface="CMU Sans Serif" panose="02000603000000000000" pitchFamily="2" charset="0"/>
+              <a:ea typeface="CMU Sans Serif" panose="02000603000000000000" pitchFamily="2" charset="0"/>
+              <a:cs typeface="CMU Sans Serif" panose="02000603000000000000" pitchFamily="2" charset="0"/>
             </a:endParaRPr>
           </a:p>
         </p:txBody>
       </p:sp>
       <p:sp>
         <p:nvSpPr>
-          <p:cNvPr id="43" name="Rectangle 42"/>
+          <p:cNvPr id="88" name="Rectangle 87"/>
           <p:cNvSpPr/>
           <p:nvPr/>
         </p:nvSpPr>
         <p:spPr>
           <a:xfrm>
-            <a:off x="7561719" y="924250"/>
-            <a:ext cx="612000" cy="720080"/>
+            <a:off x="2598572" y="1684534"/>
+            <a:ext cx="714896" cy="720000"/>
           </a:xfrm>
           <a:prstGeom prst="rect">
             <a:avLst/>
           </a:prstGeom>
           <a:solidFill>
             <a:schemeClr val="bg1">
-              <a:lumMod val="95000"/>
+              <a:lumMod val="75000"/>
             </a:schemeClr>
           </a:solidFill>
           <a:ln>
             <a:solidFill>
               <a:srgbClr val="000000"/>
             </a:solidFill>
+            <a:prstDash val="sysDot"/>
           </a:ln>
         </p:spPr>
         <p:style>
           <a:lnRef idx="2">
-            <a:schemeClr val="accent5">
+            <a:schemeClr val="accent2">
               <a:shade val="50000"/>
             </a:schemeClr>
           </a:lnRef>
           <a:fillRef idx="1">
-            <a:schemeClr val="accent5"/>
+            <a:schemeClr val="accent2"/>
           </a:fillRef>
           <a:effectRef idx="0">
-            <a:schemeClr val="accent5"/>
+            <a:schemeClr val="accent2"/>
           </a:effectRef>
           <a:fontRef idx="minor">
             <a:schemeClr val="lt1"/>
@@ -9068,199 +10186,30 @@
                 <a:solidFill>
                   <a:srgbClr val="000000"/>
                 </a:solidFill>
-              </a:rPr>
-              <a:t>VA</a:t>
+                <a:latin typeface="CMU Sans Serif" panose="02000603000000000000" pitchFamily="2" charset="0"/>
+                <a:ea typeface="CMU Sans Serif" panose="02000603000000000000" pitchFamily="2" charset="0"/>
+                <a:cs typeface="CMU Sans Serif" panose="02000603000000000000" pitchFamily="2" charset="0"/>
+              </a:rPr>
+              <a:t>Key </a:t>
+            </a:r>
+            <a:r>
+              <a:rPr lang="fr-FR" sz="1400" dirty="0" err="1" smtClean="0">
+                <a:solidFill>
+                  <a:srgbClr val="000000"/>
+                </a:solidFill>
+                <a:latin typeface="CMU Sans Serif" panose="02000603000000000000" pitchFamily="2" charset="0"/>
+                <a:ea typeface="CMU Sans Serif" panose="02000603000000000000" pitchFamily="2" charset="0"/>
+                <a:cs typeface="CMU Sans Serif" panose="02000603000000000000" pitchFamily="2" charset="0"/>
+              </a:rPr>
+              <a:t>Vault</a:t>
             </a:r>
             <a:endParaRPr lang="fr-FR" sz="1400" dirty="0" smtClean="0">
               <a:solidFill>
                 <a:srgbClr val="000000"/>
               </a:solidFill>
-            </a:endParaRPr>
-          </a:p>
-        </p:txBody>
-      </p:sp>
-      <p:sp>
-        <p:nvSpPr>
-          <p:cNvPr id="44" name="Rectangle 43"/>
-          <p:cNvSpPr/>
-          <p:nvPr/>
-        </p:nvSpPr>
-        <p:spPr>
-          <a:xfrm>
-            <a:off x="8252270" y="924290"/>
-            <a:ext cx="517006" cy="720080"/>
-          </a:xfrm>
-          <a:prstGeom prst="rect">
-            <a:avLst/>
-          </a:prstGeom>
-          <a:solidFill>
-            <a:schemeClr val="bg1">
-              <a:lumMod val="95000"/>
-            </a:schemeClr>
-          </a:solidFill>
-          <a:ln>
-            <a:solidFill>
-              <a:srgbClr val="000000"/>
-            </a:solidFill>
-          </a:ln>
-        </p:spPr>
-        <p:style>
-          <a:lnRef idx="2">
-            <a:schemeClr val="accent5">
-              <a:shade val="50000"/>
-            </a:schemeClr>
-          </a:lnRef>
-          <a:fillRef idx="1">
-            <a:schemeClr val="accent5"/>
-          </a:fillRef>
-          <a:effectRef idx="0">
-            <a:schemeClr val="accent5"/>
-          </a:effectRef>
-          <a:fontRef idx="minor">
-            <a:schemeClr val="lt1"/>
-          </a:fontRef>
-        </p:style>
-        <p:txBody>
-          <a:bodyPr rtlCol="0" anchor="ctr"/>
-          <a:lstStyle/>
-          <a:p>
-            <a:pPr algn="ctr"/>
-            <a:r>
-              <a:rPr lang="fr-FR" sz="1400" dirty="0" smtClean="0">
-                <a:solidFill>
-                  <a:srgbClr val="000000"/>
-                </a:solidFill>
-              </a:rPr>
-              <a:t>A2</a:t>
-            </a:r>
-            <a:endParaRPr lang="fr-FR" sz="1400" dirty="0" smtClean="0">
-              <a:solidFill>
-                <a:srgbClr val="000000"/>
-              </a:solidFill>
-            </a:endParaRPr>
-          </a:p>
-        </p:txBody>
-      </p:sp>
-      <p:sp>
-        <p:nvSpPr>
-          <p:cNvPr id="103" name="Rectangle 102"/>
-          <p:cNvSpPr/>
-          <p:nvPr/>
-        </p:nvSpPr>
-        <p:spPr>
-          <a:xfrm>
-            <a:off x="4738590" y="1778774"/>
-            <a:ext cx="1861840" cy="288000"/>
-          </a:xfrm>
-          <a:prstGeom prst="rect">
-            <a:avLst/>
-          </a:prstGeom>
-          <a:solidFill>
-            <a:schemeClr val="bg1">
-              <a:lumMod val="95000"/>
-            </a:schemeClr>
-          </a:solidFill>
-          <a:ln>
-            <a:solidFill>
-              <a:srgbClr val="000000"/>
-            </a:solidFill>
-          </a:ln>
-        </p:spPr>
-        <p:style>
-          <a:lnRef idx="2">
-            <a:schemeClr val="accent4">
-              <a:shade val="50000"/>
-            </a:schemeClr>
-          </a:lnRef>
-          <a:fillRef idx="1">
-            <a:schemeClr val="accent4"/>
-          </a:fillRef>
-          <a:effectRef idx="0">
-            <a:schemeClr val="accent4"/>
-          </a:effectRef>
-          <a:fontRef idx="minor">
-            <a:schemeClr val="lt1"/>
-          </a:fontRef>
-        </p:style>
-        <p:txBody>
-          <a:bodyPr rtlCol="0" anchor="ctr"/>
-          <a:lstStyle/>
-          <a:p>
-            <a:pPr algn="ctr"/>
-            <a:r>
-              <a:rPr lang="fr-FR" sz="1400" dirty="0" smtClean="0">
-                <a:solidFill>
-                  <a:srgbClr val="000000"/>
-                </a:solidFill>
-              </a:rPr>
-              <a:t>AM</a:t>
-            </a:r>
-            <a:endParaRPr lang="fr-FR" sz="1400" dirty="0" smtClean="0">
-              <a:solidFill>
-                <a:srgbClr val="000000"/>
-              </a:solidFill>
-            </a:endParaRPr>
-          </a:p>
-        </p:txBody>
-      </p:sp>
-      <p:sp>
-        <p:nvSpPr>
-          <p:cNvPr id="104" name="Rectangle 103"/>
-          <p:cNvSpPr/>
-          <p:nvPr/>
-        </p:nvSpPr>
-        <p:spPr>
-          <a:xfrm>
-            <a:off x="6889214" y="1778774"/>
-            <a:ext cx="1861840" cy="288000"/>
-          </a:xfrm>
-          <a:prstGeom prst="rect">
-            <a:avLst/>
-          </a:prstGeom>
-          <a:solidFill>
-            <a:schemeClr val="bg1">
-              <a:lumMod val="95000"/>
-            </a:schemeClr>
-          </a:solidFill>
-          <a:ln>
-            <a:solidFill>
-              <a:srgbClr val="000000"/>
-            </a:solidFill>
-          </a:ln>
-        </p:spPr>
-        <p:style>
-          <a:lnRef idx="2">
-            <a:schemeClr val="accent5">
-              <a:shade val="50000"/>
-            </a:schemeClr>
-          </a:lnRef>
-          <a:fillRef idx="1">
-            <a:schemeClr val="accent5"/>
-          </a:fillRef>
-          <a:effectRef idx="0">
-            <a:schemeClr val="accent5"/>
-          </a:effectRef>
-          <a:fontRef idx="minor">
-            <a:schemeClr val="lt1"/>
-          </a:fontRef>
-        </p:style>
-        <p:txBody>
-          <a:bodyPr rtlCol="0" anchor="ctr"/>
-          <a:lstStyle/>
-          <a:p>
-            <a:pPr algn="ctr"/>
-            <a:r>
-              <a:rPr lang="fr-FR" sz="1400" dirty="0" smtClean="0">
-                <a:solidFill>
-                  <a:srgbClr val="000000"/>
-                </a:solidFill>
-              </a:rPr>
-              <a:t>AM</a:t>
-            </a:r>
-            <a:endParaRPr lang="fr-FR" sz="1400" dirty="0" smtClean="0">
-              <a:solidFill>
-                <a:srgbClr val="000000"/>
-              </a:solidFill>
+              <a:latin typeface="CMU Sans Serif" panose="02000603000000000000" pitchFamily="2" charset="0"/>
+              <a:ea typeface="CMU Sans Serif" panose="02000603000000000000" pitchFamily="2" charset="0"/>
+              <a:cs typeface="CMU Sans Serif" panose="02000603000000000000" pitchFamily="2" charset="0"/>
             </a:endParaRPr>
           </a:p>
         </p:txBody>
@@ -9584,7 +10533,7 @@
   <a:extraClrSchemeLst/>
   <a:extLst>
     <a:ext uri="{05A4C25C-085E-4340-85A3-A5531E510DB2}">
-      <thm15:themeFamily xmlns:thm15="http://schemas.microsoft.com/office/thememl/2012/main" xmlns="" name="OFR_OBS-template_external.potx" id="{8E63A4C0-0D5B-4AB0-9B17-28650E3A1109}" vid="{213D95EF-7056-43E0-9767-0E799F788926}"/>
+      <thm15:themeFamily xmlns="" xmlns:thm15="http://schemas.microsoft.com/office/thememl/2012/main" name="OFR_OBS-template_external.potx" id="{8E63A4C0-0D5B-4AB0-9B17-28650E3A1109}" vid="{213D95EF-7056-43E0-9767-0E799F788926}"/>
     </a:ext>
   </a:extLst>
 </a:theme>

--- a/papier/odsi_wp1wp3/figures/layers.pptx
+++ b/papier/odsi_wp1wp3/figures/layers.pptx
@@ -247,7 +247,7 @@
             <a:fld id="{14F63557-65CD-470F-8999-4C3C411BE899}" type="datetimeFigureOut">
               <a:rPr lang="en-GB" smtClean="0"/>
               <a:pPr/>
-              <a:t>16/03/2018</a:t>
+              <a:t>19/03/2018</a:t>
             </a:fld>
             <a:endParaRPr lang="en-GB"/>
           </a:p>
@@ -4728,18 +4728,7 @@
                 <a:ea typeface="CMU Sans Serif" panose="02000603000000000000" pitchFamily="2" charset="0"/>
                 <a:cs typeface="CMU Sans Serif" panose="02000603000000000000" pitchFamily="2" charset="0"/>
               </a:rPr>
-              <a:t>Dom1 </a:t>
-            </a:r>
-            <a:r>
-              <a:rPr lang="fr-FR" sz="1400" dirty="0" smtClean="0">
-                <a:solidFill>
-                  <a:srgbClr val="000000"/>
-                </a:solidFill>
-                <a:latin typeface="CMU Sans Serif" panose="02000603000000000000" pitchFamily="2" charset="0"/>
-                <a:ea typeface="CMU Sans Serif" panose="02000603000000000000" pitchFamily="2" charset="0"/>
-                <a:cs typeface="CMU Sans Serif" panose="02000603000000000000" pitchFamily="2" charset="0"/>
-              </a:rPr>
-              <a:t>CM</a:t>
+              <a:t>Dom1 CM</a:t>
             </a:r>
           </a:p>
         </p:txBody>
@@ -4800,18 +4789,7 @@
                 <a:ea typeface="CMU Sans Serif" panose="02000603000000000000" pitchFamily="2" charset="0"/>
                 <a:cs typeface="CMU Sans Serif" panose="02000603000000000000" pitchFamily="2" charset="0"/>
               </a:rPr>
-              <a:t>Dom2 </a:t>
-            </a:r>
-            <a:r>
-              <a:rPr lang="fr-FR" sz="1400" dirty="0" smtClean="0">
-                <a:solidFill>
-                  <a:srgbClr val="000000"/>
-                </a:solidFill>
-                <a:latin typeface="CMU Sans Serif" panose="02000603000000000000" pitchFamily="2" charset="0"/>
-                <a:ea typeface="CMU Sans Serif" panose="02000603000000000000" pitchFamily="2" charset="0"/>
-                <a:cs typeface="CMU Sans Serif" panose="02000603000000000000" pitchFamily="2" charset="0"/>
-              </a:rPr>
-              <a:t>CM</a:t>
+              <a:t>Dom2 CM</a:t>
             </a:r>
           </a:p>
         </p:txBody>
@@ -4869,8 +4847,27 @@
                 <a:ea typeface="CMU Sans Serif" panose="02000603000000000000" pitchFamily="2" charset="0"/>
                 <a:cs typeface="CMU Sans Serif" panose="02000603000000000000" pitchFamily="2" charset="0"/>
               </a:rPr>
-              <a:t>Dom0 – Manufacturer</a:t>
-            </a:r>
+              <a:t>Dom0 – </a:t>
+            </a:r>
+            <a:r>
+              <a:rPr lang="fr-FR" sz="1400" dirty="0" err="1" smtClean="0">
+                <a:solidFill>
+                  <a:srgbClr val="000000"/>
+                </a:solidFill>
+                <a:latin typeface="CMU Sans Serif" panose="02000603000000000000" pitchFamily="2" charset="0"/>
+                <a:ea typeface="CMU Sans Serif" panose="02000603000000000000" pitchFamily="2" charset="0"/>
+                <a:cs typeface="CMU Sans Serif" panose="02000603000000000000" pitchFamily="2" charset="0"/>
+              </a:rPr>
+              <a:t>Owner</a:t>
+            </a:r>
+            <a:endParaRPr lang="fr-FR" sz="1400" dirty="0" smtClean="0">
+              <a:solidFill>
+                <a:srgbClr val="000000"/>
+              </a:solidFill>
+              <a:latin typeface="CMU Sans Serif" panose="02000603000000000000" pitchFamily="2" charset="0"/>
+              <a:ea typeface="CMU Sans Serif" panose="02000603000000000000" pitchFamily="2" charset="0"/>
+              <a:cs typeface="CMU Sans Serif" panose="02000603000000000000" pitchFamily="2" charset="0"/>
+            </a:endParaRPr>
           </a:p>
           <a:p>
             <a:pPr algn="ctr"/>
@@ -4987,18 +4984,7 @@
                 <a:ea typeface="CMU Sans Serif" panose="02000603000000000000" pitchFamily="2" charset="0"/>
                 <a:cs typeface="CMU Sans Serif" panose="02000603000000000000" pitchFamily="2" charset="0"/>
               </a:rPr>
-              <a:t>Dom1 </a:t>
-            </a:r>
-            <a:r>
-              <a:rPr lang="fr-FR" sz="1400" dirty="0" smtClean="0">
-                <a:solidFill>
-                  <a:srgbClr val="000000"/>
-                </a:solidFill>
-                <a:latin typeface="CMU Sans Serif" panose="02000603000000000000" pitchFamily="2" charset="0"/>
-                <a:ea typeface="CMU Sans Serif" panose="02000603000000000000" pitchFamily="2" charset="0"/>
-                <a:cs typeface="CMU Sans Serif" panose="02000603000000000000" pitchFamily="2" charset="0"/>
-              </a:rPr>
-              <a:t>– </a:t>
+              <a:t>Dom1 – </a:t>
             </a:r>
             <a:r>
               <a:rPr lang="fr-FR" sz="1400" dirty="0" err="1" smtClean="0">
@@ -5077,29 +5063,7 @@
                 <a:ea typeface="CMU Sans Serif" panose="02000603000000000000" pitchFamily="2" charset="0"/>
                 <a:cs typeface="CMU Sans Serif" panose="02000603000000000000" pitchFamily="2" charset="0"/>
               </a:rPr>
-              <a:t>Dom2 </a:t>
-            </a:r>
-            <a:r>
-              <a:rPr lang="fr-FR" sz="1400" dirty="0" smtClean="0">
-                <a:solidFill>
-                  <a:srgbClr val="000000"/>
-                </a:solidFill>
-                <a:latin typeface="CMU Sans Serif" panose="02000603000000000000" pitchFamily="2" charset="0"/>
-                <a:ea typeface="CMU Sans Serif" panose="02000603000000000000" pitchFamily="2" charset="0"/>
-                <a:cs typeface="CMU Sans Serif" panose="02000603000000000000" pitchFamily="2" charset="0"/>
-              </a:rPr>
-              <a:t>– </a:t>
-            </a:r>
-            <a:r>
-              <a:rPr lang="fr-FR" sz="1400" dirty="0" smtClean="0">
-                <a:solidFill>
-                  <a:srgbClr val="000000"/>
-                </a:solidFill>
-                <a:latin typeface="CMU Sans Serif" panose="02000603000000000000" pitchFamily="2" charset="0"/>
-                <a:ea typeface="CMU Sans Serif" panose="02000603000000000000" pitchFamily="2" charset="0"/>
-                <a:cs typeface="CMU Sans Serif" panose="02000603000000000000" pitchFamily="2" charset="0"/>
-              </a:rPr>
-              <a:t>Service </a:t>
+              <a:t>Dom2 – Service </a:t>
             </a:r>
             <a:r>
               <a:rPr lang="fr-FR" sz="1400" dirty="0" err="1" smtClean="0">
@@ -5494,14 +5458,6 @@
               </a:rPr>
               <a:t>Sens. Driver</a:t>
             </a:r>
-            <a:endParaRPr lang="fr-FR" sz="1400" dirty="0" smtClean="0">
-              <a:solidFill>
-                <a:srgbClr val="000000"/>
-              </a:solidFill>
-              <a:latin typeface="CMU Sans Serif" panose="02000603000000000000" pitchFamily="2" charset="0"/>
-              <a:ea typeface="CMU Sans Serif" panose="02000603000000000000" pitchFamily="2" charset="0"/>
-              <a:cs typeface="CMU Sans Serif" panose="02000603000000000000" pitchFamily="2" charset="0"/>
-            </a:endParaRPr>
           </a:p>
         </p:txBody>
       </p:sp>
@@ -5573,14 +5529,6 @@
               </a:rPr>
               <a:t> Sens Mgr</a:t>
             </a:r>
-            <a:endParaRPr lang="fr-FR" sz="1400" dirty="0" smtClean="0">
-              <a:solidFill>
-                <a:srgbClr val="000000"/>
-              </a:solidFill>
-              <a:latin typeface="CMU Sans Serif" panose="02000603000000000000" pitchFamily="2" charset="0"/>
-              <a:ea typeface="CMU Sans Serif" panose="02000603000000000000" pitchFamily="2" charset="0"/>
-              <a:cs typeface="CMU Sans Serif" panose="02000603000000000000" pitchFamily="2" charset="0"/>
-            </a:endParaRPr>
           </a:p>
         </p:txBody>
       </p:sp>
@@ -5674,14 +5622,6 @@
               </a:rPr>
               <a:t> Mgr</a:t>
             </a:r>
-            <a:endParaRPr lang="fr-FR" sz="1400" dirty="0" smtClean="0">
-              <a:solidFill>
-                <a:srgbClr val="000000"/>
-              </a:solidFill>
-              <a:latin typeface="CMU Sans Serif" panose="02000603000000000000" pitchFamily="2" charset="0"/>
-              <a:ea typeface="CMU Sans Serif" panose="02000603000000000000" pitchFamily="2" charset="0"/>
-              <a:cs typeface="CMU Sans Serif" panose="02000603000000000000" pitchFamily="2" charset="0"/>
-            </a:endParaRPr>
           </a:p>
         </p:txBody>
       </p:sp>
@@ -5753,14 +5693,6 @@
               </a:rPr>
               <a:t>. Driver</a:t>
             </a:r>
-            <a:endParaRPr lang="fr-FR" sz="1400" dirty="0" smtClean="0">
-              <a:solidFill>
-                <a:srgbClr val="000000"/>
-              </a:solidFill>
-              <a:latin typeface="CMU Sans Serif" panose="02000603000000000000" pitchFamily="2" charset="0"/>
-              <a:ea typeface="CMU Sans Serif" panose="02000603000000000000" pitchFamily="2" charset="0"/>
-              <a:cs typeface="CMU Sans Serif" panose="02000603000000000000" pitchFamily="2" charset="0"/>
-            </a:endParaRPr>
           </a:p>
         </p:txBody>
       </p:sp>
@@ -5821,14 +5753,6 @@
               </a:rPr>
               <a:t>NW Driver</a:t>
             </a:r>
-            <a:endParaRPr lang="fr-FR" sz="1400" dirty="0" smtClean="0">
-              <a:solidFill>
-                <a:srgbClr val="000000"/>
-              </a:solidFill>
-              <a:latin typeface="CMU Sans Serif" panose="02000603000000000000" pitchFamily="2" charset="0"/>
-              <a:ea typeface="CMU Sans Serif" panose="02000603000000000000" pitchFamily="2" charset="0"/>
-              <a:cs typeface="CMU Sans Serif" panose="02000603000000000000" pitchFamily="2" charset="0"/>
-            </a:endParaRPr>
           </a:p>
         </p:txBody>
       </p:sp>
@@ -5898,27 +5822,8 @@
                 <a:ea typeface="CMU Sans Serif" panose="02000603000000000000" pitchFamily="2" charset="0"/>
                 <a:cs typeface="CMU Sans Serif" panose="02000603000000000000" pitchFamily="2" charset="0"/>
               </a:rPr>
-              <a:t> NW</a:t>
-            </a:r>
-            <a:r>
-              <a:rPr lang="fr-FR" sz="1400" dirty="0" smtClean="0">
-                <a:solidFill>
-                  <a:srgbClr val="000000"/>
-                </a:solidFill>
-                <a:latin typeface="CMU Sans Serif" panose="02000603000000000000" pitchFamily="2" charset="0"/>
-                <a:ea typeface="CMU Sans Serif" panose="02000603000000000000" pitchFamily="2" charset="0"/>
-                <a:cs typeface="CMU Sans Serif" panose="02000603000000000000" pitchFamily="2" charset="0"/>
-              </a:rPr>
-              <a:t> Mgr</a:t>
-            </a:r>
-            <a:endParaRPr lang="fr-FR" sz="1400" dirty="0" smtClean="0">
-              <a:solidFill>
-                <a:srgbClr val="000000"/>
-              </a:solidFill>
-              <a:latin typeface="CMU Sans Serif" panose="02000603000000000000" pitchFamily="2" charset="0"/>
-              <a:ea typeface="CMU Sans Serif" panose="02000603000000000000" pitchFamily="2" charset="0"/>
-              <a:cs typeface="CMU Sans Serif" panose="02000603000000000000" pitchFamily="2" charset="0"/>
-            </a:endParaRPr>
+              <a:t> NW Mgr</a:t>
+            </a:r>
           </a:p>
         </p:txBody>
       </p:sp>
@@ -6012,14 +5917,6 @@
               </a:rPr>
               <a:t>Updater</a:t>
             </a:r>
-            <a:endParaRPr lang="fr-FR" sz="1400" dirty="0" smtClean="0">
-              <a:solidFill>
-                <a:srgbClr val="000000"/>
-              </a:solidFill>
-              <a:latin typeface="CMU Sans Serif" panose="02000603000000000000" pitchFamily="2" charset="0"/>
-              <a:ea typeface="CMU Sans Serif" panose="02000603000000000000" pitchFamily="2" charset="0"/>
-              <a:cs typeface="CMU Sans Serif" panose="02000603000000000000" pitchFamily="2" charset="0"/>
-            </a:endParaRPr>
           </a:p>
         </p:txBody>
       </p:sp>
@@ -6113,14 +6010,6 @@
               </a:rPr>
               <a:t> Updater</a:t>
             </a:r>
-            <a:endParaRPr lang="fr-FR" sz="1400" dirty="0" smtClean="0">
-              <a:solidFill>
-                <a:srgbClr val="000000"/>
-              </a:solidFill>
-              <a:latin typeface="CMU Sans Serif" panose="02000603000000000000" pitchFamily="2" charset="0"/>
-              <a:ea typeface="CMU Sans Serif" panose="02000603000000000000" pitchFamily="2" charset="0"/>
-              <a:cs typeface="CMU Sans Serif" panose="02000603000000000000" pitchFamily="2" charset="0"/>
-            </a:endParaRPr>
           </a:p>
         </p:txBody>
       </p:sp>
@@ -6192,14 +6081,6 @@
               </a:rPr>
               <a:t> Sens</a:t>
             </a:r>
-            <a:endParaRPr lang="fr-FR" sz="1400" dirty="0" smtClean="0">
-              <a:solidFill>
-                <a:srgbClr val="000000"/>
-              </a:solidFill>
-              <a:latin typeface="CMU Sans Serif" panose="02000603000000000000" pitchFamily="2" charset="0"/>
-              <a:ea typeface="CMU Sans Serif" panose="02000603000000000000" pitchFamily="2" charset="0"/>
-              <a:cs typeface="CMU Sans Serif" panose="02000603000000000000" pitchFamily="2" charset="0"/>
-            </a:endParaRPr>
           </a:p>
         </p:txBody>
       </p:sp>
@@ -6350,14 +6231,6 @@
               </a:rPr>
               <a:t>App2</a:t>
             </a:r>
-            <a:endParaRPr lang="fr-FR" sz="1400" dirty="0" smtClean="0">
-              <a:solidFill>
-                <a:srgbClr val="000000"/>
-              </a:solidFill>
-              <a:latin typeface="CMU Sans Serif" panose="02000603000000000000" pitchFamily="2" charset="0"/>
-              <a:ea typeface="CMU Sans Serif" panose="02000603000000000000" pitchFamily="2" charset="0"/>
-              <a:cs typeface="CMU Sans Serif" panose="02000603000000000000" pitchFamily="2" charset="0"/>
-            </a:endParaRPr>
           </a:p>
         </p:txBody>
       </p:sp>
@@ -6491,14 +6364,6 @@
               </a:rPr>
               <a:t>.</a:t>
             </a:r>
-            <a:endParaRPr lang="fr-FR" sz="1400" dirty="0" smtClean="0">
-              <a:solidFill>
-                <a:srgbClr val="000000"/>
-              </a:solidFill>
-              <a:latin typeface="CMU Sans Serif" panose="02000603000000000000" pitchFamily="2" charset="0"/>
-              <a:ea typeface="CMU Sans Serif" panose="02000603000000000000" pitchFamily="2" charset="0"/>
-              <a:cs typeface="CMU Sans Serif" panose="02000603000000000000" pitchFamily="2" charset="0"/>
-            </a:endParaRPr>
           </a:p>
         </p:txBody>
       </p:sp>
@@ -6651,14 +6516,6 @@
               </a:rPr>
               <a:t>Admin Mgr</a:t>
             </a:r>
-            <a:endParaRPr lang="fr-FR" sz="1400" dirty="0" smtClean="0">
-              <a:solidFill>
-                <a:srgbClr val="000000"/>
-              </a:solidFill>
-              <a:latin typeface="CMU Sans Serif" panose="02000603000000000000" pitchFamily="2" charset="0"/>
-              <a:ea typeface="CMU Sans Serif" panose="02000603000000000000" pitchFamily="2" charset="0"/>
-              <a:cs typeface="CMU Sans Serif" panose="02000603000000000000" pitchFamily="2" charset="0"/>
-            </a:endParaRPr>
           </a:p>
         </p:txBody>
       </p:sp>
@@ -6868,14 +6725,6 @@
               </a:rPr>
               <a:t>.</a:t>
             </a:r>
-            <a:endParaRPr lang="fr-FR" sz="1400" dirty="0" smtClean="0">
-              <a:solidFill>
-                <a:srgbClr val="000000"/>
-              </a:solidFill>
-              <a:latin typeface="CMU Sans Serif" panose="02000603000000000000" pitchFamily="2" charset="0"/>
-              <a:ea typeface="CMU Sans Serif" panose="02000603000000000000" pitchFamily="2" charset="0"/>
-              <a:cs typeface="CMU Sans Serif" panose="02000603000000000000" pitchFamily="2" charset="0"/>
-            </a:endParaRPr>
           </a:p>
         </p:txBody>
       </p:sp>
@@ -7020,14 +6869,6 @@
               </a:rPr>
               <a:t>Admin Mgr</a:t>
             </a:r>
-            <a:endParaRPr lang="fr-FR" sz="1400" dirty="0" smtClean="0">
-              <a:solidFill>
-                <a:srgbClr val="000000"/>
-              </a:solidFill>
-              <a:latin typeface="CMU Sans Serif" panose="02000603000000000000" pitchFamily="2" charset="0"/>
-              <a:ea typeface="CMU Sans Serif" panose="02000603000000000000" pitchFamily="2" charset="0"/>
-              <a:cs typeface="CMU Sans Serif" panose="02000603000000000000" pitchFamily="2" charset="0"/>
-            </a:endParaRPr>
           </a:p>
         </p:txBody>
       </p:sp>
@@ -7233,14 +7074,6 @@
               </a:rPr>
               <a:t>.</a:t>
             </a:r>
-            <a:endParaRPr lang="fr-FR" sz="1400" dirty="0" smtClean="0">
-              <a:solidFill>
-                <a:srgbClr val="000000"/>
-              </a:solidFill>
-              <a:latin typeface="CMU Sans Serif" panose="02000603000000000000" pitchFamily="2" charset="0"/>
-              <a:ea typeface="CMU Sans Serif" panose="02000603000000000000" pitchFamily="2" charset="0"/>
-              <a:cs typeface="CMU Sans Serif" panose="02000603000000000000" pitchFamily="2" charset="0"/>
-            </a:endParaRPr>
           </a:p>
         </p:txBody>
       </p:sp>
@@ -7385,14 +7218,6 @@
               </a:rPr>
               <a:t>Admin Mgr</a:t>
             </a:r>
-            <a:endParaRPr lang="fr-FR" sz="1400" dirty="0" smtClean="0">
-              <a:solidFill>
-                <a:srgbClr val="000000"/>
-              </a:solidFill>
-              <a:latin typeface="CMU Sans Serif" panose="02000603000000000000" pitchFamily="2" charset="0"/>
-              <a:ea typeface="CMU Sans Serif" panose="02000603000000000000" pitchFamily="2" charset="0"/>
-              <a:cs typeface="CMU Sans Serif" panose="02000603000000000000" pitchFamily="2" charset="0"/>
-            </a:endParaRPr>
           </a:p>
         </p:txBody>
       </p:sp>
@@ -7568,10 +7393,19 @@
                 <a:ea typeface="CMU Sans Serif" panose="02000603000000000000" pitchFamily="2" charset="0"/>
                 <a:cs typeface="CMU Sans Serif" panose="02000603000000000000" pitchFamily="2" charset="0"/>
               </a:rPr>
-              <a:t>Dom0 - </a:t>
-            </a:r>
-          </a:p>
-          <a:p>
+              <a:t>Dom0 </a:t>
+            </a:r>
+            <a:r>
+              <a:rPr lang="fr-FR" sz="1600" dirty="0" smtClean="0">
+                <a:solidFill>
+                  <a:srgbClr val="000000"/>
+                </a:solidFill>
+                <a:latin typeface="CMU Sans Serif" panose="02000603000000000000" pitchFamily="2" charset="0"/>
+                <a:ea typeface="CMU Sans Serif" panose="02000603000000000000" pitchFamily="2" charset="0"/>
+                <a:cs typeface="CMU Sans Serif" panose="02000603000000000000" pitchFamily="2" charset="0"/>
+              </a:rPr>
+              <a:t>- </a:t>
+            </a:r>
             <a:r>
               <a:rPr lang="fr-FR" sz="1600" dirty="0" err="1" smtClean="0">
                 <a:solidFill>
@@ -7655,18 +7489,7 @@
                 <a:ea typeface="CMU Sans Serif" panose="02000603000000000000" pitchFamily="2" charset="0"/>
                 <a:cs typeface="CMU Sans Serif" panose="02000603000000000000" pitchFamily="2" charset="0"/>
               </a:rPr>
-              <a:t> &amp; OS </a:t>
-            </a:r>
-            <a:r>
-              <a:rPr lang="fr-FR" sz="1600" dirty="0" smtClean="0">
-                <a:solidFill>
-                  <a:schemeClr val="bg1"/>
-                </a:solidFill>
-                <a:latin typeface="CMU Sans Serif" panose="02000603000000000000" pitchFamily="2" charset="0"/>
-                <a:ea typeface="CMU Sans Serif" panose="02000603000000000000" pitchFamily="2" charset="0"/>
-                <a:cs typeface="CMU Sans Serif" panose="02000603000000000000" pitchFamily="2" charset="0"/>
-              </a:rPr>
-              <a:t>(PIP)</a:t>
+              <a:t> &amp; OS (PIP)</a:t>
             </a:r>
           </a:p>
         </p:txBody>
@@ -7725,18 +7548,7 @@
                 <a:ea typeface="CMU Sans Serif" panose="02000603000000000000" pitchFamily="2" charset="0"/>
                 <a:cs typeface="CMU Sans Serif" panose="02000603000000000000" pitchFamily="2" charset="0"/>
               </a:rPr>
-              <a:t>Dom1 </a:t>
-            </a:r>
-            <a:r>
-              <a:rPr lang="fr-FR" sz="1600" dirty="0" smtClean="0">
-                <a:solidFill>
-                  <a:srgbClr val="000000"/>
-                </a:solidFill>
-                <a:latin typeface="CMU Sans Serif" panose="02000603000000000000" pitchFamily="2" charset="0"/>
-                <a:ea typeface="CMU Sans Serif" panose="02000603000000000000" pitchFamily="2" charset="0"/>
-                <a:cs typeface="CMU Sans Serif" panose="02000603000000000000" pitchFamily="2" charset="0"/>
-              </a:rPr>
-              <a:t>– </a:t>
+              <a:t>Dom1 – </a:t>
             </a:r>
             <a:r>
               <a:rPr lang="fr-FR" sz="1600" dirty="0" err="1" smtClean="0">
@@ -7814,29 +7626,7 @@
                 <a:ea typeface="CMU Sans Serif" panose="02000603000000000000" pitchFamily="2" charset="0"/>
                 <a:cs typeface="CMU Sans Serif" panose="02000603000000000000" pitchFamily="2" charset="0"/>
               </a:rPr>
-              <a:t>Dom2 </a:t>
-            </a:r>
-            <a:r>
-              <a:rPr lang="fr-FR" sz="1600" dirty="0" smtClean="0">
-                <a:solidFill>
-                  <a:srgbClr val="000000"/>
-                </a:solidFill>
-                <a:latin typeface="CMU Sans Serif" panose="02000603000000000000" pitchFamily="2" charset="0"/>
-                <a:ea typeface="CMU Sans Serif" panose="02000603000000000000" pitchFamily="2" charset="0"/>
-                <a:cs typeface="CMU Sans Serif" panose="02000603000000000000" pitchFamily="2" charset="0"/>
-              </a:rPr>
-              <a:t>– </a:t>
-            </a:r>
-            <a:r>
-              <a:rPr lang="fr-FR" sz="1600" dirty="0" smtClean="0">
-                <a:solidFill>
-                  <a:srgbClr val="000000"/>
-                </a:solidFill>
-                <a:latin typeface="CMU Sans Serif" panose="02000603000000000000" pitchFamily="2" charset="0"/>
-                <a:ea typeface="CMU Sans Serif" panose="02000603000000000000" pitchFamily="2" charset="0"/>
-                <a:cs typeface="CMU Sans Serif" panose="02000603000000000000" pitchFamily="2" charset="0"/>
-              </a:rPr>
-              <a:t>Service </a:t>
+              <a:t>Dom2 – Service </a:t>
             </a:r>
             <a:r>
               <a:rPr lang="fr-FR" sz="1600" dirty="0" err="1" smtClean="0">
@@ -7977,7 +7767,7 @@
                 <a:ea typeface="CMU Sans Serif" panose="02000603000000000000" pitchFamily="2" charset="0"/>
                 <a:cs typeface="CMU Sans Serif" panose="02000603000000000000" pitchFamily="2" charset="0"/>
               </a:rPr>
-              <a:t>Dom2 CM</a:t>
+              <a:t>Dom1 CM</a:t>
             </a:r>
           </a:p>
         </p:txBody>
@@ -8030,6 +7820,17 @@
           <a:p>
             <a:pPr algn="ctr"/>
             <a:r>
+              <a:rPr lang="fr-FR" sz="1400" smtClean="0">
+                <a:solidFill>
+                  <a:srgbClr val="000000"/>
+                </a:solidFill>
+                <a:latin typeface="CMU Sans Serif" panose="02000603000000000000" pitchFamily="2" charset="0"/>
+                <a:ea typeface="CMU Sans Serif" panose="02000603000000000000" pitchFamily="2" charset="0"/>
+                <a:cs typeface="CMU Sans Serif" panose="02000603000000000000" pitchFamily="2" charset="0"/>
+              </a:rPr>
+              <a:t>Dom2 </a:t>
+            </a:r>
+            <a:r>
               <a:rPr lang="fr-FR" sz="1400" dirty="0" smtClean="0">
                 <a:solidFill>
                   <a:srgbClr val="000000"/>
@@ -8038,7 +7839,7 @@
                 <a:ea typeface="CMU Sans Serif" panose="02000603000000000000" pitchFamily="2" charset="0"/>
                 <a:cs typeface="CMU Sans Serif" panose="02000603000000000000" pitchFamily="2" charset="0"/>
               </a:rPr>
-              <a:t>Dom3 CM</a:t>
+              <a:t>CM</a:t>
             </a:r>
           </a:p>
         </p:txBody>
@@ -8100,14 +7901,6 @@
               </a:rPr>
               <a:t>Sens. Driver</a:t>
             </a:r>
-            <a:endParaRPr lang="fr-FR" sz="1400" dirty="0" smtClean="0">
-              <a:solidFill>
-                <a:srgbClr val="000000"/>
-              </a:solidFill>
-              <a:latin typeface="CMU Sans Serif" panose="02000603000000000000" pitchFamily="2" charset="0"/>
-              <a:ea typeface="CMU Sans Serif" panose="02000603000000000000" pitchFamily="2" charset="0"/>
-              <a:cs typeface="CMU Sans Serif" panose="02000603000000000000" pitchFamily="2" charset="0"/>
-            </a:endParaRPr>
           </a:p>
         </p:txBody>
       </p:sp>
@@ -8246,14 +8039,6 @@
               </a:rPr>
               <a:t> Sens Mgr</a:t>
             </a:r>
-            <a:endParaRPr lang="fr-FR" sz="1400" dirty="0" smtClean="0">
-              <a:solidFill>
-                <a:srgbClr val="000000"/>
-              </a:solidFill>
-              <a:latin typeface="CMU Sans Serif" panose="02000603000000000000" pitchFamily="2" charset="0"/>
-              <a:ea typeface="CMU Sans Serif" panose="02000603000000000000" pitchFamily="2" charset="0"/>
-              <a:cs typeface="CMU Sans Serif" panose="02000603000000000000" pitchFamily="2" charset="0"/>
-            </a:endParaRPr>
           </a:p>
         </p:txBody>
       </p:sp>
@@ -8347,14 +8132,6 @@
               </a:rPr>
               <a:t> Mgr</a:t>
             </a:r>
-            <a:endParaRPr lang="fr-FR" sz="1400" dirty="0" smtClean="0">
-              <a:solidFill>
-                <a:srgbClr val="000000"/>
-              </a:solidFill>
-              <a:latin typeface="CMU Sans Serif" panose="02000603000000000000" pitchFamily="2" charset="0"/>
-              <a:ea typeface="CMU Sans Serif" panose="02000603000000000000" pitchFamily="2" charset="0"/>
-              <a:cs typeface="CMU Sans Serif" panose="02000603000000000000" pitchFamily="2" charset="0"/>
-            </a:endParaRPr>
           </a:p>
         </p:txBody>
       </p:sp>
@@ -8426,14 +8203,6 @@
               </a:rPr>
               <a:t>. Driver</a:t>
             </a:r>
-            <a:endParaRPr lang="fr-FR" sz="1400" dirty="0" smtClean="0">
-              <a:solidFill>
-                <a:srgbClr val="000000"/>
-              </a:solidFill>
-              <a:latin typeface="CMU Sans Serif" panose="02000603000000000000" pitchFamily="2" charset="0"/>
-              <a:ea typeface="CMU Sans Serif" panose="02000603000000000000" pitchFamily="2" charset="0"/>
-              <a:cs typeface="CMU Sans Serif" panose="02000603000000000000" pitchFamily="2" charset="0"/>
-            </a:endParaRPr>
           </a:p>
         </p:txBody>
       </p:sp>
@@ -8494,14 +8263,6 @@
               </a:rPr>
               <a:t>NW Driver</a:t>
             </a:r>
-            <a:endParaRPr lang="fr-FR" sz="1400" dirty="0" smtClean="0">
-              <a:solidFill>
-                <a:srgbClr val="000000"/>
-              </a:solidFill>
-              <a:latin typeface="CMU Sans Serif" panose="02000603000000000000" pitchFamily="2" charset="0"/>
-              <a:ea typeface="CMU Sans Serif" panose="02000603000000000000" pitchFamily="2" charset="0"/>
-              <a:cs typeface="CMU Sans Serif" panose="02000603000000000000" pitchFamily="2" charset="0"/>
-            </a:endParaRPr>
           </a:p>
         </p:txBody>
       </p:sp>
@@ -8664,14 +8425,6 @@
               </a:rPr>
               <a:t>Updater</a:t>
             </a:r>
-            <a:endParaRPr lang="fr-FR" sz="1400" dirty="0" smtClean="0">
-              <a:solidFill>
-                <a:srgbClr val="000000"/>
-              </a:solidFill>
-              <a:latin typeface="CMU Sans Serif" panose="02000603000000000000" pitchFamily="2" charset="0"/>
-              <a:ea typeface="CMU Sans Serif" panose="02000603000000000000" pitchFamily="2" charset="0"/>
-              <a:cs typeface="CMU Sans Serif" panose="02000603000000000000" pitchFamily="2" charset="0"/>
-            </a:endParaRPr>
           </a:p>
         </p:txBody>
       </p:sp>
@@ -8765,14 +8518,6 @@
               </a:rPr>
               <a:t> Updater</a:t>
             </a:r>
-            <a:endParaRPr lang="fr-FR" sz="1400" dirty="0" smtClean="0">
-              <a:solidFill>
-                <a:srgbClr val="000000"/>
-              </a:solidFill>
-              <a:latin typeface="CMU Sans Serif" panose="02000603000000000000" pitchFamily="2" charset="0"/>
-              <a:ea typeface="CMU Sans Serif" panose="02000603000000000000" pitchFamily="2" charset="0"/>
-              <a:cs typeface="CMU Sans Serif" panose="02000603000000000000" pitchFamily="2" charset="0"/>
-            </a:endParaRPr>
           </a:p>
         </p:txBody>
       </p:sp>
@@ -8844,14 +8589,6 @@
               </a:rPr>
               <a:t> Sens</a:t>
             </a:r>
-            <a:endParaRPr lang="fr-FR" sz="1400" dirty="0" smtClean="0">
-              <a:solidFill>
-                <a:srgbClr val="000000"/>
-              </a:solidFill>
-              <a:latin typeface="CMU Sans Serif" panose="02000603000000000000" pitchFamily="2" charset="0"/>
-              <a:ea typeface="CMU Sans Serif" panose="02000603000000000000" pitchFamily="2" charset="0"/>
-              <a:cs typeface="CMU Sans Serif" panose="02000603000000000000" pitchFamily="2" charset="0"/>
-            </a:endParaRPr>
           </a:p>
         </p:txBody>
       </p:sp>
@@ -9002,14 +8739,6 @@
               </a:rPr>
               <a:t>App2</a:t>
             </a:r>
-            <a:endParaRPr lang="fr-FR" sz="1400" dirty="0" smtClean="0">
-              <a:solidFill>
-                <a:srgbClr val="000000"/>
-              </a:solidFill>
-              <a:latin typeface="CMU Sans Serif" panose="02000603000000000000" pitchFamily="2" charset="0"/>
-              <a:ea typeface="CMU Sans Serif" panose="02000603000000000000" pitchFamily="2" charset="0"/>
-              <a:cs typeface="CMU Sans Serif" panose="02000603000000000000" pitchFamily="2" charset="0"/>
-            </a:endParaRPr>
           </a:p>
         </p:txBody>
       </p:sp>
@@ -9079,27 +8808,8 @@
                 <a:ea typeface="CMU Sans Serif" panose="02000603000000000000" pitchFamily="2" charset="0"/>
                 <a:cs typeface="CMU Sans Serif" panose="02000603000000000000" pitchFamily="2" charset="0"/>
               </a:rPr>
-              <a:t> NW</a:t>
-            </a:r>
-            <a:r>
-              <a:rPr lang="fr-FR" sz="1400" dirty="0" smtClean="0">
-                <a:solidFill>
-                  <a:srgbClr val="000000"/>
-                </a:solidFill>
-                <a:latin typeface="CMU Sans Serif" panose="02000603000000000000" pitchFamily="2" charset="0"/>
-                <a:ea typeface="CMU Sans Serif" panose="02000603000000000000" pitchFamily="2" charset="0"/>
-                <a:cs typeface="CMU Sans Serif" panose="02000603000000000000" pitchFamily="2" charset="0"/>
-              </a:rPr>
-              <a:t> Mgr</a:t>
-            </a:r>
-            <a:endParaRPr lang="fr-FR" sz="1400" dirty="0" smtClean="0">
-              <a:solidFill>
-                <a:srgbClr val="000000"/>
-              </a:solidFill>
-              <a:latin typeface="CMU Sans Serif" panose="02000603000000000000" pitchFamily="2" charset="0"/>
-              <a:ea typeface="CMU Sans Serif" panose="02000603000000000000" pitchFamily="2" charset="0"/>
-              <a:cs typeface="CMU Sans Serif" panose="02000603000000000000" pitchFamily="2" charset="0"/>
-            </a:endParaRPr>
+              <a:t> NW Mgr</a:t>
+            </a:r>
           </a:p>
         </p:txBody>
       </p:sp>
@@ -9229,14 +8939,6 @@
               </a:rPr>
               <a:t>.</a:t>
             </a:r>
-            <a:endParaRPr lang="fr-FR" sz="1400" dirty="0" smtClean="0">
-              <a:solidFill>
-                <a:srgbClr val="000000"/>
-              </a:solidFill>
-              <a:latin typeface="CMU Sans Serif" panose="02000603000000000000" pitchFamily="2" charset="0"/>
-              <a:ea typeface="CMU Sans Serif" panose="02000603000000000000" pitchFamily="2" charset="0"/>
-              <a:cs typeface="CMU Sans Serif" panose="02000603000000000000" pitchFamily="2" charset="0"/>
-            </a:endParaRPr>
           </a:p>
         </p:txBody>
       </p:sp>
@@ -9381,14 +9083,6 @@
               </a:rPr>
               <a:t>Admin Mgr</a:t>
             </a:r>
-            <a:endParaRPr lang="fr-FR" sz="1400" dirty="0" smtClean="0">
-              <a:solidFill>
-                <a:srgbClr val="000000"/>
-              </a:solidFill>
-              <a:latin typeface="CMU Sans Serif" panose="02000603000000000000" pitchFamily="2" charset="0"/>
-              <a:ea typeface="CMU Sans Serif" panose="02000603000000000000" pitchFamily="2" charset="0"/>
-              <a:cs typeface="CMU Sans Serif" panose="02000603000000000000" pitchFamily="2" charset="0"/>
-            </a:endParaRPr>
           </a:p>
         </p:txBody>
       </p:sp>
@@ -9594,14 +9288,6 @@
               </a:rPr>
               <a:t>.</a:t>
             </a:r>
-            <a:endParaRPr lang="fr-FR" sz="1400" dirty="0" smtClean="0">
-              <a:solidFill>
-                <a:srgbClr val="000000"/>
-              </a:solidFill>
-              <a:latin typeface="CMU Sans Serif" panose="02000603000000000000" pitchFamily="2" charset="0"/>
-              <a:ea typeface="CMU Sans Serif" panose="02000603000000000000" pitchFamily="2" charset="0"/>
-              <a:cs typeface="CMU Sans Serif" panose="02000603000000000000" pitchFamily="2" charset="0"/>
-            </a:endParaRPr>
           </a:p>
         </p:txBody>
       </p:sp>
@@ -9746,14 +9432,6 @@
               </a:rPr>
               <a:t>Admin Mgr</a:t>
             </a:r>
-            <a:endParaRPr lang="fr-FR" sz="1400" dirty="0" smtClean="0">
-              <a:solidFill>
-                <a:srgbClr val="000000"/>
-              </a:solidFill>
-              <a:latin typeface="CMU Sans Serif" panose="02000603000000000000" pitchFamily="2" charset="0"/>
-              <a:ea typeface="CMU Sans Serif" panose="02000603000000000000" pitchFamily="2" charset="0"/>
-              <a:cs typeface="CMU Sans Serif" panose="02000603000000000000" pitchFamily="2" charset="0"/>
-            </a:endParaRPr>
           </a:p>
         </p:txBody>
       </p:sp>
@@ -9963,14 +9641,6 @@
               </a:rPr>
               <a:t>.</a:t>
             </a:r>
-            <a:endParaRPr lang="fr-FR" sz="1400" dirty="0" smtClean="0">
-              <a:solidFill>
-                <a:srgbClr val="000000"/>
-              </a:solidFill>
-              <a:latin typeface="CMU Sans Serif" panose="02000603000000000000" pitchFamily="2" charset="0"/>
-              <a:ea typeface="CMU Sans Serif" panose="02000603000000000000" pitchFamily="2" charset="0"/>
-              <a:cs typeface="CMU Sans Serif" panose="02000603000000000000" pitchFamily="2" charset="0"/>
-            </a:endParaRPr>
           </a:p>
         </p:txBody>
       </p:sp>
@@ -10123,14 +9793,6 @@
               </a:rPr>
               <a:t>Admin Mgr</a:t>
             </a:r>
-            <a:endParaRPr lang="fr-FR" sz="1400" dirty="0" smtClean="0">
-              <a:solidFill>
-                <a:srgbClr val="000000"/>
-              </a:solidFill>
-              <a:latin typeface="CMU Sans Serif" panose="02000603000000000000" pitchFamily="2" charset="0"/>
-              <a:ea typeface="CMU Sans Serif" panose="02000603000000000000" pitchFamily="2" charset="0"/>
-              <a:cs typeface="CMU Sans Serif" panose="02000603000000000000" pitchFamily="2" charset="0"/>
-            </a:endParaRPr>
           </a:p>
         </p:txBody>
       </p:sp>

--- a/papier/odsi_wp1wp3/figures/layers.pptx
+++ b/papier/odsi_wp1wp3/figures/layers.pptx
@@ -5,11 +5,12 @@
     <p:sldMasterId id="2147483658" r:id="rId1"/>
   </p:sldMasterIdLst>
   <p:notesMasterIdLst>
-    <p:notesMasterId r:id="rId4"/>
+    <p:notesMasterId r:id="rId5"/>
   </p:notesMasterIdLst>
   <p:sldIdLst>
     <p:sldId id="269" r:id="rId2"/>
-    <p:sldId id="270" r:id="rId3"/>
+    <p:sldId id="271" r:id="rId3"/>
+    <p:sldId id="270" r:id="rId4"/>
   </p:sldIdLst>
   <p:sldSz cx="9144000" cy="5143500" type="screen16x9"/>
   <p:notesSz cx="6858000" cy="9144000"/>
@@ -110,7 +111,7 @@
   </p:defaultTextStyle>
   <p:extLst>
     <p:ext uri="{EFAFB233-063F-42B5-8137-9DF3F51BA10A}">
-      <p15:sldGuideLst xmlns="" xmlns:p15="http://schemas.microsoft.com/office/powerpoint/2012/main">
+      <p15:sldGuideLst xmlns:p15="http://schemas.microsoft.com/office/powerpoint/2012/main" xmlns="">
         <p15:guide id="9" orient="horz" pos="169">
           <p15:clr>
             <a:srgbClr val="A4A3A4"/>
@@ -154,7 +155,7 @@
       </p15:sldGuideLst>
     </p:ext>
     <p:ext uri="{2D200454-40CA-4A62-9FC3-DE9A4176ACB9}">
-      <p15:notesGuideLst xmlns="" xmlns:p15="http://schemas.microsoft.com/office/powerpoint/2012/main"/>
+      <p15:notesGuideLst xmlns:p15="http://schemas.microsoft.com/office/powerpoint/2012/main" xmlns=""/>
     </p:ext>
   </p:extLst>
 </p:presentation>
@@ -247,7 +248,7 @@
             <a:fld id="{14F63557-65CD-470F-8999-4C3C411BE899}" type="datetimeFigureOut">
               <a:rPr lang="en-GB" smtClean="0"/>
               <a:pPr/>
-              <a:t>19/03/2018</a:t>
+              <a:t>29/03/2018</a:t>
             </a:fld>
             <a:endParaRPr lang="en-GB"/>
           </a:p>
@@ -4412,7 +4413,7 @@
   </p:txStyles>
   <p:extLst mod="1">
     <p:ext uri="{27BBF7A9-308A-43DC-89C8-2F10F3537804}">
-      <p15:sldGuideLst xmlns="" xmlns:p15="http://schemas.microsoft.com/office/powerpoint/2012/main"/>
+      <p15:sldGuideLst xmlns:p15="http://schemas.microsoft.com/office/powerpoint/2012/main" xmlns=""/>
     </p:ext>
   </p:extLst>
 </p:sldMaster>
@@ -4540,8 +4541,16 @@
                 <a:ea typeface="CMU Sans Serif" panose="02000603000000000000" pitchFamily="2" charset="0"/>
                 <a:cs typeface="CMU Sans Serif" panose="02000603000000000000" pitchFamily="2" charset="0"/>
               </a:rPr>
-              <a:t>PIP</a:t>
-            </a:r>
+              <a:t>PIP (virtualisation solution)</a:t>
+            </a:r>
+            <a:endParaRPr lang="fr-FR" sz="1600" dirty="0" smtClean="0">
+              <a:solidFill>
+                <a:schemeClr val="bg1"/>
+              </a:solidFill>
+              <a:latin typeface="CMU Sans Serif" panose="02000603000000000000" pitchFamily="2" charset="0"/>
+              <a:ea typeface="CMU Sans Serif" panose="02000603000000000000" pitchFamily="2" charset="0"/>
+              <a:cs typeface="CMU Sans Serif" panose="02000603000000000000" pitchFamily="2" charset="0"/>
+            </a:endParaRPr>
           </a:p>
         </p:txBody>
       </p:sp>
@@ -4599,6 +4608,39 @@
                 <a:cs typeface="CMU Sans Serif" panose="02000603000000000000" pitchFamily="2" charset="0"/>
               </a:rPr>
               <a:t>FreeRTOS</a:t>
+            </a:r>
+            <a:r>
+              <a:rPr lang="fr-FR" sz="1600" dirty="0" smtClean="0">
+                <a:solidFill>
+                  <a:schemeClr val="tx1"/>
+                </a:solidFill>
+                <a:latin typeface="CMU Sans Serif" panose="02000603000000000000" pitchFamily="2" charset="0"/>
+                <a:ea typeface="CMU Sans Serif" panose="02000603000000000000" pitchFamily="2" charset="0"/>
+                <a:cs typeface="CMU Sans Serif" panose="02000603000000000000" pitchFamily="2" charset="0"/>
+              </a:rPr>
+              <a:t> / High </a:t>
+            </a:r>
+            <a:r>
+              <a:rPr lang="fr-FR" sz="1600" dirty="0" err="1" smtClean="0">
+                <a:solidFill>
+                  <a:schemeClr val="tx1"/>
+                </a:solidFill>
+                <a:latin typeface="CMU Sans Serif" panose="02000603000000000000" pitchFamily="2" charset="0"/>
+                <a:ea typeface="CMU Sans Serif" panose="02000603000000000000" pitchFamily="2" charset="0"/>
+                <a:cs typeface="CMU Sans Serif" panose="02000603000000000000" pitchFamily="2" charset="0"/>
+              </a:rPr>
+              <a:t>level</a:t>
+            </a:r>
+            <a:r>
+              <a:rPr lang="fr-FR" sz="1600" dirty="0" smtClean="0">
+                <a:solidFill>
+                  <a:schemeClr val="tx1"/>
+                </a:solidFill>
+                <a:latin typeface="CMU Sans Serif" panose="02000603000000000000" pitchFamily="2" charset="0"/>
+                <a:ea typeface="CMU Sans Serif" panose="02000603000000000000" pitchFamily="2" charset="0"/>
+                <a:cs typeface="CMU Sans Serif" panose="02000603000000000000" pitchFamily="2" charset="0"/>
+              </a:rPr>
+              <a:t> OS</a:t>
             </a:r>
             <a:endParaRPr lang="fr-FR" sz="1600" dirty="0" smtClean="0">
               <a:solidFill>
@@ -7341,14 +7383,602 @@
       </p:grpSpPr>
       <p:sp>
         <p:nvSpPr>
+          <p:cNvPr id="4" name="Rectangle 3"/>
+          <p:cNvSpPr/>
+          <p:nvPr/>
+        </p:nvSpPr>
+        <p:spPr>
+          <a:xfrm>
+            <a:off x="593708" y="4731990"/>
+            <a:ext cx="8514796" cy="288032"/>
+          </a:xfrm>
+          <a:prstGeom prst="rect">
+            <a:avLst/>
+          </a:prstGeom>
+          <a:solidFill>
+            <a:schemeClr val="tx1"/>
+          </a:solidFill>
+          <a:ln>
+            <a:noFill/>
+          </a:ln>
+        </p:spPr>
+        <p:style>
+          <a:lnRef idx="2">
+            <a:schemeClr val="accent1">
+              <a:shade val="50000"/>
+            </a:schemeClr>
+          </a:lnRef>
+          <a:fillRef idx="1">
+            <a:schemeClr val="accent1"/>
+          </a:fillRef>
+          <a:effectRef idx="0">
+            <a:schemeClr val="accent1"/>
+          </a:effectRef>
+          <a:fontRef idx="minor">
+            <a:schemeClr val="lt1"/>
+          </a:fontRef>
+        </p:style>
+        <p:txBody>
+          <a:bodyPr rtlCol="0" anchor="t"/>
+          <a:lstStyle/>
+          <a:p>
+            <a:r>
+              <a:rPr lang="fr-FR" sz="1600" dirty="0" smtClean="0">
+                <a:solidFill>
+                  <a:schemeClr val="bg1"/>
+                </a:solidFill>
+                <a:latin typeface="CMU Sans Serif" panose="02000603000000000000" pitchFamily="2" charset="0"/>
+                <a:ea typeface="CMU Sans Serif" panose="02000603000000000000" pitchFamily="2" charset="0"/>
+                <a:cs typeface="CMU Sans Serif" panose="02000603000000000000" pitchFamily="2" charset="0"/>
+              </a:rPr>
+              <a:t>Hardware</a:t>
+            </a:r>
+          </a:p>
+        </p:txBody>
+      </p:sp>
+      <p:sp>
+        <p:nvSpPr>
+          <p:cNvPr id="5" name="Rectangle 4"/>
+          <p:cNvSpPr/>
+          <p:nvPr/>
+        </p:nvSpPr>
+        <p:spPr>
+          <a:xfrm>
+            <a:off x="593708" y="4238982"/>
+            <a:ext cx="8514796" cy="420999"/>
+          </a:xfrm>
+          <a:prstGeom prst="rect">
+            <a:avLst/>
+          </a:prstGeom>
+          <a:solidFill>
+            <a:schemeClr val="tx1"/>
+          </a:solidFill>
+          <a:ln>
+            <a:noFill/>
+          </a:ln>
+        </p:spPr>
+        <p:style>
+          <a:lnRef idx="2">
+            <a:schemeClr val="accent1">
+              <a:shade val="50000"/>
+            </a:schemeClr>
+          </a:lnRef>
+          <a:fillRef idx="1">
+            <a:schemeClr val="accent1"/>
+          </a:fillRef>
+          <a:effectRef idx="0">
+            <a:schemeClr val="accent1"/>
+          </a:effectRef>
+          <a:fontRef idx="minor">
+            <a:schemeClr val="lt1"/>
+          </a:fontRef>
+        </p:style>
+        <p:txBody>
+          <a:bodyPr rtlCol="0" anchor="t"/>
+          <a:lstStyle/>
+          <a:p>
+            <a:r>
+              <a:rPr lang="fr-FR" sz="1600" dirty="0" smtClean="0">
+                <a:solidFill>
+                  <a:schemeClr val="bg1"/>
+                </a:solidFill>
+                <a:latin typeface="CMU Sans Serif" panose="02000603000000000000" pitchFamily="2" charset="0"/>
+                <a:ea typeface="CMU Sans Serif" panose="02000603000000000000" pitchFamily="2" charset="0"/>
+                <a:cs typeface="CMU Sans Serif" panose="02000603000000000000" pitchFamily="2" charset="0"/>
+              </a:rPr>
+              <a:t>PIP (virtualisation solution)</a:t>
+            </a:r>
+            <a:endParaRPr lang="fr-FR" sz="1600" dirty="0" smtClean="0">
+              <a:solidFill>
+                <a:schemeClr val="bg1"/>
+              </a:solidFill>
+              <a:latin typeface="CMU Sans Serif" panose="02000603000000000000" pitchFamily="2" charset="0"/>
+              <a:ea typeface="CMU Sans Serif" panose="02000603000000000000" pitchFamily="2" charset="0"/>
+              <a:cs typeface="CMU Sans Serif" panose="02000603000000000000" pitchFamily="2" charset="0"/>
+            </a:endParaRPr>
+          </a:p>
+        </p:txBody>
+      </p:sp>
+      <p:sp>
+        <p:nvSpPr>
           <p:cNvPr id="25" name="Rectangle 24"/>
           <p:cNvSpPr/>
           <p:nvPr/>
         </p:nvSpPr>
         <p:spPr>
           <a:xfrm>
-            <a:off x="548640" y="339502"/>
-            <a:ext cx="8415848" cy="3815938"/>
+            <a:off x="600511" y="222756"/>
+            <a:ext cx="4068353" cy="3955266"/>
+          </a:xfrm>
+          <a:prstGeom prst="rect">
+            <a:avLst/>
+          </a:prstGeom>
+          <a:solidFill>
+            <a:schemeClr val="bg1">
+              <a:lumMod val="75000"/>
+            </a:schemeClr>
+          </a:solidFill>
+          <a:ln>
+            <a:solidFill>
+              <a:srgbClr val="000000"/>
+            </a:solidFill>
+          </a:ln>
+        </p:spPr>
+        <p:style>
+          <a:lnRef idx="2">
+            <a:schemeClr val="dk1"/>
+          </a:lnRef>
+          <a:fillRef idx="1">
+            <a:schemeClr val="lt1"/>
+          </a:fillRef>
+          <a:effectRef idx="0">
+            <a:schemeClr val="dk1"/>
+          </a:effectRef>
+          <a:fontRef idx="minor">
+            <a:schemeClr val="dk1"/>
+          </a:fontRef>
+        </p:style>
+        <p:txBody>
+          <a:bodyPr rtlCol="0" anchor="t"/>
+          <a:lstStyle/>
+          <a:p>
+            <a:pPr algn="ctr"/>
+            <a:r>
+              <a:rPr lang="fr-FR" sz="1400" dirty="0" smtClean="0">
+                <a:solidFill>
+                  <a:srgbClr val="000000"/>
+                </a:solidFill>
+                <a:latin typeface="CMU Sans Serif" panose="02000603000000000000" pitchFamily="2" charset="0"/>
+                <a:ea typeface="CMU Sans Serif" panose="02000603000000000000" pitchFamily="2" charset="0"/>
+                <a:cs typeface="CMU Sans Serif" panose="02000603000000000000" pitchFamily="2" charset="0"/>
+              </a:rPr>
+              <a:t>Dom0 – </a:t>
+            </a:r>
+            <a:r>
+              <a:rPr lang="fr-FR" sz="1400" dirty="0" err="1" smtClean="0">
+                <a:solidFill>
+                  <a:srgbClr val="000000"/>
+                </a:solidFill>
+                <a:latin typeface="CMU Sans Serif" panose="02000603000000000000" pitchFamily="2" charset="0"/>
+                <a:ea typeface="CMU Sans Serif" panose="02000603000000000000" pitchFamily="2" charset="0"/>
+                <a:cs typeface="CMU Sans Serif" panose="02000603000000000000" pitchFamily="2" charset="0"/>
+              </a:rPr>
+              <a:t>Owner</a:t>
+            </a:r>
+            <a:endParaRPr lang="fr-FR" sz="1400" dirty="0" smtClean="0">
+              <a:solidFill>
+                <a:srgbClr val="000000"/>
+              </a:solidFill>
+              <a:latin typeface="CMU Sans Serif" panose="02000603000000000000" pitchFamily="2" charset="0"/>
+              <a:ea typeface="CMU Sans Serif" panose="02000603000000000000" pitchFamily="2" charset="0"/>
+              <a:cs typeface="CMU Sans Serif" panose="02000603000000000000" pitchFamily="2" charset="0"/>
+            </a:endParaRPr>
+          </a:p>
+          <a:p>
+            <a:pPr algn="ctr"/>
+            <a:r>
+              <a:rPr lang="fr-FR" sz="1400" dirty="0" smtClean="0">
+                <a:solidFill>
+                  <a:srgbClr val="000000"/>
+                </a:solidFill>
+                <a:latin typeface="CMU Sans Serif" panose="02000603000000000000" pitchFamily="2" charset="0"/>
+                <a:ea typeface="CMU Sans Serif" panose="02000603000000000000" pitchFamily="2" charset="0"/>
+                <a:cs typeface="CMU Sans Serif" panose="02000603000000000000" pitchFamily="2" charset="0"/>
+              </a:rPr>
+              <a:t>Direct </a:t>
+            </a:r>
+            <a:r>
+              <a:rPr lang="fr-FR" sz="1400" dirty="0" err="1" smtClean="0">
+                <a:solidFill>
+                  <a:srgbClr val="000000"/>
+                </a:solidFill>
+                <a:latin typeface="CMU Sans Serif" panose="02000603000000000000" pitchFamily="2" charset="0"/>
+                <a:ea typeface="CMU Sans Serif" panose="02000603000000000000" pitchFamily="2" charset="0"/>
+                <a:cs typeface="CMU Sans Serif" panose="02000603000000000000" pitchFamily="2" charset="0"/>
+              </a:rPr>
+              <a:t>link</a:t>
+            </a:r>
+            <a:r>
+              <a:rPr lang="fr-FR" sz="1400" dirty="0" smtClean="0">
+                <a:solidFill>
+                  <a:srgbClr val="000000"/>
+                </a:solidFill>
+                <a:latin typeface="CMU Sans Serif" panose="02000603000000000000" pitchFamily="2" charset="0"/>
+                <a:ea typeface="CMU Sans Serif" panose="02000603000000000000" pitchFamily="2" charset="0"/>
+                <a:cs typeface="CMU Sans Serif" panose="02000603000000000000" pitchFamily="2" charset="0"/>
+              </a:rPr>
+              <a:t> </a:t>
+            </a:r>
+            <a:r>
+              <a:rPr lang="fr-FR" sz="1400" dirty="0" err="1" smtClean="0">
+                <a:solidFill>
+                  <a:srgbClr val="000000"/>
+                </a:solidFill>
+                <a:latin typeface="CMU Sans Serif" panose="02000603000000000000" pitchFamily="2" charset="0"/>
+                <a:ea typeface="CMU Sans Serif" panose="02000603000000000000" pitchFamily="2" charset="0"/>
+                <a:cs typeface="CMU Sans Serif" panose="02000603000000000000" pitchFamily="2" charset="0"/>
+              </a:rPr>
+              <a:t>with</a:t>
+            </a:r>
+            <a:r>
+              <a:rPr lang="fr-FR" sz="1400" dirty="0" smtClean="0">
+                <a:solidFill>
+                  <a:srgbClr val="000000"/>
+                </a:solidFill>
+                <a:latin typeface="CMU Sans Serif" panose="02000603000000000000" pitchFamily="2" charset="0"/>
+                <a:ea typeface="CMU Sans Serif" panose="02000603000000000000" pitchFamily="2" charset="0"/>
+                <a:cs typeface="CMU Sans Serif" panose="02000603000000000000" pitchFamily="2" charset="0"/>
+              </a:rPr>
+              <a:t> GPIO</a:t>
+            </a:r>
+          </a:p>
+        </p:txBody>
+      </p:sp>
+      <p:sp>
+        <p:nvSpPr>
+          <p:cNvPr id="27" name="Rectangle 26"/>
+          <p:cNvSpPr/>
+          <p:nvPr/>
+        </p:nvSpPr>
+        <p:spPr>
+          <a:xfrm>
+            <a:off x="4730855" y="227742"/>
+            <a:ext cx="2160000" cy="3950280"/>
+          </a:xfrm>
+          <a:prstGeom prst="rect">
+            <a:avLst/>
+          </a:prstGeom>
+          <a:solidFill>
+            <a:schemeClr val="bg1">
+              <a:lumMod val="95000"/>
+            </a:schemeClr>
+          </a:solidFill>
+          <a:ln>
+            <a:solidFill>
+              <a:srgbClr val="000000"/>
+            </a:solidFill>
+          </a:ln>
+        </p:spPr>
+        <p:style>
+          <a:lnRef idx="2">
+            <a:schemeClr val="accent4">
+              <a:shade val="50000"/>
+            </a:schemeClr>
+          </a:lnRef>
+          <a:fillRef idx="1">
+            <a:schemeClr val="accent4"/>
+          </a:fillRef>
+          <a:effectRef idx="0">
+            <a:schemeClr val="accent4"/>
+          </a:effectRef>
+          <a:fontRef idx="minor">
+            <a:schemeClr val="lt1"/>
+          </a:fontRef>
+        </p:style>
+        <p:txBody>
+          <a:bodyPr rtlCol="0" anchor="t"/>
+          <a:lstStyle/>
+          <a:p>
+            <a:pPr algn="ctr"/>
+            <a:r>
+              <a:rPr lang="fr-FR" sz="1400" dirty="0" smtClean="0">
+                <a:solidFill>
+                  <a:srgbClr val="000000"/>
+                </a:solidFill>
+                <a:latin typeface="CMU Sans Serif" panose="02000603000000000000" pitchFamily="2" charset="0"/>
+                <a:ea typeface="CMU Sans Serif" panose="02000603000000000000" pitchFamily="2" charset="0"/>
+                <a:cs typeface="CMU Sans Serif" panose="02000603000000000000" pitchFamily="2" charset="0"/>
+              </a:rPr>
+              <a:t>Dom1 – </a:t>
+            </a:r>
+            <a:r>
+              <a:rPr lang="fr-FR" sz="1400" dirty="0" err="1" smtClean="0">
+                <a:solidFill>
+                  <a:srgbClr val="000000"/>
+                </a:solidFill>
+                <a:latin typeface="CMU Sans Serif" panose="02000603000000000000" pitchFamily="2" charset="0"/>
+                <a:ea typeface="CMU Sans Serif" panose="02000603000000000000" pitchFamily="2" charset="0"/>
+                <a:cs typeface="CMU Sans Serif" panose="02000603000000000000" pitchFamily="2" charset="0"/>
+              </a:rPr>
+              <a:t>Maintainer</a:t>
+            </a:r>
+            <a:endParaRPr lang="fr-FR" sz="1400" dirty="0" smtClean="0">
+              <a:solidFill>
+                <a:srgbClr val="000000"/>
+              </a:solidFill>
+              <a:latin typeface="CMU Sans Serif" panose="02000603000000000000" pitchFamily="2" charset="0"/>
+              <a:ea typeface="CMU Sans Serif" panose="02000603000000000000" pitchFamily="2" charset="0"/>
+              <a:cs typeface="CMU Sans Serif" panose="02000603000000000000" pitchFamily="2" charset="0"/>
+            </a:endParaRPr>
+          </a:p>
+        </p:txBody>
+      </p:sp>
+      <p:sp>
+        <p:nvSpPr>
+          <p:cNvPr id="28" name="Rectangle 27"/>
+          <p:cNvSpPr/>
+          <p:nvPr/>
+        </p:nvSpPr>
+        <p:spPr>
+          <a:xfrm>
+            <a:off x="6936724" y="227742"/>
+            <a:ext cx="2160000" cy="3950280"/>
+          </a:xfrm>
+          <a:prstGeom prst="rect">
+            <a:avLst/>
+          </a:prstGeom>
+          <a:solidFill>
+            <a:schemeClr val="bg1">
+              <a:lumMod val="95000"/>
+            </a:schemeClr>
+          </a:solidFill>
+          <a:ln>
+            <a:solidFill>
+              <a:srgbClr val="000000"/>
+            </a:solidFill>
+          </a:ln>
+        </p:spPr>
+        <p:style>
+          <a:lnRef idx="2">
+            <a:schemeClr val="accent5">
+              <a:shade val="50000"/>
+            </a:schemeClr>
+          </a:lnRef>
+          <a:fillRef idx="1">
+            <a:schemeClr val="accent5"/>
+          </a:fillRef>
+          <a:effectRef idx="0">
+            <a:schemeClr val="accent5"/>
+          </a:effectRef>
+          <a:fontRef idx="minor">
+            <a:schemeClr val="lt1"/>
+          </a:fontRef>
+        </p:style>
+        <p:txBody>
+          <a:bodyPr rtlCol="0" anchor="t"/>
+          <a:lstStyle/>
+          <a:p>
+            <a:pPr algn="ctr"/>
+            <a:r>
+              <a:rPr lang="fr-FR" sz="1400" dirty="0" smtClean="0">
+                <a:solidFill>
+                  <a:srgbClr val="000000"/>
+                </a:solidFill>
+                <a:latin typeface="CMU Sans Serif" panose="02000603000000000000" pitchFamily="2" charset="0"/>
+                <a:ea typeface="CMU Sans Serif" panose="02000603000000000000" pitchFamily="2" charset="0"/>
+                <a:cs typeface="CMU Sans Serif" panose="02000603000000000000" pitchFamily="2" charset="0"/>
+              </a:rPr>
+              <a:t>Dom2 – Service </a:t>
+            </a:r>
+            <a:r>
+              <a:rPr lang="fr-FR" sz="1400" dirty="0" err="1" smtClean="0">
+                <a:solidFill>
+                  <a:srgbClr val="000000"/>
+                </a:solidFill>
+                <a:latin typeface="CMU Sans Serif" panose="02000603000000000000" pitchFamily="2" charset="0"/>
+                <a:ea typeface="CMU Sans Serif" panose="02000603000000000000" pitchFamily="2" charset="0"/>
+                <a:cs typeface="CMU Sans Serif" panose="02000603000000000000" pitchFamily="2" charset="0"/>
+              </a:rPr>
+              <a:t>Prov</a:t>
+            </a:r>
+            <a:r>
+              <a:rPr lang="fr-FR" sz="1400" smtClean="0">
+                <a:solidFill>
+                  <a:srgbClr val="000000"/>
+                </a:solidFill>
+                <a:latin typeface="CMU Sans Serif" panose="02000603000000000000" pitchFamily="2" charset="0"/>
+                <a:ea typeface="CMU Sans Serif" panose="02000603000000000000" pitchFamily="2" charset="0"/>
+                <a:cs typeface="CMU Sans Serif" panose="02000603000000000000" pitchFamily="2" charset="0"/>
+              </a:rPr>
+              <a:t>.</a:t>
+            </a:r>
+            <a:endParaRPr lang="fr-FR" sz="1400" dirty="0" smtClean="0">
+              <a:solidFill>
+                <a:srgbClr val="000000"/>
+              </a:solidFill>
+              <a:latin typeface="CMU Sans Serif" panose="02000603000000000000" pitchFamily="2" charset="0"/>
+              <a:ea typeface="CMU Sans Serif" panose="02000603000000000000" pitchFamily="2" charset="0"/>
+              <a:cs typeface="CMU Sans Serif" panose="02000603000000000000" pitchFamily="2" charset="0"/>
+            </a:endParaRPr>
+          </a:p>
+        </p:txBody>
+      </p:sp>
+      <p:sp>
+        <p:nvSpPr>
+          <p:cNvPr id="100" name="Rectangle à coins arrondis 99"/>
+          <p:cNvSpPr/>
+          <p:nvPr/>
+        </p:nvSpPr>
+        <p:spPr>
+          <a:xfrm rot="16200000">
+            <a:off x="-972905" y="1327622"/>
+            <a:ext cx="2631759" cy="432000"/>
+          </a:xfrm>
+          <a:prstGeom prst="roundRect">
+            <a:avLst/>
+          </a:prstGeom>
+          <a:ln/>
+        </p:spPr>
+        <p:style>
+          <a:lnRef idx="2">
+            <a:schemeClr val="dk1"/>
+          </a:lnRef>
+          <a:fillRef idx="1">
+            <a:schemeClr val="lt1"/>
+          </a:fillRef>
+          <a:effectRef idx="0">
+            <a:schemeClr val="dk1"/>
+          </a:effectRef>
+          <a:fontRef idx="minor">
+            <a:schemeClr val="dk1"/>
+          </a:fontRef>
+        </p:style>
+        <p:txBody>
+          <a:bodyPr rtlCol="0" anchor="ctr"/>
+          <a:lstStyle/>
+          <a:p>
+            <a:pPr algn="ctr"/>
+            <a:r>
+              <a:rPr lang="fr-FR" sz="1400" dirty="0" smtClean="0">
+                <a:solidFill>
+                  <a:srgbClr val="000000"/>
+                </a:solidFill>
+                <a:latin typeface="CMU Sans Serif" panose="02000603000000000000" pitchFamily="2" charset="0"/>
+                <a:ea typeface="CMU Sans Serif" panose="02000603000000000000" pitchFamily="2" charset="0"/>
+                <a:cs typeface="CMU Sans Serif" panose="02000603000000000000" pitchFamily="2" charset="0"/>
+              </a:rPr>
+              <a:t>Application layer</a:t>
+            </a:r>
+          </a:p>
+        </p:txBody>
+      </p:sp>
+      <p:sp>
+        <p:nvSpPr>
+          <p:cNvPr id="101" name="Rectangle à coins arrondis 100"/>
+          <p:cNvSpPr/>
+          <p:nvPr/>
+        </p:nvSpPr>
+        <p:spPr>
+          <a:xfrm rot="16200000">
+            <a:off x="-269093" y="3349953"/>
+            <a:ext cx="1224137" cy="432000"/>
+          </a:xfrm>
+          <a:prstGeom prst="roundRect">
+            <a:avLst/>
+          </a:prstGeom>
+          <a:ln/>
+        </p:spPr>
+        <p:style>
+          <a:lnRef idx="2">
+            <a:schemeClr val="dk1"/>
+          </a:lnRef>
+          <a:fillRef idx="1">
+            <a:schemeClr val="lt1"/>
+          </a:fillRef>
+          <a:effectRef idx="0">
+            <a:schemeClr val="dk1"/>
+          </a:effectRef>
+          <a:fontRef idx="minor">
+            <a:schemeClr val="dk1"/>
+          </a:fontRef>
+        </p:style>
+        <p:txBody>
+          <a:bodyPr rtlCol="0" anchor="ctr"/>
+          <a:lstStyle/>
+          <a:p>
+            <a:pPr algn="ctr"/>
+            <a:r>
+              <a:rPr lang="fr-FR" sz="1400" dirty="0" smtClean="0">
+                <a:solidFill>
+                  <a:srgbClr val="000000"/>
+                </a:solidFill>
+                <a:latin typeface="CMU Sans Serif" panose="02000603000000000000" pitchFamily="2" charset="0"/>
+                <a:ea typeface="CMU Sans Serif" panose="02000603000000000000" pitchFamily="2" charset="0"/>
+                <a:cs typeface="CMU Sans Serif" panose="02000603000000000000" pitchFamily="2" charset="0"/>
+              </a:rPr>
+              <a:t>OS layer</a:t>
+            </a:r>
+          </a:p>
+        </p:txBody>
+      </p:sp>
+      <p:sp>
+        <p:nvSpPr>
+          <p:cNvPr id="104" name="Rectangle à coins arrondis 103"/>
+          <p:cNvSpPr/>
+          <p:nvPr/>
+        </p:nvSpPr>
+        <p:spPr>
+          <a:xfrm rot="16200000">
+            <a:off x="-36269" y="4424779"/>
+            <a:ext cx="758489" cy="432000"/>
+          </a:xfrm>
+          <a:prstGeom prst="roundRect">
+            <a:avLst/>
+          </a:prstGeom>
+          <a:ln/>
+        </p:spPr>
+        <p:style>
+          <a:lnRef idx="2">
+            <a:schemeClr val="dk1"/>
+          </a:lnRef>
+          <a:fillRef idx="1">
+            <a:schemeClr val="lt1"/>
+          </a:fillRef>
+          <a:effectRef idx="0">
+            <a:schemeClr val="dk1"/>
+          </a:effectRef>
+          <a:fontRef idx="minor">
+            <a:schemeClr val="dk1"/>
+          </a:fontRef>
+        </p:style>
+        <p:txBody>
+          <a:bodyPr rtlCol="0" anchor="ctr"/>
+          <a:lstStyle/>
+          <a:p>
+            <a:pPr algn="ctr"/>
+            <a:r>
+              <a:rPr lang="fr-FR" sz="1400" dirty="0" smtClean="0">
+                <a:solidFill>
+                  <a:srgbClr val="000000"/>
+                </a:solidFill>
+                <a:latin typeface="CMU Sans Serif" panose="02000603000000000000" pitchFamily="2" charset="0"/>
+                <a:ea typeface="CMU Sans Serif" panose="02000603000000000000" pitchFamily="2" charset="0"/>
+                <a:cs typeface="CMU Sans Serif" panose="02000603000000000000" pitchFamily="2" charset="0"/>
+              </a:rPr>
+              <a:t>HW &amp; </a:t>
+            </a:r>
+            <a:r>
+              <a:rPr lang="fr-FR" sz="1400" dirty="0" err="1" smtClean="0">
+                <a:solidFill>
+                  <a:srgbClr val="000000"/>
+                </a:solidFill>
+                <a:latin typeface="CMU Sans Serif" panose="02000603000000000000" pitchFamily="2" charset="0"/>
+                <a:ea typeface="CMU Sans Serif" panose="02000603000000000000" pitchFamily="2" charset="0"/>
+                <a:cs typeface="CMU Sans Serif" panose="02000603000000000000" pitchFamily="2" charset="0"/>
+              </a:rPr>
+              <a:t>kernel</a:t>
+            </a:r>
+            <a:endParaRPr lang="fr-FR" sz="1400" dirty="0" smtClean="0">
+              <a:solidFill>
+                <a:srgbClr val="000000"/>
+              </a:solidFill>
+              <a:latin typeface="CMU Sans Serif" panose="02000603000000000000" pitchFamily="2" charset="0"/>
+              <a:ea typeface="CMU Sans Serif" panose="02000603000000000000" pitchFamily="2" charset="0"/>
+              <a:cs typeface="CMU Sans Serif" panose="02000603000000000000" pitchFamily="2" charset="0"/>
+            </a:endParaRPr>
+          </a:p>
+        </p:txBody>
+      </p:sp>
+      <p:sp>
+        <p:nvSpPr>
+          <p:cNvPr id="45" name="Rectangle 44"/>
+          <p:cNvSpPr/>
+          <p:nvPr/>
+        </p:nvSpPr>
+        <p:spPr>
+          <a:xfrm>
+            <a:off x="649536" y="834350"/>
+            <a:ext cx="720000" cy="576000"/>
           </a:xfrm>
           <a:prstGeom prst="rect">
             <a:avLst/>
@@ -7381,30 +8011,2574 @@
           </a:fontRef>
         </p:style>
         <p:txBody>
+          <a:bodyPr rtlCol="0" anchor="ctr"/>
+          <a:lstStyle/>
+          <a:p>
+            <a:pPr algn="ctr"/>
+            <a:r>
+              <a:rPr lang="fr-FR" sz="1400" dirty="0" smtClean="0">
+                <a:solidFill>
+                  <a:srgbClr val="000000"/>
+                </a:solidFill>
+                <a:latin typeface="CMU Sans Serif" panose="02000603000000000000" pitchFamily="2" charset="0"/>
+                <a:ea typeface="CMU Sans Serif" panose="02000603000000000000" pitchFamily="2" charset="0"/>
+                <a:cs typeface="CMU Sans Serif" panose="02000603000000000000" pitchFamily="2" charset="0"/>
+              </a:rPr>
+              <a:t>Sens. Driver</a:t>
+            </a:r>
+          </a:p>
+        </p:txBody>
+      </p:sp>
+      <p:sp>
+        <p:nvSpPr>
+          <p:cNvPr id="50" name="Rectangle 49"/>
+          <p:cNvSpPr/>
+          <p:nvPr/>
+        </p:nvSpPr>
+        <p:spPr>
+          <a:xfrm>
+            <a:off x="1519456" y="834286"/>
+            <a:ext cx="900000" cy="576064"/>
+          </a:xfrm>
+          <a:prstGeom prst="rect">
+            <a:avLst/>
+          </a:prstGeom>
+          <a:solidFill>
+            <a:schemeClr val="bg1">
+              <a:lumMod val="75000"/>
+            </a:schemeClr>
+          </a:solidFill>
+          <a:ln>
+            <a:solidFill>
+              <a:srgbClr val="000000"/>
+            </a:solidFill>
+          </a:ln>
+        </p:spPr>
+        <p:style>
+          <a:lnRef idx="2">
+            <a:schemeClr val="accent2">
+              <a:shade val="50000"/>
+            </a:schemeClr>
+          </a:lnRef>
+          <a:fillRef idx="1">
+            <a:schemeClr val="accent2"/>
+          </a:fillRef>
+          <a:effectRef idx="0">
+            <a:schemeClr val="accent2"/>
+          </a:effectRef>
+          <a:fontRef idx="minor">
+            <a:schemeClr val="lt1"/>
+          </a:fontRef>
+        </p:style>
+        <p:txBody>
+          <a:bodyPr rtlCol="0" anchor="ctr"/>
+          <a:lstStyle/>
+          <a:p>
+            <a:pPr algn="ctr"/>
+            <a:r>
+              <a:rPr lang="fr-FR" sz="1400" dirty="0" err="1" smtClean="0">
+                <a:solidFill>
+                  <a:srgbClr val="000000"/>
+                </a:solidFill>
+                <a:latin typeface="CMU Sans Serif" panose="02000603000000000000" pitchFamily="2" charset="0"/>
+                <a:ea typeface="CMU Sans Serif" panose="02000603000000000000" pitchFamily="2" charset="0"/>
+                <a:cs typeface="CMU Sans Serif" panose="02000603000000000000" pitchFamily="2" charset="0"/>
+              </a:rPr>
+              <a:t>Virt</a:t>
+            </a:r>
+            <a:r>
+              <a:rPr lang="fr-FR" sz="1400" dirty="0" smtClean="0">
+                <a:solidFill>
+                  <a:srgbClr val="000000"/>
+                </a:solidFill>
+                <a:latin typeface="CMU Sans Serif" panose="02000603000000000000" pitchFamily="2" charset="0"/>
+                <a:ea typeface="CMU Sans Serif" panose="02000603000000000000" pitchFamily="2" charset="0"/>
+                <a:cs typeface="CMU Sans Serif" panose="02000603000000000000" pitchFamily="2" charset="0"/>
+              </a:rPr>
+              <a:t> Sens Mgr</a:t>
+            </a:r>
+          </a:p>
+        </p:txBody>
+      </p:sp>
+      <p:sp>
+        <p:nvSpPr>
+          <p:cNvPr id="51" name="Rectangle 50"/>
+          <p:cNvSpPr/>
+          <p:nvPr/>
+        </p:nvSpPr>
+        <p:spPr>
+          <a:xfrm>
+            <a:off x="1509984" y="1481306"/>
+            <a:ext cx="900000" cy="582855"/>
+          </a:xfrm>
+          <a:prstGeom prst="rect">
+            <a:avLst/>
+          </a:prstGeom>
+          <a:solidFill>
+            <a:schemeClr val="bg1">
+              <a:lumMod val="75000"/>
+            </a:schemeClr>
+          </a:solidFill>
+          <a:ln>
+            <a:solidFill>
+              <a:srgbClr val="000000"/>
+            </a:solidFill>
+          </a:ln>
+        </p:spPr>
+        <p:style>
+          <a:lnRef idx="2">
+            <a:schemeClr val="accent2">
+              <a:shade val="50000"/>
+            </a:schemeClr>
+          </a:lnRef>
+          <a:fillRef idx="1">
+            <a:schemeClr val="accent2"/>
+          </a:fillRef>
+          <a:effectRef idx="0">
+            <a:schemeClr val="accent2"/>
+          </a:effectRef>
+          <a:fontRef idx="minor">
+            <a:schemeClr val="lt1"/>
+          </a:fontRef>
+        </p:style>
+        <p:txBody>
+          <a:bodyPr rtlCol="0" anchor="ctr"/>
+          <a:lstStyle/>
+          <a:p>
+            <a:pPr algn="ctr"/>
+            <a:r>
+              <a:rPr lang="fr-FR" sz="1400" dirty="0" err="1" smtClean="0">
+                <a:solidFill>
+                  <a:srgbClr val="000000"/>
+                </a:solidFill>
+                <a:latin typeface="CMU Sans Serif" panose="02000603000000000000" pitchFamily="2" charset="0"/>
+                <a:ea typeface="CMU Sans Serif" panose="02000603000000000000" pitchFamily="2" charset="0"/>
+                <a:cs typeface="CMU Sans Serif" panose="02000603000000000000" pitchFamily="2" charset="0"/>
+              </a:rPr>
+              <a:t>Virt</a:t>
+            </a:r>
+            <a:r>
+              <a:rPr lang="fr-FR" sz="1400" dirty="0" smtClean="0">
+                <a:solidFill>
+                  <a:srgbClr val="000000"/>
+                </a:solidFill>
+                <a:latin typeface="CMU Sans Serif" panose="02000603000000000000" pitchFamily="2" charset="0"/>
+                <a:ea typeface="CMU Sans Serif" panose="02000603000000000000" pitchFamily="2" charset="0"/>
+                <a:cs typeface="CMU Sans Serif" panose="02000603000000000000" pitchFamily="2" charset="0"/>
+              </a:rPr>
+              <a:t> </a:t>
+            </a:r>
+            <a:r>
+              <a:rPr lang="fr-FR" sz="1400" dirty="0" err="1" smtClean="0">
+                <a:solidFill>
+                  <a:srgbClr val="000000"/>
+                </a:solidFill>
+                <a:latin typeface="CMU Sans Serif" panose="02000603000000000000" pitchFamily="2" charset="0"/>
+                <a:ea typeface="CMU Sans Serif" panose="02000603000000000000" pitchFamily="2" charset="0"/>
+                <a:cs typeface="CMU Sans Serif" panose="02000603000000000000" pitchFamily="2" charset="0"/>
+              </a:rPr>
+              <a:t>Act</a:t>
+            </a:r>
+            <a:r>
+              <a:rPr lang="fr-FR" sz="1400" dirty="0" smtClean="0">
+                <a:solidFill>
+                  <a:srgbClr val="000000"/>
+                </a:solidFill>
+                <a:latin typeface="CMU Sans Serif" panose="02000603000000000000" pitchFamily="2" charset="0"/>
+                <a:ea typeface="CMU Sans Serif" panose="02000603000000000000" pitchFamily="2" charset="0"/>
+                <a:cs typeface="CMU Sans Serif" panose="02000603000000000000" pitchFamily="2" charset="0"/>
+              </a:rPr>
+              <a:t> Mgr</a:t>
+            </a:r>
+          </a:p>
+        </p:txBody>
+      </p:sp>
+      <p:sp>
+        <p:nvSpPr>
+          <p:cNvPr id="52" name="Rectangle 51"/>
+          <p:cNvSpPr/>
+          <p:nvPr/>
+        </p:nvSpPr>
+        <p:spPr>
+          <a:xfrm>
+            <a:off x="649536" y="1482422"/>
+            <a:ext cx="720000" cy="576000"/>
+          </a:xfrm>
+          <a:prstGeom prst="rect">
+            <a:avLst/>
+          </a:prstGeom>
+          <a:solidFill>
+            <a:schemeClr val="bg1">
+              <a:lumMod val="75000"/>
+            </a:schemeClr>
+          </a:solidFill>
+          <a:ln>
+            <a:solidFill>
+              <a:srgbClr val="000000"/>
+            </a:solidFill>
+          </a:ln>
+        </p:spPr>
+        <p:style>
+          <a:lnRef idx="2">
+            <a:schemeClr val="accent3">
+              <a:shade val="50000"/>
+            </a:schemeClr>
+          </a:lnRef>
+          <a:fillRef idx="1">
+            <a:schemeClr val="accent3"/>
+          </a:fillRef>
+          <a:effectRef idx="0">
+            <a:schemeClr val="accent3"/>
+          </a:effectRef>
+          <a:fontRef idx="minor">
+            <a:schemeClr val="lt1"/>
+          </a:fontRef>
+        </p:style>
+        <p:txBody>
+          <a:bodyPr rtlCol="0" anchor="ctr"/>
+          <a:lstStyle/>
+          <a:p>
+            <a:pPr algn="ctr"/>
+            <a:r>
+              <a:rPr lang="fr-FR" sz="1400" dirty="0" err="1" smtClean="0">
+                <a:solidFill>
+                  <a:srgbClr val="000000"/>
+                </a:solidFill>
+                <a:latin typeface="CMU Sans Serif" panose="02000603000000000000" pitchFamily="2" charset="0"/>
+                <a:ea typeface="CMU Sans Serif" panose="02000603000000000000" pitchFamily="2" charset="0"/>
+                <a:cs typeface="CMU Sans Serif" panose="02000603000000000000" pitchFamily="2" charset="0"/>
+              </a:rPr>
+              <a:t>Act</a:t>
+            </a:r>
+            <a:r>
+              <a:rPr lang="fr-FR" sz="1400" dirty="0" smtClean="0">
+                <a:solidFill>
+                  <a:srgbClr val="000000"/>
+                </a:solidFill>
+                <a:latin typeface="CMU Sans Serif" panose="02000603000000000000" pitchFamily="2" charset="0"/>
+                <a:ea typeface="CMU Sans Serif" panose="02000603000000000000" pitchFamily="2" charset="0"/>
+                <a:cs typeface="CMU Sans Serif" panose="02000603000000000000" pitchFamily="2" charset="0"/>
+              </a:rPr>
+              <a:t>. Driver</a:t>
+            </a:r>
+          </a:p>
+        </p:txBody>
+      </p:sp>
+      <p:sp>
+        <p:nvSpPr>
+          <p:cNvPr id="53" name="Rectangle 52"/>
+          <p:cNvSpPr/>
+          <p:nvPr/>
+        </p:nvSpPr>
+        <p:spPr>
+          <a:xfrm>
+            <a:off x="666688" y="2130494"/>
+            <a:ext cx="720000" cy="576000"/>
+          </a:xfrm>
+          <a:prstGeom prst="rect">
+            <a:avLst/>
+          </a:prstGeom>
+          <a:solidFill>
+            <a:schemeClr val="bg1">
+              <a:lumMod val="75000"/>
+            </a:schemeClr>
+          </a:solidFill>
+          <a:ln>
+            <a:solidFill>
+              <a:srgbClr val="000000"/>
+            </a:solidFill>
+          </a:ln>
+        </p:spPr>
+        <p:style>
+          <a:lnRef idx="2">
+            <a:schemeClr val="accent3">
+              <a:shade val="50000"/>
+            </a:schemeClr>
+          </a:lnRef>
+          <a:fillRef idx="1">
+            <a:schemeClr val="accent3"/>
+          </a:fillRef>
+          <a:effectRef idx="0">
+            <a:schemeClr val="accent3"/>
+          </a:effectRef>
+          <a:fontRef idx="minor">
+            <a:schemeClr val="lt1"/>
+          </a:fontRef>
+        </p:style>
+        <p:txBody>
+          <a:bodyPr rtlCol="0" anchor="ctr"/>
+          <a:lstStyle/>
+          <a:p>
+            <a:pPr algn="ctr"/>
+            <a:r>
+              <a:rPr lang="fr-FR" sz="1400" dirty="0" smtClean="0">
+                <a:solidFill>
+                  <a:srgbClr val="000000"/>
+                </a:solidFill>
+                <a:latin typeface="CMU Sans Serif" panose="02000603000000000000" pitchFamily="2" charset="0"/>
+                <a:ea typeface="CMU Sans Serif" panose="02000603000000000000" pitchFamily="2" charset="0"/>
+                <a:cs typeface="CMU Sans Serif" panose="02000603000000000000" pitchFamily="2" charset="0"/>
+              </a:rPr>
+              <a:t>NW Driver</a:t>
+            </a:r>
+          </a:p>
+        </p:txBody>
+      </p:sp>
+      <p:sp>
+        <p:nvSpPr>
+          <p:cNvPr id="55" name="Rectangle 54"/>
+          <p:cNvSpPr/>
+          <p:nvPr/>
+        </p:nvSpPr>
+        <p:spPr>
+          <a:xfrm>
+            <a:off x="1509984" y="2130570"/>
+            <a:ext cx="900000" cy="582855"/>
+          </a:xfrm>
+          <a:prstGeom prst="rect">
+            <a:avLst/>
+          </a:prstGeom>
+          <a:solidFill>
+            <a:schemeClr val="bg1">
+              <a:lumMod val="75000"/>
+            </a:schemeClr>
+          </a:solidFill>
+          <a:ln>
+            <a:solidFill>
+              <a:srgbClr val="000000"/>
+            </a:solidFill>
+          </a:ln>
+        </p:spPr>
+        <p:style>
+          <a:lnRef idx="2">
+            <a:schemeClr val="accent2">
+              <a:shade val="50000"/>
+            </a:schemeClr>
+          </a:lnRef>
+          <a:fillRef idx="1">
+            <a:schemeClr val="accent2"/>
+          </a:fillRef>
+          <a:effectRef idx="0">
+            <a:schemeClr val="accent2"/>
+          </a:effectRef>
+          <a:fontRef idx="minor">
+            <a:schemeClr val="lt1"/>
+          </a:fontRef>
+        </p:style>
+        <p:txBody>
+          <a:bodyPr rtlCol="0" anchor="ctr"/>
+          <a:lstStyle/>
+          <a:p>
+            <a:pPr algn="ctr"/>
+            <a:r>
+              <a:rPr lang="fr-FR" sz="1400" dirty="0" err="1" smtClean="0">
+                <a:solidFill>
+                  <a:srgbClr val="000000"/>
+                </a:solidFill>
+                <a:latin typeface="CMU Sans Serif" panose="02000603000000000000" pitchFamily="2" charset="0"/>
+                <a:ea typeface="CMU Sans Serif" panose="02000603000000000000" pitchFamily="2" charset="0"/>
+                <a:cs typeface="CMU Sans Serif" panose="02000603000000000000" pitchFamily="2" charset="0"/>
+              </a:rPr>
+              <a:t>Virt</a:t>
+            </a:r>
+            <a:r>
+              <a:rPr lang="fr-FR" sz="1400" dirty="0" smtClean="0">
+                <a:solidFill>
+                  <a:srgbClr val="000000"/>
+                </a:solidFill>
+                <a:latin typeface="CMU Sans Serif" panose="02000603000000000000" pitchFamily="2" charset="0"/>
+                <a:ea typeface="CMU Sans Serif" panose="02000603000000000000" pitchFamily="2" charset="0"/>
+                <a:cs typeface="CMU Sans Serif" panose="02000603000000000000" pitchFamily="2" charset="0"/>
+              </a:rPr>
+              <a:t> NW Mgr</a:t>
+            </a:r>
+          </a:p>
+        </p:txBody>
+      </p:sp>
+      <p:sp>
+        <p:nvSpPr>
+          <p:cNvPr id="83" name="Rectangle 82"/>
+          <p:cNvSpPr/>
+          <p:nvPr/>
+        </p:nvSpPr>
+        <p:spPr>
+          <a:xfrm>
+            <a:off x="4901152" y="506030"/>
+            <a:ext cx="792000" cy="720080"/>
+          </a:xfrm>
+          <a:prstGeom prst="rect">
+            <a:avLst/>
+          </a:prstGeom>
+          <a:solidFill>
+            <a:schemeClr val="bg1">
+              <a:lumMod val="95000"/>
+            </a:schemeClr>
+          </a:solidFill>
+          <a:ln>
+            <a:solidFill>
+              <a:srgbClr val="000000"/>
+            </a:solidFill>
+          </a:ln>
+        </p:spPr>
+        <p:style>
+          <a:lnRef idx="2">
+            <a:schemeClr val="accent4">
+              <a:shade val="50000"/>
+            </a:schemeClr>
+          </a:lnRef>
+          <a:fillRef idx="1">
+            <a:schemeClr val="accent4"/>
+          </a:fillRef>
+          <a:effectRef idx="0">
+            <a:schemeClr val="accent4"/>
+          </a:effectRef>
+          <a:fontRef idx="minor">
+            <a:schemeClr val="lt1"/>
+          </a:fontRef>
+        </p:style>
+        <p:txBody>
+          <a:bodyPr rtlCol="0" anchor="ctr"/>
+          <a:lstStyle/>
+          <a:p>
+            <a:pPr algn="ctr"/>
+            <a:r>
+              <a:rPr lang="fr-FR" sz="1400" dirty="0" err="1" smtClean="0">
+                <a:solidFill>
+                  <a:srgbClr val="000000"/>
+                </a:solidFill>
+                <a:latin typeface="CMU Sans Serif" panose="02000603000000000000" pitchFamily="2" charset="0"/>
+                <a:ea typeface="CMU Sans Serif" panose="02000603000000000000" pitchFamily="2" charset="0"/>
+                <a:cs typeface="CMU Sans Serif" panose="02000603000000000000" pitchFamily="2" charset="0"/>
+              </a:rPr>
+              <a:t>Virt</a:t>
+            </a:r>
+            <a:r>
+              <a:rPr lang="fr-FR" sz="1400" dirty="0" smtClean="0">
+                <a:solidFill>
+                  <a:srgbClr val="000000"/>
+                </a:solidFill>
+                <a:latin typeface="CMU Sans Serif" panose="02000603000000000000" pitchFamily="2" charset="0"/>
+                <a:ea typeface="CMU Sans Serif" panose="02000603000000000000" pitchFamily="2" charset="0"/>
+                <a:cs typeface="CMU Sans Serif" panose="02000603000000000000" pitchFamily="2" charset="0"/>
+              </a:rPr>
+              <a:t> Sens</a:t>
+            </a:r>
+            <a:r>
+              <a:rPr lang="fr-FR" sz="1400" dirty="0">
+                <a:solidFill>
+                  <a:srgbClr val="000000"/>
+                </a:solidFill>
+                <a:latin typeface="CMU Sans Serif" panose="02000603000000000000" pitchFamily="2" charset="0"/>
+                <a:ea typeface="CMU Sans Serif" panose="02000603000000000000" pitchFamily="2" charset="0"/>
+                <a:cs typeface="CMU Sans Serif" panose="02000603000000000000" pitchFamily="2" charset="0"/>
+              </a:rPr>
+              <a:t> </a:t>
+            </a:r>
+            <a:r>
+              <a:rPr lang="fr-FR" sz="1400" dirty="0" smtClean="0">
+                <a:solidFill>
+                  <a:srgbClr val="000000"/>
+                </a:solidFill>
+                <a:latin typeface="CMU Sans Serif" panose="02000603000000000000" pitchFamily="2" charset="0"/>
+                <a:ea typeface="CMU Sans Serif" panose="02000603000000000000" pitchFamily="2" charset="0"/>
+                <a:cs typeface="CMU Sans Serif" panose="02000603000000000000" pitchFamily="2" charset="0"/>
+              </a:rPr>
+              <a:t>Updater</a:t>
+            </a:r>
+          </a:p>
+        </p:txBody>
+      </p:sp>
+      <p:sp>
+        <p:nvSpPr>
+          <p:cNvPr id="84" name="Rectangle 83"/>
+          <p:cNvSpPr/>
+          <p:nvPr/>
+        </p:nvSpPr>
+        <p:spPr>
+          <a:xfrm>
+            <a:off x="5950888" y="506030"/>
+            <a:ext cx="792000" cy="720080"/>
+          </a:xfrm>
+          <a:prstGeom prst="rect">
+            <a:avLst/>
+          </a:prstGeom>
+          <a:solidFill>
+            <a:schemeClr val="bg1">
+              <a:lumMod val="95000"/>
+            </a:schemeClr>
+          </a:solidFill>
+          <a:ln>
+            <a:solidFill>
+              <a:srgbClr val="000000"/>
+            </a:solidFill>
+          </a:ln>
+        </p:spPr>
+        <p:style>
+          <a:lnRef idx="2">
+            <a:schemeClr val="accent4">
+              <a:shade val="50000"/>
+            </a:schemeClr>
+          </a:lnRef>
+          <a:fillRef idx="1">
+            <a:schemeClr val="accent4"/>
+          </a:fillRef>
+          <a:effectRef idx="0">
+            <a:schemeClr val="accent4"/>
+          </a:effectRef>
+          <a:fontRef idx="minor">
+            <a:schemeClr val="lt1"/>
+          </a:fontRef>
+        </p:style>
+        <p:txBody>
+          <a:bodyPr rtlCol="0" anchor="ctr"/>
+          <a:lstStyle/>
+          <a:p>
+            <a:pPr algn="ctr"/>
+            <a:r>
+              <a:rPr lang="fr-FR" sz="1400" dirty="0" err="1" smtClean="0">
+                <a:solidFill>
+                  <a:srgbClr val="000000"/>
+                </a:solidFill>
+                <a:latin typeface="CMU Sans Serif" panose="02000603000000000000" pitchFamily="2" charset="0"/>
+                <a:ea typeface="CMU Sans Serif" panose="02000603000000000000" pitchFamily="2" charset="0"/>
+                <a:cs typeface="CMU Sans Serif" panose="02000603000000000000" pitchFamily="2" charset="0"/>
+              </a:rPr>
+              <a:t>Virt</a:t>
+            </a:r>
+            <a:r>
+              <a:rPr lang="fr-FR" sz="1400" dirty="0" smtClean="0">
+                <a:solidFill>
+                  <a:srgbClr val="000000"/>
+                </a:solidFill>
+                <a:latin typeface="CMU Sans Serif" panose="02000603000000000000" pitchFamily="2" charset="0"/>
+                <a:ea typeface="CMU Sans Serif" panose="02000603000000000000" pitchFamily="2" charset="0"/>
+                <a:cs typeface="CMU Sans Serif" panose="02000603000000000000" pitchFamily="2" charset="0"/>
+              </a:rPr>
+              <a:t> </a:t>
+            </a:r>
+            <a:r>
+              <a:rPr lang="fr-FR" sz="1400" dirty="0" err="1" smtClean="0">
+                <a:solidFill>
+                  <a:srgbClr val="000000"/>
+                </a:solidFill>
+                <a:latin typeface="CMU Sans Serif" panose="02000603000000000000" pitchFamily="2" charset="0"/>
+                <a:ea typeface="CMU Sans Serif" panose="02000603000000000000" pitchFamily="2" charset="0"/>
+                <a:cs typeface="CMU Sans Serif" panose="02000603000000000000" pitchFamily="2" charset="0"/>
+              </a:rPr>
+              <a:t>Act</a:t>
+            </a:r>
+            <a:r>
+              <a:rPr lang="fr-FR" sz="1400" dirty="0" smtClean="0">
+                <a:solidFill>
+                  <a:srgbClr val="000000"/>
+                </a:solidFill>
+                <a:latin typeface="CMU Sans Serif" panose="02000603000000000000" pitchFamily="2" charset="0"/>
+                <a:ea typeface="CMU Sans Serif" panose="02000603000000000000" pitchFamily="2" charset="0"/>
+                <a:cs typeface="CMU Sans Serif" panose="02000603000000000000" pitchFamily="2" charset="0"/>
+              </a:rPr>
+              <a:t> Updater</a:t>
+            </a:r>
+          </a:p>
+        </p:txBody>
+      </p:sp>
+      <p:sp>
+        <p:nvSpPr>
+          <p:cNvPr id="85" name="Rectangle 84"/>
+          <p:cNvSpPr/>
+          <p:nvPr/>
+        </p:nvSpPr>
+        <p:spPr>
+          <a:xfrm>
+            <a:off x="7081735" y="495436"/>
+            <a:ext cx="612000" cy="720080"/>
+          </a:xfrm>
+          <a:prstGeom prst="rect">
+            <a:avLst/>
+          </a:prstGeom>
+          <a:solidFill>
+            <a:schemeClr val="bg1">
+              <a:lumMod val="95000"/>
+            </a:schemeClr>
+          </a:solidFill>
+          <a:ln>
+            <a:solidFill>
+              <a:srgbClr val="000000"/>
+            </a:solidFill>
+          </a:ln>
+        </p:spPr>
+        <p:style>
+          <a:lnRef idx="2">
+            <a:schemeClr val="accent5">
+              <a:shade val="50000"/>
+            </a:schemeClr>
+          </a:lnRef>
+          <a:fillRef idx="1">
+            <a:schemeClr val="accent5"/>
+          </a:fillRef>
+          <a:effectRef idx="0">
+            <a:schemeClr val="accent5"/>
+          </a:effectRef>
+          <a:fontRef idx="minor">
+            <a:schemeClr val="lt1"/>
+          </a:fontRef>
+        </p:style>
+        <p:txBody>
+          <a:bodyPr rtlCol="0" anchor="ctr"/>
+          <a:lstStyle/>
+          <a:p>
+            <a:pPr algn="ctr"/>
+            <a:r>
+              <a:rPr lang="fr-FR" sz="1400" dirty="0" err="1" smtClean="0">
+                <a:solidFill>
+                  <a:srgbClr val="000000"/>
+                </a:solidFill>
+                <a:latin typeface="CMU Sans Serif" panose="02000603000000000000" pitchFamily="2" charset="0"/>
+                <a:ea typeface="CMU Sans Serif" panose="02000603000000000000" pitchFamily="2" charset="0"/>
+                <a:cs typeface="CMU Sans Serif" panose="02000603000000000000" pitchFamily="2" charset="0"/>
+              </a:rPr>
+              <a:t>Virt</a:t>
+            </a:r>
+            <a:r>
+              <a:rPr lang="fr-FR" sz="1400" dirty="0" smtClean="0">
+                <a:solidFill>
+                  <a:srgbClr val="000000"/>
+                </a:solidFill>
+                <a:latin typeface="CMU Sans Serif" panose="02000603000000000000" pitchFamily="2" charset="0"/>
+                <a:ea typeface="CMU Sans Serif" panose="02000603000000000000" pitchFamily="2" charset="0"/>
+                <a:cs typeface="CMU Sans Serif" panose="02000603000000000000" pitchFamily="2" charset="0"/>
+              </a:rPr>
+              <a:t> Sens</a:t>
+            </a:r>
+          </a:p>
+        </p:txBody>
+      </p:sp>
+      <p:sp>
+        <p:nvSpPr>
+          <p:cNvPr id="87" name="Rectangle 86"/>
+          <p:cNvSpPr/>
+          <p:nvPr/>
+        </p:nvSpPr>
+        <p:spPr>
+          <a:xfrm>
+            <a:off x="7765711" y="495436"/>
+            <a:ext cx="612000" cy="720080"/>
+          </a:xfrm>
+          <a:prstGeom prst="rect">
+            <a:avLst/>
+          </a:prstGeom>
+          <a:solidFill>
+            <a:schemeClr val="bg1">
+              <a:lumMod val="95000"/>
+            </a:schemeClr>
+          </a:solidFill>
+          <a:ln>
+            <a:solidFill>
+              <a:srgbClr val="000000"/>
+            </a:solidFill>
+          </a:ln>
+        </p:spPr>
+        <p:style>
+          <a:lnRef idx="2">
+            <a:schemeClr val="accent5">
+              <a:shade val="50000"/>
+            </a:schemeClr>
+          </a:lnRef>
+          <a:fillRef idx="1">
+            <a:schemeClr val="accent5"/>
+          </a:fillRef>
+          <a:effectRef idx="0">
+            <a:schemeClr val="accent5"/>
+          </a:effectRef>
+          <a:fontRef idx="minor">
+            <a:schemeClr val="lt1"/>
+          </a:fontRef>
+        </p:style>
+        <p:txBody>
+          <a:bodyPr rtlCol="0" anchor="ctr"/>
+          <a:lstStyle/>
+          <a:p>
+            <a:pPr algn="ctr"/>
+            <a:r>
+              <a:rPr lang="fr-FR" sz="1400" dirty="0" err="1" smtClean="0">
+                <a:solidFill>
+                  <a:srgbClr val="000000"/>
+                </a:solidFill>
+                <a:latin typeface="CMU Sans Serif" panose="02000603000000000000" pitchFamily="2" charset="0"/>
+                <a:ea typeface="CMU Sans Serif" panose="02000603000000000000" pitchFamily="2" charset="0"/>
+                <a:cs typeface="CMU Sans Serif" panose="02000603000000000000" pitchFamily="2" charset="0"/>
+              </a:rPr>
+              <a:t>Virt</a:t>
+            </a:r>
+            <a:r>
+              <a:rPr lang="fr-FR" sz="1400" dirty="0" smtClean="0">
+                <a:solidFill>
+                  <a:srgbClr val="000000"/>
+                </a:solidFill>
+                <a:latin typeface="CMU Sans Serif" panose="02000603000000000000" pitchFamily="2" charset="0"/>
+                <a:ea typeface="CMU Sans Serif" panose="02000603000000000000" pitchFamily="2" charset="0"/>
+                <a:cs typeface="CMU Sans Serif" panose="02000603000000000000" pitchFamily="2" charset="0"/>
+              </a:rPr>
+              <a:t> </a:t>
+            </a:r>
+            <a:r>
+              <a:rPr lang="fr-FR" sz="1400" dirty="0" err="1" smtClean="0">
+                <a:solidFill>
+                  <a:srgbClr val="000000"/>
+                </a:solidFill>
+                <a:latin typeface="CMU Sans Serif" panose="02000603000000000000" pitchFamily="2" charset="0"/>
+                <a:ea typeface="CMU Sans Serif" panose="02000603000000000000" pitchFamily="2" charset="0"/>
+                <a:cs typeface="CMU Sans Serif" panose="02000603000000000000" pitchFamily="2" charset="0"/>
+              </a:rPr>
+              <a:t>Act</a:t>
+            </a:r>
+            <a:endParaRPr lang="fr-FR" sz="1400" dirty="0" smtClean="0">
+              <a:solidFill>
+                <a:srgbClr val="000000"/>
+              </a:solidFill>
+              <a:latin typeface="CMU Sans Serif" panose="02000603000000000000" pitchFamily="2" charset="0"/>
+              <a:ea typeface="CMU Sans Serif" panose="02000603000000000000" pitchFamily="2" charset="0"/>
+              <a:cs typeface="CMU Sans Serif" panose="02000603000000000000" pitchFamily="2" charset="0"/>
+            </a:endParaRPr>
+          </a:p>
+        </p:txBody>
+      </p:sp>
+      <p:sp>
+        <p:nvSpPr>
+          <p:cNvPr id="97" name="Rectangle 96"/>
+          <p:cNvSpPr/>
+          <p:nvPr/>
+        </p:nvSpPr>
+        <p:spPr>
+          <a:xfrm>
+            <a:off x="8456262" y="495476"/>
+            <a:ext cx="517006" cy="720080"/>
+          </a:xfrm>
+          <a:prstGeom prst="rect">
+            <a:avLst/>
+          </a:prstGeom>
+          <a:solidFill>
+            <a:schemeClr val="bg1">
+              <a:lumMod val="95000"/>
+            </a:schemeClr>
+          </a:solidFill>
+          <a:ln>
+            <a:solidFill>
+              <a:srgbClr val="000000"/>
+            </a:solidFill>
+          </a:ln>
+        </p:spPr>
+        <p:style>
+          <a:lnRef idx="2">
+            <a:schemeClr val="accent5">
+              <a:shade val="50000"/>
+            </a:schemeClr>
+          </a:lnRef>
+          <a:fillRef idx="1">
+            <a:schemeClr val="accent5"/>
+          </a:fillRef>
+          <a:effectRef idx="0">
+            <a:schemeClr val="accent5"/>
+          </a:effectRef>
+          <a:fontRef idx="minor">
+            <a:schemeClr val="lt1"/>
+          </a:fontRef>
+        </p:style>
+        <p:txBody>
+          <a:bodyPr rtlCol="0" anchor="ctr"/>
+          <a:lstStyle/>
+          <a:p>
+            <a:pPr algn="ctr"/>
+            <a:r>
+              <a:rPr lang="fr-FR" sz="1400" dirty="0" smtClean="0">
+                <a:solidFill>
+                  <a:srgbClr val="000000"/>
+                </a:solidFill>
+                <a:latin typeface="CMU Sans Serif" panose="02000603000000000000" pitchFamily="2" charset="0"/>
+                <a:ea typeface="CMU Sans Serif" panose="02000603000000000000" pitchFamily="2" charset="0"/>
+                <a:cs typeface="CMU Sans Serif" panose="02000603000000000000" pitchFamily="2" charset="0"/>
+              </a:rPr>
+              <a:t>App2</a:t>
+            </a:r>
+          </a:p>
+        </p:txBody>
+      </p:sp>
+      <p:sp>
+        <p:nvSpPr>
+          <p:cNvPr id="2" name="Rectangle 1"/>
+          <p:cNvSpPr/>
+          <p:nvPr/>
+        </p:nvSpPr>
+        <p:spPr>
+          <a:xfrm>
+            <a:off x="2528944" y="957116"/>
+            <a:ext cx="2083696" cy="1705772"/>
+          </a:xfrm>
+          <a:prstGeom prst="rect">
+            <a:avLst/>
+          </a:prstGeom>
+          <a:noFill/>
+          <a:ln>
+            <a:solidFill>
+              <a:schemeClr val="tx1"/>
+            </a:solidFill>
+          </a:ln>
+        </p:spPr>
+        <p:style>
+          <a:lnRef idx="2">
+            <a:schemeClr val="accent1">
+              <a:shade val="50000"/>
+            </a:schemeClr>
+          </a:lnRef>
+          <a:fillRef idx="1">
+            <a:schemeClr val="accent1"/>
+          </a:fillRef>
+          <a:effectRef idx="0">
+            <a:schemeClr val="accent1"/>
+          </a:effectRef>
+          <a:fontRef idx="minor">
+            <a:schemeClr val="lt1"/>
+          </a:fontRef>
+        </p:style>
+        <p:txBody>
+          <a:bodyPr rtlCol="0" anchor="ctr"/>
+          <a:lstStyle/>
+          <a:p>
+            <a:pPr algn="ctr"/>
+            <a:endParaRPr lang="fr-FR" sz="1600" dirty="0" smtClean="0">
+              <a:solidFill>
+                <a:srgbClr val="000000"/>
+              </a:solidFill>
+            </a:endParaRPr>
+          </a:p>
+        </p:txBody>
+      </p:sp>
+      <p:sp>
+        <p:nvSpPr>
+          <p:cNvPr id="47" name="Rectangle 46"/>
+          <p:cNvSpPr/>
+          <p:nvPr/>
+        </p:nvSpPr>
+        <p:spPr>
+          <a:xfrm>
+            <a:off x="2632080" y="2226342"/>
+            <a:ext cx="1861840" cy="288000"/>
+          </a:xfrm>
+          <a:prstGeom prst="rect">
+            <a:avLst/>
+          </a:prstGeom>
+          <a:solidFill>
+            <a:schemeClr val="bg1">
+              <a:lumMod val="75000"/>
+            </a:schemeClr>
+          </a:solidFill>
+          <a:ln>
+            <a:solidFill>
+              <a:srgbClr val="000000"/>
+            </a:solidFill>
+            <a:prstDash val="sysDot"/>
+          </a:ln>
+        </p:spPr>
+        <p:style>
+          <a:lnRef idx="2">
+            <a:schemeClr val="accent2">
+              <a:shade val="50000"/>
+            </a:schemeClr>
+          </a:lnRef>
+          <a:fillRef idx="1">
+            <a:schemeClr val="accent2"/>
+          </a:fillRef>
+          <a:effectRef idx="0">
+            <a:schemeClr val="accent2"/>
+          </a:effectRef>
+          <a:fontRef idx="minor">
+            <a:schemeClr val="lt1"/>
+          </a:fontRef>
+        </p:style>
+        <p:txBody>
+          <a:bodyPr rtlCol="0" anchor="ctr"/>
+          <a:lstStyle/>
+          <a:p>
+            <a:pPr algn="ctr"/>
+            <a:r>
+              <a:rPr lang="fr-FR" sz="1400" dirty="0" smtClean="0">
+                <a:solidFill>
+                  <a:srgbClr val="000000"/>
+                </a:solidFill>
+                <a:latin typeface="CMU Sans Serif" panose="02000603000000000000" pitchFamily="2" charset="0"/>
+                <a:ea typeface="CMU Sans Serif" panose="02000603000000000000" pitchFamily="2" charset="0"/>
+                <a:cs typeface="CMU Sans Serif" panose="02000603000000000000" pitchFamily="2" charset="0"/>
+              </a:rPr>
+              <a:t>Int. </a:t>
+            </a:r>
+            <a:r>
+              <a:rPr lang="fr-FR" sz="1400" dirty="0" err="1" smtClean="0">
+                <a:solidFill>
+                  <a:srgbClr val="000000"/>
+                </a:solidFill>
+                <a:latin typeface="CMU Sans Serif" panose="02000603000000000000" pitchFamily="2" charset="0"/>
+                <a:ea typeface="CMU Sans Serif" panose="02000603000000000000" pitchFamily="2" charset="0"/>
+                <a:cs typeface="CMU Sans Serif" panose="02000603000000000000" pitchFamily="2" charset="0"/>
+              </a:rPr>
+              <a:t>Comm</a:t>
+            </a:r>
+            <a:r>
+              <a:rPr lang="fr-FR" sz="1400" dirty="0" smtClean="0">
+                <a:solidFill>
+                  <a:srgbClr val="000000"/>
+                </a:solidFill>
+                <a:latin typeface="CMU Sans Serif" panose="02000603000000000000" pitchFamily="2" charset="0"/>
+                <a:ea typeface="CMU Sans Serif" panose="02000603000000000000" pitchFamily="2" charset="0"/>
+                <a:cs typeface="CMU Sans Serif" panose="02000603000000000000" pitchFamily="2" charset="0"/>
+              </a:rPr>
+              <a:t>.</a:t>
+            </a:r>
+          </a:p>
+        </p:txBody>
+      </p:sp>
+      <p:sp>
+        <p:nvSpPr>
+          <p:cNvPr id="48" name="Rectangle 47"/>
+          <p:cNvSpPr/>
+          <p:nvPr/>
+        </p:nvSpPr>
+        <p:spPr>
+          <a:xfrm>
+            <a:off x="3402112" y="1448862"/>
+            <a:ext cx="1091808" cy="720000"/>
+          </a:xfrm>
+          <a:prstGeom prst="rect">
+            <a:avLst/>
+          </a:prstGeom>
+          <a:solidFill>
+            <a:schemeClr val="bg1">
+              <a:lumMod val="75000"/>
+            </a:schemeClr>
+          </a:solidFill>
+          <a:ln>
+            <a:solidFill>
+              <a:srgbClr val="000000"/>
+            </a:solidFill>
+            <a:prstDash val="sysDot"/>
+          </a:ln>
+        </p:spPr>
+        <p:style>
+          <a:lnRef idx="2">
+            <a:schemeClr val="accent2">
+              <a:shade val="50000"/>
+            </a:schemeClr>
+          </a:lnRef>
+          <a:fillRef idx="1">
+            <a:schemeClr val="accent2"/>
+          </a:fillRef>
+          <a:effectRef idx="0">
+            <a:schemeClr val="accent2"/>
+          </a:effectRef>
+          <a:fontRef idx="minor">
+            <a:schemeClr val="lt1"/>
+          </a:fontRef>
+        </p:style>
+        <p:txBody>
+          <a:bodyPr rtlCol="0" anchor="ctr"/>
+          <a:lstStyle/>
+          <a:p>
+            <a:pPr algn="ctr"/>
+            <a:r>
+              <a:rPr lang="fr-FR" sz="1400" dirty="0" err="1" smtClean="0">
+                <a:solidFill>
+                  <a:srgbClr val="000000"/>
+                </a:solidFill>
+                <a:latin typeface="CMU Sans Serif" panose="02000603000000000000" pitchFamily="2" charset="0"/>
+                <a:ea typeface="CMU Sans Serif" panose="02000603000000000000" pitchFamily="2" charset="0"/>
+                <a:cs typeface="CMU Sans Serif" panose="02000603000000000000" pitchFamily="2" charset="0"/>
+              </a:rPr>
+              <a:t>Token</a:t>
+            </a:r>
+            <a:r>
+              <a:rPr lang="fr-FR" sz="1400" dirty="0" smtClean="0">
+                <a:solidFill>
+                  <a:srgbClr val="000000"/>
+                </a:solidFill>
+                <a:latin typeface="CMU Sans Serif" panose="02000603000000000000" pitchFamily="2" charset="0"/>
+                <a:ea typeface="CMU Sans Serif" panose="02000603000000000000" pitchFamily="2" charset="0"/>
+                <a:cs typeface="CMU Sans Serif" panose="02000603000000000000" pitchFamily="2" charset="0"/>
+              </a:rPr>
+              <a:t> &amp; Security </a:t>
+            </a:r>
+            <a:r>
+              <a:rPr lang="fr-FR" sz="1400" dirty="0" err="1" smtClean="0">
+                <a:solidFill>
+                  <a:srgbClr val="000000"/>
+                </a:solidFill>
+                <a:latin typeface="CMU Sans Serif" panose="02000603000000000000" pitchFamily="2" charset="0"/>
+                <a:ea typeface="CMU Sans Serif" panose="02000603000000000000" pitchFamily="2" charset="0"/>
+                <a:cs typeface="CMU Sans Serif" panose="02000603000000000000" pitchFamily="2" charset="0"/>
+              </a:rPr>
+              <a:t>Validator</a:t>
+            </a:r>
+            <a:endParaRPr lang="fr-FR" sz="1400" dirty="0" smtClean="0">
+              <a:solidFill>
+                <a:srgbClr val="000000"/>
+              </a:solidFill>
+              <a:latin typeface="CMU Sans Serif" panose="02000603000000000000" pitchFamily="2" charset="0"/>
+              <a:ea typeface="CMU Sans Serif" panose="02000603000000000000" pitchFamily="2" charset="0"/>
+              <a:cs typeface="CMU Sans Serif" panose="02000603000000000000" pitchFamily="2" charset="0"/>
+            </a:endParaRPr>
+          </a:p>
+        </p:txBody>
+      </p:sp>
+      <p:sp>
+        <p:nvSpPr>
+          <p:cNvPr id="49" name="Rectangle 48"/>
+          <p:cNvSpPr/>
+          <p:nvPr/>
+        </p:nvSpPr>
+        <p:spPr>
+          <a:xfrm>
+            <a:off x="2632080" y="1098942"/>
+            <a:ext cx="1861840" cy="288000"/>
+          </a:xfrm>
+          <a:prstGeom prst="rect">
+            <a:avLst/>
+          </a:prstGeom>
+          <a:solidFill>
+            <a:schemeClr val="bg1">
+              <a:lumMod val="75000"/>
+            </a:schemeClr>
+          </a:solidFill>
+          <a:ln>
+            <a:solidFill>
+              <a:srgbClr val="000000"/>
+            </a:solidFill>
+            <a:prstDash val="sysDot"/>
+          </a:ln>
+        </p:spPr>
+        <p:style>
+          <a:lnRef idx="2">
+            <a:schemeClr val="accent2">
+              <a:shade val="50000"/>
+            </a:schemeClr>
+          </a:lnRef>
+          <a:fillRef idx="1">
+            <a:schemeClr val="accent2"/>
+          </a:fillRef>
+          <a:effectRef idx="0">
+            <a:schemeClr val="accent2"/>
+          </a:effectRef>
+          <a:fontRef idx="minor">
+            <a:schemeClr val="lt1"/>
+          </a:fontRef>
+        </p:style>
+        <p:txBody>
+          <a:bodyPr rtlCol="0" anchor="ctr"/>
+          <a:lstStyle/>
+          <a:p>
+            <a:pPr algn="ctr"/>
+            <a:r>
+              <a:rPr lang="fr-FR" sz="1400" dirty="0" smtClean="0">
+                <a:solidFill>
+                  <a:srgbClr val="000000"/>
+                </a:solidFill>
+                <a:latin typeface="CMU Sans Serif" panose="02000603000000000000" pitchFamily="2" charset="0"/>
+                <a:ea typeface="CMU Sans Serif" panose="02000603000000000000" pitchFamily="2" charset="0"/>
+                <a:cs typeface="CMU Sans Serif" panose="02000603000000000000" pitchFamily="2" charset="0"/>
+              </a:rPr>
+              <a:t>Admin Mgr</a:t>
+            </a:r>
+          </a:p>
+        </p:txBody>
+      </p:sp>
+      <p:sp>
+        <p:nvSpPr>
+          <p:cNvPr id="54" name="Rectangle 53"/>
+          <p:cNvSpPr/>
+          <p:nvPr/>
+        </p:nvSpPr>
+        <p:spPr>
+          <a:xfrm>
+            <a:off x="2632080" y="1438662"/>
+            <a:ext cx="714896" cy="720000"/>
+          </a:xfrm>
+          <a:prstGeom prst="rect">
+            <a:avLst/>
+          </a:prstGeom>
+          <a:solidFill>
+            <a:schemeClr val="bg1">
+              <a:lumMod val="75000"/>
+            </a:schemeClr>
+          </a:solidFill>
+          <a:ln>
+            <a:solidFill>
+              <a:srgbClr val="000000"/>
+            </a:solidFill>
+            <a:prstDash val="sysDot"/>
+          </a:ln>
+        </p:spPr>
+        <p:style>
+          <a:lnRef idx="2">
+            <a:schemeClr val="accent2">
+              <a:shade val="50000"/>
+            </a:schemeClr>
+          </a:lnRef>
+          <a:fillRef idx="1">
+            <a:schemeClr val="accent2"/>
+          </a:fillRef>
+          <a:effectRef idx="0">
+            <a:schemeClr val="accent2"/>
+          </a:effectRef>
+          <a:fontRef idx="minor">
+            <a:schemeClr val="lt1"/>
+          </a:fontRef>
+        </p:style>
+        <p:txBody>
+          <a:bodyPr rtlCol="0" anchor="ctr"/>
+          <a:lstStyle/>
+          <a:p>
+            <a:pPr algn="ctr"/>
+            <a:r>
+              <a:rPr lang="fr-FR" sz="1400" dirty="0" smtClean="0">
+                <a:solidFill>
+                  <a:srgbClr val="000000"/>
+                </a:solidFill>
+                <a:latin typeface="CMU Sans Serif" panose="02000603000000000000" pitchFamily="2" charset="0"/>
+                <a:ea typeface="CMU Sans Serif" panose="02000603000000000000" pitchFamily="2" charset="0"/>
+                <a:cs typeface="CMU Sans Serif" panose="02000603000000000000" pitchFamily="2" charset="0"/>
+              </a:rPr>
+              <a:t>Key </a:t>
+            </a:r>
+            <a:r>
+              <a:rPr lang="fr-FR" sz="1400" dirty="0" err="1" smtClean="0">
+                <a:solidFill>
+                  <a:srgbClr val="000000"/>
+                </a:solidFill>
+                <a:latin typeface="CMU Sans Serif" panose="02000603000000000000" pitchFamily="2" charset="0"/>
+                <a:ea typeface="CMU Sans Serif" panose="02000603000000000000" pitchFamily="2" charset="0"/>
+                <a:cs typeface="CMU Sans Serif" panose="02000603000000000000" pitchFamily="2" charset="0"/>
+              </a:rPr>
+              <a:t>Vault</a:t>
+            </a:r>
+            <a:endParaRPr lang="fr-FR" sz="1400" dirty="0" smtClean="0">
+              <a:solidFill>
+                <a:srgbClr val="000000"/>
+              </a:solidFill>
+              <a:latin typeface="CMU Sans Serif" panose="02000603000000000000" pitchFamily="2" charset="0"/>
+              <a:ea typeface="CMU Sans Serif" panose="02000603000000000000" pitchFamily="2" charset="0"/>
+              <a:cs typeface="CMU Sans Serif" panose="02000603000000000000" pitchFamily="2" charset="0"/>
+            </a:endParaRPr>
+          </a:p>
+        </p:txBody>
+      </p:sp>
+      <p:sp>
+        <p:nvSpPr>
+          <p:cNvPr id="107" name="Rectangle 106"/>
+          <p:cNvSpPr/>
+          <p:nvPr/>
+        </p:nvSpPr>
+        <p:spPr>
+          <a:xfrm>
+            <a:off x="4840192" y="1296836"/>
+            <a:ext cx="1962983" cy="1542345"/>
+          </a:xfrm>
+          <a:prstGeom prst="rect">
+            <a:avLst/>
+          </a:prstGeom>
+          <a:noFill/>
+          <a:ln>
+            <a:solidFill>
+              <a:schemeClr val="tx1"/>
+            </a:solidFill>
+          </a:ln>
+        </p:spPr>
+        <p:style>
+          <a:lnRef idx="2">
+            <a:schemeClr val="accent1">
+              <a:shade val="50000"/>
+            </a:schemeClr>
+          </a:lnRef>
+          <a:fillRef idx="1">
+            <a:schemeClr val="accent1"/>
+          </a:fillRef>
+          <a:effectRef idx="0">
+            <a:schemeClr val="accent1"/>
+          </a:effectRef>
+          <a:fontRef idx="minor">
+            <a:schemeClr val="lt1"/>
+          </a:fontRef>
+        </p:style>
+        <p:txBody>
+          <a:bodyPr rtlCol="0" anchor="ctr"/>
+          <a:lstStyle/>
+          <a:p>
+            <a:pPr algn="ctr"/>
+            <a:endParaRPr lang="fr-FR" sz="1600" dirty="0" smtClean="0">
+              <a:solidFill>
+                <a:srgbClr val="000000"/>
+              </a:solidFill>
+            </a:endParaRPr>
+          </a:p>
+        </p:txBody>
+      </p:sp>
+      <p:sp>
+        <p:nvSpPr>
+          <p:cNvPr id="108" name="Rectangle 107"/>
+          <p:cNvSpPr/>
+          <p:nvPr/>
+        </p:nvSpPr>
+        <p:spPr>
+          <a:xfrm>
+            <a:off x="4874884" y="2491848"/>
+            <a:ext cx="1861840" cy="288000"/>
+          </a:xfrm>
+          <a:prstGeom prst="rect">
+            <a:avLst/>
+          </a:prstGeom>
+          <a:noFill/>
+          <a:ln>
+            <a:solidFill>
+              <a:srgbClr val="000000"/>
+            </a:solidFill>
+            <a:prstDash val="sysDot"/>
+          </a:ln>
+        </p:spPr>
+        <p:style>
+          <a:lnRef idx="2">
+            <a:schemeClr val="accent2">
+              <a:shade val="50000"/>
+            </a:schemeClr>
+          </a:lnRef>
+          <a:fillRef idx="1">
+            <a:schemeClr val="accent2"/>
+          </a:fillRef>
+          <a:effectRef idx="0">
+            <a:schemeClr val="accent2"/>
+          </a:effectRef>
+          <a:fontRef idx="minor">
+            <a:schemeClr val="lt1"/>
+          </a:fontRef>
+        </p:style>
+        <p:txBody>
+          <a:bodyPr rtlCol="0" anchor="ctr"/>
+          <a:lstStyle/>
+          <a:p>
+            <a:pPr algn="ctr"/>
+            <a:r>
+              <a:rPr lang="fr-FR" sz="1400" dirty="0" smtClean="0">
+                <a:solidFill>
+                  <a:srgbClr val="000000"/>
+                </a:solidFill>
+                <a:latin typeface="CMU Sans Serif" panose="02000603000000000000" pitchFamily="2" charset="0"/>
+                <a:ea typeface="CMU Sans Serif" panose="02000603000000000000" pitchFamily="2" charset="0"/>
+                <a:cs typeface="CMU Sans Serif" panose="02000603000000000000" pitchFamily="2" charset="0"/>
+              </a:rPr>
+              <a:t>Int. </a:t>
+            </a:r>
+            <a:r>
+              <a:rPr lang="fr-FR" sz="1400" dirty="0" err="1" smtClean="0">
+                <a:solidFill>
+                  <a:srgbClr val="000000"/>
+                </a:solidFill>
+                <a:latin typeface="CMU Sans Serif" panose="02000603000000000000" pitchFamily="2" charset="0"/>
+                <a:ea typeface="CMU Sans Serif" panose="02000603000000000000" pitchFamily="2" charset="0"/>
+                <a:cs typeface="CMU Sans Serif" panose="02000603000000000000" pitchFamily="2" charset="0"/>
+              </a:rPr>
+              <a:t>Comm</a:t>
+            </a:r>
+            <a:r>
+              <a:rPr lang="fr-FR" sz="1400" dirty="0" smtClean="0">
+                <a:solidFill>
+                  <a:srgbClr val="000000"/>
+                </a:solidFill>
+                <a:latin typeface="CMU Sans Serif" panose="02000603000000000000" pitchFamily="2" charset="0"/>
+                <a:ea typeface="CMU Sans Serif" panose="02000603000000000000" pitchFamily="2" charset="0"/>
+                <a:cs typeface="CMU Sans Serif" panose="02000603000000000000" pitchFamily="2" charset="0"/>
+              </a:rPr>
+              <a:t>.</a:t>
+            </a:r>
+          </a:p>
+        </p:txBody>
+      </p:sp>
+      <p:sp>
+        <p:nvSpPr>
+          <p:cNvPr id="109" name="Rectangle 108"/>
+          <p:cNvSpPr/>
+          <p:nvPr/>
+        </p:nvSpPr>
+        <p:spPr>
+          <a:xfrm>
+            <a:off x="5644916" y="1714368"/>
+            <a:ext cx="1091808" cy="720000"/>
+          </a:xfrm>
+          <a:prstGeom prst="rect">
+            <a:avLst/>
+          </a:prstGeom>
+          <a:noFill/>
+          <a:ln>
+            <a:solidFill>
+              <a:srgbClr val="000000"/>
+            </a:solidFill>
+            <a:prstDash val="sysDot"/>
+          </a:ln>
+        </p:spPr>
+        <p:style>
+          <a:lnRef idx="2">
+            <a:schemeClr val="accent2">
+              <a:shade val="50000"/>
+            </a:schemeClr>
+          </a:lnRef>
+          <a:fillRef idx="1">
+            <a:schemeClr val="accent2"/>
+          </a:fillRef>
+          <a:effectRef idx="0">
+            <a:schemeClr val="accent2"/>
+          </a:effectRef>
+          <a:fontRef idx="minor">
+            <a:schemeClr val="lt1"/>
+          </a:fontRef>
+        </p:style>
+        <p:txBody>
+          <a:bodyPr rtlCol="0" anchor="ctr"/>
+          <a:lstStyle/>
+          <a:p>
+            <a:pPr algn="ctr"/>
+            <a:r>
+              <a:rPr lang="fr-FR" sz="1400" dirty="0" err="1" smtClean="0">
+                <a:solidFill>
+                  <a:srgbClr val="000000"/>
+                </a:solidFill>
+                <a:latin typeface="CMU Sans Serif" panose="02000603000000000000" pitchFamily="2" charset="0"/>
+                <a:ea typeface="CMU Sans Serif" panose="02000603000000000000" pitchFamily="2" charset="0"/>
+                <a:cs typeface="CMU Sans Serif" panose="02000603000000000000" pitchFamily="2" charset="0"/>
+              </a:rPr>
+              <a:t>Token</a:t>
+            </a:r>
+            <a:r>
+              <a:rPr lang="fr-FR" sz="1400" dirty="0" smtClean="0">
+                <a:solidFill>
+                  <a:srgbClr val="000000"/>
+                </a:solidFill>
+                <a:latin typeface="CMU Sans Serif" panose="02000603000000000000" pitchFamily="2" charset="0"/>
+                <a:ea typeface="CMU Sans Serif" panose="02000603000000000000" pitchFamily="2" charset="0"/>
+                <a:cs typeface="CMU Sans Serif" panose="02000603000000000000" pitchFamily="2" charset="0"/>
+              </a:rPr>
+              <a:t> &amp; Security </a:t>
+            </a:r>
+            <a:r>
+              <a:rPr lang="fr-FR" sz="1400" dirty="0" err="1" smtClean="0">
+                <a:solidFill>
+                  <a:srgbClr val="000000"/>
+                </a:solidFill>
+                <a:latin typeface="CMU Sans Serif" panose="02000603000000000000" pitchFamily="2" charset="0"/>
+                <a:ea typeface="CMU Sans Serif" panose="02000603000000000000" pitchFamily="2" charset="0"/>
+                <a:cs typeface="CMU Sans Serif" panose="02000603000000000000" pitchFamily="2" charset="0"/>
+              </a:rPr>
+              <a:t>Validator</a:t>
+            </a:r>
+            <a:endParaRPr lang="fr-FR" sz="1400" dirty="0" smtClean="0">
+              <a:solidFill>
+                <a:srgbClr val="000000"/>
+              </a:solidFill>
+              <a:latin typeface="CMU Sans Serif" panose="02000603000000000000" pitchFamily="2" charset="0"/>
+              <a:ea typeface="CMU Sans Serif" panose="02000603000000000000" pitchFamily="2" charset="0"/>
+              <a:cs typeface="CMU Sans Serif" panose="02000603000000000000" pitchFamily="2" charset="0"/>
+            </a:endParaRPr>
+          </a:p>
+        </p:txBody>
+      </p:sp>
+      <p:sp>
+        <p:nvSpPr>
+          <p:cNvPr id="110" name="Rectangle 109"/>
+          <p:cNvSpPr/>
+          <p:nvPr/>
+        </p:nvSpPr>
+        <p:spPr>
+          <a:xfrm>
+            <a:off x="4874884" y="1364448"/>
+            <a:ext cx="1861840" cy="288000"/>
+          </a:xfrm>
+          <a:prstGeom prst="rect">
+            <a:avLst/>
+          </a:prstGeom>
+          <a:noFill/>
+          <a:ln>
+            <a:solidFill>
+              <a:srgbClr val="000000"/>
+            </a:solidFill>
+            <a:prstDash val="sysDot"/>
+          </a:ln>
+        </p:spPr>
+        <p:style>
+          <a:lnRef idx="2">
+            <a:schemeClr val="accent2">
+              <a:shade val="50000"/>
+            </a:schemeClr>
+          </a:lnRef>
+          <a:fillRef idx="1">
+            <a:schemeClr val="accent2"/>
+          </a:fillRef>
+          <a:effectRef idx="0">
+            <a:schemeClr val="accent2"/>
+          </a:effectRef>
+          <a:fontRef idx="minor">
+            <a:schemeClr val="lt1"/>
+          </a:fontRef>
+        </p:style>
+        <p:txBody>
+          <a:bodyPr rtlCol="0" anchor="ctr"/>
+          <a:lstStyle/>
+          <a:p>
+            <a:pPr algn="ctr"/>
+            <a:r>
+              <a:rPr lang="fr-FR" sz="1400" dirty="0" smtClean="0">
+                <a:solidFill>
+                  <a:srgbClr val="000000"/>
+                </a:solidFill>
+                <a:latin typeface="CMU Sans Serif" panose="02000603000000000000" pitchFamily="2" charset="0"/>
+                <a:ea typeface="CMU Sans Serif" panose="02000603000000000000" pitchFamily="2" charset="0"/>
+                <a:cs typeface="CMU Sans Serif" panose="02000603000000000000" pitchFamily="2" charset="0"/>
+              </a:rPr>
+              <a:t>Admin Mgr</a:t>
+            </a:r>
+          </a:p>
+        </p:txBody>
+      </p:sp>
+      <p:sp>
+        <p:nvSpPr>
+          <p:cNvPr id="111" name="Rectangle 110"/>
+          <p:cNvSpPr/>
+          <p:nvPr/>
+        </p:nvSpPr>
+        <p:spPr>
+          <a:xfrm>
+            <a:off x="4874884" y="1704168"/>
+            <a:ext cx="714896" cy="720000"/>
+          </a:xfrm>
+          <a:prstGeom prst="rect">
+            <a:avLst/>
+          </a:prstGeom>
+          <a:noFill/>
+          <a:ln>
+            <a:solidFill>
+              <a:srgbClr val="000000"/>
+            </a:solidFill>
+            <a:prstDash val="sysDot"/>
+          </a:ln>
+        </p:spPr>
+        <p:style>
+          <a:lnRef idx="2">
+            <a:schemeClr val="accent2">
+              <a:shade val="50000"/>
+            </a:schemeClr>
+          </a:lnRef>
+          <a:fillRef idx="1">
+            <a:schemeClr val="accent2"/>
+          </a:fillRef>
+          <a:effectRef idx="0">
+            <a:schemeClr val="accent2"/>
+          </a:effectRef>
+          <a:fontRef idx="minor">
+            <a:schemeClr val="lt1"/>
+          </a:fontRef>
+        </p:style>
+        <p:txBody>
+          <a:bodyPr rtlCol="0" anchor="ctr"/>
+          <a:lstStyle/>
+          <a:p>
+            <a:pPr algn="ctr"/>
+            <a:r>
+              <a:rPr lang="fr-FR" sz="1400" dirty="0" smtClean="0">
+                <a:solidFill>
+                  <a:srgbClr val="000000"/>
+                </a:solidFill>
+                <a:latin typeface="CMU Sans Serif" panose="02000603000000000000" pitchFamily="2" charset="0"/>
+                <a:ea typeface="CMU Sans Serif" panose="02000603000000000000" pitchFamily="2" charset="0"/>
+                <a:cs typeface="CMU Sans Serif" panose="02000603000000000000" pitchFamily="2" charset="0"/>
+              </a:rPr>
+              <a:t>Key </a:t>
+            </a:r>
+            <a:r>
+              <a:rPr lang="fr-FR" sz="1400" dirty="0" err="1" smtClean="0">
+                <a:solidFill>
+                  <a:srgbClr val="000000"/>
+                </a:solidFill>
+                <a:latin typeface="CMU Sans Serif" panose="02000603000000000000" pitchFamily="2" charset="0"/>
+                <a:ea typeface="CMU Sans Serif" panose="02000603000000000000" pitchFamily="2" charset="0"/>
+                <a:cs typeface="CMU Sans Serif" panose="02000603000000000000" pitchFamily="2" charset="0"/>
+              </a:rPr>
+              <a:t>Vault</a:t>
+            </a:r>
+            <a:endParaRPr lang="fr-FR" sz="1400" dirty="0" smtClean="0">
+              <a:solidFill>
+                <a:srgbClr val="000000"/>
+              </a:solidFill>
+              <a:latin typeface="CMU Sans Serif" panose="02000603000000000000" pitchFamily="2" charset="0"/>
+              <a:ea typeface="CMU Sans Serif" panose="02000603000000000000" pitchFamily="2" charset="0"/>
+              <a:cs typeface="CMU Sans Serif" panose="02000603000000000000" pitchFamily="2" charset="0"/>
+            </a:endParaRPr>
+          </a:p>
+        </p:txBody>
+      </p:sp>
+      <p:sp>
+        <p:nvSpPr>
+          <p:cNvPr id="112" name="Rectangle 111"/>
+          <p:cNvSpPr/>
+          <p:nvPr/>
+        </p:nvSpPr>
+        <p:spPr>
+          <a:xfrm>
+            <a:off x="7044912" y="1296836"/>
+            <a:ext cx="1962983" cy="1542345"/>
+          </a:xfrm>
+          <a:prstGeom prst="rect">
+            <a:avLst/>
+          </a:prstGeom>
+          <a:noFill/>
+          <a:ln>
+            <a:solidFill>
+              <a:schemeClr val="tx1"/>
+            </a:solidFill>
+          </a:ln>
+        </p:spPr>
+        <p:style>
+          <a:lnRef idx="2">
+            <a:schemeClr val="accent1">
+              <a:shade val="50000"/>
+            </a:schemeClr>
+          </a:lnRef>
+          <a:fillRef idx="1">
+            <a:schemeClr val="accent1"/>
+          </a:fillRef>
+          <a:effectRef idx="0">
+            <a:schemeClr val="accent1"/>
+          </a:effectRef>
+          <a:fontRef idx="minor">
+            <a:schemeClr val="lt1"/>
+          </a:fontRef>
+        </p:style>
+        <p:txBody>
+          <a:bodyPr rtlCol="0" anchor="ctr"/>
+          <a:lstStyle/>
+          <a:p>
+            <a:pPr algn="ctr"/>
+            <a:endParaRPr lang="fr-FR" sz="1600" dirty="0" smtClean="0">
+              <a:solidFill>
+                <a:srgbClr val="000000"/>
+              </a:solidFill>
+            </a:endParaRPr>
+          </a:p>
+        </p:txBody>
+      </p:sp>
+      <p:sp>
+        <p:nvSpPr>
+          <p:cNvPr id="113" name="Rectangle 112"/>
+          <p:cNvSpPr/>
+          <p:nvPr/>
+        </p:nvSpPr>
+        <p:spPr>
+          <a:xfrm>
+            <a:off x="7079604" y="2491848"/>
+            <a:ext cx="1861840" cy="288000"/>
+          </a:xfrm>
+          <a:prstGeom prst="rect">
+            <a:avLst/>
+          </a:prstGeom>
+          <a:noFill/>
+          <a:ln>
+            <a:solidFill>
+              <a:srgbClr val="000000"/>
+            </a:solidFill>
+            <a:prstDash val="sysDot"/>
+          </a:ln>
+        </p:spPr>
+        <p:style>
+          <a:lnRef idx="2">
+            <a:schemeClr val="accent2">
+              <a:shade val="50000"/>
+            </a:schemeClr>
+          </a:lnRef>
+          <a:fillRef idx="1">
+            <a:schemeClr val="accent2"/>
+          </a:fillRef>
+          <a:effectRef idx="0">
+            <a:schemeClr val="accent2"/>
+          </a:effectRef>
+          <a:fontRef idx="minor">
+            <a:schemeClr val="lt1"/>
+          </a:fontRef>
+        </p:style>
+        <p:txBody>
+          <a:bodyPr rtlCol="0" anchor="ctr"/>
+          <a:lstStyle/>
+          <a:p>
+            <a:pPr algn="ctr"/>
+            <a:r>
+              <a:rPr lang="fr-FR" sz="1400" dirty="0" smtClean="0">
+                <a:solidFill>
+                  <a:srgbClr val="000000"/>
+                </a:solidFill>
+                <a:latin typeface="CMU Sans Serif" panose="02000603000000000000" pitchFamily="2" charset="0"/>
+                <a:ea typeface="CMU Sans Serif" panose="02000603000000000000" pitchFamily="2" charset="0"/>
+                <a:cs typeface="CMU Sans Serif" panose="02000603000000000000" pitchFamily="2" charset="0"/>
+              </a:rPr>
+              <a:t>Int. </a:t>
+            </a:r>
+            <a:r>
+              <a:rPr lang="fr-FR" sz="1400" dirty="0" err="1" smtClean="0">
+                <a:solidFill>
+                  <a:srgbClr val="000000"/>
+                </a:solidFill>
+                <a:latin typeface="CMU Sans Serif" panose="02000603000000000000" pitchFamily="2" charset="0"/>
+                <a:ea typeface="CMU Sans Serif" panose="02000603000000000000" pitchFamily="2" charset="0"/>
+                <a:cs typeface="CMU Sans Serif" panose="02000603000000000000" pitchFamily="2" charset="0"/>
+              </a:rPr>
+              <a:t>Comm</a:t>
+            </a:r>
+            <a:r>
+              <a:rPr lang="fr-FR" sz="1400" dirty="0" smtClean="0">
+                <a:solidFill>
+                  <a:srgbClr val="000000"/>
+                </a:solidFill>
+                <a:latin typeface="CMU Sans Serif" panose="02000603000000000000" pitchFamily="2" charset="0"/>
+                <a:ea typeface="CMU Sans Serif" panose="02000603000000000000" pitchFamily="2" charset="0"/>
+                <a:cs typeface="CMU Sans Serif" panose="02000603000000000000" pitchFamily="2" charset="0"/>
+              </a:rPr>
+              <a:t>.</a:t>
+            </a:r>
+          </a:p>
+        </p:txBody>
+      </p:sp>
+      <p:sp>
+        <p:nvSpPr>
+          <p:cNvPr id="114" name="Rectangle 113"/>
+          <p:cNvSpPr/>
+          <p:nvPr/>
+        </p:nvSpPr>
+        <p:spPr>
+          <a:xfrm>
+            <a:off x="7849636" y="1714368"/>
+            <a:ext cx="1091808" cy="720000"/>
+          </a:xfrm>
+          <a:prstGeom prst="rect">
+            <a:avLst/>
+          </a:prstGeom>
+          <a:noFill/>
+          <a:ln>
+            <a:solidFill>
+              <a:srgbClr val="000000"/>
+            </a:solidFill>
+            <a:prstDash val="sysDot"/>
+          </a:ln>
+        </p:spPr>
+        <p:style>
+          <a:lnRef idx="2">
+            <a:schemeClr val="accent2">
+              <a:shade val="50000"/>
+            </a:schemeClr>
+          </a:lnRef>
+          <a:fillRef idx="1">
+            <a:schemeClr val="accent2"/>
+          </a:fillRef>
+          <a:effectRef idx="0">
+            <a:schemeClr val="accent2"/>
+          </a:effectRef>
+          <a:fontRef idx="minor">
+            <a:schemeClr val="lt1"/>
+          </a:fontRef>
+        </p:style>
+        <p:txBody>
+          <a:bodyPr rtlCol="0" anchor="ctr"/>
+          <a:lstStyle/>
+          <a:p>
+            <a:pPr algn="ctr"/>
+            <a:r>
+              <a:rPr lang="fr-FR" sz="1400" dirty="0" err="1" smtClean="0">
+                <a:solidFill>
+                  <a:srgbClr val="000000"/>
+                </a:solidFill>
+                <a:latin typeface="CMU Sans Serif" panose="02000603000000000000" pitchFamily="2" charset="0"/>
+                <a:ea typeface="CMU Sans Serif" panose="02000603000000000000" pitchFamily="2" charset="0"/>
+                <a:cs typeface="CMU Sans Serif" panose="02000603000000000000" pitchFamily="2" charset="0"/>
+              </a:rPr>
+              <a:t>Token</a:t>
+            </a:r>
+            <a:r>
+              <a:rPr lang="fr-FR" sz="1400" dirty="0" smtClean="0">
+                <a:solidFill>
+                  <a:srgbClr val="000000"/>
+                </a:solidFill>
+                <a:latin typeface="CMU Sans Serif" panose="02000603000000000000" pitchFamily="2" charset="0"/>
+                <a:ea typeface="CMU Sans Serif" panose="02000603000000000000" pitchFamily="2" charset="0"/>
+                <a:cs typeface="CMU Sans Serif" panose="02000603000000000000" pitchFamily="2" charset="0"/>
+              </a:rPr>
+              <a:t> &amp; Security </a:t>
+            </a:r>
+            <a:r>
+              <a:rPr lang="fr-FR" sz="1400" dirty="0" err="1" smtClean="0">
+                <a:solidFill>
+                  <a:srgbClr val="000000"/>
+                </a:solidFill>
+                <a:latin typeface="CMU Sans Serif" panose="02000603000000000000" pitchFamily="2" charset="0"/>
+                <a:ea typeface="CMU Sans Serif" panose="02000603000000000000" pitchFamily="2" charset="0"/>
+                <a:cs typeface="CMU Sans Serif" panose="02000603000000000000" pitchFamily="2" charset="0"/>
+              </a:rPr>
+              <a:t>Validator</a:t>
+            </a:r>
+            <a:endParaRPr lang="fr-FR" sz="1400" dirty="0" smtClean="0">
+              <a:solidFill>
+                <a:srgbClr val="000000"/>
+              </a:solidFill>
+              <a:latin typeface="CMU Sans Serif" panose="02000603000000000000" pitchFamily="2" charset="0"/>
+              <a:ea typeface="CMU Sans Serif" panose="02000603000000000000" pitchFamily="2" charset="0"/>
+              <a:cs typeface="CMU Sans Serif" panose="02000603000000000000" pitchFamily="2" charset="0"/>
+            </a:endParaRPr>
+          </a:p>
+        </p:txBody>
+      </p:sp>
+      <p:sp>
+        <p:nvSpPr>
+          <p:cNvPr id="115" name="Rectangle 114"/>
+          <p:cNvSpPr/>
+          <p:nvPr/>
+        </p:nvSpPr>
+        <p:spPr>
+          <a:xfrm>
+            <a:off x="7079604" y="1364448"/>
+            <a:ext cx="1861840" cy="288000"/>
+          </a:xfrm>
+          <a:prstGeom prst="rect">
+            <a:avLst/>
+          </a:prstGeom>
+          <a:noFill/>
+          <a:ln>
+            <a:solidFill>
+              <a:srgbClr val="000000"/>
+            </a:solidFill>
+            <a:prstDash val="sysDot"/>
+          </a:ln>
+        </p:spPr>
+        <p:style>
+          <a:lnRef idx="2">
+            <a:schemeClr val="accent2">
+              <a:shade val="50000"/>
+            </a:schemeClr>
+          </a:lnRef>
+          <a:fillRef idx="1">
+            <a:schemeClr val="accent2"/>
+          </a:fillRef>
+          <a:effectRef idx="0">
+            <a:schemeClr val="accent2"/>
+          </a:effectRef>
+          <a:fontRef idx="minor">
+            <a:schemeClr val="lt1"/>
+          </a:fontRef>
+        </p:style>
+        <p:txBody>
+          <a:bodyPr rtlCol="0" anchor="ctr"/>
+          <a:lstStyle/>
+          <a:p>
+            <a:pPr algn="ctr"/>
+            <a:r>
+              <a:rPr lang="fr-FR" sz="1400" dirty="0" smtClean="0">
+                <a:solidFill>
+                  <a:srgbClr val="000000"/>
+                </a:solidFill>
+                <a:latin typeface="CMU Sans Serif" panose="02000603000000000000" pitchFamily="2" charset="0"/>
+                <a:ea typeface="CMU Sans Serif" panose="02000603000000000000" pitchFamily="2" charset="0"/>
+                <a:cs typeface="CMU Sans Serif" panose="02000603000000000000" pitchFamily="2" charset="0"/>
+              </a:rPr>
+              <a:t>Admin Mgr</a:t>
+            </a:r>
+          </a:p>
+        </p:txBody>
+      </p:sp>
+      <p:sp>
+        <p:nvSpPr>
+          <p:cNvPr id="116" name="Rectangle 115"/>
+          <p:cNvSpPr/>
+          <p:nvPr/>
+        </p:nvSpPr>
+        <p:spPr>
+          <a:xfrm>
+            <a:off x="7079604" y="1704168"/>
+            <a:ext cx="714896" cy="720000"/>
+          </a:xfrm>
+          <a:prstGeom prst="rect">
+            <a:avLst/>
+          </a:prstGeom>
+          <a:noFill/>
+          <a:ln>
+            <a:solidFill>
+              <a:srgbClr val="000000"/>
+            </a:solidFill>
+            <a:prstDash val="sysDot"/>
+          </a:ln>
+        </p:spPr>
+        <p:style>
+          <a:lnRef idx="2">
+            <a:schemeClr val="accent2">
+              <a:shade val="50000"/>
+            </a:schemeClr>
+          </a:lnRef>
+          <a:fillRef idx="1">
+            <a:schemeClr val="accent2"/>
+          </a:fillRef>
+          <a:effectRef idx="0">
+            <a:schemeClr val="accent2"/>
+          </a:effectRef>
+          <a:fontRef idx="minor">
+            <a:schemeClr val="lt1"/>
+          </a:fontRef>
+        </p:style>
+        <p:txBody>
+          <a:bodyPr rtlCol="0" anchor="ctr"/>
+          <a:lstStyle/>
+          <a:p>
+            <a:pPr algn="ctr"/>
+            <a:r>
+              <a:rPr lang="fr-FR" sz="1400" dirty="0" smtClean="0">
+                <a:solidFill>
+                  <a:srgbClr val="000000"/>
+                </a:solidFill>
+                <a:latin typeface="CMU Sans Serif" panose="02000603000000000000" pitchFamily="2" charset="0"/>
+                <a:ea typeface="CMU Sans Serif" panose="02000603000000000000" pitchFamily="2" charset="0"/>
+                <a:cs typeface="CMU Sans Serif" panose="02000603000000000000" pitchFamily="2" charset="0"/>
+              </a:rPr>
+              <a:t>Key </a:t>
+            </a:r>
+            <a:r>
+              <a:rPr lang="fr-FR" sz="1400" dirty="0" err="1" smtClean="0">
+                <a:solidFill>
+                  <a:srgbClr val="000000"/>
+                </a:solidFill>
+                <a:latin typeface="CMU Sans Serif" panose="02000603000000000000" pitchFamily="2" charset="0"/>
+                <a:ea typeface="CMU Sans Serif" panose="02000603000000000000" pitchFamily="2" charset="0"/>
+                <a:cs typeface="CMU Sans Serif" panose="02000603000000000000" pitchFamily="2" charset="0"/>
+              </a:rPr>
+              <a:t>Vault</a:t>
+            </a:r>
+            <a:endParaRPr lang="fr-FR" sz="1400" dirty="0" smtClean="0">
+              <a:solidFill>
+                <a:srgbClr val="000000"/>
+              </a:solidFill>
+              <a:latin typeface="CMU Sans Serif" panose="02000603000000000000" pitchFamily="2" charset="0"/>
+              <a:ea typeface="CMU Sans Serif" panose="02000603000000000000" pitchFamily="2" charset="0"/>
+              <a:cs typeface="CMU Sans Serif" panose="02000603000000000000" pitchFamily="2" charset="0"/>
+            </a:endParaRPr>
+          </a:p>
+        </p:txBody>
+      </p:sp>
+      <p:sp>
+        <p:nvSpPr>
+          <p:cNvPr id="43" name="Rectangle 42"/>
+          <p:cNvSpPr/>
+          <p:nvPr/>
+        </p:nvSpPr>
+        <p:spPr>
+          <a:xfrm>
+            <a:off x="668368" y="2882884"/>
+            <a:ext cx="3944272" cy="1238334"/>
+          </a:xfrm>
+          <a:prstGeom prst="rect">
+            <a:avLst/>
+          </a:prstGeom>
+          <a:solidFill>
+            <a:schemeClr val="tx1">
+              <a:lumMod val="50000"/>
+              <a:lumOff val="50000"/>
+            </a:schemeClr>
+          </a:solidFill>
+          <a:ln>
+            <a:noFill/>
+          </a:ln>
+        </p:spPr>
+        <p:style>
+          <a:lnRef idx="2">
+            <a:schemeClr val="accent1">
+              <a:shade val="50000"/>
+            </a:schemeClr>
+          </a:lnRef>
+          <a:fillRef idx="1">
+            <a:schemeClr val="accent1"/>
+          </a:fillRef>
+          <a:effectRef idx="0">
+            <a:schemeClr val="accent1"/>
+          </a:effectRef>
+          <a:fontRef idx="minor">
+            <a:schemeClr val="lt1"/>
+          </a:fontRef>
+        </p:style>
+        <p:txBody>
           <a:bodyPr rtlCol="0" anchor="t"/>
           <a:lstStyle/>
           <a:p>
             <a:r>
+              <a:rPr lang="fr-FR" sz="1600" dirty="0" err="1" smtClean="0">
+                <a:solidFill>
+                  <a:schemeClr val="tx1"/>
+                </a:solidFill>
+                <a:latin typeface="CMU Sans Serif" panose="02000603000000000000" pitchFamily="2" charset="0"/>
+                <a:ea typeface="CMU Sans Serif" panose="02000603000000000000" pitchFamily="2" charset="0"/>
+                <a:cs typeface="CMU Sans Serif" panose="02000603000000000000" pitchFamily="2" charset="0"/>
+              </a:rPr>
+              <a:t>FreeRTOS</a:t>
+            </a:r>
+            <a:r>
               <a:rPr lang="fr-FR" sz="1600" dirty="0" smtClean="0">
                 <a:solidFill>
-                  <a:srgbClr val="000000"/>
-                </a:solidFill>
-                <a:latin typeface="CMU Sans Serif" panose="02000603000000000000" pitchFamily="2" charset="0"/>
-                <a:ea typeface="CMU Sans Serif" panose="02000603000000000000" pitchFamily="2" charset="0"/>
-                <a:cs typeface="CMU Sans Serif" panose="02000603000000000000" pitchFamily="2" charset="0"/>
-              </a:rPr>
-              <a:t>Dom0 </a:t>
+                  <a:schemeClr val="tx1"/>
+                </a:solidFill>
+                <a:latin typeface="CMU Sans Serif" panose="02000603000000000000" pitchFamily="2" charset="0"/>
+                <a:ea typeface="CMU Sans Serif" panose="02000603000000000000" pitchFamily="2" charset="0"/>
+                <a:cs typeface="CMU Sans Serif" panose="02000603000000000000" pitchFamily="2" charset="0"/>
+              </a:rPr>
+              <a:t> / High </a:t>
+            </a:r>
+            <a:r>
+              <a:rPr lang="fr-FR" sz="1600" dirty="0" err="1" smtClean="0">
+                <a:solidFill>
+                  <a:schemeClr val="tx1"/>
+                </a:solidFill>
+                <a:latin typeface="CMU Sans Serif" panose="02000603000000000000" pitchFamily="2" charset="0"/>
+                <a:ea typeface="CMU Sans Serif" panose="02000603000000000000" pitchFamily="2" charset="0"/>
+                <a:cs typeface="CMU Sans Serif" panose="02000603000000000000" pitchFamily="2" charset="0"/>
+              </a:rPr>
+              <a:t>level</a:t>
             </a:r>
             <a:r>
               <a:rPr lang="fr-FR" sz="1600" dirty="0" smtClean="0">
                 <a:solidFill>
-                  <a:srgbClr val="000000"/>
-                </a:solidFill>
-                <a:latin typeface="CMU Sans Serif" panose="02000603000000000000" pitchFamily="2" charset="0"/>
-                <a:ea typeface="CMU Sans Serif" panose="02000603000000000000" pitchFamily="2" charset="0"/>
-                <a:cs typeface="CMU Sans Serif" panose="02000603000000000000" pitchFamily="2" charset="0"/>
-              </a:rPr>
-              <a:t>- </a:t>
+                  <a:schemeClr val="tx1"/>
+                </a:solidFill>
+                <a:latin typeface="CMU Sans Serif" panose="02000603000000000000" pitchFamily="2" charset="0"/>
+                <a:ea typeface="CMU Sans Serif" panose="02000603000000000000" pitchFamily="2" charset="0"/>
+                <a:cs typeface="CMU Sans Serif" panose="02000603000000000000" pitchFamily="2" charset="0"/>
+              </a:rPr>
+              <a:t> OS</a:t>
+            </a:r>
+            <a:endParaRPr lang="fr-FR" sz="1600" dirty="0" smtClean="0">
+              <a:solidFill>
+                <a:schemeClr val="tx1"/>
+              </a:solidFill>
+              <a:latin typeface="CMU Sans Serif" panose="02000603000000000000" pitchFamily="2" charset="0"/>
+              <a:ea typeface="CMU Sans Serif" panose="02000603000000000000" pitchFamily="2" charset="0"/>
+              <a:cs typeface="CMU Sans Serif" panose="02000603000000000000" pitchFamily="2" charset="0"/>
+            </a:endParaRPr>
+          </a:p>
+        </p:txBody>
+      </p:sp>
+      <p:sp>
+        <p:nvSpPr>
+          <p:cNvPr id="44" name="Rectangle 43"/>
+          <p:cNvSpPr/>
+          <p:nvPr/>
+        </p:nvSpPr>
+        <p:spPr>
+          <a:xfrm>
+            <a:off x="728944" y="3277953"/>
+            <a:ext cx="1800000" cy="288000"/>
+          </a:xfrm>
+          <a:prstGeom prst="rect">
+            <a:avLst/>
+          </a:prstGeom>
+          <a:solidFill>
+            <a:schemeClr val="bg1">
+              <a:lumMod val="75000"/>
+            </a:schemeClr>
+          </a:solidFill>
+          <a:ln>
+            <a:solidFill>
+              <a:srgbClr val="000000"/>
+            </a:solidFill>
+            <a:prstDash val="sysDot"/>
+          </a:ln>
+        </p:spPr>
+        <p:style>
+          <a:lnRef idx="2">
+            <a:schemeClr val="accent3">
+              <a:shade val="50000"/>
+            </a:schemeClr>
+          </a:lnRef>
+          <a:fillRef idx="1">
+            <a:schemeClr val="accent3"/>
+          </a:fillRef>
+          <a:effectRef idx="0">
+            <a:schemeClr val="accent3"/>
+          </a:effectRef>
+          <a:fontRef idx="minor">
+            <a:schemeClr val="lt1"/>
+          </a:fontRef>
+        </p:style>
+        <p:txBody>
+          <a:bodyPr rtlCol="0" anchor="ctr"/>
+          <a:lstStyle/>
+          <a:p>
+            <a:pPr algn="ctr"/>
+            <a:r>
+              <a:rPr lang="fr-FR" sz="1400" dirty="0" err="1" smtClean="0">
+                <a:solidFill>
+                  <a:srgbClr val="000000"/>
+                </a:solidFill>
+                <a:latin typeface="CMU Sans Serif" panose="02000603000000000000" pitchFamily="2" charset="0"/>
+                <a:ea typeface="CMU Sans Serif" panose="02000603000000000000" pitchFamily="2" charset="0"/>
+                <a:cs typeface="CMU Sans Serif" panose="02000603000000000000" pitchFamily="2" charset="0"/>
+              </a:rPr>
+              <a:t>Scheduler</a:t>
+            </a:r>
+            <a:endParaRPr lang="fr-FR" sz="1400" dirty="0" smtClean="0">
+              <a:solidFill>
+                <a:srgbClr val="000000"/>
+              </a:solidFill>
+              <a:latin typeface="CMU Sans Serif" panose="02000603000000000000" pitchFamily="2" charset="0"/>
+              <a:ea typeface="CMU Sans Serif" panose="02000603000000000000" pitchFamily="2" charset="0"/>
+              <a:cs typeface="CMU Sans Serif" panose="02000603000000000000" pitchFamily="2" charset="0"/>
+            </a:endParaRPr>
+          </a:p>
+        </p:txBody>
+      </p:sp>
+      <p:sp>
+        <p:nvSpPr>
+          <p:cNvPr id="46" name="Rectangle 45"/>
+          <p:cNvSpPr/>
+          <p:nvPr/>
+        </p:nvSpPr>
+        <p:spPr>
+          <a:xfrm>
+            <a:off x="740448" y="3726677"/>
+            <a:ext cx="1800000" cy="288000"/>
+          </a:xfrm>
+          <a:prstGeom prst="rect">
+            <a:avLst/>
+          </a:prstGeom>
+          <a:solidFill>
+            <a:schemeClr val="bg1">
+              <a:lumMod val="75000"/>
+            </a:schemeClr>
+          </a:solidFill>
+          <a:ln>
+            <a:solidFill>
+              <a:srgbClr val="000000"/>
+            </a:solidFill>
+            <a:prstDash val="sysDot"/>
+          </a:ln>
+        </p:spPr>
+        <p:style>
+          <a:lnRef idx="2">
+            <a:schemeClr val="accent3">
+              <a:shade val="50000"/>
+            </a:schemeClr>
+          </a:lnRef>
+          <a:fillRef idx="1">
+            <a:schemeClr val="accent3"/>
+          </a:fillRef>
+          <a:effectRef idx="0">
+            <a:schemeClr val="accent3"/>
+          </a:effectRef>
+          <a:fontRef idx="minor">
+            <a:schemeClr val="lt1"/>
+          </a:fontRef>
+        </p:style>
+        <p:txBody>
+          <a:bodyPr rtlCol="0" anchor="ctr"/>
+          <a:lstStyle/>
+          <a:p>
+            <a:pPr algn="ctr"/>
+            <a:r>
+              <a:rPr lang="fr-FR" sz="1400" dirty="0" smtClean="0">
+                <a:solidFill>
+                  <a:srgbClr val="000000"/>
+                </a:solidFill>
+                <a:latin typeface="CMU Sans Serif" panose="02000603000000000000" pitchFamily="2" charset="0"/>
+                <a:ea typeface="CMU Sans Serif" panose="02000603000000000000" pitchFamily="2" charset="0"/>
+                <a:cs typeface="CMU Sans Serif" panose="02000603000000000000" pitchFamily="2" charset="0"/>
+              </a:rPr>
+              <a:t>Dom0 CM</a:t>
+            </a:r>
+          </a:p>
+        </p:txBody>
+      </p:sp>
+      <p:sp>
+        <p:nvSpPr>
+          <p:cNvPr id="58" name="Rectangle 57"/>
+          <p:cNvSpPr/>
+          <p:nvPr/>
+        </p:nvSpPr>
+        <p:spPr>
+          <a:xfrm>
+            <a:off x="4840191" y="2882884"/>
+            <a:ext cx="1962983" cy="1238334"/>
+          </a:xfrm>
+          <a:prstGeom prst="rect">
+            <a:avLst/>
+          </a:prstGeom>
+          <a:solidFill>
+            <a:schemeClr val="tx1">
+              <a:lumMod val="50000"/>
+              <a:lumOff val="50000"/>
+            </a:schemeClr>
+          </a:solidFill>
+          <a:ln>
+            <a:noFill/>
+          </a:ln>
+        </p:spPr>
+        <p:style>
+          <a:lnRef idx="2">
+            <a:schemeClr val="accent1">
+              <a:shade val="50000"/>
+            </a:schemeClr>
+          </a:lnRef>
+          <a:fillRef idx="1">
+            <a:schemeClr val="accent1"/>
+          </a:fillRef>
+          <a:effectRef idx="0">
+            <a:schemeClr val="accent1"/>
+          </a:effectRef>
+          <a:fontRef idx="minor">
+            <a:schemeClr val="lt1"/>
+          </a:fontRef>
+        </p:style>
+        <p:txBody>
+          <a:bodyPr rtlCol="0" anchor="t"/>
+          <a:lstStyle/>
+          <a:p>
+            <a:r>
+              <a:rPr lang="fr-FR" sz="1600" dirty="0" err="1" smtClean="0">
+                <a:solidFill>
+                  <a:schemeClr val="tx1"/>
+                </a:solidFill>
+                <a:latin typeface="CMU Sans Serif" panose="02000603000000000000" pitchFamily="2" charset="0"/>
+                <a:ea typeface="CMU Sans Serif" panose="02000603000000000000" pitchFamily="2" charset="0"/>
+                <a:cs typeface="CMU Sans Serif" panose="02000603000000000000" pitchFamily="2" charset="0"/>
+              </a:rPr>
+              <a:t>FreeRTOS</a:t>
+            </a:r>
+            <a:r>
+              <a:rPr lang="fr-FR" sz="1600" dirty="0" smtClean="0">
+                <a:solidFill>
+                  <a:schemeClr val="tx1"/>
+                </a:solidFill>
+                <a:latin typeface="CMU Sans Serif" panose="02000603000000000000" pitchFamily="2" charset="0"/>
+                <a:ea typeface="CMU Sans Serif" panose="02000603000000000000" pitchFamily="2" charset="0"/>
+                <a:cs typeface="CMU Sans Serif" panose="02000603000000000000" pitchFamily="2" charset="0"/>
+              </a:rPr>
+              <a:t> / High </a:t>
+            </a:r>
+            <a:r>
+              <a:rPr lang="fr-FR" sz="1600" dirty="0" err="1" smtClean="0">
+                <a:solidFill>
+                  <a:schemeClr val="tx1"/>
+                </a:solidFill>
+                <a:latin typeface="CMU Sans Serif" panose="02000603000000000000" pitchFamily="2" charset="0"/>
+                <a:ea typeface="CMU Sans Serif" panose="02000603000000000000" pitchFamily="2" charset="0"/>
+                <a:cs typeface="CMU Sans Serif" panose="02000603000000000000" pitchFamily="2" charset="0"/>
+              </a:rPr>
+              <a:t>level</a:t>
+            </a:r>
+            <a:r>
+              <a:rPr lang="fr-FR" sz="1600" dirty="0" smtClean="0">
+                <a:solidFill>
+                  <a:schemeClr val="tx1"/>
+                </a:solidFill>
+                <a:latin typeface="CMU Sans Serif" panose="02000603000000000000" pitchFamily="2" charset="0"/>
+                <a:ea typeface="CMU Sans Serif" panose="02000603000000000000" pitchFamily="2" charset="0"/>
+                <a:cs typeface="CMU Sans Serif" panose="02000603000000000000" pitchFamily="2" charset="0"/>
+              </a:rPr>
+              <a:t> OS</a:t>
+            </a:r>
+            <a:endParaRPr lang="fr-FR" sz="1600" dirty="0" smtClean="0">
+              <a:solidFill>
+                <a:schemeClr val="tx1"/>
+              </a:solidFill>
+              <a:latin typeface="CMU Sans Serif" panose="02000603000000000000" pitchFamily="2" charset="0"/>
+              <a:ea typeface="CMU Sans Serif" panose="02000603000000000000" pitchFamily="2" charset="0"/>
+              <a:cs typeface="CMU Sans Serif" panose="02000603000000000000" pitchFamily="2" charset="0"/>
+            </a:endParaRPr>
+          </a:p>
+        </p:txBody>
+      </p:sp>
+      <p:sp>
+        <p:nvSpPr>
+          <p:cNvPr id="59" name="Rectangle 58"/>
+          <p:cNvSpPr/>
+          <p:nvPr/>
+        </p:nvSpPr>
+        <p:spPr>
+          <a:xfrm>
+            <a:off x="4962323" y="3455792"/>
+            <a:ext cx="1722957" cy="288000"/>
+          </a:xfrm>
+          <a:prstGeom prst="rect">
+            <a:avLst/>
+          </a:prstGeom>
+          <a:solidFill>
+            <a:schemeClr val="bg1">
+              <a:lumMod val="95000"/>
+            </a:schemeClr>
+          </a:solidFill>
+          <a:ln>
+            <a:solidFill>
+              <a:srgbClr val="000000"/>
+            </a:solidFill>
+            <a:prstDash val="sysDot"/>
+          </a:ln>
+        </p:spPr>
+        <p:style>
+          <a:lnRef idx="2">
+            <a:schemeClr val="accent4">
+              <a:shade val="50000"/>
+            </a:schemeClr>
+          </a:lnRef>
+          <a:fillRef idx="1">
+            <a:schemeClr val="accent4"/>
+          </a:fillRef>
+          <a:effectRef idx="0">
+            <a:schemeClr val="accent4"/>
+          </a:effectRef>
+          <a:fontRef idx="minor">
+            <a:schemeClr val="lt1"/>
+          </a:fontRef>
+        </p:style>
+        <p:txBody>
+          <a:bodyPr rtlCol="0" anchor="ctr"/>
+          <a:lstStyle/>
+          <a:p>
+            <a:pPr algn="ctr"/>
+            <a:r>
+              <a:rPr lang="fr-FR" sz="1400" dirty="0" smtClean="0">
+                <a:solidFill>
+                  <a:srgbClr val="000000"/>
+                </a:solidFill>
+                <a:latin typeface="CMU Sans Serif" panose="02000603000000000000" pitchFamily="2" charset="0"/>
+                <a:ea typeface="CMU Sans Serif" panose="02000603000000000000" pitchFamily="2" charset="0"/>
+                <a:cs typeface="CMU Sans Serif" panose="02000603000000000000" pitchFamily="2" charset="0"/>
+              </a:rPr>
+              <a:t>Dom1 CM</a:t>
+            </a:r>
+          </a:p>
+        </p:txBody>
+      </p:sp>
+      <p:sp>
+        <p:nvSpPr>
+          <p:cNvPr id="60" name="Rectangle 59"/>
+          <p:cNvSpPr/>
+          <p:nvPr/>
+        </p:nvSpPr>
+        <p:spPr>
+          <a:xfrm>
+            <a:off x="7044911" y="2882884"/>
+            <a:ext cx="1962984" cy="1238334"/>
+          </a:xfrm>
+          <a:prstGeom prst="rect">
+            <a:avLst/>
+          </a:prstGeom>
+          <a:solidFill>
+            <a:schemeClr val="tx1">
+              <a:lumMod val="50000"/>
+              <a:lumOff val="50000"/>
+            </a:schemeClr>
+          </a:solidFill>
+          <a:ln>
+            <a:noFill/>
+          </a:ln>
+        </p:spPr>
+        <p:style>
+          <a:lnRef idx="2">
+            <a:schemeClr val="accent1">
+              <a:shade val="50000"/>
+            </a:schemeClr>
+          </a:lnRef>
+          <a:fillRef idx="1">
+            <a:schemeClr val="accent1"/>
+          </a:fillRef>
+          <a:effectRef idx="0">
+            <a:schemeClr val="accent1"/>
+          </a:effectRef>
+          <a:fontRef idx="minor">
+            <a:schemeClr val="lt1"/>
+          </a:fontRef>
+        </p:style>
+        <p:txBody>
+          <a:bodyPr rtlCol="0" anchor="t"/>
+          <a:lstStyle/>
+          <a:p>
+            <a:r>
+              <a:rPr lang="fr-FR" sz="1600" dirty="0" err="1" smtClean="0">
+                <a:solidFill>
+                  <a:schemeClr val="tx1"/>
+                </a:solidFill>
+                <a:latin typeface="CMU Sans Serif" panose="02000603000000000000" pitchFamily="2" charset="0"/>
+                <a:ea typeface="CMU Sans Serif" panose="02000603000000000000" pitchFamily="2" charset="0"/>
+                <a:cs typeface="CMU Sans Serif" panose="02000603000000000000" pitchFamily="2" charset="0"/>
+              </a:rPr>
+              <a:t>FreeRTOS</a:t>
+            </a:r>
+            <a:r>
+              <a:rPr lang="fr-FR" sz="1600" dirty="0" smtClean="0">
+                <a:solidFill>
+                  <a:schemeClr val="tx1"/>
+                </a:solidFill>
+                <a:latin typeface="CMU Sans Serif" panose="02000603000000000000" pitchFamily="2" charset="0"/>
+                <a:ea typeface="CMU Sans Serif" panose="02000603000000000000" pitchFamily="2" charset="0"/>
+                <a:cs typeface="CMU Sans Serif" panose="02000603000000000000" pitchFamily="2" charset="0"/>
+              </a:rPr>
+              <a:t> / High </a:t>
+            </a:r>
+            <a:r>
+              <a:rPr lang="fr-FR" sz="1600" dirty="0" err="1" smtClean="0">
+                <a:solidFill>
+                  <a:schemeClr val="tx1"/>
+                </a:solidFill>
+                <a:latin typeface="CMU Sans Serif" panose="02000603000000000000" pitchFamily="2" charset="0"/>
+                <a:ea typeface="CMU Sans Serif" panose="02000603000000000000" pitchFamily="2" charset="0"/>
+                <a:cs typeface="CMU Sans Serif" panose="02000603000000000000" pitchFamily="2" charset="0"/>
+              </a:rPr>
+              <a:t>level</a:t>
+            </a:r>
+            <a:r>
+              <a:rPr lang="fr-FR" sz="1600" dirty="0" smtClean="0">
+                <a:solidFill>
+                  <a:schemeClr val="tx1"/>
+                </a:solidFill>
+                <a:latin typeface="CMU Sans Serif" panose="02000603000000000000" pitchFamily="2" charset="0"/>
+                <a:ea typeface="CMU Sans Serif" panose="02000603000000000000" pitchFamily="2" charset="0"/>
+                <a:cs typeface="CMU Sans Serif" panose="02000603000000000000" pitchFamily="2" charset="0"/>
+              </a:rPr>
+              <a:t> OS</a:t>
+            </a:r>
+            <a:endParaRPr lang="fr-FR" sz="1600" dirty="0" smtClean="0">
+              <a:solidFill>
+                <a:schemeClr val="tx1"/>
+              </a:solidFill>
+              <a:latin typeface="CMU Sans Serif" panose="02000603000000000000" pitchFamily="2" charset="0"/>
+              <a:ea typeface="CMU Sans Serif" panose="02000603000000000000" pitchFamily="2" charset="0"/>
+              <a:cs typeface="CMU Sans Serif" panose="02000603000000000000" pitchFamily="2" charset="0"/>
+            </a:endParaRPr>
+          </a:p>
+        </p:txBody>
+      </p:sp>
+      <p:sp>
+        <p:nvSpPr>
+          <p:cNvPr id="61" name="Rectangle 60"/>
+          <p:cNvSpPr/>
+          <p:nvPr/>
+        </p:nvSpPr>
+        <p:spPr>
+          <a:xfrm>
+            <a:off x="7110524" y="3720439"/>
+            <a:ext cx="1800000" cy="288000"/>
+          </a:xfrm>
+          <a:prstGeom prst="rect">
+            <a:avLst/>
+          </a:prstGeom>
+          <a:solidFill>
+            <a:schemeClr val="bg1">
+              <a:lumMod val="95000"/>
+            </a:schemeClr>
+          </a:solidFill>
+          <a:ln>
+            <a:solidFill>
+              <a:srgbClr val="000000"/>
+            </a:solidFill>
+            <a:prstDash val="sysDot"/>
+          </a:ln>
+        </p:spPr>
+        <p:style>
+          <a:lnRef idx="2">
+            <a:schemeClr val="accent5">
+              <a:shade val="50000"/>
+            </a:schemeClr>
+          </a:lnRef>
+          <a:fillRef idx="1">
+            <a:schemeClr val="accent5"/>
+          </a:fillRef>
+          <a:effectRef idx="0">
+            <a:schemeClr val="accent5"/>
+          </a:effectRef>
+          <a:fontRef idx="minor">
+            <a:schemeClr val="lt1"/>
+          </a:fontRef>
+        </p:style>
+        <p:txBody>
+          <a:bodyPr rtlCol="0" anchor="ctr"/>
+          <a:lstStyle/>
+          <a:p>
+            <a:pPr algn="ctr"/>
+            <a:r>
+              <a:rPr lang="fr-FR" sz="1400" dirty="0" smtClean="0">
+                <a:solidFill>
+                  <a:srgbClr val="000000"/>
+                </a:solidFill>
+                <a:latin typeface="CMU Sans Serif" panose="02000603000000000000" pitchFamily="2" charset="0"/>
+                <a:ea typeface="CMU Sans Serif" panose="02000603000000000000" pitchFamily="2" charset="0"/>
+                <a:cs typeface="CMU Sans Serif" panose="02000603000000000000" pitchFamily="2" charset="0"/>
+              </a:rPr>
+              <a:t>Dom2 CM</a:t>
+            </a:r>
+          </a:p>
+        </p:txBody>
+      </p:sp>
+      <p:cxnSp>
+        <p:nvCxnSpPr>
+          <p:cNvPr id="63" name="Connecteur droit 62"/>
+          <p:cNvCxnSpPr>
+            <a:stCxn id="61" idx="1"/>
+            <a:endCxn id="46" idx="3"/>
+          </p:cNvCxnSpPr>
+          <p:nvPr/>
+        </p:nvCxnSpPr>
+        <p:spPr>
+          <a:xfrm flipH="1">
+            <a:off x="2540448" y="3864439"/>
+            <a:ext cx="4570076" cy="6238"/>
+          </a:xfrm>
+          <a:prstGeom prst="line">
+            <a:avLst/>
+          </a:prstGeom>
+          <a:ln w="28575"/>
+        </p:spPr>
+        <p:style>
+          <a:lnRef idx="1">
+            <a:schemeClr val="dk1"/>
+          </a:lnRef>
+          <a:fillRef idx="0">
+            <a:schemeClr val="dk1"/>
+          </a:fillRef>
+          <a:effectRef idx="0">
+            <a:schemeClr val="dk1"/>
+          </a:effectRef>
+          <a:fontRef idx="minor">
+            <a:schemeClr val="tx1"/>
+          </a:fontRef>
+        </p:style>
+      </p:cxnSp>
+      <p:cxnSp>
+        <p:nvCxnSpPr>
+          <p:cNvPr id="65" name="Connecteur droit 64"/>
+          <p:cNvCxnSpPr>
+            <a:stCxn id="59" idx="1"/>
+            <a:endCxn id="46" idx="3"/>
+          </p:cNvCxnSpPr>
+          <p:nvPr/>
+        </p:nvCxnSpPr>
+        <p:spPr>
+          <a:xfrm flipH="1">
+            <a:off x="2540448" y="3599792"/>
+            <a:ext cx="2421875" cy="270885"/>
+          </a:xfrm>
+          <a:prstGeom prst="line">
+            <a:avLst/>
+          </a:prstGeom>
+          <a:ln w="28575"/>
+        </p:spPr>
+        <p:style>
+          <a:lnRef idx="1">
+            <a:schemeClr val="dk1"/>
+          </a:lnRef>
+          <a:fillRef idx="0">
+            <a:schemeClr val="dk1"/>
+          </a:fillRef>
+          <a:effectRef idx="0">
+            <a:schemeClr val="dk1"/>
+          </a:effectRef>
+          <a:fontRef idx="minor">
+            <a:schemeClr val="tx1"/>
+          </a:fontRef>
+        </p:style>
+      </p:cxnSp>
+    </p:spTree>
+    <p:extLst>
+      <p:ext uri="{BB962C8B-B14F-4D97-AF65-F5344CB8AC3E}">
+        <p14:creationId xmlns:p14="http://schemas.microsoft.com/office/powerpoint/2010/main" val="1484390950"/>
+      </p:ext>
+    </p:extLst>
+  </p:cSld>
+  <p:clrMapOvr>
+    <a:masterClrMapping/>
+  </p:clrMapOvr>
+  <mc:AlternateContent xmlns:mc="http://schemas.openxmlformats.org/markup-compatibility/2006" xmlns:p14="http://schemas.microsoft.com/office/powerpoint/2010/main">
+    <mc:Choice Requires="p14">
+      <p:transition spd="med" p14:dur="700">
+        <p:fade/>
+      </p:transition>
+    </mc:Choice>
+    <mc:Fallback xmlns="">
+      <p:transition spd="med">
+        <p:fade/>
+      </p:transition>
+    </mc:Fallback>
+  </mc:AlternateContent>
+</p:sld>
+</file>
+
+<file path=ppt/slides/slide3.xml><?xml version="1.0" encoding="utf-8"?>
+<p:sld xmlns:a="http://schemas.openxmlformats.org/drawingml/2006/main" xmlns:r="http://schemas.openxmlformats.org/officeDocument/2006/relationships" xmlns:p="http://schemas.openxmlformats.org/presentationml/2006/main">
+  <p:cSld>
+    <p:spTree>
+      <p:nvGrpSpPr>
+        <p:cNvPr id="1" name=""/>
+        <p:cNvGrpSpPr/>
+        <p:nvPr/>
+      </p:nvGrpSpPr>
+      <p:grpSpPr>
+        <a:xfrm>
+          <a:off x="0" y="0"/>
+          <a:ext cx="0" cy="0"/>
+          <a:chOff x="0" y="0"/>
+          <a:chExt cx="0" cy="0"/>
+        </a:xfrm>
+      </p:grpSpPr>
+      <p:sp>
+        <p:nvSpPr>
+          <p:cNvPr id="25" name="Rectangle 24"/>
+          <p:cNvSpPr/>
+          <p:nvPr/>
+        </p:nvSpPr>
+        <p:spPr>
+          <a:xfrm>
+            <a:off x="548640" y="339502"/>
+            <a:ext cx="8415848" cy="3815938"/>
+          </a:xfrm>
+          <a:prstGeom prst="rect">
+            <a:avLst/>
+          </a:prstGeom>
+          <a:solidFill>
+            <a:schemeClr val="bg1">
+              <a:lumMod val="75000"/>
+            </a:schemeClr>
+          </a:solidFill>
+          <a:ln>
+            <a:solidFill>
+              <a:srgbClr val="000000"/>
+            </a:solidFill>
+          </a:ln>
+        </p:spPr>
+        <p:style>
+          <a:lnRef idx="2">
+            <a:schemeClr val="accent3">
+              <a:shade val="50000"/>
+            </a:schemeClr>
+          </a:lnRef>
+          <a:fillRef idx="1">
+            <a:schemeClr val="accent3"/>
+          </a:fillRef>
+          <a:effectRef idx="0">
+            <a:schemeClr val="accent3"/>
+          </a:effectRef>
+          <a:fontRef idx="minor">
+            <a:schemeClr val="lt1"/>
+          </a:fontRef>
+        </p:style>
+        <p:txBody>
+          <a:bodyPr rtlCol="0" anchor="t"/>
+          <a:lstStyle/>
+          <a:p>
+            <a:r>
+              <a:rPr lang="fr-FR" sz="1600" dirty="0" smtClean="0">
+                <a:solidFill>
+                  <a:srgbClr val="000000"/>
+                </a:solidFill>
+                <a:latin typeface="CMU Sans Serif" panose="02000603000000000000" pitchFamily="2" charset="0"/>
+                <a:ea typeface="CMU Sans Serif" panose="02000603000000000000" pitchFamily="2" charset="0"/>
+                <a:cs typeface="CMU Sans Serif" panose="02000603000000000000" pitchFamily="2" charset="0"/>
+              </a:rPr>
+              <a:t>Dom0 - </a:t>
             </a:r>
             <a:r>
               <a:rPr lang="fr-FR" sz="1600" dirty="0" err="1" smtClean="0">
@@ -10195,7 +13369,7 @@
   <a:extraClrSchemeLst/>
   <a:extLst>
     <a:ext uri="{05A4C25C-085E-4340-85A3-A5531E510DB2}">
-      <thm15:themeFamily xmlns="" xmlns:thm15="http://schemas.microsoft.com/office/thememl/2012/main" name="OFR_OBS-template_external.potx" id="{8E63A4C0-0D5B-4AB0-9B17-28650E3A1109}" vid="{213D95EF-7056-43E0-9767-0E799F788926}"/>
+      <thm15:themeFamily xmlns:thm15="http://schemas.microsoft.com/office/thememl/2012/main" xmlns="" name="OFR_OBS-template_external.potx" id="{8E63A4C0-0D5B-4AB0-9B17-28650E3A1109}" vid="{213D95EF-7056-43E0-9767-0E799F788926}"/>
     </a:ext>
   </a:extLst>
 </a:theme>
